--- a/ppts/Chapter 2 Slides.pptx
+++ b/ppts/Chapter 2 Slides.pptx
@@ -5,7 +5,7 @@
     <p:sldMasterId id="2147483660" r:id="rId1"/>
   </p:sldMasterIdLst>
   <p:notesMasterIdLst>
-    <p:notesMasterId r:id="rId13"/>
+    <p:notesMasterId r:id="rId18"/>
   </p:notesMasterIdLst>
   <p:sldIdLst>
     <p:sldId id="256" r:id="rId2"/>
@@ -19,6 +19,11 @@
     <p:sldId id="264" r:id="rId10"/>
     <p:sldId id="265" r:id="rId11"/>
     <p:sldId id="266" r:id="rId12"/>
+    <p:sldId id="267" r:id="rId13"/>
+    <p:sldId id="269" r:id="rId14"/>
+    <p:sldId id="270" r:id="rId15"/>
+    <p:sldId id="271" r:id="rId16"/>
+    <p:sldId id="268" r:id="rId17"/>
   </p:sldIdLst>
   <p:sldSz cx="9144000" cy="6858000" type="screen4x3"/>
   <p:notesSz cx="6858000" cy="9144000"/>
@@ -117,6 +122,22 @@
       </a:defRPr>
     </a:lvl9pPr>
   </p:defaultTextStyle>
+  <p:extLst>
+    <p:ext uri="{EFAFB233-063F-42B5-8137-9DF3F51BA10A}">
+      <p15:sldGuideLst xmlns:p15="http://schemas.microsoft.com/office/powerpoint/2012/main" xmlns="">
+        <p15:guide id="1" orient="horz" pos="2160">
+          <p15:clr>
+            <a:srgbClr val="A4A3A4"/>
+          </p15:clr>
+        </p15:guide>
+        <p15:guide id="2" pos="2880">
+          <p15:clr>
+            <a:srgbClr val="A4A3A4"/>
+          </p15:clr>
+        </p15:guide>
+      </p15:sldGuideLst>
+    </p:ext>
+  </p:extLst>
 </p:presentation>
 </file>
 
@@ -202,7 +223,7 @@
           <a:p>
             <a:fld id="{A875C063-02D5-2B46-9C85-346D4D5535FE}" type="datetimeFigureOut">
               <a:rPr lang="en-US" smtClean="0"/>
-              <a:t>8/23/16</a:t>
+              <a:t>9/12/16</a:t>
             </a:fld>
             <a:endParaRPr lang="en-US"/>
           </a:p>
@@ -756,6 +777,401 @@
 </p:notes>
 </file>
 
+<file path=ppt/notesSlides/notesSlide4.xml><?xml version="1.0" encoding="utf-8"?>
+<p:notes xmlns:a="http://schemas.openxmlformats.org/drawingml/2006/main" xmlns:r="http://schemas.openxmlformats.org/officeDocument/2006/relationships" xmlns:p="http://schemas.openxmlformats.org/presentationml/2006/main">
+  <p:cSld>
+    <p:spTree>
+      <p:nvGrpSpPr>
+        <p:cNvPr id="1" name=""/>
+        <p:cNvGrpSpPr/>
+        <p:nvPr/>
+      </p:nvGrpSpPr>
+      <p:grpSpPr>
+        <a:xfrm>
+          <a:off x="0" y="0"/>
+          <a:ext cx="0" cy="0"/>
+          <a:chOff x="0" y="0"/>
+          <a:chExt cx="0" cy="0"/>
+        </a:xfrm>
+      </p:grpSpPr>
+      <p:sp>
+        <p:nvSpPr>
+          <p:cNvPr id="2" name="Slide Image Placeholder 1"/>
+          <p:cNvSpPr>
+            <a:spLocks noGrp="1" noRot="1" noChangeAspect="1"/>
+          </p:cNvSpPr>
+          <p:nvPr>
+            <p:ph type="sldImg"/>
+          </p:nvPr>
+        </p:nvSpPr>
+        <p:spPr/>
+      </p:sp>
+      <p:sp>
+        <p:nvSpPr>
+          <p:cNvPr id="3" name="Notes Placeholder 2"/>
+          <p:cNvSpPr>
+            <a:spLocks noGrp="1"/>
+          </p:cNvSpPr>
+          <p:nvPr>
+            <p:ph type="body" idx="1"/>
+          </p:nvPr>
+        </p:nvSpPr>
+        <p:spPr/>
+        <p:txBody>
+          <a:bodyPr/>
+          <a:lstStyle/>
+          <a:p>
+            <a:pPr marL="0" marR="0" lvl="1" indent="0" algn="l" defTabSz="457200" rtl="0" eaLnBrk="1" fontAlgn="auto" latinLnBrk="0" hangingPunct="1">
+              <a:lnSpc>
+                <a:spcPct val="100000"/>
+              </a:lnSpc>
+              <a:spcBef>
+                <a:spcPts val="0"/>
+              </a:spcBef>
+              <a:spcAft>
+                <a:spcPts val="0"/>
+              </a:spcAft>
+              <a:buClrTx/>
+              <a:buSzTx/>
+              <a:buFontTx/>
+              <a:buNone/>
+              <a:tabLst/>
+              <a:defRPr/>
+            </a:pPr>
+            <a:r>
+              <a:rPr lang="en-US" i="0" dirty="0" smtClean="0"/>
+              <a:t>Grievances rooted in conflicts over claims to rewards and opportunities among groups differentially situated in the social system</a:t>
+            </a:r>
+          </a:p>
+          <a:p>
+            <a:endParaRPr lang="en-US" dirty="0"/>
+          </a:p>
+        </p:txBody>
+      </p:sp>
+      <p:sp>
+        <p:nvSpPr>
+          <p:cNvPr id="4" name="Slide Number Placeholder 3"/>
+          <p:cNvSpPr>
+            <a:spLocks noGrp="1"/>
+          </p:cNvSpPr>
+          <p:nvPr>
+            <p:ph type="sldNum" sz="quarter" idx="10"/>
+          </p:nvPr>
+        </p:nvSpPr>
+        <p:spPr/>
+        <p:txBody>
+          <a:bodyPr/>
+          <a:lstStyle/>
+          <a:p>
+            <a:fld id="{ED8B9EAB-9194-C349-939B-458D4FF5A6A9}" type="slidenum">
+              <a:rPr lang="en-US" smtClean="0"/>
+              <a:t>9</a:t>
+            </a:fld>
+            <a:endParaRPr lang="en-US"/>
+          </a:p>
+        </p:txBody>
+      </p:sp>
+    </p:spTree>
+    <p:extLst>
+      <p:ext uri="{BB962C8B-B14F-4D97-AF65-F5344CB8AC3E}">
+        <p14:creationId xmlns:p14="http://schemas.microsoft.com/office/powerpoint/2010/main" val="1819920057"/>
+      </p:ext>
+    </p:extLst>
+  </p:cSld>
+  <p:clrMapOvr>
+    <a:masterClrMapping/>
+  </p:clrMapOvr>
+</p:notes>
+</file>
+
+<file path=ppt/notesSlides/notesSlide5.xml><?xml version="1.0" encoding="utf-8"?>
+<p:notes xmlns:a="http://schemas.openxmlformats.org/drawingml/2006/main" xmlns:r="http://schemas.openxmlformats.org/officeDocument/2006/relationships" xmlns:p="http://schemas.openxmlformats.org/presentationml/2006/main">
+  <p:cSld>
+    <p:spTree>
+      <p:nvGrpSpPr>
+        <p:cNvPr id="1" name=""/>
+        <p:cNvGrpSpPr/>
+        <p:nvPr/>
+      </p:nvGrpSpPr>
+      <p:grpSpPr>
+        <a:xfrm>
+          <a:off x="0" y="0"/>
+          <a:ext cx="0" cy="0"/>
+          <a:chOff x="0" y="0"/>
+          <a:chExt cx="0" cy="0"/>
+        </a:xfrm>
+      </p:grpSpPr>
+      <p:sp>
+        <p:nvSpPr>
+          <p:cNvPr id="2" name="Slide Image Placeholder 1"/>
+          <p:cNvSpPr>
+            <a:spLocks noGrp="1" noRot="1" noChangeAspect="1"/>
+          </p:cNvSpPr>
+          <p:nvPr>
+            <p:ph type="sldImg"/>
+          </p:nvPr>
+        </p:nvSpPr>
+        <p:spPr/>
+      </p:sp>
+      <p:sp>
+        <p:nvSpPr>
+          <p:cNvPr id="3" name="Notes Placeholder 2"/>
+          <p:cNvSpPr>
+            <a:spLocks noGrp="1"/>
+          </p:cNvSpPr>
+          <p:nvPr>
+            <p:ph type="body" idx="1"/>
+          </p:nvPr>
+        </p:nvSpPr>
+        <p:spPr/>
+        <p:txBody>
+          <a:bodyPr/>
+          <a:lstStyle/>
+          <a:p>
+            <a:r>
+              <a:rPr lang="en-US" dirty="0" smtClean="0"/>
+              <a:t>Weakens</a:t>
+            </a:r>
+            <a:r>
+              <a:rPr lang="en-US" baseline="0" dirty="0" smtClean="0"/>
+              <a:t> social constraints and loosens national fabric</a:t>
+            </a:r>
+            <a:endParaRPr lang="en-US" dirty="0"/>
+          </a:p>
+        </p:txBody>
+      </p:sp>
+      <p:sp>
+        <p:nvSpPr>
+          <p:cNvPr id="4" name="Slide Number Placeholder 3"/>
+          <p:cNvSpPr>
+            <a:spLocks noGrp="1"/>
+          </p:cNvSpPr>
+          <p:nvPr>
+            <p:ph type="sldNum" sz="quarter" idx="10"/>
+          </p:nvPr>
+        </p:nvSpPr>
+        <p:spPr/>
+        <p:txBody>
+          <a:bodyPr/>
+          <a:lstStyle/>
+          <a:p>
+            <a:fld id="{ED8B9EAB-9194-C349-939B-458D4FF5A6A9}" type="slidenum">
+              <a:rPr lang="en-US" smtClean="0"/>
+              <a:t>11</a:t>
+            </a:fld>
+            <a:endParaRPr lang="en-US"/>
+          </a:p>
+        </p:txBody>
+      </p:sp>
+    </p:spTree>
+    <p:extLst>
+      <p:ext uri="{BB962C8B-B14F-4D97-AF65-F5344CB8AC3E}">
+        <p14:creationId xmlns:p14="http://schemas.microsoft.com/office/powerpoint/2010/main" val="3538134952"/>
+      </p:ext>
+    </p:extLst>
+  </p:cSld>
+  <p:clrMapOvr>
+    <a:masterClrMapping/>
+  </p:clrMapOvr>
+</p:notes>
+</file>
+
+<file path=ppt/notesSlides/notesSlide6.xml><?xml version="1.0" encoding="utf-8"?>
+<p:notes xmlns:a="http://schemas.openxmlformats.org/drawingml/2006/main" xmlns:r="http://schemas.openxmlformats.org/officeDocument/2006/relationships" xmlns:p="http://schemas.openxmlformats.org/presentationml/2006/main">
+  <p:cSld>
+    <p:spTree>
+      <p:nvGrpSpPr>
+        <p:cNvPr id="1" name=""/>
+        <p:cNvGrpSpPr/>
+        <p:nvPr/>
+      </p:nvGrpSpPr>
+      <p:grpSpPr>
+        <a:xfrm>
+          <a:off x="0" y="0"/>
+          <a:ext cx="0" cy="0"/>
+          <a:chOff x="0" y="0"/>
+          <a:chExt cx="0" cy="0"/>
+        </a:xfrm>
+      </p:grpSpPr>
+      <p:sp>
+        <p:nvSpPr>
+          <p:cNvPr id="2" name="Slide Image Placeholder 1"/>
+          <p:cNvSpPr>
+            <a:spLocks noGrp="1" noRot="1" noChangeAspect="1"/>
+          </p:cNvSpPr>
+          <p:nvPr>
+            <p:ph type="sldImg"/>
+          </p:nvPr>
+        </p:nvSpPr>
+        <p:spPr/>
+      </p:sp>
+      <p:sp>
+        <p:nvSpPr>
+          <p:cNvPr id="3" name="Notes Placeholder 2"/>
+          <p:cNvSpPr>
+            <a:spLocks noGrp="1"/>
+          </p:cNvSpPr>
+          <p:nvPr>
+            <p:ph type="body" idx="1"/>
+          </p:nvPr>
+        </p:nvSpPr>
+        <p:spPr/>
+        <p:txBody>
+          <a:bodyPr/>
+          <a:lstStyle/>
+          <a:p>
+            <a:r>
+              <a:rPr lang="en-US" dirty="0" smtClean="0"/>
+              <a:t>Weakens</a:t>
+            </a:r>
+            <a:r>
+              <a:rPr lang="en-US" baseline="0" dirty="0" smtClean="0"/>
+              <a:t> social constraints and loosens national fabric</a:t>
+            </a:r>
+            <a:endParaRPr lang="en-US" dirty="0"/>
+          </a:p>
+        </p:txBody>
+      </p:sp>
+      <p:sp>
+        <p:nvSpPr>
+          <p:cNvPr id="4" name="Slide Number Placeholder 3"/>
+          <p:cNvSpPr>
+            <a:spLocks noGrp="1"/>
+          </p:cNvSpPr>
+          <p:nvPr>
+            <p:ph type="sldNum" sz="quarter" idx="10"/>
+          </p:nvPr>
+        </p:nvSpPr>
+        <p:spPr/>
+        <p:txBody>
+          <a:bodyPr/>
+          <a:lstStyle/>
+          <a:p>
+            <a:fld id="{ED8B9EAB-9194-C349-939B-458D4FF5A6A9}" type="slidenum">
+              <a:rPr lang="en-US" smtClean="0"/>
+              <a:t>13</a:t>
+            </a:fld>
+            <a:endParaRPr lang="en-US"/>
+          </a:p>
+        </p:txBody>
+      </p:sp>
+    </p:spTree>
+    <p:extLst>
+      <p:ext uri="{BB962C8B-B14F-4D97-AF65-F5344CB8AC3E}">
+        <p14:creationId xmlns:p14="http://schemas.microsoft.com/office/powerpoint/2010/main" val="3538134952"/>
+      </p:ext>
+    </p:extLst>
+  </p:cSld>
+  <p:clrMapOvr>
+    <a:masterClrMapping/>
+  </p:clrMapOvr>
+</p:notes>
+</file>
+
+<file path=ppt/notesSlides/notesSlide7.xml><?xml version="1.0" encoding="utf-8"?>
+<p:notes xmlns:a="http://schemas.openxmlformats.org/drawingml/2006/main" xmlns:r="http://schemas.openxmlformats.org/officeDocument/2006/relationships" xmlns:p="http://schemas.openxmlformats.org/presentationml/2006/main">
+  <p:cSld>
+    <p:spTree>
+      <p:nvGrpSpPr>
+        <p:cNvPr id="1" name=""/>
+        <p:cNvGrpSpPr/>
+        <p:nvPr/>
+      </p:nvGrpSpPr>
+      <p:grpSpPr>
+        <a:xfrm>
+          <a:off x="0" y="0"/>
+          <a:ext cx="0" cy="0"/>
+          <a:chOff x="0" y="0"/>
+          <a:chExt cx="0" cy="0"/>
+        </a:xfrm>
+      </p:grpSpPr>
+      <p:sp>
+        <p:nvSpPr>
+          <p:cNvPr id="2" name="Slide Image Placeholder 1"/>
+          <p:cNvSpPr>
+            <a:spLocks noGrp="1" noRot="1" noChangeAspect="1"/>
+          </p:cNvSpPr>
+          <p:nvPr>
+            <p:ph type="sldImg"/>
+          </p:nvPr>
+        </p:nvSpPr>
+        <p:spPr/>
+      </p:sp>
+      <p:sp>
+        <p:nvSpPr>
+          <p:cNvPr id="3" name="Notes Placeholder 2"/>
+          <p:cNvSpPr>
+            <a:spLocks noGrp="1"/>
+          </p:cNvSpPr>
+          <p:nvPr>
+            <p:ph type="body" idx="1"/>
+          </p:nvPr>
+        </p:nvSpPr>
+        <p:spPr/>
+        <p:txBody>
+          <a:bodyPr/>
+          <a:lstStyle/>
+          <a:p>
+            <a:r>
+              <a:rPr lang="en-US" dirty="0" smtClean="0"/>
+              <a:t>Both actual</a:t>
+            </a:r>
+            <a:r>
+              <a:rPr lang="en-US" baseline="0" dirty="0" smtClean="0"/>
+              <a:t> and threatened loss in the quotidian are enough to spur action. </a:t>
+            </a:r>
+            <a:r>
+              <a:rPr lang="en-US" baseline="0" dirty="0" err="1" smtClean="0"/>
+              <a:t>Ppl</a:t>
+            </a:r>
+            <a:r>
+              <a:rPr lang="en-US" baseline="0" dirty="0" smtClean="0"/>
+              <a:t> are motivated to recoup what they have already lost or guard against the prospect </a:t>
+            </a:r>
+            <a:r>
+              <a:rPr lang="en-US" baseline="0" smtClean="0"/>
+              <a:t>of such loss</a:t>
+            </a:r>
+            <a:endParaRPr lang="en-US" dirty="0"/>
+          </a:p>
+        </p:txBody>
+      </p:sp>
+      <p:sp>
+        <p:nvSpPr>
+          <p:cNvPr id="4" name="Slide Number Placeholder 3"/>
+          <p:cNvSpPr>
+            <a:spLocks noGrp="1"/>
+          </p:cNvSpPr>
+          <p:nvPr>
+            <p:ph type="sldNum" sz="quarter" idx="10"/>
+          </p:nvPr>
+        </p:nvSpPr>
+        <p:spPr/>
+        <p:txBody>
+          <a:bodyPr/>
+          <a:lstStyle/>
+          <a:p>
+            <a:fld id="{ED8B9EAB-9194-C349-939B-458D4FF5A6A9}" type="slidenum">
+              <a:rPr lang="en-US" smtClean="0"/>
+              <a:t>15</a:t>
+            </a:fld>
+            <a:endParaRPr lang="en-US"/>
+          </a:p>
+        </p:txBody>
+      </p:sp>
+    </p:spTree>
+    <p:extLst>
+      <p:ext uri="{BB962C8B-B14F-4D97-AF65-F5344CB8AC3E}">
+        <p14:creationId xmlns:p14="http://schemas.microsoft.com/office/powerpoint/2010/main" val="3538134952"/>
+      </p:ext>
+    </p:extLst>
+  </p:cSld>
+  <p:clrMapOvr>
+    <a:masterClrMapping/>
+  </p:clrMapOvr>
+</p:notes>
+</file>
+
 <file path=ppt/slideLayouts/slideLayout1.xml><?xml version="1.0" encoding="utf-8"?>
 <p:sldLayout xmlns:a="http://schemas.openxmlformats.org/drawingml/2006/main" xmlns:r="http://schemas.openxmlformats.org/officeDocument/2006/relationships" xmlns:p="http://schemas.openxmlformats.org/presentationml/2006/main" showMasterSp="0" type="title" preserve="1">
   <p:cSld name="Title Slide">
@@ -1042,7 +1458,7 @@
           <a:p>
             <a:fld id="{55004B5D-1CA2-CD4C-BA45-D2797EC0AABB}" type="datetimeFigureOut">
               <a:rPr lang="en-US" smtClean="0"/>
-              <a:t>8/23/16</a:t>
+              <a:t>9/12/16</a:t>
             </a:fld>
             <a:endParaRPr lang="en-US"/>
           </a:p>
@@ -1233,7 +1649,7 @@
           <a:p>
             <a:fld id="{55004B5D-1CA2-CD4C-BA45-D2797EC0AABB}" type="datetimeFigureOut">
               <a:rPr lang="en-US" smtClean="0"/>
-              <a:t>8/23/16</a:t>
+              <a:t>9/12/16</a:t>
             </a:fld>
             <a:endParaRPr lang="en-US"/>
           </a:p>
@@ -1413,7 +1829,7 @@
           <a:p>
             <a:fld id="{55004B5D-1CA2-CD4C-BA45-D2797EC0AABB}" type="datetimeFigureOut">
               <a:rPr lang="en-US" smtClean="0"/>
-              <a:t>8/23/16</a:t>
+              <a:t>9/12/16</a:t>
             </a:fld>
             <a:endParaRPr lang="en-US"/>
           </a:p>
@@ -1676,7 +2092,7 @@
           <a:p>
             <a:fld id="{55004B5D-1CA2-CD4C-BA45-D2797EC0AABB}" type="datetimeFigureOut">
               <a:rPr lang="en-US" smtClean="0"/>
-              <a:t>8/23/16</a:t>
+              <a:t>9/12/16</a:t>
             </a:fld>
             <a:endParaRPr lang="en-US"/>
           </a:p>
@@ -2087,7 +2503,7 @@
           <a:p>
             <a:fld id="{55004B5D-1CA2-CD4C-BA45-D2797EC0AABB}" type="datetimeFigureOut">
               <a:rPr lang="en-US" smtClean="0"/>
-              <a:t>8/23/16</a:t>
+              <a:t>9/12/16</a:t>
             </a:fld>
             <a:endParaRPr lang="en-US"/>
           </a:p>
@@ -2329,7 +2745,7 @@
           <a:p>
             <a:fld id="{55004B5D-1CA2-CD4C-BA45-D2797EC0AABB}" type="datetimeFigureOut">
               <a:rPr lang="en-US" smtClean="0"/>
-              <a:t>8/23/16</a:t>
+              <a:t>9/12/16</a:t>
             </a:fld>
             <a:endParaRPr lang="en-US"/>
           </a:p>
@@ -2565,7 +2981,7 @@
           <a:p>
             <a:fld id="{55004B5D-1CA2-CD4C-BA45-D2797EC0AABB}" type="datetimeFigureOut">
               <a:rPr lang="en-US" smtClean="0"/>
-              <a:t>8/23/16</a:t>
+              <a:t>9/12/16</a:t>
             </a:fld>
             <a:endParaRPr lang="en-US"/>
           </a:p>
@@ -2760,7 +3176,7 @@
           <a:p>
             <a:fld id="{55004B5D-1CA2-CD4C-BA45-D2797EC0AABB}" type="datetimeFigureOut">
               <a:rPr lang="en-US" smtClean="0"/>
-              <a:t>8/23/16</a:t>
+              <a:t>9/12/16</a:t>
             </a:fld>
             <a:endParaRPr lang="en-US"/>
           </a:p>
@@ -2858,7 +3274,7 @@
           <a:p>
             <a:fld id="{55004B5D-1CA2-CD4C-BA45-D2797EC0AABB}" type="datetimeFigureOut">
               <a:rPr lang="en-US" smtClean="0"/>
-              <a:t>8/23/16</a:t>
+              <a:t>9/12/16</a:t>
             </a:fld>
             <a:endParaRPr lang="en-US"/>
           </a:p>
@@ -2994,7 +3410,7 @@
           <a:p>
             <a:fld id="{55004B5D-1CA2-CD4C-BA45-D2797EC0AABB}" type="datetimeFigureOut">
               <a:rPr lang="en-US" smtClean="0"/>
-              <a:t>8/23/16</a:t>
+              <a:t>9/12/16</a:t>
             </a:fld>
             <a:endParaRPr lang="en-US"/>
           </a:p>
@@ -3507,7 +3923,7 @@
           <a:p>
             <a:fld id="{55004B5D-1CA2-CD4C-BA45-D2797EC0AABB}" type="datetimeFigureOut">
               <a:rPr lang="en-US" smtClean="0"/>
-              <a:t>8/23/16</a:t>
+              <a:t>9/12/16</a:t>
             </a:fld>
             <a:endParaRPr lang="en-US"/>
           </a:p>
@@ -3768,7 +4184,7 @@
           <a:p>
             <a:fld id="{55004B5D-1CA2-CD4C-BA45-D2797EC0AABB}" type="datetimeFigureOut">
               <a:rPr lang="en-US" smtClean="0"/>
-              <a:t>8/23/16</a:t>
+              <a:t>9/12/16</a:t>
             </a:fld>
             <a:endParaRPr lang="en-US"/>
           </a:p>
@@ -4379,7 +4795,15 @@
           <a:p>
             <a:r>
               <a:rPr lang="en-US" sz="3600" dirty="0" smtClean="0"/>
-              <a:t>Problem with “Grievances Result from Structural or Material Conditions” Argument</a:t>
+              <a:t>Problem with </a:t>
+            </a:r>
+            <a:r>
+              <a:rPr lang="en-US" sz="3600" dirty="0" smtClean="0"/>
+              <a:t>“Inequality” </a:t>
+            </a:r>
+            <a:r>
+              <a:rPr lang="en-US" sz="3600" dirty="0" smtClean="0"/>
+              <a:t>Argument</a:t>
             </a:r>
             <a:endParaRPr lang="en-US" sz="3600" dirty="0"/>
           </a:p>
@@ -4401,27 +4825,34 @@
           <a:lstStyle/>
           <a:p>
             <a:r>
+              <a:rPr lang="en-US" dirty="0" smtClean="0"/>
+              <a:t>Groups </a:t>
+            </a:r>
+            <a:r>
+              <a:rPr lang="en-US" dirty="0" smtClean="0"/>
+              <a:t>are hierarchically situated in </a:t>
+            </a:r>
+            <a:r>
               <a:rPr lang="en-US" dirty="0"/>
-              <a:t>C</a:t>
-            </a:r>
-            <a:r>
-              <a:rPr lang="en-US" dirty="0" smtClean="0"/>
-              <a:t>onflict (over the distribution of resources, rewards, opportunity) is ubiquitous</a:t>
-            </a:r>
-          </a:p>
-          <a:p>
-            <a:pPr lvl="1"/>
+              <a:t>the social </a:t>
+            </a:r>
+            <a:r>
+              <a:rPr lang="en-US" dirty="0" smtClean="0"/>
+              <a:t>system, yet </a:t>
+            </a:r>
             <a:r>
               <a:rPr lang="en-US" dirty="0"/>
-              <a:t>All social groups differentially situated hierarchically in the social </a:t>
-            </a:r>
-            <a:r>
-              <a:rPr lang="en-US" dirty="0" smtClean="0"/>
-              <a:t>system, yet conflicts don’t always materialize</a:t>
-            </a:r>
-          </a:p>
-          <a:p>
-            <a:pPr lvl="1"/>
+              <a:t>conflicts (over the distribution of resources, rewards, opportunity) </a:t>
+            </a:r>
+            <a:r>
+              <a:rPr lang="en-US" dirty="0" smtClean="0"/>
+              <a:t>don’t always materialize</a:t>
+            </a:r>
+          </a:p>
+          <a:p>
+            <a:endParaRPr lang="en-US" dirty="0" smtClean="0"/>
+          </a:p>
+          <a:p>
             <a:r>
               <a:rPr lang="en-US" dirty="0" smtClean="0"/>
               <a:t>If conflicts do arise, doesn’t always translate into mobilizing grievances</a:t>
@@ -4499,13 +4930,31 @@
           <a:lstStyle/>
           <a:p>
             <a:r>
-              <a:rPr lang="en-US" smtClean="0"/>
+              <a:rPr lang="en-US" dirty="0" smtClean="0"/>
               <a:t>Strain</a:t>
             </a:r>
           </a:p>
           <a:p>
             <a:pPr lvl="1"/>
-            <a:endParaRPr lang="en-US"/>
+            <a:r>
+              <a:rPr lang="en-US" dirty="0" smtClean="0"/>
+              <a:t>Disintegration</a:t>
+            </a:r>
+          </a:p>
+          <a:p>
+            <a:pPr lvl="2"/>
+            <a:r>
+              <a:rPr lang="en-US" dirty="0" smtClean="0"/>
+              <a:t>Disruptive social changes/breakdown in traditional social arrangements make people aggrieved and disconnected from one another, making them more vulnerable to appeals of movements</a:t>
+            </a:r>
+          </a:p>
+          <a:p>
+            <a:pPr lvl="3"/>
+            <a:r>
+              <a:rPr lang="en-US" dirty="0" smtClean="0"/>
+              <a:t>War, natural disaster, adverse economic trends</a:t>
+            </a:r>
+            <a:endParaRPr lang="en-US" dirty="0"/>
           </a:p>
         </p:txBody>
       </p:sp>
@@ -4513,6 +4962,509 @@
     <p:extLst>
       <p:ext uri="{BB962C8B-B14F-4D97-AF65-F5344CB8AC3E}">
         <p14:creationId xmlns:p14="http://schemas.microsoft.com/office/powerpoint/2010/main" val="2229254799"/>
+      </p:ext>
+    </p:extLst>
+  </p:cSld>
+  <p:clrMapOvr>
+    <a:masterClrMapping/>
+  </p:clrMapOvr>
+</p:sld>
+</file>
+
+<file path=ppt/slides/slide12.xml><?xml version="1.0" encoding="utf-8"?>
+<p:sld xmlns:a="http://schemas.openxmlformats.org/drawingml/2006/main" xmlns:r="http://schemas.openxmlformats.org/officeDocument/2006/relationships" xmlns:p="http://schemas.openxmlformats.org/presentationml/2006/main">
+  <p:cSld>
+    <p:spTree>
+      <p:nvGrpSpPr>
+        <p:cNvPr id="1" name=""/>
+        <p:cNvGrpSpPr/>
+        <p:nvPr/>
+      </p:nvGrpSpPr>
+      <p:grpSpPr>
+        <a:xfrm>
+          <a:off x="0" y="0"/>
+          <a:ext cx="0" cy="0"/>
+          <a:chOff x="0" y="0"/>
+          <a:chExt cx="0" cy="0"/>
+        </a:xfrm>
+      </p:grpSpPr>
+      <p:sp>
+        <p:nvSpPr>
+          <p:cNvPr id="2" name="Title 1"/>
+          <p:cNvSpPr>
+            <a:spLocks noGrp="1"/>
+          </p:cNvSpPr>
+          <p:nvPr>
+            <p:ph type="title"/>
+          </p:nvPr>
+        </p:nvSpPr>
+        <p:spPr/>
+        <p:txBody>
+          <a:bodyPr>
+            <a:noAutofit/>
+          </a:bodyPr>
+          <a:lstStyle/>
+          <a:p>
+            <a:r>
+              <a:rPr lang="en-US" sz="3600" dirty="0"/>
+              <a:t>Problem with </a:t>
+            </a:r>
+            <a:r>
+              <a:rPr lang="en-US" sz="3600" dirty="0" smtClean="0"/>
+              <a:t>“Strain” Argument</a:t>
+            </a:r>
+            <a:endParaRPr lang="en-US" sz="3600" dirty="0"/>
+          </a:p>
+        </p:txBody>
+      </p:sp>
+      <p:sp>
+        <p:nvSpPr>
+          <p:cNvPr id="3" name="Content Placeholder 2"/>
+          <p:cNvSpPr>
+            <a:spLocks noGrp="1"/>
+          </p:cNvSpPr>
+          <p:nvPr>
+            <p:ph sz="quarter" idx="1"/>
+          </p:nvPr>
+        </p:nvSpPr>
+        <p:spPr/>
+        <p:txBody>
+          <a:bodyPr/>
+          <a:lstStyle/>
+          <a:p>
+            <a:r>
+              <a:rPr lang="en-US" dirty="0" smtClean="0"/>
+              <a:t>Disorganized or socially atomized people rarely involved in protest</a:t>
+            </a:r>
+          </a:p>
+          <a:p>
+            <a:pPr lvl="1"/>
+            <a:r>
+              <a:rPr lang="en-US" dirty="0" smtClean="0"/>
+              <a:t>Participation is conducted by those who are heavily organized</a:t>
+            </a:r>
+            <a:endParaRPr lang="en-US" dirty="0"/>
+          </a:p>
+        </p:txBody>
+      </p:sp>
+    </p:spTree>
+    <p:extLst>
+      <p:ext uri="{BB962C8B-B14F-4D97-AF65-F5344CB8AC3E}">
+        <p14:creationId xmlns:p14="http://schemas.microsoft.com/office/powerpoint/2010/main" val="549270741"/>
+      </p:ext>
+    </p:extLst>
+  </p:cSld>
+  <p:clrMapOvr>
+    <a:masterClrMapping/>
+  </p:clrMapOvr>
+</p:sld>
+</file>
+
+<file path=ppt/slides/slide13.xml><?xml version="1.0" encoding="utf-8"?>
+<p:sld xmlns:a="http://schemas.openxmlformats.org/drawingml/2006/main" xmlns:r="http://schemas.openxmlformats.org/officeDocument/2006/relationships" xmlns:p="http://schemas.openxmlformats.org/presentationml/2006/main">
+  <p:cSld>
+    <p:spTree>
+      <p:nvGrpSpPr>
+        <p:cNvPr id="1" name=""/>
+        <p:cNvGrpSpPr/>
+        <p:nvPr/>
+      </p:nvGrpSpPr>
+      <p:grpSpPr>
+        <a:xfrm>
+          <a:off x="0" y="0"/>
+          <a:ext cx="0" cy="0"/>
+          <a:chOff x="0" y="0"/>
+          <a:chExt cx="0" cy="0"/>
+        </a:xfrm>
+      </p:grpSpPr>
+      <p:sp>
+        <p:nvSpPr>
+          <p:cNvPr id="2" name="Title 1"/>
+          <p:cNvSpPr>
+            <a:spLocks noGrp="1"/>
+          </p:cNvSpPr>
+          <p:nvPr>
+            <p:ph type="title"/>
+          </p:nvPr>
+        </p:nvSpPr>
+        <p:spPr/>
+        <p:txBody>
+          <a:bodyPr>
+            <a:normAutofit fontScale="90000"/>
+          </a:bodyPr>
+          <a:lstStyle/>
+          <a:p>
+            <a:r>
+              <a:rPr lang="en-US" dirty="0"/>
+              <a:t>Grievances as Function of Objective Structural or Material Conditions</a:t>
+            </a:r>
+          </a:p>
+        </p:txBody>
+      </p:sp>
+      <p:sp>
+        <p:nvSpPr>
+          <p:cNvPr id="3" name="Content Placeholder 2"/>
+          <p:cNvSpPr>
+            <a:spLocks noGrp="1"/>
+          </p:cNvSpPr>
+          <p:nvPr>
+            <p:ph sz="quarter" idx="1"/>
+          </p:nvPr>
+        </p:nvSpPr>
+        <p:spPr/>
+        <p:txBody>
+          <a:bodyPr/>
+          <a:lstStyle/>
+          <a:p>
+            <a:r>
+              <a:rPr lang="en-US" dirty="0" smtClean="0"/>
+              <a:t>Strain</a:t>
+            </a:r>
+          </a:p>
+          <a:p>
+            <a:pPr lvl="1"/>
+            <a:r>
+              <a:rPr lang="en-US" dirty="0" smtClean="0"/>
+              <a:t>Absolute Deprivation</a:t>
+            </a:r>
+            <a:endParaRPr lang="en-US" dirty="0" smtClean="0"/>
+          </a:p>
+          <a:p>
+            <a:pPr lvl="2"/>
+            <a:r>
+              <a:rPr lang="en-US" dirty="0" smtClean="0"/>
+              <a:t>Dire social conditions </a:t>
+            </a:r>
+            <a:r>
+              <a:rPr lang="en-US" dirty="0" smtClean="0"/>
+              <a:t>are a source of grievances and make people </a:t>
+            </a:r>
+            <a:r>
+              <a:rPr lang="en-US" dirty="0" smtClean="0"/>
+              <a:t>more </a:t>
+            </a:r>
+            <a:r>
+              <a:rPr lang="en-US" dirty="0" smtClean="0"/>
+              <a:t>vulnerable to appeals of movements</a:t>
+            </a:r>
+          </a:p>
+          <a:p>
+            <a:pPr lvl="3"/>
+            <a:r>
+              <a:rPr lang="en-US" dirty="0" smtClean="0"/>
+              <a:t>Lack of affordable housing, unemployment, inaccessible healthcare, poverty, discrimination</a:t>
+            </a:r>
+            <a:endParaRPr lang="en-US" dirty="0"/>
+          </a:p>
+        </p:txBody>
+      </p:sp>
+    </p:spTree>
+    <p:extLst>
+      <p:ext uri="{BB962C8B-B14F-4D97-AF65-F5344CB8AC3E}">
+        <p14:creationId xmlns:p14="http://schemas.microsoft.com/office/powerpoint/2010/main" val="3210992631"/>
+      </p:ext>
+    </p:extLst>
+  </p:cSld>
+  <p:clrMapOvr>
+    <a:masterClrMapping/>
+  </p:clrMapOvr>
+</p:sld>
+</file>
+
+<file path=ppt/slides/slide14.xml><?xml version="1.0" encoding="utf-8"?>
+<p:sld xmlns:a="http://schemas.openxmlformats.org/drawingml/2006/main" xmlns:r="http://schemas.openxmlformats.org/officeDocument/2006/relationships" xmlns:p="http://schemas.openxmlformats.org/presentationml/2006/main">
+  <p:cSld>
+    <p:spTree>
+      <p:nvGrpSpPr>
+        <p:cNvPr id="1" name=""/>
+        <p:cNvGrpSpPr/>
+        <p:nvPr/>
+      </p:nvGrpSpPr>
+      <p:grpSpPr>
+        <a:xfrm>
+          <a:off x="0" y="0"/>
+          <a:ext cx="0" cy="0"/>
+          <a:chOff x="0" y="0"/>
+          <a:chExt cx="0" cy="0"/>
+        </a:xfrm>
+      </p:grpSpPr>
+      <p:sp>
+        <p:nvSpPr>
+          <p:cNvPr id="2" name="Title 1"/>
+          <p:cNvSpPr>
+            <a:spLocks noGrp="1"/>
+          </p:cNvSpPr>
+          <p:nvPr>
+            <p:ph type="title"/>
+          </p:nvPr>
+        </p:nvSpPr>
+        <p:spPr/>
+        <p:txBody>
+          <a:bodyPr>
+            <a:normAutofit fontScale="90000"/>
+          </a:bodyPr>
+          <a:lstStyle/>
+          <a:p>
+            <a:r>
+              <a:rPr lang="en-US" dirty="0" smtClean="0"/>
+              <a:t>Problem with “Absolute Deprivation” Argument</a:t>
+            </a:r>
+            <a:endParaRPr lang="en-US" dirty="0"/>
+          </a:p>
+        </p:txBody>
+      </p:sp>
+      <p:sp>
+        <p:nvSpPr>
+          <p:cNvPr id="3" name="Content Placeholder 2"/>
+          <p:cNvSpPr>
+            <a:spLocks noGrp="1"/>
+          </p:cNvSpPr>
+          <p:nvPr>
+            <p:ph sz="quarter" idx="1"/>
+          </p:nvPr>
+        </p:nvSpPr>
+        <p:spPr/>
+        <p:txBody>
+          <a:bodyPr/>
+          <a:lstStyle/>
+          <a:p>
+            <a:r>
+              <a:rPr lang="en-US" dirty="0" smtClean="0"/>
+              <a:t>Grievances don’t automatically result from poor life conditions</a:t>
+            </a:r>
+          </a:p>
+          <a:p>
+            <a:r>
+              <a:rPr lang="en-US" dirty="0" smtClean="0"/>
+              <a:t>Research provides mixed findings</a:t>
+            </a:r>
+          </a:p>
+          <a:p>
+            <a:pPr lvl="1"/>
+            <a:r>
+              <a:rPr lang="en-US" dirty="0" smtClean="0"/>
+              <a:t>Black unemployment is both </a:t>
+            </a:r>
+            <a:r>
+              <a:rPr lang="en-US" i="1" dirty="0" smtClean="0"/>
+              <a:t>unrelated to </a:t>
+            </a:r>
+            <a:r>
+              <a:rPr lang="en-US" dirty="0" smtClean="0"/>
+              <a:t>and </a:t>
+            </a:r>
+            <a:r>
+              <a:rPr lang="en-US" i="1" dirty="0" smtClean="0"/>
+              <a:t>significantly associated with </a:t>
+            </a:r>
+            <a:r>
+              <a:rPr lang="en-US" dirty="0" smtClean="0"/>
+              <a:t>black riots</a:t>
+            </a:r>
+            <a:endParaRPr lang="en-US" dirty="0"/>
+          </a:p>
+        </p:txBody>
+      </p:sp>
+    </p:spTree>
+    <p:extLst>
+      <p:ext uri="{BB962C8B-B14F-4D97-AF65-F5344CB8AC3E}">
+        <p14:creationId xmlns:p14="http://schemas.microsoft.com/office/powerpoint/2010/main" val="150826977"/>
+      </p:ext>
+    </p:extLst>
+  </p:cSld>
+  <p:clrMapOvr>
+    <a:masterClrMapping/>
+  </p:clrMapOvr>
+</p:sld>
+</file>
+
+<file path=ppt/slides/slide15.xml><?xml version="1.0" encoding="utf-8"?>
+<p:sld xmlns:a="http://schemas.openxmlformats.org/drawingml/2006/main" xmlns:r="http://schemas.openxmlformats.org/officeDocument/2006/relationships" xmlns:p="http://schemas.openxmlformats.org/presentationml/2006/main">
+  <p:cSld>
+    <p:spTree>
+      <p:nvGrpSpPr>
+        <p:cNvPr id="1" name=""/>
+        <p:cNvGrpSpPr/>
+        <p:nvPr/>
+      </p:nvGrpSpPr>
+      <p:grpSpPr>
+        <a:xfrm>
+          <a:off x="0" y="0"/>
+          <a:ext cx="0" cy="0"/>
+          <a:chOff x="0" y="0"/>
+          <a:chExt cx="0" cy="0"/>
+        </a:xfrm>
+      </p:grpSpPr>
+      <p:sp>
+        <p:nvSpPr>
+          <p:cNvPr id="2" name="Title 1"/>
+          <p:cNvSpPr>
+            <a:spLocks noGrp="1"/>
+          </p:cNvSpPr>
+          <p:nvPr>
+            <p:ph type="title"/>
+          </p:nvPr>
+        </p:nvSpPr>
+        <p:spPr/>
+        <p:txBody>
+          <a:bodyPr>
+            <a:normAutofit fontScale="90000"/>
+          </a:bodyPr>
+          <a:lstStyle/>
+          <a:p>
+            <a:r>
+              <a:rPr lang="en-US" dirty="0"/>
+              <a:t>Grievances as Function of Objective Structural or Material Conditions</a:t>
+            </a:r>
+          </a:p>
+        </p:txBody>
+      </p:sp>
+      <p:sp>
+        <p:nvSpPr>
+          <p:cNvPr id="3" name="Content Placeholder 2"/>
+          <p:cNvSpPr>
+            <a:spLocks noGrp="1"/>
+          </p:cNvSpPr>
+          <p:nvPr>
+            <p:ph sz="quarter" idx="1"/>
+          </p:nvPr>
+        </p:nvSpPr>
+        <p:spPr/>
+        <p:txBody>
+          <a:bodyPr/>
+          <a:lstStyle/>
+          <a:p>
+            <a:r>
+              <a:rPr lang="en-US" dirty="0" smtClean="0"/>
+              <a:t>Strain</a:t>
+            </a:r>
+          </a:p>
+          <a:p>
+            <a:pPr lvl="1"/>
+            <a:r>
+              <a:rPr lang="en-US" dirty="0" smtClean="0"/>
+              <a:t>Quotidian Disruption</a:t>
+            </a:r>
+            <a:endParaRPr lang="en-US" dirty="0" smtClean="0"/>
+          </a:p>
+          <a:p>
+            <a:pPr lvl="2"/>
+            <a:r>
+              <a:rPr lang="en-US" dirty="0" smtClean="0"/>
+              <a:t>Grievances spring from disruption and uncertainty in the taken-for-granted, habituated ways of living daily life</a:t>
+            </a:r>
+          </a:p>
+          <a:p>
+            <a:pPr lvl="3"/>
+            <a:r>
+              <a:rPr lang="en-US" dirty="0" smtClean="0"/>
+              <a:t>Human-made disasters that threaten the existence and functioning of a community (e.g. </a:t>
+            </a:r>
+            <a:r>
+              <a:rPr lang="en-US" dirty="0" smtClean="0"/>
+              <a:t>nuclear meltdown at Three Mile Island)</a:t>
+            </a:r>
+          </a:p>
+          <a:p>
+            <a:pPr lvl="3"/>
+            <a:r>
+              <a:rPr lang="en-US" dirty="0" smtClean="0"/>
+              <a:t>Intrusions into/violations of culturally defined spaces of privacy by outsiders (e.g. homeless </a:t>
+            </a:r>
+            <a:r>
+              <a:rPr lang="en-US" smtClean="0"/>
+              <a:t>shelters built, </a:t>
+            </a:r>
+            <a:endParaRPr lang="en-US" dirty="0"/>
+          </a:p>
+        </p:txBody>
+      </p:sp>
+    </p:spTree>
+    <p:extLst>
+      <p:ext uri="{BB962C8B-B14F-4D97-AF65-F5344CB8AC3E}">
+        <p14:creationId xmlns:p14="http://schemas.microsoft.com/office/powerpoint/2010/main" val="1901355479"/>
+      </p:ext>
+    </p:extLst>
+  </p:cSld>
+  <p:clrMapOvr>
+    <a:masterClrMapping/>
+  </p:clrMapOvr>
+</p:sld>
+</file>
+
+<file path=ppt/slides/slide16.xml><?xml version="1.0" encoding="utf-8"?>
+<p:sld xmlns:a="http://schemas.openxmlformats.org/drawingml/2006/main" xmlns:r="http://schemas.openxmlformats.org/officeDocument/2006/relationships" xmlns:p="http://schemas.openxmlformats.org/presentationml/2006/main">
+  <p:cSld>
+    <p:spTree>
+      <p:nvGrpSpPr>
+        <p:cNvPr id="1" name=""/>
+        <p:cNvGrpSpPr/>
+        <p:nvPr/>
+      </p:nvGrpSpPr>
+      <p:grpSpPr>
+        <a:xfrm>
+          <a:off x="0" y="0"/>
+          <a:ext cx="0" cy="0"/>
+          <a:chOff x="0" y="0"/>
+          <a:chExt cx="0" cy="0"/>
+        </a:xfrm>
+      </p:grpSpPr>
+      <p:sp>
+        <p:nvSpPr>
+          <p:cNvPr id="2" name="Title 1"/>
+          <p:cNvSpPr>
+            <a:spLocks noGrp="1"/>
+          </p:cNvSpPr>
+          <p:nvPr>
+            <p:ph type="title"/>
+          </p:nvPr>
+        </p:nvSpPr>
+        <p:spPr/>
+        <p:txBody>
+          <a:bodyPr>
+            <a:normAutofit fontScale="90000"/>
+          </a:bodyPr>
+          <a:lstStyle/>
+          <a:p>
+            <a:r>
+              <a:rPr lang="en-US" dirty="0"/>
+              <a:t>Grievances as Function of </a:t>
+            </a:r>
+            <a:r>
+              <a:rPr lang="en-US" dirty="0" smtClean="0"/>
+              <a:t>Heightened </a:t>
+            </a:r>
+            <a:r>
+              <a:rPr lang="en-US" smtClean="0"/>
+              <a:t>Psychological States</a:t>
+            </a:r>
+            <a:endParaRPr lang="en-US" dirty="0"/>
+          </a:p>
+        </p:txBody>
+      </p:sp>
+      <p:sp>
+        <p:nvSpPr>
+          <p:cNvPr id="3" name="Content Placeholder 2"/>
+          <p:cNvSpPr>
+            <a:spLocks noGrp="1"/>
+          </p:cNvSpPr>
+          <p:nvPr>
+            <p:ph sz="quarter" idx="1"/>
+          </p:nvPr>
+        </p:nvSpPr>
+        <p:spPr/>
+        <p:txBody>
+          <a:bodyPr/>
+          <a:lstStyle/>
+          <a:p>
+            <a:endParaRPr lang="en-US"/>
+          </a:p>
+        </p:txBody>
+      </p:sp>
+    </p:spTree>
+    <p:extLst>
+      <p:ext uri="{BB962C8B-B14F-4D97-AF65-F5344CB8AC3E}">
+        <p14:creationId xmlns:p14="http://schemas.microsoft.com/office/powerpoint/2010/main" val="2707900493"/>
       </p:ext>
     </p:extLst>
   </p:cSld>
@@ -4654,7 +5606,7 @@
           <a:p>
             <a:r>
               <a:rPr lang="en-US" dirty="0" smtClean="0"/>
-              <a:t>Grievances are the primary impetus for social movement emergence and individual participation in movement activity</a:t>
+              <a:t>Grievances are critical for emergence and participation</a:t>
             </a:r>
           </a:p>
           <a:p>
@@ -4737,9 +5689,43 @@
           <a:bodyPr/>
           <a:lstStyle/>
           <a:p>
-            <a:r>
-              <a:rPr lang="en-US" dirty="0" smtClean="0"/>
-              <a:t>Strong feelings/beliefs that are shared among multiple actors (individuals or organizations) and are felt so strongly to warrant collective complaint and corrective, collective action</a:t>
+            <a:pPr marL="514350" indent="-514350">
+              <a:buFont typeface="+mj-lt"/>
+              <a:buAutoNum type="arabicPeriod"/>
+            </a:pPr>
+            <a:r>
+              <a:rPr lang="en-US" dirty="0" smtClean="0"/>
+              <a:t>Strong feelings</a:t>
+            </a:r>
+            <a:r>
+              <a:rPr lang="is-IS" dirty="0" smtClean="0"/>
+              <a:t>…</a:t>
+            </a:r>
+            <a:endParaRPr lang="en-US" dirty="0" smtClean="0"/>
+          </a:p>
+          <a:p>
+            <a:pPr marL="514350" indent="-514350">
+              <a:buFont typeface="+mj-lt"/>
+              <a:buAutoNum type="arabicPeriod"/>
+            </a:pPr>
+            <a:r>
+              <a:rPr lang="en-US" dirty="0" smtClean="0"/>
+              <a:t>shared amongst multiple actors (individuals or organizations)</a:t>
+            </a:r>
+            <a:r>
+              <a:rPr lang="is-IS" dirty="0" smtClean="0"/>
+              <a:t>…</a:t>
+            </a:r>
+            <a:endParaRPr lang="en-US" dirty="0" smtClean="0"/>
+          </a:p>
+          <a:p>
+            <a:pPr marL="514350" indent="-514350">
+              <a:buFont typeface="+mj-lt"/>
+              <a:buAutoNum type="arabicPeriod"/>
+            </a:pPr>
+            <a:r>
+              <a:rPr lang="en-US" dirty="0" smtClean="0"/>
+              <a:t>felt so strongly to warrant collective complaint and corrective, collective action</a:t>
             </a:r>
             <a:endParaRPr lang="en-US" dirty="0"/>
           </a:p>
@@ -4817,19 +5803,28 @@
           <a:p>
             <a:r>
               <a:rPr lang="en-US" dirty="0" smtClean="0"/>
-              <a:t>Grievances are ubiquitous and therefore inconsequential for movement activity</a:t>
-            </a:r>
-          </a:p>
-          <a:p>
-            <a:r>
-              <a:rPr lang="en-US" dirty="0" smtClean="0"/>
-              <a:t>Grievances result from specifiable objective, structural or material conditions</a:t>
-            </a:r>
-          </a:p>
-          <a:p>
-            <a:r>
-              <a:rPr lang="en-US" dirty="0" smtClean="0"/>
-              <a:t>Grievances are primarily just heightened psychological states</a:t>
+              <a:t>Grievances are </a:t>
+            </a:r>
+            <a:r>
+              <a:rPr lang="en-US" dirty="0" smtClean="0"/>
+              <a:t>ubiquitous, therefore inconsequential</a:t>
+            </a:r>
+            <a:endParaRPr lang="en-US" dirty="0" smtClean="0"/>
+          </a:p>
+          <a:p>
+            <a:r>
+              <a:rPr lang="en-US" dirty="0" smtClean="0"/>
+              <a:t>Grievances only result </a:t>
+            </a:r>
+            <a:r>
+              <a:rPr lang="en-US" dirty="0" smtClean="0"/>
+              <a:t>from objective structural or material conditions</a:t>
+            </a:r>
+          </a:p>
+          <a:p>
+            <a:r>
+              <a:rPr lang="en-US" dirty="0" smtClean="0"/>
+              <a:t>Grievances simply heightened psychological states</a:t>
             </a:r>
             <a:endParaRPr lang="en-US" dirty="0"/>
           </a:p>
@@ -4909,7 +5904,7 @@
           <a:p>
             <a:r>
               <a:rPr lang="en-US" dirty="0" smtClean="0"/>
-              <a:t>Grievances, much like weeds, flourish naturally and abundantly, irrespective of environmental context or social conditions.</a:t>
+              <a:t>“Grievances, much like weeds, flourish naturally and abundantly, irrespective of environmental context or social conditions.”</a:t>
             </a:r>
           </a:p>
           <a:p>
@@ -4918,8 +5913,17 @@
           <a:p>
             <a:r>
               <a:rPr lang="en-US" dirty="0" smtClean="0"/>
-              <a:t>Grievances omnipresent. “There is always enough discontent in any society to supply grassroots support for a movement,” yet movements aren’t always active</a:t>
-            </a:r>
+              <a:t>Grievances omnipresent. “There is always enough discontent in any society to supply grassroots support for a movement</a:t>
+            </a:r>
+            <a:r>
+              <a:rPr lang="is-IS" dirty="0" smtClean="0"/>
+              <a:t>…</a:t>
+            </a:r>
+            <a:r>
+              <a:rPr lang="en-US" smtClean="0"/>
+              <a:t>"</a:t>
+            </a:r>
+            <a:endParaRPr lang="en-US" dirty="0" smtClean="0"/>
           </a:p>
         </p:txBody>
       </p:sp>
@@ -4988,9 +5992,16 @@
             <p:ph sz="quarter" idx="1"/>
           </p:nvPr>
         </p:nvSpPr>
-        <p:spPr/>
-        <p:txBody>
-          <a:bodyPr/>
+        <p:spPr>
+          <a:xfrm>
+            <a:off x="612648" y="1651000"/>
+            <a:ext cx="8153400" cy="4495800"/>
+          </a:xfrm>
+        </p:spPr>
+        <p:txBody>
+          <a:bodyPr>
+            <a:normAutofit fontScale="92500" lnSpcReduction="10000"/>
+          </a:bodyPr>
           <a:lstStyle/>
           <a:p>
             <a:r>
@@ -5016,7 +6027,7 @@
             <a:pPr lvl="2"/>
             <a:r>
               <a:rPr lang="en-US" dirty="0" smtClean="0"/>
-              <a:t>Rarely congeal into collectively shared (mobilizing) grievances that spur collective action</a:t>
+              <a:t>Not getting a raise, traffic, etc.</a:t>
             </a:r>
           </a:p>
           <a:p>
@@ -5033,6 +6044,36 @@
               </a:rPr>
               <a:t> (1993)</a:t>
             </a:r>
+            <a:endParaRPr lang="en-US" dirty="0"/>
+          </a:p>
+          <a:p>
+            <a:pPr lvl="2"/>
+            <a:endParaRPr lang="en-US" dirty="0" smtClean="0"/>
+          </a:p>
+          <a:p>
+            <a:r>
+              <a:rPr lang="en-US" dirty="0" smtClean="0"/>
+              <a:t>Individual grievances rarely </a:t>
+            </a:r>
+            <a:r>
+              <a:rPr lang="en-US" dirty="0"/>
+              <a:t>congeal into collectively shared (mobilizing) grievances that spur collective </a:t>
+            </a:r>
+            <a:r>
+              <a:rPr lang="en-US" dirty="0" smtClean="0"/>
+              <a:t>action</a:t>
+            </a:r>
+          </a:p>
+          <a:p>
+            <a:pPr lvl="1"/>
+            <a:r>
+              <a:rPr lang="en-US" dirty="0" smtClean="0"/>
+              <a:t>Movements aren't always active</a:t>
+            </a:r>
+            <a:endParaRPr lang="en-US" dirty="0"/>
+          </a:p>
+          <a:p>
+            <a:pPr lvl="1"/>
             <a:endParaRPr lang="en-US" dirty="0" smtClean="0"/>
           </a:p>
           <a:p>
@@ -5126,7 +6167,7 @@
             <a:pPr lvl="2"/>
             <a:r>
               <a:rPr lang="en-US" dirty="0" smtClean="0"/>
-              <a:t>Social arrangements that place certain social groups (aggregates of individuals) in antagonistic relations with one another</a:t>
+              <a:t>Social arrangements that places certain social groups in antagonistic relations with one another</a:t>
             </a:r>
           </a:p>
           <a:p>
@@ -5140,7 +6181,18 @@
             <a:pPr lvl="2"/>
             <a:r>
               <a:rPr lang="en-US" dirty="0" smtClean="0"/>
-              <a:t>Changes/trends that alter existing social arrangements and patterns of social life</a:t>
+              <a:t>Changes/trends that alter existing social arrangements and patterns of social </a:t>
+            </a:r>
+            <a:r>
+              <a:rPr lang="en-US" dirty="0" smtClean="0"/>
+              <a:t>life</a:t>
+            </a:r>
+          </a:p>
+          <a:p>
+            <a:pPr lvl="3"/>
+            <a:r>
+              <a:rPr lang="en-US" dirty="0" smtClean="0"/>
+              <a:t>Disintegration, Absolute Deprivation, Quotidian Disruption</a:t>
             </a:r>
             <a:endParaRPr lang="en-US" dirty="0"/>
           </a:p>
@@ -5230,10 +6282,7 @@
           </a:p>
           <a:p>
             <a:pPr lvl="1"/>
-            <a:r>
-              <a:rPr lang="en-US" dirty="0" smtClean="0"/>
-              <a:t>Grievances rooted in conflicts over claims to rewards and opportunities among groups differentially situated in the social system</a:t>
-            </a:r>
+            <a:endParaRPr lang="en-US" dirty="0" smtClean="0"/>
           </a:p>
         </p:txBody>
       </p:sp>

--- a/ppts/Chapter 2 Slides.pptx
+++ b/ppts/Chapter 2 Slides.pptx
@@ -5,25 +5,37 @@
     <p:sldMasterId id="2147483660" r:id="rId1"/>
   </p:sldMasterIdLst>
   <p:notesMasterIdLst>
-    <p:notesMasterId r:id="rId18"/>
+    <p:notesMasterId r:id="rId30"/>
   </p:notesMasterIdLst>
   <p:sldIdLst>
     <p:sldId id="256" r:id="rId2"/>
     <p:sldId id="257" r:id="rId3"/>
-    <p:sldId id="258" r:id="rId4"/>
-    <p:sldId id="259" r:id="rId5"/>
-    <p:sldId id="260" r:id="rId6"/>
-    <p:sldId id="261" r:id="rId7"/>
-    <p:sldId id="262" r:id="rId8"/>
-    <p:sldId id="263" r:id="rId9"/>
-    <p:sldId id="264" r:id="rId10"/>
-    <p:sldId id="265" r:id="rId11"/>
-    <p:sldId id="266" r:id="rId12"/>
-    <p:sldId id="267" r:id="rId13"/>
-    <p:sldId id="269" r:id="rId14"/>
-    <p:sldId id="270" r:id="rId15"/>
-    <p:sldId id="271" r:id="rId16"/>
-    <p:sldId id="268" r:id="rId17"/>
+    <p:sldId id="259" r:id="rId4"/>
+    <p:sldId id="260" r:id="rId5"/>
+    <p:sldId id="261" r:id="rId6"/>
+    <p:sldId id="262" r:id="rId7"/>
+    <p:sldId id="263" r:id="rId8"/>
+    <p:sldId id="264" r:id="rId9"/>
+    <p:sldId id="265" r:id="rId10"/>
+    <p:sldId id="266" r:id="rId11"/>
+    <p:sldId id="267" r:id="rId12"/>
+    <p:sldId id="269" r:id="rId13"/>
+    <p:sldId id="270" r:id="rId14"/>
+    <p:sldId id="271" r:id="rId15"/>
+    <p:sldId id="281" r:id="rId16"/>
+    <p:sldId id="282" r:id="rId17"/>
+    <p:sldId id="283" r:id="rId18"/>
+    <p:sldId id="284" r:id="rId19"/>
+    <p:sldId id="268" r:id="rId20"/>
+    <p:sldId id="272" r:id="rId21"/>
+    <p:sldId id="273" r:id="rId22"/>
+    <p:sldId id="274" r:id="rId23"/>
+    <p:sldId id="275" r:id="rId24"/>
+    <p:sldId id="276" r:id="rId25"/>
+    <p:sldId id="280" r:id="rId26"/>
+    <p:sldId id="277" r:id="rId27"/>
+    <p:sldId id="278" r:id="rId28"/>
+    <p:sldId id="279" r:id="rId29"/>
   </p:sldIdLst>
   <p:sldSz cx="9144000" cy="6858000" type="screen4x3"/>
   <p:notesSz cx="6858000" cy="9144000"/>
@@ -587,6 +599,977 @@
 </p:notes>
 </file>
 
+<file path=ppt/notesSlides/notesSlide10.xml><?xml version="1.0" encoding="utf-8"?>
+<p:notes xmlns:a="http://schemas.openxmlformats.org/drawingml/2006/main" xmlns:r="http://schemas.openxmlformats.org/officeDocument/2006/relationships" xmlns:p="http://schemas.openxmlformats.org/presentationml/2006/main">
+  <p:cSld>
+    <p:spTree>
+      <p:nvGrpSpPr>
+        <p:cNvPr id="1" name=""/>
+        <p:cNvGrpSpPr/>
+        <p:nvPr/>
+      </p:nvGrpSpPr>
+      <p:grpSpPr>
+        <a:xfrm>
+          <a:off x="0" y="0"/>
+          <a:ext cx="0" cy="0"/>
+          <a:chOff x="0" y="0"/>
+          <a:chExt cx="0" cy="0"/>
+        </a:xfrm>
+      </p:grpSpPr>
+      <p:sp>
+        <p:nvSpPr>
+          <p:cNvPr id="2" name="Slide Image Placeholder 1"/>
+          <p:cNvSpPr>
+            <a:spLocks noGrp="1" noRot="1" noChangeAspect="1"/>
+          </p:cNvSpPr>
+          <p:nvPr>
+            <p:ph type="sldImg"/>
+          </p:nvPr>
+        </p:nvSpPr>
+        <p:spPr/>
+      </p:sp>
+      <p:sp>
+        <p:nvSpPr>
+          <p:cNvPr id="3" name="Notes Placeholder 2"/>
+          <p:cNvSpPr>
+            <a:spLocks noGrp="1"/>
+          </p:cNvSpPr>
+          <p:nvPr>
+            <p:ph type="body" idx="1"/>
+          </p:nvPr>
+        </p:nvSpPr>
+        <p:spPr/>
+        <p:txBody>
+          <a:bodyPr/>
+          <a:lstStyle/>
+          <a:p>
+            <a:endParaRPr lang="en-US" dirty="0"/>
+          </a:p>
+        </p:txBody>
+      </p:sp>
+      <p:sp>
+        <p:nvSpPr>
+          <p:cNvPr id="4" name="Slide Number Placeholder 3"/>
+          <p:cNvSpPr>
+            <a:spLocks noGrp="1"/>
+          </p:cNvSpPr>
+          <p:nvPr>
+            <p:ph type="sldNum" sz="quarter" idx="10"/>
+          </p:nvPr>
+        </p:nvSpPr>
+        <p:spPr/>
+        <p:txBody>
+          <a:bodyPr/>
+          <a:lstStyle/>
+          <a:p>
+            <a:fld id="{ED8B9EAB-9194-C349-939B-458D4FF5A6A9}" type="slidenum">
+              <a:rPr lang="en-US" smtClean="0"/>
+              <a:t>16</a:t>
+            </a:fld>
+            <a:endParaRPr lang="en-US"/>
+          </a:p>
+        </p:txBody>
+      </p:sp>
+    </p:spTree>
+    <p:extLst>
+      <p:ext uri="{BB962C8B-B14F-4D97-AF65-F5344CB8AC3E}">
+        <p14:creationId xmlns:p14="http://schemas.microsoft.com/office/powerpoint/2010/main" val="3538134952"/>
+      </p:ext>
+    </p:extLst>
+  </p:cSld>
+  <p:clrMapOvr>
+    <a:masterClrMapping/>
+  </p:clrMapOvr>
+</p:notes>
+</file>
+
+<file path=ppt/notesSlides/notesSlide11.xml><?xml version="1.0" encoding="utf-8"?>
+<p:notes xmlns:a="http://schemas.openxmlformats.org/drawingml/2006/main" xmlns:r="http://schemas.openxmlformats.org/officeDocument/2006/relationships" xmlns:p="http://schemas.openxmlformats.org/presentationml/2006/main">
+  <p:cSld>
+    <p:spTree>
+      <p:nvGrpSpPr>
+        <p:cNvPr id="1" name=""/>
+        <p:cNvGrpSpPr/>
+        <p:nvPr/>
+      </p:nvGrpSpPr>
+      <p:grpSpPr>
+        <a:xfrm>
+          <a:off x="0" y="0"/>
+          <a:ext cx="0" cy="0"/>
+          <a:chOff x="0" y="0"/>
+          <a:chExt cx="0" cy="0"/>
+        </a:xfrm>
+      </p:grpSpPr>
+      <p:sp>
+        <p:nvSpPr>
+          <p:cNvPr id="2" name="Slide Image Placeholder 1"/>
+          <p:cNvSpPr>
+            <a:spLocks noGrp="1" noRot="1" noChangeAspect="1"/>
+          </p:cNvSpPr>
+          <p:nvPr>
+            <p:ph type="sldImg"/>
+          </p:nvPr>
+        </p:nvSpPr>
+        <p:spPr/>
+      </p:sp>
+      <p:sp>
+        <p:nvSpPr>
+          <p:cNvPr id="3" name="Notes Placeholder 2"/>
+          <p:cNvSpPr>
+            <a:spLocks noGrp="1"/>
+          </p:cNvSpPr>
+          <p:nvPr>
+            <p:ph type="body" idx="1"/>
+          </p:nvPr>
+        </p:nvSpPr>
+        <p:spPr/>
+        <p:txBody>
+          <a:bodyPr/>
+          <a:lstStyle/>
+          <a:p>
+            <a:endParaRPr lang="en-US" dirty="0"/>
+          </a:p>
+        </p:txBody>
+      </p:sp>
+      <p:sp>
+        <p:nvSpPr>
+          <p:cNvPr id="4" name="Slide Number Placeholder 3"/>
+          <p:cNvSpPr>
+            <a:spLocks noGrp="1"/>
+          </p:cNvSpPr>
+          <p:nvPr>
+            <p:ph type="sldNum" sz="quarter" idx="10"/>
+          </p:nvPr>
+        </p:nvSpPr>
+        <p:spPr/>
+        <p:txBody>
+          <a:bodyPr/>
+          <a:lstStyle/>
+          <a:p>
+            <a:fld id="{ED8B9EAB-9194-C349-939B-458D4FF5A6A9}" type="slidenum">
+              <a:rPr lang="en-US" smtClean="0"/>
+              <a:t>17</a:t>
+            </a:fld>
+            <a:endParaRPr lang="en-US"/>
+          </a:p>
+        </p:txBody>
+      </p:sp>
+    </p:spTree>
+    <p:extLst>
+      <p:ext uri="{BB962C8B-B14F-4D97-AF65-F5344CB8AC3E}">
+        <p14:creationId xmlns:p14="http://schemas.microsoft.com/office/powerpoint/2010/main" val="3538134952"/>
+      </p:ext>
+    </p:extLst>
+  </p:cSld>
+  <p:clrMapOvr>
+    <a:masterClrMapping/>
+  </p:clrMapOvr>
+</p:notes>
+</file>
+
+<file path=ppt/notesSlides/notesSlide12.xml><?xml version="1.0" encoding="utf-8"?>
+<p:notes xmlns:a="http://schemas.openxmlformats.org/drawingml/2006/main" xmlns:r="http://schemas.openxmlformats.org/officeDocument/2006/relationships" xmlns:p="http://schemas.openxmlformats.org/presentationml/2006/main">
+  <p:cSld>
+    <p:spTree>
+      <p:nvGrpSpPr>
+        <p:cNvPr id="1" name=""/>
+        <p:cNvGrpSpPr/>
+        <p:nvPr/>
+      </p:nvGrpSpPr>
+      <p:grpSpPr>
+        <a:xfrm>
+          <a:off x="0" y="0"/>
+          <a:ext cx="0" cy="0"/>
+          <a:chOff x="0" y="0"/>
+          <a:chExt cx="0" cy="0"/>
+        </a:xfrm>
+      </p:grpSpPr>
+      <p:sp>
+        <p:nvSpPr>
+          <p:cNvPr id="2" name="Slide Image Placeholder 1"/>
+          <p:cNvSpPr>
+            <a:spLocks noGrp="1" noRot="1" noChangeAspect="1"/>
+          </p:cNvSpPr>
+          <p:nvPr>
+            <p:ph type="sldImg"/>
+          </p:nvPr>
+        </p:nvSpPr>
+        <p:spPr/>
+      </p:sp>
+      <p:sp>
+        <p:nvSpPr>
+          <p:cNvPr id="3" name="Notes Placeholder 2"/>
+          <p:cNvSpPr>
+            <a:spLocks noGrp="1"/>
+          </p:cNvSpPr>
+          <p:nvPr>
+            <p:ph type="body" idx="1"/>
+          </p:nvPr>
+        </p:nvSpPr>
+        <p:spPr/>
+        <p:txBody>
+          <a:bodyPr/>
+          <a:lstStyle/>
+          <a:p>
+            <a:endParaRPr lang="en-US" dirty="0"/>
+          </a:p>
+        </p:txBody>
+      </p:sp>
+      <p:sp>
+        <p:nvSpPr>
+          <p:cNvPr id="4" name="Slide Number Placeholder 3"/>
+          <p:cNvSpPr>
+            <a:spLocks noGrp="1"/>
+          </p:cNvSpPr>
+          <p:nvPr>
+            <p:ph type="sldNum" sz="quarter" idx="10"/>
+          </p:nvPr>
+        </p:nvSpPr>
+        <p:spPr/>
+        <p:txBody>
+          <a:bodyPr/>
+          <a:lstStyle/>
+          <a:p>
+            <a:fld id="{ED8B9EAB-9194-C349-939B-458D4FF5A6A9}" type="slidenum">
+              <a:rPr lang="en-US" smtClean="0"/>
+              <a:t>18</a:t>
+            </a:fld>
+            <a:endParaRPr lang="en-US"/>
+          </a:p>
+        </p:txBody>
+      </p:sp>
+    </p:spTree>
+    <p:extLst>
+      <p:ext uri="{BB962C8B-B14F-4D97-AF65-F5344CB8AC3E}">
+        <p14:creationId xmlns:p14="http://schemas.microsoft.com/office/powerpoint/2010/main" val="3538134952"/>
+      </p:ext>
+    </p:extLst>
+  </p:cSld>
+  <p:clrMapOvr>
+    <a:masterClrMapping/>
+  </p:clrMapOvr>
+</p:notes>
+</file>
+
+<file path=ppt/notesSlides/notesSlide13.xml><?xml version="1.0" encoding="utf-8"?>
+<p:notes xmlns:a="http://schemas.openxmlformats.org/drawingml/2006/main" xmlns:r="http://schemas.openxmlformats.org/officeDocument/2006/relationships" xmlns:p="http://schemas.openxmlformats.org/presentationml/2006/main">
+  <p:cSld>
+    <p:spTree>
+      <p:nvGrpSpPr>
+        <p:cNvPr id="1" name=""/>
+        <p:cNvGrpSpPr/>
+        <p:nvPr/>
+      </p:nvGrpSpPr>
+      <p:grpSpPr>
+        <a:xfrm>
+          <a:off x="0" y="0"/>
+          <a:ext cx="0" cy="0"/>
+          <a:chOff x="0" y="0"/>
+          <a:chExt cx="0" cy="0"/>
+        </a:xfrm>
+      </p:grpSpPr>
+      <p:sp>
+        <p:nvSpPr>
+          <p:cNvPr id="2" name="Slide Image Placeholder 1"/>
+          <p:cNvSpPr>
+            <a:spLocks noGrp="1" noRot="1" noChangeAspect="1"/>
+          </p:cNvSpPr>
+          <p:nvPr>
+            <p:ph type="sldImg"/>
+          </p:nvPr>
+        </p:nvSpPr>
+        <p:spPr/>
+      </p:sp>
+      <p:sp>
+        <p:nvSpPr>
+          <p:cNvPr id="3" name="Notes Placeholder 2"/>
+          <p:cNvSpPr>
+            <a:spLocks noGrp="1"/>
+          </p:cNvSpPr>
+          <p:nvPr>
+            <p:ph type="body" idx="1"/>
+          </p:nvPr>
+        </p:nvSpPr>
+        <p:spPr/>
+        <p:txBody>
+          <a:bodyPr/>
+          <a:lstStyle/>
+          <a:p>
+            <a:pPr marL="0" marR="0" lvl="2" indent="0" algn="l" defTabSz="457200" rtl="0" eaLnBrk="1" fontAlgn="auto" latinLnBrk="0" hangingPunct="1">
+              <a:lnSpc>
+                <a:spcPct val="100000"/>
+              </a:lnSpc>
+              <a:spcBef>
+                <a:spcPts val="0"/>
+              </a:spcBef>
+              <a:spcAft>
+                <a:spcPts val="0"/>
+              </a:spcAft>
+              <a:buClrTx/>
+              <a:buSzTx/>
+              <a:buFontTx/>
+              <a:buNone/>
+              <a:tabLst/>
+              <a:defRPr/>
+            </a:pPr>
+            <a:r>
+              <a:rPr lang="en-US" i="1" dirty="0" smtClean="0"/>
+              <a:t>Post civil war south, declining cotton prices increased poor whites’ frustration, who took out their frustration on local Blacks</a:t>
+            </a:r>
+          </a:p>
+          <a:p>
+            <a:endParaRPr lang="en-US" dirty="0"/>
+          </a:p>
+        </p:txBody>
+      </p:sp>
+      <p:sp>
+        <p:nvSpPr>
+          <p:cNvPr id="4" name="Slide Number Placeholder 3"/>
+          <p:cNvSpPr>
+            <a:spLocks noGrp="1"/>
+          </p:cNvSpPr>
+          <p:nvPr>
+            <p:ph type="sldNum" sz="quarter" idx="10"/>
+          </p:nvPr>
+        </p:nvSpPr>
+        <p:spPr/>
+        <p:txBody>
+          <a:bodyPr/>
+          <a:lstStyle/>
+          <a:p>
+            <a:fld id="{ED8B9EAB-9194-C349-939B-458D4FF5A6A9}" type="slidenum">
+              <a:rPr lang="en-US" smtClean="0"/>
+              <a:t>19</a:t>
+            </a:fld>
+            <a:endParaRPr lang="en-US"/>
+          </a:p>
+        </p:txBody>
+      </p:sp>
+    </p:spTree>
+    <p:extLst>
+      <p:ext uri="{BB962C8B-B14F-4D97-AF65-F5344CB8AC3E}">
+        <p14:creationId xmlns:p14="http://schemas.microsoft.com/office/powerpoint/2010/main" val="2229417407"/>
+      </p:ext>
+    </p:extLst>
+  </p:cSld>
+  <p:clrMapOvr>
+    <a:masterClrMapping/>
+  </p:clrMapOvr>
+</p:notes>
+</file>
+
+<file path=ppt/notesSlides/notesSlide14.xml><?xml version="1.0" encoding="utf-8"?>
+<p:notes xmlns:a="http://schemas.openxmlformats.org/drawingml/2006/main" xmlns:r="http://schemas.openxmlformats.org/officeDocument/2006/relationships" xmlns:p="http://schemas.openxmlformats.org/presentationml/2006/main">
+  <p:cSld>
+    <p:spTree>
+      <p:nvGrpSpPr>
+        <p:cNvPr id="1" name=""/>
+        <p:cNvGrpSpPr/>
+        <p:nvPr/>
+      </p:nvGrpSpPr>
+      <p:grpSpPr>
+        <a:xfrm>
+          <a:off x="0" y="0"/>
+          <a:ext cx="0" cy="0"/>
+          <a:chOff x="0" y="0"/>
+          <a:chExt cx="0" cy="0"/>
+        </a:xfrm>
+      </p:grpSpPr>
+      <p:sp>
+        <p:nvSpPr>
+          <p:cNvPr id="2" name="Slide Image Placeholder 1"/>
+          <p:cNvSpPr>
+            <a:spLocks noGrp="1" noRot="1" noChangeAspect="1"/>
+          </p:cNvSpPr>
+          <p:nvPr>
+            <p:ph type="sldImg"/>
+          </p:nvPr>
+        </p:nvSpPr>
+        <p:spPr/>
+      </p:sp>
+      <p:sp>
+        <p:nvSpPr>
+          <p:cNvPr id="3" name="Notes Placeholder 2"/>
+          <p:cNvSpPr>
+            <a:spLocks noGrp="1"/>
+          </p:cNvSpPr>
+          <p:nvPr>
+            <p:ph type="body" idx="1"/>
+          </p:nvPr>
+        </p:nvSpPr>
+        <p:spPr/>
+        <p:txBody>
+          <a:bodyPr/>
+          <a:lstStyle/>
+          <a:p>
+            <a:r>
+              <a:rPr lang="en-US" dirty="0" smtClean="0"/>
+              <a:t>Framing is</a:t>
+            </a:r>
+            <a:r>
+              <a:rPr lang="en-US" baseline="0" dirty="0" smtClean="0"/>
+              <a:t> a way of packaging a belief, view, or argument for consumption and convincing others </a:t>
+            </a:r>
+            <a:endParaRPr lang="en-US" dirty="0"/>
+          </a:p>
+        </p:txBody>
+      </p:sp>
+      <p:sp>
+        <p:nvSpPr>
+          <p:cNvPr id="4" name="Slide Number Placeholder 3"/>
+          <p:cNvSpPr>
+            <a:spLocks noGrp="1"/>
+          </p:cNvSpPr>
+          <p:nvPr>
+            <p:ph type="sldNum" sz="quarter" idx="10"/>
+          </p:nvPr>
+        </p:nvSpPr>
+        <p:spPr/>
+        <p:txBody>
+          <a:bodyPr/>
+          <a:lstStyle/>
+          <a:p>
+            <a:fld id="{ED8B9EAB-9194-C349-939B-458D4FF5A6A9}" type="slidenum">
+              <a:rPr lang="en-US" smtClean="0"/>
+              <a:t>22</a:t>
+            </a:fld>
+            <a:endParaRPr lang="en-US"/>
+          </a:p>
+        </p:txBody>
+      </p:sp>
+    </p:spTree>
+    <p:extLst>
+      <p:ext uri="{BB962C8B-B14F-4D97-AF65-F5344CB8AC3E}">
+        <p14:creationId xmlns:p14="http://schemas.microsoft.com/office/powerpoint/2010/main" val="1619502577"/>
+      </p:ext>
+    </p:extLst>
+  </p:cSld>
+  <p:clrMapOvr>
+    <a:masterClrMapping/>
+  </p:clrMapOvr>
+</p:notes>
+</file>
+
+<file path=ppt/notesSlides/notesSlide15.xml><?xml version="1.0" encoding="utf-8"?>
+<p:notes xmlns:a="http://schemas.openxmlformats.org/drawingml/2006/main" xmlns:r="http://schemas.openxmlformats.org/officeDocument/2006/relationships" xmlns:p="http://schemas.openxmlformats.org/presentationml/2006/main">
+  <p:cSld>
+    <p:spTree>
+      <p:nvGrpSpPr>
+        <p:cNvPr id="1" name=""/>
+        <p:cNvGrpSpPr/>
+        <p:nvPr/>
+      </p:nvGrpSpPr>
+      <p:grpSpPr>
+        <a:xfrm>
+          <a:off x="0" y="0"/>
+          <a:ext cx="0" cy="0"/>
+          <a:chOff x="0" y="0"/>
+          <a:chExt cx="0" cy="0"/>
+        </a:xfrm>
+      </p:grpSpPr>
+      <p:sp>
+        <p:nvSpPr>
+          <p:cNvPr id="2" name="Slide Image Placeholder 1"/>
+          <p:cNvSpPr>
+            <a:spLocks noGrp="1" noRot="1" noChangeAspect="1"/>
+          </p:cNvSpPr>
+          <p:nvPr>
+            <p:ph type="sldImg"/>
+          </p:nvPr>
+        </p:nvSpPr>
+        <p:spPr/>
+      </p:sp>
+      <p:sp>
+        <p:nvSpPr>
+          <p:cNvPr id="3" name="Notes Placeholder 2"/>
+          <p:cNvSpPr>
+            <a:spLocks noGrp="1"/>
+          </p:cNvSpPr>
+          <p:nvPr>
+            <p:ph type="body" idx="1"/>
+          </p:nvPr>
+        </p:nvSpPr>
+        <p:spPr/>
+        <p:txBody>
+          <a:bodyPr/>
+          <a:lstStyle/>
+          <a:p>
+            <a:r>
+              <a:rPr lang="en-US" dirty="0" smtClean="0"/>
+              <a:t>Social Movements must</a:t>
+            </a:r>
+            <a:r>
+              <a:rPr lang="en-US" baseline="0" dirty="0" smtClean="0"/>
+              <a:t> engage in framing</a:t>
+            </a:r>
+            <a:endParaRPr lang="en-US" dirty="0"/>
+          </a:p>
+        </p:txBody>
+      </p:sp>
+      <p:sp>
+        <p:nvSpPr>
+          <p:cNvPr id="4" name="Slide Number Placeholder 3"/>
+          <p:cNvSpPr>
+            <a:spLocks noGrp="1"/>
+          </p:cNvSpPr>
+          <p:nvPr>
+            <p:ph type="sldNum" sz="quarter" idx="10"/>
+          </p:nvPr>
+        </p:nvSpPr>
+        <p:spPr/>
+        <p:txBody>
+          <a:bodyPr/>
+          <a:lstStyle/>
+          <a:p>
+            <a:fld id="{ED8B9EAB-9194-C349-939B-458D4FF5A6A9}" type="slidenum">
+              <a:rPr lang="en-US" smtClean="0"/>
+              <a:t>23</a:t>
+            </a:fld>
+            <a:endParaRPr lang="en-US"/>
+          </a:p>
+        </p:txBody>
+      </p:sp>
+    </p:spTree>
+    <p:extLst>
+      <p:ext uri="{BB962C8B-B14F-4D97-AF65-F5344CB8AC3E}">
+        <p14:creationId xmlns:p14="http://schemas.microsoft.com/office/powerpoint/2010/main" val="3148152781"/>
+      </p:ext>
+    </p:extLst>
+  </p:cSld>
+  <p:clrMapOvr>
+    <a:masterClrMapping/>
+  </p:clrMapOvr>
+</p:notes>
+</file>
+
+<file path=ppt/notesSlides/notesSlide16.xml><?xml version="1.0" encoding="utf-8"?>
+<p:notes xmlns:a="http://schemas.openxmlformats.org/drawingml/2006/main" xmlns:r="http://schemas.openxmlformats.org/officeDocument/2006/relationships" xmlns:p="http://schemas.openxmlformats.org/presentationml/2006/main">
+  <p:cSld>
+    <p:spTree>
+      <p:nvGrpSpPr>
+        <p:cNvPr id="1" name=""/>
+        <p:cNvGrpSpPr/>
+        <p:nvPr/>
+      </p:nvGrpSpPr>
+      <p:grpSpPr>
+        <a:xfrm>
+          <a:off x="0" y="0"/>
+          <a:ext cx="0" cy="0"/>
+          <a:chOff x="0" y="0"/>
+          <a:chExt cx="0" cy="0"/>
+        </a:xfrm>
+      </p:grpSpPr>
+      <p:sp>
+        <p:nvSpPr>
+          <p:cNvPr id="2" name="Slide Image Placeholder 1"/>
+          <p:cNvSpPr>
+            <a:spLocks noGrp="1" noRot="1" noChangeAspect="1"/>
+          </p:cNvSpPr>
+          <p:nvPr>
+            <p:ph type="sldImg"/>
+          </p:nvPr>
+        </p:nvSpPr>
+        <p:spPr/>
+      </p:sp>
+      <p:sp>
+        <p:nvSpPr>
+          <p:cNvPr id="3" name="Notes Placeholder 2"/>
+          <p:cNvSpPr>
+            <a:spLocks noGrp="1"/>
+          </p:cNvSpPr>
+          <p:nvPr>
+            <p:ph type="body" idx="1"/>
+          </p:nvPr>
+        </p:nvSpPr>
+        <p:spPr/>
+        <p:txBody>
+          <a:bodyPr/>
+          <a:lstStyle/>
+          <a:p>
+            <a:r>
+              <a:rPr lang="en-US" dirty="0" smtClean="0"/>
+              <a:t>P54: Austin, TX need to build a new Salvation Army</a:t>
+            </a:r>
+            <a:r>
+              <a:rPr lang="en-US" baseline="0" dirty="0" smtClean="0"/>
+              <a:t> to deal with its homeless problem in the 1980s. Relocation effort faced backlash from NIMBY movements. NIMBY movements portrayed its residents as being victimized by relocation of Salvation Army. Was difficult since SA was a Christian, charitable/outreach organization, so NIMBY movements needed more negative claims against it.</a:t>
+            </a:r>
+          </a:p>
+          <a:p>
+            <a:endParaRPr lang="en-US" baseline="0" dirty="0" smtClean="0"/>
+          </a:p>
+          <a:p>
+            <a:r>
+              <a:rPr lang="en-US" baseline="0" dirty="0" smtClean="0"/>
+              <a:t>Focused on transients, how they threatened neighborhood women and children. Kept framing the homeless as criminally inclined, drunken, sex-crazed men who would infiltrate their communities and rob their homes and rape their women. </a:t>
+            </a:r>
+            <a:endParaRPr lang="en-US" dirty="0"/>
+          </a:p>
+        </p:txBody>
+      </p:sp>
+      <p:sp>
+        <p:nvSpPr>
+          <p:cNvPr id="4" name="Slide Number Placeholder 3"/>
+          <p:cNvSpPr>
+            <a:spLocks noGrp="1"/>
+          </p:cNvSpPr>
+          <p:nvPr>
+            <p:ph type="sldNum" sz="quarter" idx="10"/>
+          </p:nvPr>
+        </p:nvSpPr>
+        <p:spPr/>
+        <p:txBody>
+          <a:bodyPr/>
+          <a:lstStyle/>
+          <a:p>
+            <a:fld id="{ED8B9EAB-9194-C349-939B-458D4FF5A6A9}" type="slidenum">
+              <a:rPr lang="en-US" smtClean="0"/>
+              <a:t>24</a:t>
+            </a:fld>
+            <a:endParaRPr lang="en-US"/>
+          </a:p>
+        </p:txBody>
+      </p:sp>
+    </p:spTree>
+    <p:extLst>
+      <p:ext uri="{BB962C8B-B14F-4D97-AF65-F5344CB8AC3E}">
+        <p14:creationId xmlns:p14="http://schemas.microsoft.com/office/powerpoint/2010/main" val="3148152781"/>
+      </p:ext>
+    </p:extLst>
+  </p:cSld>
+  <p:clrMapOvr>
+    <a:masterClrMapping/>
+  </p:clrMapOvr>
+</p:notes>
+</file>
+
+<file path=ppt/notesSlides/notesSlide17.xml><?xml version="1.0" encoding="utf-8"?>
+<p:notes xmlns:a="http://schemas.openxmlformats.org/drawingml/2006/main" xmlns:r="http://schemas.openxmlformats.org/officeDocument/2006/relationships" xmlns:p="http://schemas.openxmlformats.org/presentationml/2006/main">
+  <p:cSld>
+    <p:spTree>
+      <p:nvGrpSpPr>
+        <p:cNvPr id="1" name=""/>
+        <p:cNvGrpSpPr/>
+        <p:nvPr/>
+      </p:nvGrpSpPr>
+      <p:grpSpPr>
+        <a:xfrm>
+          <a:off x="0" y="0"/>
+          <a:ext cx="0" cy="0"/>
+          <a:chOff x="0" y="0"/>
+          <a:chExt cx="0" cy="0"/>
+        </a:xfrm>
+      </p:grpSpPr>
+      <p:sp>
+        <p:nvSpPr>
+          <p:cNvPr id="2" name="Slide Image Placeholder 1"/>
+          <p:cNvSpPr>
+            <a:spLocks noGrp="1" noRot="1" noChangeAspect="1"/>
+          </p:cNvSpPr>
+          <p:nvPr>
+            <p:ph type="sldImg"/>
+          </p:nvPr>
+        </p:nvSpPr>
+        <p:spPr/>
+      </p:sp>
+      <p:sp>
+        <p:nvSpPr>
+          <p:cNvPr id="3" name="Notes Placeholder 2"/>
+          <p:cNvSpPr>
+            <a:spLocks noGrp="1"/>
+          </p:cNvSpPr>
+          <p:nvPr>
+            <p:ph type="body" idx="1"/>
+          </p:nvPr>
+        </p:nvSpPr>
+        <p:spPr/>
+        <p:txBody>
+          <a:bodyPr/>
+          <a:lstStyle/>
+          <a:p>
+            <a:r>
+              <a:rPr lang="en-US" dirty="0" smtClean="0"/>
+              <a:t>P54: Austin, TX need to build a new Salvation Army</a:t>
+            </a:r>
+            <a:r>
+              <a:rPr lang="en-US" baseline="0" dirty="0" smtClean="0"/>
+              <a:t> to deal with its homeless problem in the 1980s. Relocation effort faced backlash from NIMBY movements. NIMBY movements portrayed its residents as being victimized by relocation of Salvation Army. Was difficult since SA was a Christian, charitable/outreach organization, so NIMBY movements needed more negative claims against it.</a:t>
+            </a:r>
+          </a:p>
+          <a:p>
+            <a:endParaRPr lang="en-US" baseline="0" dirty="0" smtClean="0"/>
+          </a:p>
+          <a:p>
+            <a:r>
+              <a:rPr lang="en-US" baseline="0" dirty="0" smtClean="0"/>
+              <a:t>Focused on transients, how they threatened neighborhood women and children. Kept framing the homeless as criminally inclined, drunken, sex-crazed men who would infiltrate their communities and rob their homes and rape their women. </a:t>
+            </a:r>
+            <a:endParaRPr lang="en-US" dirty="0"/>
+          </a:p>
+        </p:txBody>
+      </p:sp>
+      <p:sp>
+        <p:nvSpPr>
+          <p:cNvPr id="4" name="Slide Number Placeholder 3"/>
+          <p:cNvSpPr>
+            <a:spLocks noGrp="1"/>
+          </p:cNvSpPr>
+          <p:nvPr>
+            <p:ph type="sldNum" sz="quarter" idx="10"/>
+          </p:nvPr>
+        </p:nvSpPr>
+        <p:spPr/>
+        <p:txBody>
+          <a:bodyPr/>
+          <a:lstStyle/>
+          <a:p>
+            <a:fld id="{ED8B9EAB-9194-C349-939B-458D4FF5A6A9}" type="slidenum">
+              <a:rPr lang="en-US" smtClean="0"/>
+              <a:t>25</a:t>
+            </a:fld>
+            <a:endParaRPr lang="en-US"/>
+          </a:p>
+        </p:txBody>
+      </p:sp>
+    </p:spTree>
+    <p:extLst>
+      <p:ext uri="{BB962C8B-B14F-4D97-AF65-F5344CB8AC3E}">
+        <p14:creationId xmlns:p14="http://schemas.microsoft.com/office/powerpoint/2010/main" val="3148152781"/>
+      </p:ext>
+    </p:extLst>
+  </p:cSld>
+  <p:clrMapOvr>
+    <a:masterClrMapping/>
+  </p:clrMapOvr>
+</p:notes>
+</file>
+
+<file path=ppt/notesSlides/notesSlide18.xml><?xml version="1.0" encoding="utf-8"?>
+<p:notes xmlns:a="http://schemas.openxmlformats.org/drawingml/2006/main" xmlns:r="http://schemas.openxmlformats.org/officeDocument/2006/relationships" xmlns:p="http://schemas.openxmlformats.org/presentationml/2006/main">
+  <p:cSld>
+    <p:spTree>
+      <p:nvGrpSpPr>
+        <p:cNvPr id="1" name=""/>
+        <p:cNvGrpSpPr/>
+        <p:nvPr/>
+      </p:nvGrpSpPr>
+      <p:grpSpPr>
+        <a:xfrm>
+          <a:off x="0" y="0"/>
+          <a:ext cx="0" cy="0"/>
+          <a:chOff x="0" y="0"/>
+          <a:chExt cx="0" cy="0"/>
+        </a:xfrm>
+      </p:grpSpPr>
+      <p:sp>
+        <p:nvSpPr>
+          <p:cNvPr id="2" name="Slide Image Placeholder 1"/>
+          <p:cNvSpPr>
+            <a:spLocks noGrp="1" noRot="1" noChangeAspect="1"/>
+          </p:cNvSpPr>
+          <p:nvPr>
+            <p:ph type="sldImg"/>
+          </p:nvPr>
+        </p:nvSpPr>
+        <p:spPr/>
+      </p:sp>
+      <p:sp>
+        <p:nvSpPr>
+          <p:cNvPr id="3" name="Notes Placeholder 2"/>
+          <p:cNvSpPr>
+            <a:spLocks noGrp="1"/>
+          </p:cNvSpPr>
+          <p:nvPr>
+            <p:ph type="body" idx="1"/>
+          </p:nvPr>
+        </p:nvSpPr>
+        <p:spPr/>
+        <p:txBody>
+          <a:bodyPr/>
+          <a:lstStyle/>
+          <a:p>
+            <a:r>
+              <a:rPr lang="en-US" dirty="0" smtClean="0"/>
+              <a:t>Heavens</a:t>
+            </a:r>
+            <a:r>
+              <a:rPr lang="en-US" baseline="0" dirty="0" smtClean="0"/>
+              <a:t> Gate</a:t>
+            </a:r>
+            <a:r>
+              <a:rPr lang="is-IS" baseline="0" dirty="0" smtClean="0"/>
+              <a:t>…religious movement march 1997, thought that if they committed suicide, they would be transported to a UFO trailing the Hale-Bopp comet (the last comet of the century).</a:t>
+            </a:r>
+          </a:p>
+          <a:p>
+            <a:endParaRPr lang="is-IS" baseline="0" dirty="0" smtClean="0"/>
+          </a:p>
+          <a:p>
+            <a:r>
+              <a:rPr lang="is-IS" baseline="0" dirty="0" smtClean="0"/>
+              <a:t>needed the empirical event of Hale Bop’s comet in order for it to be framed as a passage to Heaven</a:t>
+            </a:r>
+          </a:p>
+          <a:p>
+            <a:r>
+              <a:rPr lang="is-IS" baseline="0" dirty="0" smtClean="0"/>
+              <a:t>Also need to take place in a cultural environment that allowed for the free expression of religion</a:t>
+            </a:r>
+            <a:endParaRPr lang="en-US" dirty="0"/>
+          </a:p>
+        </p:txBody>
+      </p:sp>
+      <p:sp>
+        <p:nvSpPr>
+          <p:cNvPr id="4" name="Slide Number Placeholder 3"/>
+          <p:cNvSpPr>
+            <a:spLocks noGrp="1"/>
+          </p:cNvSpPr>
+          <p:nvPr>
+            <p:ph type="sldNum" sz="quarter" idx="10"/>
+          </p:nvPr>
+        </p:nvSpPr>
+        <p:spPr/>
+        <p:txBody>
+          <a:bodyPr/>
+          <a:lstStyle/>
+          <a:p>
+            <a:fld id="{ED8B9EAB-9194-C349-939B-458D4FF5A6A9}" type="slidenum">
+              <a:rPr lang="en-US" smtClean="0"/>
+              <a:t>27</a:t>
+            </a:fld>
+            <a:endParaRPr lang="en-US"/>
+          </a:p>
+        </p:txBody>
+      </p:sp>
+    </p:spTree>
+    <p:extLst>
+      <p:ext uri="{BB962C8B-B14F-4D97-AF65-F5344CB8AC3E}">
+        <p14:creationId xmlns:p14="http://schemas.microsoft.com/office/powerpoint/2010/main" val="2019191894"/>
+      </p:ext>
+    </p:extLst>
+  </p:cSld>
+  <p:clrMapOvr>
+    <a:masterClrMapping/>
+  </p:clrMapOvr>
+</p:notes>
+</file>
+
+<file path=ppt/notesSlides/notesSlide19.xml><?xml version="1.0" encoding="utf-8"?>
+<p:notes xmlns:a="http://schemas.openxmlformats.org/drawingml/2006/main" xmlns:r="http://schemas.openxmlformats.org/officeDocument/2006/relationships" xmlns:p="http://schemas.openxmlformats.org/presentationml/2006/main">
+  <p:cSld>
+    <p:spTree>
+      <p:nvGrpSpPr>
+        <p:cNvPr id="1" name=""/>
+        <p:cNvGrpSpPr/>
+        <p:nvPr/>
+      </p:nvGrpSpPr>
+      <p:grpSpPr>
+        <a:xfrm>
+          <a:off x="0" y="0"/>
+          <a:ext cx="0" cy="0"/>
+          <a:chOff x="0" y="0"/>
+          <a:chExt cx="0" cy="0"/>
+        </a:xfrm>
+      </p:grpSpPr>
+      <p:sp>
+        <p:nvSpPr>
+          <p:cNvPr id="2" name="Slide Image Placeholder 1"/>
+          <p:cNvSpPr>
+            <a:spLocks noGrp="1" noRot="1" noChangeAspect="1"/>
+          </p:cNvSpPr>
+          <p:nvPr>
+            <p:ph type="sldImg"/>
+          </p:nvPr>
+        </p:nvSpPr>
+        <p:spPr/>
+      </p:sp>
+      <p:sp>
+        <p:nvSpPr>
+          <p:cNvPr id="3" name="Notes Placeholder 2"/>
+          <p:cNvSpPr>
+            <a:spLocks noGrp="1"/>
+          </p:cNvSpPr>
+          <p:nvPr>
+            <p:ph type="body" idx="1"/>
+          </p:nvPr>
+        </p:nvSpPr>
+        <p:spPr/>
+        <p:txBody>
+          <a:bodyPr/>
+          <a:lstStyle/>
+          <a:p>
+            <a:r>
+              <a:rPr lang="en-US" dirty="0" smtClean="0"/>
+              <a:t>Heavens</a:t>
+            </a:r>
+            <a:r>
+              <a:rPr lang="en-US" baseline="0" dirty="0" smtClean="0"/>
+              <a:t> Gate</a:t>
+            </a:r>
+            <a:r>
+              <a:rPr lang="is-IS" baseline="0" smtClean="0"/>
+              <a:t>…religious movement </a:t>
+            </a:r>
+            <a:r>
+              <a:rPr lang="is-IS" baseline="0" dirty="0" smtClean="0"/>
+              <a:t>march 1997, thought that if they committed suicide, they would be transported to a UFO trailing the Hale-Bopp comet (the last comet of the century).</a:t>
+            </a:r>
+          </a:p>
+          <a:p>
+            <a:endParaRPr lang="is-IS" baseline="0" dirty="0" smtClean="0"/>
+          </a:p>
+          <a:p>
+            <a:r>
+              <a:rPr lang="is-IS" baseline="0" dirty="0" smtClean="0"/>
+              <a:t>needed the empirical event of Hale Bop’s comet in order for it to be framed as a passage to Heaven</a:t>
+            </a:r>
+          </a:p>
+          <a:p>
+            <a:r>
+              <a:rPr lang="is-IS" baseline="0" dirty="0" smtClean="0"/>
+              <a:t>Also need to take place in a cultural environment that allowed for the free expression of religion</a:t>
+            </a:r>
+            <a:endParaRPr lang="en-US" dirty="0"/>
+          </a:p>
+        </p:txBody>
+      </p:sp>
+      <p:sp>
+        <p:nvSpPr>
+          <p:cNvPr id="4" name="Slide Number Placeholder 3"/>
+          <p:cNvSpPr>
+            <a:spLocks noGrp="1"/>
+          </p:cNvSpPr>
+          <p:nvPr>
+            <p:ph type="sldNum" sz="quarter" idx="10"/>
+          </p:nvPr>
+        </p:nvSpPr>
+        <p:spPr/>
+        <p:txBody>
+          <a:bodyPr/>
+          <a:lstStyle/>
+          <a:p>
+            <a:fld id="{ED8B9EAB-9194-C349-939B-458D4FF5A6A9}" type="slidenum">
+              <a:rPr lang="en-US" smtClean="0"/>
+              <a:t>28</a:t>
+            </a:fld>
+            <a:endParaRPr lang="en-US"/>
+          </a:p>
+        </p:txBody>
+      </p:sp>
+    </p:spTree>
+    <p:extLst>
+      <p:ext uri="{BB962C8B-B14F-4D97-AF65-F5344CB8AC3E}">
+        <p14:creationId xmlns:p14="http://schemas.microsoft.com/office/powerpoint/2010/main" val="2019191894"/>
+      </p:ext>
+    </p:extLst>
+  </p:cSld>
+  <p:clrMapOvr>
+    <a:masterClrMapping/>
+  </p:clrMapOvr>
+</p:notes>
+</file>
+
 <file path=ppt/notesSlides/notesSlide2.xml><?xml version="1.0" encoding="utf-8"?>
 <p:notes xmlns:a="http://schemas.openxmlformats.org/drawingml/2006/main" xmlns:r="http://schemas.openxmlformats.org/officeDocument/2006/relationships" xmlns:p="http://schemas.openxmlformats.org/presentationml/2006/main">
   <p:cSld>
@@ -631,17 +1614,26 @@
           <a:bodyPr/>
           <a:lstStyle/>
           <a:p>
-            <a:r>
-              <a:rPr lang="en-US" dirty="0" smtClean="0"/>
-              <a:t>1960s, response to Collective Behavior theories</a:t>
-            </a:r>
-            <a:r>
-              <a:rPr lang="en-US" baseline="0" dirty="0" smtClean="0"/>
-              <a:t> that g</a:t>
-            </a:r>
-            <a:r>
-              <a:rPr lang="en-US" dirty="0" smtClean="0"/>
-              <a:t>rievances the most important factor for social movement activity</a:t>
+            <a:pPr marL="0" marR="0" lvl="1" indent="0" algn="l" defTabSz="457200" rtl="0" eaLnBrk="1" fontAlgn="auto" latinLnBrk="0" hangingPunct="1">
+              <a:lnSpc>
+                <a:spcPct val="100000"/>
+              </a:lnSpc>
+              <a:spcBef>
+                <a:spcPts val="0"/>
+              </a:spcBef>
+              <a:spcAft>
+                <a:spcPts val="0"/>
+              </a:spcAft>
+              <a:buClrTx/>
+              <a:buSzTx/>
+              <a:buFontTx/>
+              <a:buNone/>
+              <a:tabLst/>
+              <a:defRPr/>
+            </a:pPr>
+            <a:r>
+              <a:rPr lang="en-US" dirty="0" smtClean="0"/>
+              <a:t>Deeply felt, shared grievances are most important driver for social movements</a:t>
             </a:r>
           </a:p>
           <a:p>
@@ -666,7 +1658,7 @@
           <a:p>
             <a:fld id="{ED8B9EAB-9194-C349-939B-458D4FF5A6A9}" type="slidenum">
               <a:rPr lang="en-US" smtClean="0"/>
-              <a:t>6</a:t>
+              <a:t>2</a:t>
             </a:fld>
             <a:endParaRPr lang="en-US"/>
           </a:p>
@@ -675,7 +1667,7 @@
     </p:spTree>
     <p:extLst>
       <p:ext uri="{BB962C8B-B14F-4D97-AF65-F5344CB8AC3E}">
-        <p14:creationId xmlns:p14="http://schemas.microsoft.com/office/powerpoint/2010/main" val="3948018074"/>
+        <p14:creationId xmlns:p14="http://schemas.microsoft.com/office/powerpoint/2010/main" val="4294698202"/>
       </p:ext>
     </p:extLst>
   </p:cSld>
@@ -731,12 +1723,18 @@
           <a:p>
             <a:r>
               <a:rPr lang="en-US" dirty="0" smtClean="0"/>
-              <a:t>Individual grievances are individually experienced:</a:t>
+              <a:t>1960s, response to Collective Behavior theories</a:t>
             </a:r>
             <a:r>
               <a:rPr lang="en-US" baseline="0" dirty="0" smtClean="0"/>
-              <a:t> not getting a raise, dissatisfaction with boss, or lines at bank, traffic</a:t>
-            </a:r>
+              <a:t> that g</a:t>
+            </a:r>
+            <a:r>
+              <a:rPr lang="en-US" dirty="0" smtClean="0"/>
+              <a:t>rievances the most important factor for social movement activity</a:t>
+            </a:r>
+          </a:p>
+          <a:p>
             <a:endParaRPr lang="en-US" dirty="0"/>
           </a:p>
         </p:txBody>
@@ -758,7 +1756,7 @@
           <a:p>
             <a:fld id="{ED8B9EAB-9194-C349-939B-458D4FF5A6A9}" type="slidenum">
               <a:rPr lang="en-US" smtClean="0"/>
-              <a:t>7</a:t>
+              <a:t>5</a:t>
             </a:fld>
             <a:endParaRPr lang="en-US"/>
           </a:p>
@@ -767,7 +1765,7 @@
     </p:spTree>
     <p:extLst>
       <p:ext uri="{BB962C8B-B14F-4D97-AF65-F5344CB8AC3E}">
-        <p14:creationId xmlns:p14="http://schemas.microsoft.com/office/powerpoint/2010/main" val="1866567529"/>
+        <p14:creationId xmlns:p14="http://schemas.microsoft.com/office/powerpoint/2010/main" val="3948018074"/>
       </p:ext>
     </p:extLst>
   </p:cSld>
@@ -821,29 +1819,14 @@
           <a:bodyPr/>
           <a:lstStyle/>
           <a:p>
-            <a:pPr marL="0" marR="0" lvl="1" indent="0" algn="l" defTabSz="457200" rtl="0" eaLnBrk="1" fontAlgn="auto" latinLnBrk="0" hangingPunct="1">
-              <a:lnSpc>
-                <a:spcPct val="100000"/>
-              </a:lnSpc>
-              <a:spcBef>
-                <a:spcPts val="0"/>
-              </a:spcBef>
-              <a:spcAft>
-                <a:spcPts val="0"/>
-              </a:spcAft>
-              <a:buClrTx/>
-              <a:buSzTx/>
-              <a:buFontTx/>
-              <a:buNone/>
-              <a:tabLst/>
-              <a:defRPr/>
-            </a:pPr>
-            <a:r>
-              <a:rPr lang="en-US" i="0" dirty="0" smtClean="0"/>
-              <a:t>Grievances rooted in conflicts over claims to rewards and opportunities among groups differentially situated in the social system</a:t>
-            </a:r>
-          </a:p>
-          <a:p>
+            <a:r>
+              <a:rPr lang="en-US" dirty="0" smtClean="0"/>
+              <a:t>Individual grievances are individually experienced:</a:t>
+            </a:r>
+            <a:r>
+              <a:rPr lang="en-US" baseline="0" dirty="0" smtClean="0"/>
+              <a:t> not getting a raise, dissatisfaction with boss, or lines at bank, traffic</a:t>
+            </a:r>
             <a:endParaRPr lang="en-US" dirty="0"/>
           </a:p>
         </p:txBody>
@@ -865,7 +1848,7 @@
           <a:p>
             <a:fld id="{ED8B9EAB-9194-C349-939B-458D4FF5A6A9}" type="slidenum">
               <a:rPr lang="en-US" smtClean="0"/>
-              <a:t>9</a:t>
+              <a:t>6</a:t>
             </a:fld>
             <a:endParaRPr lang="en-US"/>
           </a:p>
@@ -874,7 +1857,7 @@
     </p:spTree>
     <p:extLst>
       <p:ext uri="{BB962C8B-B14F-4D97-AF65-F5344CB8AC3E}">
-        <p14:creationId xmlns:p14="http://schemas.microsoft.com/office/powerpoint/2010/main" val="1819920057"/>
+        <p14:creationId xmlns:p14="http://schemas.microsoft.com/office/powerpoint/2010/main" val="1866567529"/>
       </p:ext>
     </p:extLst>
   </p:cSld>
@@ -928,14 +1911,29 @@
           <a:bodyPr/>
           <a:lstStyle/>
           <a:p>
-            <a:r>
-              <a:rPr lang="en-US" dirty="0" smtClean="0"/>
-              <a:t>Weakens</a:t>
-            </a:r>
-            <a:r>
-              <a:rPr lang="en-US" baseline="0" dirty="0" smtClean="0"/>
-              <a:t> social constraints and loosens national fabric</a:t>
-            </a:r>
+            <a:pPr marL="0" marR="0" lvl="1" indent="0" algn="l" defTabSz="457200" rtl="0" eaLnBrk="1" fontAlgn="auto" latinLnBrk="0" hangingPunct="1">
+              <a:lnSpc>
+                <a:spcPct val="100000"/>
+              </a:lnSpc>
+              <a:spcBef>
+                <a:spcPts val="0"/>
+              </a:spcBef>
+              <a:spcAft>
+                <a:spcPts val="0"/>
+              </a:spcAft>
+              <a:buClrTx/>
+              <a:buSzTx/>
+              <a:buFontTx/>
+              <a:buNone/>
+              <a:tabLst/>
+              <a:defRPr/>
+            </a:pPr>
+            <a:r>
+              <a:rPr lang="en-US" i="0" dirty="0" smtClean="0"/>
+              <a:t>Grievances rooted in conflicts over claims to rewards and opportunities among groups differentially situated in the social system</a:t>
+            </a:r>
+          </a:p>
+          <a:p>
             <a:endParaRPr lang="en-US" dirty="0"/>
           </a:p>
         </p:txBody>
@@ -957,7 +1955,7 @@
           <a:p>
             <a:fld id="{ED8B9EAB-9194-C349-939B-458D4FF5A6A9}" type="slidenum">
               <a:rPr lang="en-US" smtClean="0"/>
-              <a:t>11</a:t>
+              <a:t>8</a:t>
             </a:fld>
             <a:endParaRPr lang="en-US"/>
           </a:p>
@@ -966,7 +1964,7 @@
     </p:spTree>
     <p:extLst>
       <p:ext uri="{BB962C8B-B14F-4D97-AF65-F5344CB8AC3E}">
-        <p14:creationId xmlns:p14="http://schemas.microsoft.com/office/powerpoint/2010/main" val="3538134952"/>
+        <p14:creationId xmlns:p14="http://schemas.microsoft.com/office/powerpoint/2010/main" val="1819920057"/>
       </p:ext>
     </p:extLst>
   </p:cSld>
@@ -1049,7 +2047,7 @@
           <a:p>
             <a:fld id="{ED8B9EAB-9194-C349-939B-458D4FF5A6A9}" type="slidenum">
               <a:rPr lang="en-US" smtClean="0"/>
-              <a:t>13</a:t>
+              <a:t>10</a:t>
             </a:fld>
             <a:endParaRPr lang="en-US"/>
           </a:p>
@@ -1114,6 +2112,98 @@
           <a:p>
             <a:r>
               <a:rPr lang="en-US" dirty="0" smtClean="0"/>
+              <a:t>Weakens</a:t>
+            </a:r>
+            <a:r>
+              <a:rPr lang="en-US" baseline="0" dirty="0" smtClean="0"/>
+              <a:t> social constraints and loosens national fabric</a:t>
+            </a:r>
+            <a:endParaRPr lang="en-US" dirty="0"/>
+          </a:p>
+        </p:txBody>
+      </p:sp>
+      <p:sp>
+        <p:nvSpPr>
+          <p:cNvPr id="4" name="Slide Number Placeholder 3"/>
+          <p:cNvSpPr>
+            <a:spLocks noGrp="1"/>
+          </p:cNvSpPr>
+          <p:nvPr>
+            <p:ph type="sldNum" sz="quarter" idx="10"/>
+          </p:nvPr>
+        </p:nvSpPr>
+        <p:spPr/>
+        <p:txBody>
+          <a:bodyPr/>
+          <a:lstStyle/>
+          <a:p>
+            <a:fld id="{ED8B9EAB-9194-C349-939B-458D4FF5A6A9}" type="slidenum">
+              <a:rPr lang="en-US" smtClean="0"/>
+              <a:t>12</a:t>
+            </a:fld>
+            <a:endParaRPr lang="en-US"/>
+          </a:p>
+        </p:txBody>
+      </p:sp>
+    </p:spTree>
+    <p:extLst>
+      <p:ext uri="{BB962C8B-B14F-4D97-AF65-F5344CB8AC3E}">
+        <p14:creationId xmlns:p14="http://schemas.microsoft.com/office/powerpoint/2010/main" val="3538134952"/>
+      </p:ext>
+    </p:extLst>
+  </p:cSld>
+  <p:clrMapOvr>
+    <a:masterClrMapping/>
+  </p:clrMapOvr>
+</p:notes>
+</file>
+
+<file path=ppt/notesSlides/notesSlide8.xml><?xml version="1.0" encoding="utf-8"?>
+<p:notes xmlns:a="http://schemas.openxmlformats.org/drawingml/2006/main" xmlns:r="http://schemas.openxmlformats.org/officeDocument/2006/relationships" xmlns:p="http://schemas.openxmlformats.org/presentationml/2006/main">
+  <p:cSld>
+    <p:spTree>
+      <p:nvGrpSpPr>
+        <p:cNvPr id="1" name=""/>
+        <p:cNvGrpSpPr/>
+        <p:nvPr/>
+      </p:nvGrpSpPr>
+      <p:grpSpPr>
+        <a:xfrm>
+          <a:off x="0" y="0"/>
+          <a:ext cx="0" cy="0"/>
+          <a:chOff x="0" y="0"/>
+          <a:chExt cx="0" cy="0"/>
+        </a:xfrm>
+      </p:grpSpPr>
+      <p:sp>
+        <p:nvSpPr>
+          <p:cNvPr id="2" name="Slide Image Placeholder 1"/>
+          <p:cNvSpPr>
+            <a:spLocks noGrp="1" noRot="1" noChangeAspect="1"/>
+          </p:cNvSpPr>
+          <p:nvPr>
+            <p:ph type="sldImg"/>
+          </p:nvPr>
+        </p:nvSpPr>
+        <p:spPr/>
+      </p:sp>
+      <p:sp>
+        <p:nvSpPr>
+          <p:cNvPr id="3" name="Notes Placeholder 2"/>
+          <p:cNvSpPr>
+            <a:spLocks noGrp="1"/>
+          </p:cNvSpPr>
+          <p:nvPr>
+            <p:ph type="body" idx="1"/>
+          </p:nvPr>
+        </p:nvSpPr>
+        <p:spPr/>
+        <p:txBody>
+          <a:bodyPr/>
+          <a:lstStyle/>
+          <a:p>
+            <a:r>
+              <a:rPr lang="en-US" dirty="0" smtClean="0"/>
               <a:t>Both actual</a:t>
             </a:r>
             <a:r>
@@ -1126,12 +2216,92 @@
             </a:r>
             <a:r>
               <a:rPr lang="en-US" baseline="0" dirty="0" smtClean="0"/>
-              <a:t> are motivated to recoup what they have already lost or guard against the prospect </a:t>
-            </a:r>
-            <a:r>
-              <a:rPr lang="en-US" baseline="0" smtClean="0"/>
-              <a:t>of such loss</a:t>
-            </a:r>
+              <a:t> are motivated to recoup what they have already lost or guard against the prospect of such loss</a:t>
+            </a:r>
+            <a:endParaRPr lang="en-US" dirty="0"/>
+          </a:p>
+        </p:txBody>
+      </p:sp>
+      <p:sp>
+        <p:nvSpPr>
+          <p:cNvPr id="4" name="Slide Number Placeholder 3"/>
+          <p:cNvSpPr>
+            <a:spLocks noGrp="1"/>
+          </p:cNvSpPr>
+          <p:nvPr>
+            <p:ph type="sldNum" sz="quarter" idx="10"/>
+          </p:nvPr>
+        </p:nvSpPr>
+        <p:spPr/>
+        <p:txBody>
+          <a:bodyPr/>
+          <a:lstStyle/>
+          <a:p>
+            <a:fld id="{ED8B9EAB-9194-C349-939B-458D4FF5A6A9}" type="slidenum">
+              <a:rPr lang="en-US" smtClean="0"/>
+              <a:t>14</a:t>
+            </a:fld>
+            <a:endParaRPr lang="en-US"/>
+          </a:p>
+        </p:txBody>
+      </p:sp>
+    </p:spTree>
+    <p:extLst>
+      <p:ext uri="{BB962C8B-B14F-4D97-AF65-F5344CB8AC3E}">
+        <p14:creationId xmlns:p14="http://schemas.microsoft.com/office/powerpoint/2010/main" val="3538134952"/>
+      </p:ext>
+    </p:extLst>
+  </p:cSld>
+  <p:clrMapOvr>
+    <a:masterClrMapping/>
+  </p:clrMapOvr>
+</p:notes>
+</file>
+
+<file path=ppt/notesSlides/notesSlide9.xml><?xml version="1.0" encoding="utf-8"?>
+<p:notes xmlns:a="http://schemas.openxmlformats.org/drawingml/2006/main" xmlns:r="http://schemas.openxmlformats.org/officeDocument/2006/relationships" xmlns:p="http://schemas.openxmlformats.org/presentationml/2006/main">
+  <p:cSld>
+    <p:spTree>
+      <p:nvGrpSpPr>
+        <p:cNvPr id="1" name=""/>
+        <p:cNvGrpSpPr/>
+        <p:nvPr/>
+      </p:nvGrpSpPr>
+      <p:grpSpPr>
+        <a:xfrm>
+          <a:off x="0" y="0"/>
+          <a:ext cx="0" cy="0"/>
+          <a:chOff x="0" y="0"/>
+          <a:chExt cx="0" cy="0"/>
+        </a:xfrm>
+      </p:grpSpPr>
+      <p:sp>
+        <p:nvSpPr>
+          <p:cNvPr id="2" name="Slide Image Placeholder 1"/>
+          <p:cNvSpPr>
+            <a:spLocks noGrp="1" noRot="1" noChangeAspect="1"/>
+          </p:cNvSpPr>
+          <p:nvPr>
+            <p:ph type="sldImg"/>
+          </p:nvPr>
+        </p:nvSpPr>
+        <p:spPr/>
+      </p:sp>
+      <p:sp>
+        <p:nvSpPr>
+          <p:cNvPr id="3" name="Notes Placeholder 2"/>
+          <p:cNvSpPr>
+            <a:spLocks noGrp="1"/>
+          </p:cNvSpPr>
+          <p:nvPr>
+            <p:ph type="body" idx="1"/>
+          </p:nvPr>
+        </p:nvSpPr>
+        <p:spPr/>
+        <p:txBody>
+          <a:bodyPr/>
+          <a:lstStyle/>
+          <a:p>
             <a:endParaRPr lang="en-US" dirty="0"/>
           </a:p>
         </p:txBody>
@@ -4746,6 +5916,36 @@
           </a:p>
         </p:txBody>
       </p:sp>
+      <p:pic>
+        <p:nvPicPr>
+          <p:cNvPr id="3" name="Picture 2" descr="occupy slide open.jpg"/>
+          <p:cNvPicPr>
+            <a:picLocks noChangeAspect="1"/>
+          </p:cNvPicPr>
+          <p:nvPr/>
+        </p:nvPicPr>
+        <p:blipFill>
+          <a:blip r:embed="rId3">
+            <a:extLst>
+              <a:ext uri="{28A0092B-C50C-407E-A947-70E740481C1C}">
+                <a14:useLocalDpi xmlns:a14="http://schemas.microsoft.com/office/drawing/2010/main" val="0"/>
+              </a:ext>
+            </a:extLst>
+          </a:blip>
+          <a:stretch>
+            <a:fillRect/>
+          </a:stretch>
+        </p:blipFill>
+        <p:spPr>
+          <a:xfrm>
+            <a:off x="1347658" y="438831"/>
+            <a:ext cx="6479021" cy="4315124"/>
+          </a:xfrm>
+          <a:prstGeom prst="rect">
+            <a:avLst/>
+          </a:prstGeom>
+        </p:spPr>
+      </p:pic>
     </p:spTree>
     <p:extLst>
       <p:ext uri="{BB962C8B-B14F-4D97-AF65-F5344CB8AC3E}">
@@ -4756,6 +5956,25 @@
   <p:clrMapOvr>
     <a:masterClrMapping/>
   </p:clrMapOvr>
+  <mc:AlternateContent xmlns:mc="http://schemas.openxmlformats.org/markup-compatibility/2006">
+    <mc:Choice xmlns:p14="http://schemas.microsoft.com/office/powerpoint/2010/main" Requires="p14">
+      <p:transition spd="med" p14:dur="700">
+        <p:fade/>
+      </p:transition>
+    </mc:Choice>
+    <mc:Fallback>
+      <p:transition xmlns:p14="http://schemas.microsoft.com/office/powerpoint/2010/main" spd="med">
+        <p:fade/>
+      </p:transition>
+    </mc:Fallback>
+  </mc:AlternateContent>
+  <p:timing>
+    <p:tnLst>
+      <p:par>
+        <p:cTn xmlns:p14="http://schemas.microsoft.com/office/powerpoint/2010/main" id="1" dur="indefinite" restart="never" nodeType="tmRoot"/>
+      </p:par>
+    </p:tnLst>
+  </p:timing>
 </p:sld>
 </file>
 
@@ -4789,23 +6008,14 @@
         <p:spPr/>
         <p:txBody>
           <a:bodyPr>
-            <a:noAutofit/>
+            <a:normAutofit fontScale="90000"/>
           </a:bodyPr>
           <a:lstStyle/>
           <a:p>
             <a:r>
-              <a:rPr lang="en-US" sz="3600" dirty="0" smtClean="0"/>
-              <a:t>Problem with </a:t>
-            </a:r>
-            <a:r>
-              <a:rPr lang="en-US" sz="3600" dirty="0" smtClean="0"/>
-              <a:t>“Inequality” </a:t>
-            </a:r>
-            <a:r>
-              <a:rPr lang="en-US" sz="3600" dirty="0" smtClean="0"/>
-              <a:t>Argument</a:t>
-            </a:r>
-            <a:endParaRPr lang="en-US" sz="3600" dirty="0"/>
+              <a:rPr lang="en-US" dirty="0"/>
+              <a:t>Grievances as Function of Objective Structural or Material Conditions</a:t>
+            </a:r>
           </a:p>
         </p:txBody>
       </p:sp>
@@ -4826,50 +6036,55 @@
           <a:p>
             <a:r>
               <a:rPr lang="en-US" dirty="0" smtClean="0"/>
-              <a:t>Groups </a:t>
-            </a:r>
-            <a:r>
-              <a:rPr lang="en-US" dirty="0" smtClean="0"/>
-              <a:t>are hierarchically situated in </a:t>
-            </a:r>
-            <a:r>
-              <a:rPr lang="en-US" dirty="0"/>
-              <a:t>the social </a:t>
-            </a:r>
-            <a:r>
-              <a:rPr lang="en-US" dirty="0" smtClean="0"/>
-              <a:t>system, yet </a:t>
-            </a:r>
-            <a:r>
-              <a:rPr lang="en-US" dirty="0"/>
-              <a:t>conflicts (over the distribution of resources, rewards, opportunity) </a:t>
-            </a:r>
-            <a:r>
-              <a:rPr lang="en-US" dirty="0" smtClean="0"/>
-              <a:t>don’t always materialize</a:t>
-            </a:r>
-          </a:p>
-          <a:p>
-            <a:endParaRPr lang="en-US" dirty="0" smtClean="0"/>
-          </a:p>
-          <a:p>
-            <a:r>
-              <a:rPr lang="en-US" dirty="0" smtClean="0"/>
-              <a:t>If conflicts do arise, doesn’t always translate into mobilizing grievances</a:t>
-            </a:r>
+              <a:t>Strain</a:t>
+            </a:r>
+          </a:p>
+          <a:p>
+            <a:pPr lvl="1"/>
+            <a:r>
+              <a:rPr lang="en-US" dirty="0" smtClean="0"/>
+              <a:t>Disintegration</a:t>
+            </a:r>
+          </a:p>
+          <a:p>
+            <a:pPr lvl="2"/>
+            <a:r>
+              <a:rPr lang="en-US" dirty="0" smtClean="0"/>
+              <a:t>Disruptive social changes/breakdown in traditional social arrangements make people aggrieved and disconnected from one another, making them more vulnerable to appeals of movements</a:t>
+            </a:r>
+          </a:p>
+          <a:p>
+            <a:pPr lvl="3"/>
+            <a:r>
+              <a:rPr lang="en-US" dirty="0" smtClean="0"/>
+              <a:t>War, natural disaster, adverse economic trends</a:t>
+            </a:r>
+            <a:endParaRPr lang="en-US" dirty="0"/>
           </a:p>
         </p:txBody>
       </p:sp>
     </p:spTree>
     <p:extLst>
       <p:ext uri="{BB962C8B-B14F-4D97-AF65-F5344CB8AC3E}">
-        <p14:creationId xmlns:p14="http://schemas.microsoft.com/office/powerpoint/2010/main" val="1954083259"/>
+        <p14:creationId xmlns:p14="http://schemas.microsoft.com/office/powerpoint/2010/main" val="2229254799"/>
       </p:ext>
     </p:extLst>
   </p:cSld>
   <p:clrMapOvr>
     <a:masterClrMapping/>
   </p:clrMapOvr>
+  <mc:AlternateContent xmlns:mc="http://schemas.openxmlformats.org/markup-compatibility/2006">
+    <mc:Choice xmlns:p14="http://schemas.microsoft.com/office/powerpoint/2010/main" Requires="p14">
+      <p:transition spd="med" p14:dur="700">
+        <p:fade/>
+      </p:transition>
+    </mc:Choice>
+    <mc:Fallback>
+      <p:transition xmlns:p14="http://schemas.microsoft.com/office/powerpoint/2010/main" spd="med">
+        <p:fade/>
+      </p:transition>
+    </mc:Fallback>
+  </mc:AlternateContent>
 </p:sld>
 </file>
 
@@ -4903,14 +6118,19 @@
         <p:spPr/>
         <p:txBody>
           <a:bodyPr>
-            <a:normAutofit fontScale="90000"/>
+            <a:noAutofit/>
           </a:bodyPr>
           <a:lstStyle/>
           <a:p>
             <a:r>
-              <a:rPr lang="en-US" dirty="0"/>
-              <a:t>Grievances as Function of Objective Structural or Material Conditions</a:t>
-            </a:r>
+              <a:rPr lang="en-US" sz="3600" dirty="0"/>
+              <a:t>Problem with </a:t>
+            </a:r>
+            <a:r>
+              <a:rPr lang="en-US" sz="3600" dirty="0" smtClean="0"/>
+              <a:t>“Strain” Argument</a:t>
+            </a:r>
+            <a:endParaRPr lang="en-US" sz="3600" dirty="0"/>
           </a:p>
         </p:txBody>
       </p:sp>
@@ -4931,28 +6151,14 @@
           <a:p>
             <a:r>
               <a:rPr lang="en-US" dirty="0" smtClean="0"/>
-              <a:t>Strain</a:t>
+              <a:t>Disorganized or socially atomized people rarely involved in protest</a:t>
             </a:r>
           </a:p>
           <a:p>
             <a:pPr lvl="1"/>
             <a:r>
               <a:rPr lang="en-US" dirty="0" smtClean="0"/>
-              <a:t>Disintegration</a:t>
-            </a:r>
-          </a:p>
-          <a:p>
-            <a:pPr lvl="2"/>
-            <a:r>
-              <a:rPr lang="en-US" dirty="0" smtClean="0"/>
-              <a:t>Disruptive social changes/breakdown in traditional social arrangements make people aggrieved and disconnected from one another, making them more vulnerable to appeals of movements</a:t>
-            </a:r>
-          </a:p>
-          <a:p>
-            <a:pPr lvl="3"/>
-            <a:r>
-              <a:rPr lang="en-US" dirty="0" smtClean="0"/>
-              <a:t>War, natural disaster, adverse economic trends</a:t>
+              <a:t>Participation is conducted by those who are heavily organized</a:t>
             </a:r>
             <a:endParaRPr lang="en-US" dirty="0"/>
           </a:p>
@@ -4961,13 +6167,25 @@
     </p:spTree>
     <p:extLst>
       <p:ext uri="{BB962C8B-B14F-4D97-AF65-F5344CB8AC3E}">
-        <p14:creationId xmlns:p14="http://schemas.microsoft.com/office/powerpoint/2010/main" val="2229254799"/>
+        <p14:creationId xmlns:p14="http://schemas.microsoft.com/office/powerpoint/2010/main" val="549270741"/>
       </p:ext>
     </p:extLst>
   </p:cSld>
   <p:clrMapOvr>
     <a:masterClrMapping/>
   </p:clrMapOvr>
+  <mc:AlternateContent xmlns:mc="http://schemas.openxmlformats.org/markup-compatibility/2006">
+    <mc:Choice xmlns:p14="http://schemas.microsoft.com/office/powerpoint/2010/main" Requires="p14">
+      <p:transition spd="med" p14:dur="700">
+        <p:fade/>
+      </p:transition>
+    </mc:Choice>
+    <mc:Fallback>
+      <p:transition xmlns:p14="http://schemas.microsoft.com/office/powerpoint/2010/main" spd="med">
+        <p:fade/>
+      </p:transition>
+    </mc:Fallback>
+  </mc:AlternateContent>
 </p:sld>
 </file>
 
@@ -5001,19 +6219,14 @@
         <p:spPr/>
         <p:txBody>
           <a:bodyPr>
-            <a:noAutofit/>
+            <a:normAutofit fontScale="90000"/>
           </a:bodyPr>
           <a:lstStyle/>
           <a:p>
             <a:r>
-              <a:rPr lang="en-US" sz="3600" dirty="0"/>
-              <a:t>Problem with </a:t>
-            </a:r>
-            <a:r>
-              <a:rPr lang="en-US" sz="3600" dirty="0" smtClean="0"/>
-              <a:t>“Strain” Argument</a:t>
-            </a:r>
-            <a:endParaRPr lang="en-US" sz="3600" dirty="0"/>
+              <a:rPr lang="en-US" dirty="0"/>
+              <a:t>Grievances as Function of Objective Structural or Material Conditions</a:t>
+            </a:r>
           </a:p>
         </p:txBody>
       </p:sp>
@@ -5034,14 +6247,41 @@
           <a:p>
             <a:r>
               <a:rPr lang="en-US" dirty="0" smtClean="0"/>
-              <a:t>Disorganized or socially atomized people rarely involved in protest</a:t>
+              <a:t>Strain</a:t>
             </a:r>
           </a:p>
           <a:p>
             <a:pPr lvl="1"/>
             <a:r>
               <a:rPr lang="en-US" dirty="0" smtClean="0"/>
-              <a:t>Participation is conducted by those who are heavily organized</a:t>
+              <a:t>Absolute Deprivation</a:t>
+            </a:r>
+            <a:endParaRPr lang="en-US" dirty="0" smtClean="0"/>
+          </a:p>
+          <a:p>
+            <a:pPr lvl="2"/>
+            <a:r>
+              <a:rPr lang="en-US" dirty="0" smtClean="0"/>
+              <a:t>Dire social conditions </a:t>
+            </a:r>
+            <a:r>
+              <a:rPr lang="en-US" dirty="0" smtClean="0"/>
+              <a:t>are a source of grievances and make people </a:t>
+            </a:r>
+            <a:r>
+              <a:rPr lang="en-US" dirty="0" smtClean="0"/>
+              <a:t>more </a:t>
+            </a:r>
+            <a:r>
+              <a:rPr lang="en-US" dirty="0" smtClean="0"/>
+              <a:t>vulnerable to appeals of movements</a:t>
+            </a:r>
+          </a:p>
+          <a:p>
+            <a:pPr lvl="3"/>
+            <a:r>
+              <a:rPr lang="en-US" dirty="0" smtClean="0"/>
+              <a:t>Lack of affordable housing, unemployment, inaccessible healthcare, poverty, discrimination</a:t>
             </a:r>
             <a:endParaRPr lang="en-US" dirty="0"/>
           </a:p>
@@ -5050,13 +6290,25 @@
     </p:spTree>
     <p:extLst>
       <p:ext uri="{BB962C8B-B14F-4D97-AF65-F5344CB8AC3E}">
-        <p14:creationId xmlns:p14="http://schemas.microsoft.com/office/powerpoint/2010/main" val="549270741"/>
+        <p14:creationId xmlns:p14="http://schemas.microsoft.com/office/powerpoint/2010/main" val="3210992631"/>
       </p:ext>
     </p:extLst>
   </p:cSld>
   <p:clrMapOvr>
     <a:masterClrMapping/>
   </p:clrMapOvr>
+  <mc:AlternateContent xmlns:mc="http://schemas.openxmlformats.org/markup-compatibility/2006">
+    <mc:Choice xmlns:p14="http://schemas.microsoft.com/office/powerpoint/2010/main" Requires="p14">
+      <p:transition spd="med" p14:dur="700">
+        <p:fade/>
+      </p:transition>
+    </mc:Choice>
+    <mc:Fallback>
+      <p:transition xmlns:p14="http://schemas.microsoft.com/office/powerpoint/2010/main" spd="med">
+        <p:fade/>
+      </p:transition>
+    </mc:Fallback>
+  </mc:AlternateContent>
 </p:sld>
 </file>
 
@@ -5095,9 +6347,10 @@
           <a:lstStyle/>
           <a:p>
             <a:r>
-              <a:rPr lang="en-US" dirty="0"/>
-              <a:t>Grievances as Function of Objective Structural or Material Conditions</a:t>
-            </a:r>
+              <a:rPr lang="en-US" dirty="0" smtClean="0"/>
+              <a:t>Problem with “Absolute Deprivation” Argument</a:t>
+            </a:r>
+            <a:endParaRPr lang="en-US" dirty="0"/>
           </a:p>
         </p:txBody>
       </p:sp>
@@ -5118,41 +6371,36 @@
           <a:p>
             <a:r>
               <a:rPr lang="en-US" dirty="0" smtClean="0"/>
-              <a:t>Strain</a:t>
+              <a:t>Grievances don’t automatically result from poor life conditions</a:t>
+            </a:r>
+          </a:p>
+          <a:p>
+            <a:r>
+              <a:rPr lang="en-US" dirty="0" smtClean="0"/>
+              <a:t>Research provides mixed findings</a:t>
             </a:r>
           </a:p>
           <a:p>
             <a:pPr lvl="1"/>
             <a:r>
               <a:rPr lang="en-US" dirty="0" smtClean="0"/>
-              <a:t>Absolute Deprivation</a:t>
-            </a:r>
-            <a:endParaRPr lang="en-US" dirty="0" smtClean="0"/>
-          </a:p>
-          <a:p>
-            <a:pPr lvl="2"/>
-            <a:r>
-              <a:rPr lang="en-US" dirty="0" smtClean="0"/>
-              <a:t>Dire social conditions </a:t>
-            </a:r>
-            <a:r>
-              <a:rPr lang="en-US" dirty="0" smtClean="0"/>
-              <a:t>are a source of grievances and make people </a:t>
-            </a:r>
-            <a:r>
-              <a:rPr lang="en-US" dirty="0" smtClean="0"/>
-              <a:t>more </a:t>
-            </a:r>
-            <a:r>
-              <a:rPr lang="en-US" dirty="0" smtClean="0"/>
-              <a:t>vulnerable to appeals of movements</a:t>
-            </a:r>
-          </a:p>
-          <a:p>
-            <a:pPr lvl="3"/>
-            <a:r>
-              <a:rPr lang="en-US" dirty="0" smtClean="0"/>
-              <a:t>Lack of affordable housing, unemployment, inaccessible healthcare, poverty, discrimination</a:t>
+              <a:t>Black unemployment is both </a:t>
+            </a:r>
+            <a:r>
+              <a:rPr lang="en-US" i="1" dirty="0" smtClean="0"/>
+              <a:t>unrelated to </a:t>
+            </a:r>
+            <a:r>
+              <a:rPr lang="en-US" dirty="0" smtClean="0"/>
+              <a:t>and </a:t>
+            </a:r>
+            <a:r>
+              <a:rPr lang="en-US" i="1" dirty="0" smtClean="0"/>
+              <a:t>significantly associated with </a:t>
+            </a:r>
+            <a:r>
+              <a:rPr lang="en-US" dirty="0" smtClean="0"/>
+              <a:t>black riots</a:t>
             </a:r>
             <a:endParaRPr lang="en-US" dirty="0"/>
           </a:p>
@@ -5161,13 +6409,25 @@
     </p:spTree>
     <p:extLst>
       <p:ext uri="{BB962C8B-B14F-4D97-AF65-F5344CB8AC3E}">
-        <p14:creationId xmlns:p14="http://schemas.microsoft.com/office/powerpoint/2010/main" val="3210992631"/>
+        <p14:creationId xmlns:p14="http://schemas.microsoft.com/office/powerpoint/2010/main" val="150826977"/>
       </p:ext>
     </p:extLst>
   </p:cSld>
   <p:clrMapOvr>
     <a:masterClrMapping/>
   </p:clrMapOvr>
+  <mc:AlternateContent xmlns:mc="http://schemas.openxmlformats.org/markup-compatibility/2006">
+    <mc:Choice xmlns:p14="http://schemas.microsoft.com/office/powerpoint/2010/main" Requires="p14">
+      <p:transition spd="med" p14:dur="700">
+        <p:fade/>
+      </p:transition>
+    </mc:Choice>
+    <mc:Fallback>
+      <p:transition xmlns:p14="http://schemas.microsoft.com/office/powerpoint/2010/main" spd="med">
+        <p:fade/>
+      </p:transition>
+    </mc:Fallback>
+  </mc:AlternateContent>
 </p:sld>
 </file>
 
@@ -5206,10 +6466,9 @@
           <a:lstStyle/>
           <a:p>
             <a:r>
-              <a:rPr lang="en-US" dirty="0" smtClean="0"/>
-              <a:t>Problem with “Absolute Deprivation” Argument</a:t>
-            </a:r>
-            <a:endParaRPr lang="en-US" dirty="0"/>
+              <a:rPr lang="en-US" dirty="0"/>
+              <a:t>Grievances as Function of Objective Structural or Material Conditions</a:t>
+            </a:r>
           </a:p>
         </p:txBody>
       </p:sp>
@@ -5230,51 +6489,77 @@
           <a:p>
             <a:r>
               <a:rPr lang="en-US" dirty="0" smtClean="0"/>
-              <a:t>Grievances don’t automatically result from poor life conditions</a:t>
-            </a:r>
-          </a:p>
-          <a:p>
-            <a:r>
-              <a:rPr lang="en-US" dirty="0" smtClean="0"/>
-              <a:t>Research provides mixed findings</a:t>
+              <a:t>Strain</a:t>
             </a:r>
           </a:p>
           <a:p>
             <a:pPr lvl="1"/>
             <a:r>
               <a:rPr lang="en-US" dirty="0" smtClean="0"/>
-              <a:t>Black unemployment is both </a:t>
-            </a:r>
-            <a:r>
-              <a:rPr lang="en-US" i="1" dirty="0" smtClean="0"/>
-              <a:t>unrelated to </a:t>
-            </a:r>
-            <a:r>
-              <a:rPr lang="en-US" dirty="0" smtClean="0"/>
-              <a:t>and </a:t>
-            </a:r>
-            <a:r>
-              <a:rPr lang="en-US" i="1" dirty="0" smtClean="0"/>
-              <a:t>significantly associated with </a:t>
-            </a:r>
-            <a:r>
-              <a:rPr lang="en-US" dirty="0" smtClean="0"/>
-              <a:t>black riots</a:t>
-            </a:r>
-            <a:endParaRPr lang="en-US" dirty="0"/>
+              <a:t>Quotidian Disruption</a:t>
+            </a:r>
+            <a:endParaRPr lang="en-US" dirty="0" smtClean="0"/>
+          </a:p>
+          <a:p>
+            <a:pPr lvl="2"/>
+            <a:r>
+              <a:rPr lang="en-US" dirty="0" smtClean="0"/>
+              <a:t>Grievances spring from disruption and uncertainty in the taken-for-granted, habituated ways of living daily life</a:t>
+            </a:r>
+          </a:p>
+          <a:p>
+            <a:pPr lvl="3"/>
+            <a:r>
+              <a:rPr lang="en-US" dirty="0" smtClean="0"/>
+              <a:t>Human-made disasters that threaten the existence and functioning of a community</a:t>
+            </a:r>
+          </a:p>
+          <a:p>
+            <a:pPr lvl="3"/>
+            <a:r>
+              <a:rPr lang="en-US" dirty="0" smtClean="0"/>
+              <a:t>Intrusions into/violations of culturally defined spaces of privacy by outsiders</a:t>
+            </a:r>
+          </a:p>
+          <a:p>
+            <a:pPr lvl="3"/>
+            <a:r>
+              <a:rPr lang="en-US" dirty="0" smtClean="0"/>
+              <a:t>Unanticipated decline in resources/wages</a:t>
+            </a:r>
+          </a:p>
+          <a:p>
+            <a:pPr lvl="3"/>
+            <a:r>
+              <a:rPr lang="en-US" dirty="0" smtClean="0"/>
+              <a:t>Dramatic changes in systems of control</a:t>
+            </a:r>
+            <a:endParaRPr lang="en-US" i="1" dirty="0"/>
           </a:p>
         </p:txBody>
       </p:sp>
     </p:spTree>
     <p:extLst>
       <p:ext uri="{BB962C8B-B14F-4D97-AF65-F5344CB8AC3E}">
-        <p14:creationId xmlns:p14="http://schemas.microsoft.com/office/powerpoint/2010/main" val="150826977"/>
+        <p14:creationId xmlns:p14="http://schemas.microsoft.com/office/powerpoint/2010/main" val="1901355479"/>
       </p:ext>
     </p:extLst>
   </p:cSld>
   <p:clrMapOvr>
     <a:masterClrMapping/>
   </p:clrMapOvr>
+  <mc:AlternateContent xmlns:mc="http://schemas.openxmlformats.org/markup-compatibility/2006">
+    <mc:Choice xmlns:p14="http://schemas.microsoft.com/office/powerpoint/2010/main" Requires="p14">
+      <p:transition spd="med" p14:dur="700">
+        <p:fade/>
+      </p:transition>
+    </mc:Choice>
+    <mc:Fallback>
+      <p:transition xmlns:p14="http://schemas.microsoft.com/office/powerpoint/2010/main" spd="med">
+        <p:fade/>
+      </p:transition>
+    </mc:Fallback>
+  </mc:AlternateContent>
 </p:sld>
 </file>
 
@@ -5331,64 +6616,79 @@
         </p:nvSpPr>
         <p:spPr/>
         <p:txBody>
-          <a:bodyPr/>
-          <a:lstStyle/>
-          <a:p>
-            <a:r>
-              <a:rPr lang="en-US" dirty="0" smtClean="0"/>
-              <a:t>Strain</a:t>
-            </a:r>
+          <a:bodyPr>
+            <a:normAutofit/>
+          </a:bodyPr>
+          <a:lstStyle/>
+          <a:p>
+            <a:r>
+              <a:rPr lang="en-US" dirty="0" smtClean="0"/>
+              <a:t>Quotidian Disruption</a:t>
+            </a:r>
+            <a:endParaRPr lang="en-US" dirty="0" smtClean="0"/>
           </a:p>
           <a:p>
             <a:pPr lvl="1"/>
             <a:r>
               <a:rPr lang="en-US" dirty="0" smtClean="0"/>
-              <a:t>Quotidian Disruption</a:t>
-            </a:r>
-            <a:endParaRPr lang="en-US" dirty="0" smtClean="0"/>
-          </a:p>
-          <a:p>
-            <a:pPr lvl="2"/>
-            <a:r>
-              <a:rPr lang="en-US" dirty="0" smtClean="0"/>
-              <a:t>Grievances spring from disruption and uncertainty in the taken-for-granted, habituated ways of living daily life</a:t>
-            </a:r>
-          </a:p>
-          <a:p>
-            <a:pPr lvl="3"/>
-            <a:r>
-              <a:rPr lang="en-US" dirty="0" smtClean="0"/>
-              <a:t>Human-made disasters that threaten the existence and functioning of a community (e.g. </a:t>
-            </a:r>
-            <a:r>
-              <a:rPr lang="en-US" dirty="0" smtClean="0"/>
-              <a:t>nuclear meltdown at Three Mile Island)</a:t>
-            </a:r>
-          </a:p>
-          <a:p>
-            <a:pPr lvl="3"/>
-            <a:r>
-              <a:rPr lang="en-US" dirty="0" smtClean="0"/>
-              <a:t>Intrusions into/violations of culturally defined spaces of privacy by outsiders (e.g. homeless </a:t>
-            </a:r>
-            <a:r>
-              <a:rPr lang="en-US" smtClean="0"/>
-              <a:t>shelters built, </a:t>
-            </a:r>
-            <a:endParaRPr lang="en-US" dirty="0"/>
-          </a:p>
-        </p:txBody>
-      </p:sp>
+              <a:t>Human-made disasters that threaten the existence and functioning of a community</a:t>
+            </a:r>
+            <a:endParaRPr lang="en-US" i="1" dirty="0"/>
+          </a:p>
+        </p:txBody>
+      </p:sp>
+      <p:pic>
+        <p:nvPicPr>
+          <p:cNvPr id="4" name="Picture 3" descr="tmi.jpg"/>
+          <p:cNvPicPr>
+            <a:picLocks noChangeAspect="1"/>
+          </p:cNvPicPr>
+          <p:nvPr/>
+        </p:nvPicPr>
+        <p:blipFill>
+          <a:blip r:embed="rId3">
+            <a:extLst>
+              <a:ext uri="{28A0092B-C50C-407E-A947-70E740481C1C}">
+                <a14:useLocalDpi xmlns:a14="http://schemas.microsoft.com/office/drawing/2010/main" val="0"/>
+              </a:ext>
+            </a:extLst>
+          </a:blip>
+          <a:stretch>
+            <a:fillRect/>
+          </a:stretch>
+        </p:blipFill>
+        <p:spPr>
+          <a:xfrm>
+            <a:off x="2078961" y="3161133"/>
+            <a:ext cx="4973203" cy="3314995"/>
+          </a:xfrm>
+          <a:prstGeom prst="rect">
+            <a:avLst/>
+          </a:prstGeom>
+        </p:spPr>
+      </p:pic>
     </p:spTree>
     <p:extLst>
       <p:ext uri="{BB962C8B-B14F-4D97-AF65-F5344CB8AC3E}">
-        <p14:creationId xmlns:p14="http://schemas.microsoft.com/office/powerpoint/2010/main" val="1901355479"/>
+        <p14:creationId xmlns:p14="http://schemas.microsoft.com/office/powerpoint/2010/main" val="1808921640"/>
       </p:ext>
     </p:extLst>
   </p:cSld>
   <p:clrMapOvr>
     <a:masterClrMapping/>
   </p:clrMapOvr>
+  <mc:AlternateContent xmlns:mc="http://schemas.openxmlformats.org/markup-compatibility/2006">
+    <mc:Choice xmlns:p14="http://schemas.microsoft.com/office/powerpoint/2010/main" Requires="p14">
+      <p:transition spd="med" p14:dur="700">
+        <p:fade/>
+      </p:transition>
+    </mc:Choice>
+    <mc:Fallback>
+      <p:transition xmlns:p14="http://schemas.microsoft.com/office/powerpoint/2010/main" spd="med">
+        <p:fade/>
+      </p:transition>
+    </mc:Fallback>
+  </mc:AlternateContent>
 </p:sld>
 </file>
 
@@ -5428,6 +6728,428 @@
           <a:p>
             <a:r>
               <a:rPr lang="en-US" dirty="0"/>
+              <a:t>Grievances as Function of Objective Structural or Material Conditions</a:t>
+            </a:r>
+          </a:p>
+        </p:txBody>
+      </p:sp>
+      <p:sp>
+        <p:nvSpPr>
+          <p:cNvPr id="3" name="Content Placeholder 2"/>
+          <p:cNvSpPr>
+            <a:spLocks noGrp="1"/>
+          </p:cNvSpPr>
+          <p:nvPr>
+            <p:ph sz="quarter" idx="1"/>
+          </p:nvPr>
+        </p:nvSpPr>
+        <p:spPr/>
+        <p:txBody>
+          <a:bodyPr>
+            <a:normAutofit/>
+          </a:bodyPr>
+          <a:lstStyle/>
+          <a:p>
+            <a:r>
+              <a:rPr lang="en-US" dirty="0" smtClean="0"/>
+              <a:t>Quotidian Disruption</a:t>
+            </a:r>
+            <a:endParaRPr lang="en-US" dirty="0" smtClean="0"/>
+          </a:p>
+          <a:p>
+            <a:pPr lvl="1"/>
+            <a:r>
+              <a:rPr lang="en-US" dirty="0" smtClean="0"/>
+              <a:t>Intrusions into/violations of culturally defined spaces of privacy by outsiders</a:t>
+            </a:r>
+            <a:endParaRPr lang="en-US" i="1" dirty="0" smtClean="0"/>
+          </a:p>
+        </p:txBody>
+      </p:sp>
+      <p:pic>
+        <p:nvPicPr>
+          <p:cNvPr id="4" name="Picture 3" descr="nimby2.png"/>
+          <p:cNvPicPr>
+            <a:picLocks noChangeAspect="1"/>
+          </p:cNvPicPr>
+          <p:nvPr/>
+        </p:nvPicPr>
+        <p:blipFill>
+          <a:blip r:embed="rId3">
+            <a:extLst>
+              <a:ext uri="{28A0092B-C50C-407E-A947-70E740481C1C}">
+                <a14:useLocalDpi xmlns:a14="http://schemas.microsoft.com/office/drawing/2010/main" val="0"/>
+              </a:ext>
+            </a:extLst>
+          </a:blip>
+          <a:stretch>
+            <a:fillRect/>
+          </a:stretch>
+        </p:blipFill>
+        <p:spPr>
+          <a:xfrm>
+            <a:off x="1527576" y="3110241"/>
+            <a:ext cx="6088848" cy="3458984"/>
+          </a:xfrm>
+          <a:prstGeom prst="rect">
+            <a:avLst/>
+          </a:prstGeom>
+        </p:spPr>
+      </p:pic>
+    </p:spTree>
+    <p:extLst>
+      <p:ext uri="{BB962C8B-B14F-4D97-AF65-F5344CB8AC3E}">
+        <p14:creationId xmlns:p14="http://schemas.microsoft.com/office/powerpoint/2010/main" val="1931547328"/>
+      </p:ext>
+    </p:extLst>
+  </p:cSld>
+  <p:clrMapOvr>
+    <a:masterClrMapping/>
+  </p:clrMapOvr>
+  <mc:AlternateContent xmlns:mc="http://schemas.openxmlformats.org/markup-compatibility/2006">
+    <mc:Choice xmlns:p14="http://schemas.microsoft.com/office/powerpoint/2010/main" Requires="p14">
+      <p:transition spd="med" p14:dur="700">
+        <p:fade/>
+      </p:transition>
+    </mc:Choice>
+    <mc:Fallback>
+      <p:transition xmlns:p14="http://schemas.microsoft.com/office/powerpoint/2010/main" spd="med">
+        <p:fade/>
+      </p:transition>
+    </mc:Fallback>
+  </mc:AlternateContent>
+</p:sld>
+</file>
+
+<file path=ppt/slides/slide17.xml><?xml version="1.0" encoding="utf-8"?>
+<p:sld xmlns:a="http://schemas.openxmlformats.org/drawingml/2006/main" xmlns:r="http://schemas.openxmlformats.org/officeDocument/2006/relationships" xmlns:p="http://schemas.openxmlformats.org/presentationml/2006/main">
+  <p:cSld>
+    <p:spTree>
+      <p:nvGrpSpPr>
+        <p:cNvPr id="1" name=""/>
+        <p:cNvGrpSpPr/>
+        <p:nvPr/>
+      </p:nvGrpSpPr>
+      <p:grpSpPr>
+        <a:xfrm>
+          <a:off x="0" y="0"/>
+          <a:ext cx="0" cy="0"/>
+          <a:chOff x="0" y="0"/>
+          <a:chExt cx="0" cy="0"/>
+        </a:xfrm>
+      </p:grpSpPr>
+      <p:sp>
+        <p:nvSpPr>
+          <p:cNvPr id="2" name="Title 1"/>
+          <p:cNvSpPr>
+            <a:spLocks noGrp="1"/>
+          </p:cNvSpPr>
+          <p:nvPr>
+            <p:ph type="title"/>
+          </p:nvPr>
+        </p:nvSpPr>
+        <p:spPr/>
+        <p:txBody>
+          <a:bodyPr>
+            <a:normAutofit fontScale="90000"/>
+          </a:bodyPr>
+          <a:lstStyle/>
+          <a:p>
+            <a:r>
+              <a:rPr lang="en-US" dirty="0"/>
+              <a:t>Grievances as Function of Objective Structural or Material Conditions</a:t>
+            </a:r>
+          </a:p>
+        </p:txBody>
+      </p:sp>
+      <p:sp>
+        <p:nvSpPr>
+          <p:cNvPr id="3" name="Content Placeholder 2"/>
+          <p:cNvSpPr>
+            <a:spLocks noGrp="1"/>
+          </p:cNvSpPr>
+          <p:nvPr>
+            <p:ph sz="quarter" idx="1"/>
+          </p:nvPr>
+        </p:nvSpPr>
+        <p:spPr>
+          <a:xfrm>
+            <a:off x="612648" y="1459852"/>
+            <a:ext cx="8153400" cy="4495800"/>
+          </a:xfrm>
+        </p:spPr>
+        <p:txBody>
+          <a:bodyPr>
+            <a:normAutofit/>
+          </a:bodyPr>
+          <a:lstStyle/>
+          <a:p>
+            <a:r>
+              <a:rPr lang="en-US" dirty="0" smtClean="0"/>
+              <a:t>Quotidian Disruption</a:t>
+            </a:r>
+            <a:endParaRPr lang="en-US" dirty="0" smtClean="0"/>
+          </a:p>
+          <a:p>
+            <a:pPr lvl="1"/>
+            <a:r>
+              <a:rPr lang="en-US" dirty="0" smtClean="0"/>
+              <a:t>Unanticipated decline in resources/wages</a:t>
+            </a:r>
+            <a:endParaRPr lang="en-US" i="1" dirty="0" smtClean="0"/>
+          </a:p>
+        </p:txBody>
+      </p:sp>
+      <p:pic>
+        <p:nvPicPr>
+          <p:cNvPr id="4" name="Picture 3" descr="recession1.jpg"/>
+          <p:cNvPicPr>
+            <a:picLocks noChangeAspect="1"/>
+          </p:cNvPicPr>
+          <p:nvPr/>
+        </p:nvPicPr>
+        <p:blipFill>
+          <a:blip r:embed="rId3">
+            <a:extLst>
+              <a:ext uri="{28A0092B-C50C-407E-A947-70E740481C1C}">
+                <a14:useLocalDpi xmlns:a14="http://schemas.microsoft.com/office/drawing/2010/main" val="0"/>
+              </a:ext>
+            </a:extLst>
+          </a:blip>
+          <a:stretch>
+            <a:fillRect/>
+          </a:stretch>
+        </p:blipFill>
+        <p:spPr>
+          <a:xfrm>
+            <a:off x="163635" y="3313930"/>
+            <a:ext cx="4342894" cy="2984190"/>
+          </a:xfrm>
+          <a:prstGeom prst="rect">
+            <a:avLst/>
+          </a:prstGeom>
+        </p:spPr>
+      </p:pic>
+      <p:pic>
+        <p:nvPicPr>
+          <p:cNvPr id="5" name="Picture 4" descr="recession2.jpg"/>
+          <p:cNvPicPr>
+            <a:picLocks noChangeAspect="1"/>
+          </p:cNvPicPr>
+          <p:nvPr/>
+        </p:nvPicPr>
+        <p:blipFill>
+          <a:blip r:embed="rId4">
+            <a:extLst>
+              <a:ext uri="{28A0092B-C50C-407E-A947-70E740481C1C}">
+                <a14:useLocalDpi xmlns:a14="http://schemas.microsoft.com/office/drawing/2010/main" val="0"/>
+              </a:ext>
+            </a:extLst>
+          </a:blip>
+          <a:stretch>
+            <a:fillRect/>
+          </a:stretch>
+        </p:blipFill>
+        <p:spPr>
+          <a:xfrm>
+            <a:off x="4878986" y="3313929"/>
+            <a:ext cx="4093030" cy="2984191"/>
+          </a:xfrm>
+          <a:prstGeom prst="rect">
+            <a:avLst/>
+          </a:prstGeom>
+        </p:spPr>
+      </p:pic>
+    </p:spTree>
+    <p:extLst>
+      <p:ext uri="{BB962C8B-B14F-4D97-AF65-F5344CB8AC3E}">
+        <p14:creationId xmlns:p14="http://schemas.microsoft.com/office/powerpoint/2010/main" val="4271384424"/>
+      </p:ext>
+    </p:extLst>
+  </p:cSld>
+  <p:clrMapOvr>
+    <a:masterClrMapping/>
+  </p:clrMapOvr>
+  <mc:AlternateContent xmlns:mc="http://schemas.openxmlformats.org/markup-compatibility/2006">
+    <mc:Choice xmlns:p14="http://schemas.microsoft.com/office/powerpoint/2010/main" Requires="p14">
+      <p:transition spd="med" p14:dur="700">
+        <p:fade/>
+      </p:transition>
+    </mc:Choice>
+    <mc:Fallback>
+      <p:transition xmlns:p14="http://schemas.microsoft.com/office/powerpoint/2010/main" spd="med">
+        <p:fade/>
+      </p:transition>
+    </mc:Fallback>
+  </mc:AlternateContent>
+</p:sld>
+</file>
+
+<file path=ppt/slides/slide18.xml><?xml version="1.0" encoding="utf-8"?>
+<p:sld xmlns:a="http://schemas.openxmlformats.org/drawingml/2006/main" xmlns:r="http://schemas.openxmlformats.org/officeDocument/2006/relationships" xmlns:p="http://schemas.openxmlformats.org/presentationml/2006/main">
+  <p:cSld>
+    <p:spTree>
+      <p:nvGrpSpPr>
+        <p:cNvPr id="1" name=""/>
+        <p:cNvGrpSpPr/>
+        <p:nvPr/>
+      </p:nvGrpSpPr>
+      <p:grpSpPr>
+        <a:xfrm>
+          <a:off x="0" y="0"/>
+          <a:ext cx="0" cy="0"/>
+          <a:chOff x="0" y="0"/>
+          <a:chExt cx="0" cy="0"/>
+        </a:xfrm>
+      </p:grpSpPr>
+      <p:sp>
+        <p:nvSpPr>
+          <p:cNvPr id="2" name="Title 1"/>
+          <p:cNvSpPr>
+            <a:spLocks noGrp="1"/>
+          </p:cNvSpPr>
+          <p:nvPr>
+            <p:ph type="title"/>
+          </p:nvPr>
+        </p:nvSpPr>
+        <p:spPr/>
+        <p:txBody>
+          <a:bodyPr>
+            <a:normAutofit fontScale="90000"/>
+          </a:bodyPr>
+          <a:lstStyle/>
+          <a:p>
+            <a:r>
+              <a:rPr lang="en-US" dirty="0"/>
+              <a:t>Grievances as Function of Objective Structural or Material Conditions</a:t>
+            </a:r>
+          </a:p>
+        </p:txBody>
+      </p:sp>
+      <p:sp>
+        <p:nvSpPr>
+          <p:cNvPr id="3" name="Content Placeholder 2"/>
+          <p:cNvSpPr>
+            <a:spLocks noGrp="1"/>
+          </p:cNvSpPr>
+          <p:nvPr>
+            <p:ph sz="quarter" idx="1"/>
+          </p:nvPr>
+        </p:nvSpPr>
+        <p:spPr/>
+        <p:txBody>
+          <a:bodyPr>
+            <a:normAutofit/>
+          </a:bodyPr>
+          <a:lstStyle/>
+          <a:p>
+            <a:r>
+              <a:rPr lang="en-US" dirty="0" smtClean="0"/>
+              <a:t>Quotidian Disruption</a:t>
+            </a:r>
+            <a:endParaRPr lang="en-US" dirty="0" smtClean="0"/>
+          </a:p>
+          <a:p>
+            <a:pPr lvl="1"/>
+            <a:r>
+              <a:rPr lang="en-US" dirty="0" smtClean="0"/>
+              <a:t>Changes in systems of control</a:t>
+            </a:r>
+            <a:endParaRPr lang="en-US" i="1" dirty="0"/>
+          </a:p>
+        </p:txBody>
+      </p:sp>
+      <p:pic>
+        <p:nvPicPr>
+          <p:cNvPr id="4" name="Picture 3" descr="policeticke.jpg"/>
+          <p:cNvPicPr>
+            <a:picLocks noChangeAspect="1"/>
+          </p:cNvPicPr>
+          <p:nvPr/>
+        </p:nvPicPr>
+        <p:blipFill>
+          <a:blip r:embed="rId3">
+            <a:extLst>
+              <a:ext uri="{28A0092B-C50C-407E-A947-70E740481C1C}">
+                <a14:useLocalDpi xmlns:a14="http://schemas.microsoft.com/office/drawing/2010/main" val="0"/>
+              </a:ext>
+            </a:extLst>
+          </a:blip>
+          <a:stretch>
+            <a:fillRect/>
+          </a:stretch>
+        </p:blipFill>
+        <p:spPr>
+          <a:xfrm>
+            <a:off x="2286001" y="2832020"/>
+            <a:ext cx="4572000" cy="3733800"/>
+          </a:xfrm>
+          <a:prstGeom prst="rect">
+            <a:avLst/>
+          </a:prstGeom>
+        </p:spPr>
+      </p:pic>
+    </p:spTree>
+    <p:extLst>
+      <p:ext uri="{BB962C8B-B14F-4D97-AF65-F5344CB8AC3E}">
+        <p14:creationId xmlns:p14="http://schemas.microsoft.com/office/powerpoint/2010/main" val="4103696187"/>
+      </p:ext>
+    </p:extLst>
+  </p:cSld>
+  <p:clrMapOvr>
+    <a:masterClrMapping/>
+  </p:clrMapOvr>
+  <mc:AlternateContent xmlns:mc="http://schemas.openxmlformats.org/markup-compatibility/2006">
+    <mc:Choice xmlns:p14="http://schemas.microsoft.com/office/powerpoint/2010/main" Requires="p14">
+      <p:transition spd="med" p14:dur="700">
+        <p:fade/>
+      </p:transition>
+    </mc:Choice>
+    <mc:Fallback>
+      <p:transition xmlns:p14="http://schemas.microsoft.com/office/powerpoint/2010/main" spd="med">
+        <p:fade/>
+      </p:transition>
+    </mc:Fallback>
+  </mc:AlternateContent>
+</p:sld>
+</file>
+
+<file path=ppt/slides/slide19.xml><?xml version="1.0" encoding="utf-8"?>
+<p:sld xmlns:a="http://schemas.openxmlformats.org/drawingml/2006/main" xmlns:r="http://schemas.openxmlformats.org/officeDocument/2006/relationships" xmlns:p="http://schemas.openxmlformats.org/presentationml/2006/main">
+  <p:cSld>
+    <p:spTree>
+      <p:nvGrpSpPr>
+        <p:cNvPr id="1" name=""/>
+        <p:cNvGrpSpPr/>
+        <p:nvPr/>
+      </p:nvGrpSpPr>
+      <p:grpSpPr>
+        <a:xfrm>
+          <a:off x="0" y="0"/>
+          <a:ext cx="0" cy="0"/>
+          <a:chOff x="0" y="0"/>
+          <a:chExt cx="0" cy="0"/>
+        </a:xfrm>
+      </p:grpSpPr>
+      <p:sp>
+        <p:nvSpPr>
+          <p:cNvPr id="2" name="Title 1"/>
+          <p:cNvSpPr>
+            <a:spLocks noGrp="1"/>
+          </p:cNvSpPr>
+          <p:nvPr>
+            <p:ph type="title"/>
+          </p:nvPr>
+        </p:nvSpPr>
+        <p:spPr/>
+        <p:txBody>
+          <a:bodyPr>
+            <a:normAutofit fontScale="90000"/>
+          </a:bodyPr>
+          <a:lstStyle/>
+          <a:p>
+            <a:r>
+              <a:rPr lang="en-US" dirty="0"/>
               <a:t>Grievances as Function of </a:t>
             </a:r>
             <a:r>
@@ -5452,15 +7174,60 @@
             <p:ph sz="quarter" idx="1"/>
           </p:nvPr>
         </p:nvSpPr>
-        <p:spPr/>
+        <p:spPr>
+          <a:xfrm>
+            <a:off x="612648" y="1600200"/>
+            <a:ext cx="8153400" cy="1540279"/>
+          </a:xfrm>
+        </p:spPr>
         <p:txBody>
           <a:bodyPr/>
           <a:lstStyle/>
           <a:p>
-            <a:endParaRPr lang="en-US"/>
-          </a:p>
-        </p:txBody>
-      </p:sp>
+            <a:r>
+              <a:rPr lang="en-US" dirty="0" smtClean="0"/>
+              <a:t>Frustration-Aggression</a:t>
+            </a:r>
+          </a:p>
+          <a:p>
+            <a:pPr lvl="1"/>
+            <a:r>
+              <a:rPr lang="en-US" dirty="0" smtClean="0"/>
+              <a:t>Frustration with a certain condition builds to a threshold and releases in the form of aggression.</a:t>
+            </a:r>
+          </a:p>
+        </p:txBody>
+      </p:sp>
+      <p:pic>
+        <p:nvPicPr>
+          <p:cNvPr id="4" name="Picture 3" descr="cottonprices.png"/>
+          <p:cNvPicPr>
+            <a:picLocks noChangeAspect="1"/>
+          </p:cNvPicPr>
+          <p:nvPr/>
+        </p:nvPicPr>
+        <p:blipFill>
+          <a:blip r:embed="rId3">
+            <a:extLst>
+              <a:ext uri="{28A0092B-C50C-407E-A947-70E740481C1C}">
+                <a14:useLocalDpi xmlns:a14="http://schemas.microsoft.com/office/drawing/2010/main" val="0"/>
+              </a:ext>
+            </a:extLst>
+          </a:blip>
+          <a:stretch>
+            <a:fillRect/>
+          </a:stretch>
+        </p:blipFill>
+        <p:spPr>
+          <a:xfrm>
+            <a:off x="1534311" y="3191962"/>
+            <a:ext cx="6350000" cy="3302000"/>
+          </a:xfrm>
+          <a:prstGeom prst="rect">
+            <a:avLst/>
+          </a:prstGeom>
+        </p:spPr>
+      </p:pic>
     </p:spTree>
     <p:extLst>
       <p:ext uri="{BB962C8B-B14F-4D97-AF65-F5344CB8AC3E}">
@@ -5471,6 +7238,18 @@
   <p:clrMapOvr>
     <a:masterClrMapping/>
   </p:clrMapOvr>
+  <mc:AlternateContent xmlns:mc="http://schemas.openxmlformats.org/markup-compatibility/2006">
+    <mc:Choice xmlns:p14="http://schemas.microsoft.com/office/powerpoint/2010/main" Requires="p14">
+      <p:transition spd="med" p14:dur="700">
+        <p:fade/>
+      </p:transition>
+    </mc:Choice>
+    <mc:Fallback>
+      <p:transition xmlns:p14="http://schemas.microsoft.com/office/powerpoint/2010/main" spd="med">
+        <p:fade/>
+      </p:transition>
+    </mc:Fallback>
+  </mc:AlternateContent>
 </p:sld>
 </file>
 
@@ -5506,6 +7285,10 @@
           <a:bodyPr/>
           <a:lstStyle/>
           <a:p>
+            <a:r>
+              <a:rPr lang="en-US" dirty="0" smtClean="0"/>
+              <a:t>Grievances</a:t>
+            </a:r>
             <a:endParaRPr lang="en-US" dirty="0"/>
           </a:p>
         </p:txBody>
@@ -5550,6 +7333,1039 @@
   <p:clrMapOvr>
     <a:masterClrMapping/>
   </p:clrMapOvr>
+  <mc:AlternateContent xmlns:mc="http://schemas.openxmlformats.org/markup-compatibility/2006">
+    <mc:Choice xmlns:p14="http://schemas.microsoft.com/office/powerpoint/2010/main" Requires="p14">
+      <p:transition spd="med" p14:dur="700">
+        <p:fade/>
+      </p:transition>
+    </mc:Choice>
+    <mc:Fallback>
+      <p:transition xmlns:p14="http://schemas.microsoft.com/office/powerpoint/2010/main" spd="med">
+        <p:fade/>
+      </p:transition>
+    </mc:Fallback>
+  </mc:AlternateContent>
+</p:sld>
+</file>
+
+<file path=ppt/slides/slide20.xml><?xml version="1.0" encoding="utf-8"?>
+<p:sld xmlns:a="http://schemas.openxmlformats.org/drawingml/2006/main" xmlns:r="http://schemas.openxmlformats.org/officeDocument/2006/relationships" xmlns:p="http://schemas.openxmlformats.org/presentationml/2006/main">
+  <p:cSld>
+    <p:spTree>
+      <p:nvGrpSpPr>
+        <p:cNvPr id="1" name=""/>
+        <p:cNvGrpSpPr/>
+        <p:nvPr/>
+      </p:nvGrpSpPr>
+      <p:grpSpPr>
+        <a:xfrm>
+          <a:off x="0" y="0"/>
+          <a:ext cx="0" cy="0"/>
+          <a:chOff x="0" y="0"/>
+          <a:chExt cx="0" cy="0"/>
+        </a:xfrm>
+      </p:grpSpPr>
+      <p:sp>
+        <p:nvSpPr>
+          <p:cNvPr id="2" name="Title 1"/>
+          <p:cNvSpPr>
+            <a:spLocks noGrp="1"/>
+          </p:cNvSpPr>
+          <p:nvPr>
+            <p:ph type="title"/>
+          </p:nvPr>
+        </p:nvSpPr>
+        <p:spPr/>
+        <p:txBody>
+          <a:bodyPr>
+            <a:normAutofit fontScale="90000"/>
+          </a:bodyPr>
+          <a:lstStyle/>
+          <a:p>
+            <a:r>
+              <a:rPr lang="en-US" dirty="0" smtClean="0"/>
+              <a:t>Problem with “Frustration-Aggression” Argument</a:t>
+            </a:r>
+            <a:endParaRPr lang="en-US" dirty="0"/>
+          </a:p>
+        </p:txBody>
+      </p:sp>
+      <p:sp>
+        <p:nvSpPr>
+          <p:cNvPr id="3" name="Content Placeholder 2"/>
+          <p:cNvSpPr>
+            <a:spLocks noGrp="1"/>
+          </p:cNvSpPr>
+          <p:nvPr>
+            <p:ph sz="quarter" idx="1"/>
+          </p:nvPr>
+        </p:nvSpPr>
+        <p:spPr/>
+        <p:txBody>
+          <a:bodyPr/>
+          <a:lstStyle/>
+          <a:p>
+            <a:r>
+              <a:rPr lang="en-US" dirty="0" smtClean="0"/>
+              <a:t>Glosses over the assessment that aggression is the best means to relieve their frustrations</a:t>
+            </a:r>
+          </a:p>
+          <a:p>
+            <a:pPr lvl="1"/>
+            <a:r>
+              <a:rPr lang="en-US" dirty="0" smtClean="0"/>
+              <a:t>Group comparisons</a:t>
+            </a:r>
+          </a:p>
+          <a:p>
+            <a:pPr lvl="1"/>
+            <a:r>
+              <a:rPr lang="en-US" dirty="0" smtClean="0"/>
+              <a:t>Understandings of procedural </a:t>
+            </a:r>
+            <a:r>
+              <a:rPr lang="en-US" dirty="0"/>
+              <a:t>j</a:t>
+            </a:r>
+            <a:r>
+              <a:rPr lang="en-US" dirty="0" smtClean="0"/>
+              <a:t>ustice</a:t>
+            </a:r>
+          </a:p>
+          <a:p>
+            <a:pPr lvl="1"/>
+            <a:r>
+              <a:rPr lang="en-US" dirty="0" smtClean="0"/>
+              <a:t>Actual or threatened loss</a:t>
+            </a:r>
+          </a:p>
+          <a:p>
+            <a:pPr lvl="1"/>
+            <a:r>
+              <a:rPr lang="en-US" dirty="0" smtClean="0"/>
+              <a:t>Interpretation of grievances</a:t>
+            </a:r>
+          </a:p>
+          <a:p>
+            <a:pPr lvl="1"/>
+            <a:endParaRPr lang="en-US" dirty="0"/>
+          </a:p>
+        </p:txBody>
+      </p:sp>
+    </p:spTree>
+    <p:extLst>
+      <p:ext uri="{BB962C8B-B14F-4D97-AF65-F5344CB8AC3E}">
+        <p14:creationId xmlns:p14="http://schemas.microsoft.com/office/powerpoint/2010/main" val="1262088167"/>
+      </p:ext>
+    </p:extLst>
+  </p:cSld>
+  <p:clrMapOvr>
+    <a:masterClrMapping/>
+  </p:clrMapOvr>
+  <mc:AlternateContent xmlns:mc="http://schemas.openxmlformats.org/markup-compatibility/2006">
+    <mc:Choice xmlns:p14="http://schemas.microsoft.com/office/powerpoint/2010/main" Requires="p14">
+      <p:transition spd="med" p14:dur="700">
+        <p:fade/>
+      </p:transition>
+    </mc:Choice>
+    <mc:Fallback>
+      <p:transition xmlns:p14="http://schemas.microsoft.com/office/powerpoint/2010/main" spd="med">
+        <p:fade/>
+      </p:transition>
+    </mc:Fallback>
+  </mc:AlternateContent>
+</p:sld>
+</file>
+
+<file path=ppt/slides/slide21.xml><?xml version="1.0" encoding="utf-8"?>
+<p:sld xmlns:a="http://schemas.openxmlformats.org/drawingml/2006/main" xmlns:r="http://schemas.openxmlformats.org/officeDocument/2006/relationships" xmlns:p="http://schemas.openxmlformats.org/presentationml/2006/main">
+  <p:cSld>
+    <p:spTree>
+      <p:nvGrpSpPr>
+        <p:cNvPr id="1" name=""/>
+        <p:cNvGrpSpPr/>
+        <p:nvPr/>
+      </p:nvGrpSpPr>
+      <p:grpSpPr>
+        <a:xfrm>
+          <a:off x="0" y="0"/>
+          <a:ext cx="0" cy="0"/>
+          <a:chOff x="0" y="0"/>
+          <a:chExt cx="0" cy="0"/>
+        </a:xfrm>
+      </p:grpSpPr>
+      <p:sp>
+        <p:nvSpPr>
+          <p:cNvPr id="2" name="Title 1"/>
+          <p:cNvSpPr>
+            <a:spLocks noGrp="1"/>
+          </p:cNvSpPr>
+          <p:nvPr>
+            <p:ph type="title"/>
+          </p:nvPr>
+        </p:nvSpPr>
+        <p:spPr/>
+        <p:txBody>
+          <a:bodyPr/>
+          <a:lstStyle/>
+          <a:p>
+            <a:r>
+              <a:rPr lang="en-US" dirty="0" smtClean="0"/>
+              <a:t>Mobilizing People: Framing</a:t>
+            </a:r>
+            <a:endParaRPr lang="en-US" dirty="0"/>
+          </a:p>
+        </p:txBody>
+      </p:sp>
+      <p:sp>
+        <p:nvSpPr>
+          <p:cNvPr id="3" name="Content Placeholder 2"/>
+          <p:cNvSpPr>
+            <a:spLocks noGrp="1"/>
+          </p:cNvSpPr>
+          <p:nvPr>
+            <p:ph sz="quarter" idx="1"/>
+          </p:nvPr>
+        </p:nvSpPr>
+        <p:spPr/>
+        <p:txBody>
+          <a:bodyPr/>
+          <a:lstStyle/>
+          <a:p>
+            <a:r>
+              <a:rPr lang="en-US" dirty="0" smtClean="0"/>
+              <a:t>Social movements are interpretive agents</a:t>
+            </a:r>
+          </a:p>
+          <a:p>
+            <a:pPr lvl="1"/>
+            <a:r>
+              <a:rPr lang="en-US" dirty="0" smtClean="0"/>
+              <a:t>Actively produce and maintain meaning for constituents, antagonists, and bystanders</a:t>
+            </a:r>
+            <a:endParaRPr lang="en-US" dirty="0"/>
+          </a:p>
+        </p:txBody>
+      </p:sp>
+    </p:spTree>
+    <p:extLst>
+      <p:ext uri="{BB962C8B-B14F-4D97-AF65-F5344CB8AC3E}">
+        <p14:creationId xmlns:p14="http://schemas.microsoft.com/office/powerpoint/2010/main" val="1212710590"/>
+      </p:ext>
+    </p:extLst>
+  </p:cSld>
+  <p:clrMapOvr>
+    <a:masterClrMapping/>
+  </p:clrMapOvr>
+  <mc:AlternateContent xmlns:mc="http://schemas.openxmlformats.org/markup-compatibility/2006">
+    <mc:Choice xmlns:p14="http://schemas.microsoft.com/office/powerpoint/2010/main" Requires="p14">
+      <p:transition spd="med" p14:dur="700">
+        <p:fade/>
+      </p:transition>
+    </mc:Choice>
+    <mc:Fallback>
+      <p:transition xmlns:p14="http://schemas.microsoft.com/office/powerpoint/2010/main" spd="med">
+        <p:fade/>
+      </p:transition>
+    </mc:Fallback>
+  </mc:AlternateContent>
+</p:sld>
+</file>
+
+<file path=ppt/slides/slide22.xml><?xml version="1.0" encoding="utf-8"?>
+<p:sld xmlns:a="http://schemas.openxmlformats.org/drawingml/2006/main" xmlns:r="http://schemas.openxmlformats.org/officeDocument/2006/relationships" xmlns:p="http://schemas.openxmlformats.org/presentationml/2006/main">
+  <p:cSld>
+    <p:spTree>
+      <p:nvGrpSpPr>
+        <p:cNvPr id="1" name=""/>
+        <p:cNvGrpSpPr/>
+        <p:nvPr/>
+      </p:nvGrpSpPr>
+      <p:grpSpPr>
+        <a:xfrm>
+          <a:off x="0" y="0"/>
+          <a:ext cx="0" cy="0"/>
+          <a:chOff x="0" y="0"/>
+          <a:chExt cx="0" cy="0"/>
+        </a:xfrm>
+      </p:grpSpPr>
+      <p:sp>
+        <p:nvSpPr>
+          <p:cNvPr id="2" name="Title 1"/>
+          <p:cNvSpPr>
+            <a:spLocks noGrp="1"/>
+          </p:cNvSpPr>
+          <p:nvPr>
+            <p:ph type="title"/>
+          </p:nvPr>
+        </p:nvSpPr>
+        <p:spPr/>
+        <p:txBody>
+          <a:bodyPr>
+            <a:normAutofit fontScale="90000"/>
+          </a:bodyPr>
+          <a:lstStyle/>
+          <a:p>
+            <a:r>
+              <a:rPr lang="en-US" dirty="0" smtClean="0"/>
+              <a:t>From Erving </a:t>
+            </a:r>
+            <a:r>
+              <a:rPr lang="en-US" dirty="0" err="1" smtClean="0"/>
+              <a:t>Goffman’s</a:t>
+            </a:r>
+            <a:r>
+              <a:rPr lang="en-US" dirty="0" smtClean="0"/>
+              <a:t> </a:t>
+            </a:r>
+            <a:r>
+              <a:rPr lang="en-US" i="1" dirty="0" smtClean="0"/>
+              <a:t>Frame Analysis</a:t>
+            </a:r>
+            <a:endParaRPr lang="en-US" dirty="0"/>
+          </a:p>
+        </p:txBody>
+      </p:sp>
+      <p:sp>
+        <p:nvSpPr>
+          <p:cNvPr id="3" name="Content Placeholder 2"/>
+          <p:cNvSpPr>
+            <a:spLocks noGrp="1"/>
+          </p:cNvSpPr>
+          <p:nvPr>
+            <p:ph sz="quarter" idx="1"/>
+          </p:nvPr>
+        </p:nvSpPr>
+        <p:spPr>
+          <a:xfrm>
+            <a:off x="612648" y="1600200"/>
+            <a:ext cx="3867097" cy="4495800"/>
+          </a:xfrm>
+        </p:spPr>
+        <p:txBody>
+          <a:bodyPr>
+            <a:normAutofit fontScale="85000" lnSpcReduction="10000"/>
+          </a:bodyPr>
+          <a:lstStyle/>
+          <a:p>
+            <a:r>
+              <a:rPr lang="en-US" dirty="0" smtClean="0"/>
+              <a:t>Meanings don’t naturally attach themselves to events, objects, or subjects</a:t>
+            </a:r>
+            <a:r>
+              <a:rPr lang="is-IS" dirty="0" smtClean="0"/>
+              <a:t>…</a:t>
+            </a:r>
+          </a:p>
+          <a:p>
+            <a:r>
+              <a:rPr lang="is-IS" dirty="0" smtClean="0"/>
+              <a:t>Social actors or signifying agents are required to... </a:t>
+            </a:r>
+            <a:endParaRPr lang="is-IS" dirty="0"/>
+          </a:p>
+          <a:p>
+            <a:r>
+              <a:rPr lang="is-IS" dirty="0" smtClean="0"/>
+              <a:t>Interpret and attach the meaning to an object (e.g. framing)...</a:t>
+            </a:r>
+          </a:p>
+          <a:p>
+            <a:r>
+              <a:rPr lang="is-IS" dirty="0" smtClean="0"/>
+              <a:t>Interpretations must cohere with populations/subpopulations</a:t>
+            </a:r>
+            <a:endParaRPr lang="en-US" dirty="0"/>
+          </a:p>
+        </p:txBody>
+      </p:sp>
+      <p:pic>
+        <p:nvPicPr>
+          <p:cNvPr id="4" name="Picture 3" descr="framing.jpg"/>
+          <p:cNvPicPr>
+            <a:picLocks noChangeAspect="1"/>
+          </p:cNvPicPr>
+          <p:nvPr/>
+        </p:nvPicPr>
+        <p:blipFill>
+          <a:blip r:embed="rId3">
+            <a:extLst>
+              <a:ext uri="{28A0092B-C50C-407E-A947-70E740481C1C}">
+                <a14:useLocalDpi xmlns:a14="http://schemas.microsoft.com/office/drawing/2010/main" val="0"/>
+              </a:ext>
+            </a:extLst>
+          </a:blip>
+          <a:stretch>
+            <a:fillRect/>
+          </a:stretch>
+        </p:blipFill>
+        <p:spPr>
+          <a:xfrm>
+            <a:off x="4778144" y="2290783"/>
+            <a:ext cx="3810000" cy="2997200"/>
+          </a:xfrm>
+          <a:prstGeom prst="rect">
+            <a:avLst/>
+          </a:prstGeom>
+        </p:spPr>
+      </p:pic>
+    </p:spTree>
+    <p:extLst>
+      <p:ext uri="{BB962C8B-B14F-4D97-AF65-F5344CB8AC3E}">
+        <p14:creationId xmlns:p14="http://schemas.microsoft.com/office/powerpoint/2010/main" val="3416136429"/>
+      </p:ext>
+    </p:extLst>
+  </p:cSld>
+  <p:clrMapOvr>
+    <a:masterClrMapping/>
+  </p:clrMapOvr>
+  <mc:AlternateContent xmlns:mc="http://schemas.openxmlformats.org/markup-compatibility/2006">
+    <mc:Choice xmlns:p14="http://schemas.microsoft.com/office/powerpoint/2010/main" Requires="p14">
+      <p:transition spd="med" p14:dur="700">
+        <p:fade/>
+      </p:transition>
+    </mc:Choice>
+    <mc:Fallback>
+      <p:transition xmlns:p14="http://schemas.microsoft.com/office/powerpoint/2010/main" spd="med">
+        <p:fade/>
+      </p:transition>
+    </mc:Fallback>
+  </mc:AlternateContent>
+</p:sld>
+</file>
+
+<file path=ppt/slides/slide23.xml><?xml version="1.0" encoding="utf-8"?>
+<p:sld xmlns:a="http://schemas.openxmlformats.org/drawingml/2006/main" xmlns:r="http://schemas.openxmlformats.org/officeDocument/2006/relationships" xmlns:p="http://schemas.openxmlformats.org/presentationml/2006/main">
+  <p:cSld>
+    <p:spTree>
+      <p:nvGrpSpPr>
+        <p:cNvPr id="1" name=""/>
+        <p:cNvGrpSpPr/>
+        <p:nvPr/>
+      </p:nvGrpSpPr>
+      <p:grpSpPr>
+        <a:xfrm>
+          <a:off x="0" y="0"/>
+          <a:ext cx="0" cy="0"/>
+          <a:chOff x="0" y="0"/>
+          <a:chExt cx="0" cy="0"/>
+        </a:xfrm>
+      </p:grpSpPr>
+      <p:sp>
+        <p:nvSpPr>
+          <p:cNvPr id="2" name="Title 1"/>
+          <p:cNvSpPr>
+            <a:spLocks noGrp="1"/>
+          </p:cNvSpPr>
+          <p:nvPr>
+            <p:ph type="title"/>
+          </p:nvPr>
+        </p:nvSpPr>
+        <p:spPr/>
+        <p:txBody>
+          <a:bodyPr/>
+          <a:lstStyle/>
+          <a:p>
+            <a:r>
+              <a:rPr lang="en-US" dirty="0" smtClean="0"/>
+              <a:t>SMOs as Signifying Agents</a:t>
+            </a:r>
+            <a:endParaRPr lang="en-US" dirty="0"/>
+          </a:p>
+        </p:txBody>
+      </p:sp>
+      <p:sp>
+        <p:nvSpPr>
+          <p:cNvPr id="3" name="Content Placeholder 2"/>
+          <p:cNvSpPr>
+            <a:spLocks noGrp="1"/>
+          </p:cNvSpPr>
+          <p:nvPr>
+            <p:ph sz="quarter" idx="1"/>
+          </p:nvPr>
+        </p:nvSpPr>
+        <p:spPr/>
+        <p:txBody>
+          <a:bodyPr/>
+          <a:lstStyle/>
+          <a:p>
+            <a:r>
+              <a:rPr lang="en-US" dirty="0" smtClean="0"/>
+              <a:t>Social movements must engage in framing</a:t>
+            </a:r>
+          </a:p>
+          <a:p>
+            <a:pPr lvl="1"/>
+            <a:r>
+              <a:rPr lang="en-US" dirty="0" smtClean="0"/>
+              <a:t>Diagnostic</a:t>
+            </a:r>
+          </a:p>
+          <a:p>
+            <a:pPr lvl="1"/>
+            <a:r>
+              <a:rPr lang="en-US" dirty="0" smtClean="0"/>
+              <a:t>Prognostic</a:t>
+            </a:r>
+            <a:endParaRPr lang="en-US" dirty="0"/>
+          </a:p>
+        </p:txBody>
+      </p:sp>
+    </p:spTree>
+    <p:extLst>
+      <p:ext uri="{BB962C8B-B14F-4D97-AF65-F5344CB8AC3E}">
+        <p14:creationId xmlns:p14="http://schemas.microsoft.com/office/powerpoint/2010/main" val="1055025381"/>
+      </p:ext>
+    </p:extLst>
+  </p:cSld>
+  <p:clrMapOvr>
+    <a:masterClrMapping/>
+  </p:clrMapOvr>
+  <mc:AlternateContent xmlns:mc="http://schemas.openxmlformats.org/markup-compatibility/2006">
+    <mc:Choice xmlns:p14="http://schemas.microsoft.com/office/powerpoint/2010/main" Requires="p14">
+      <p:transition spd="med" p14:dur="700">
+        <p:fade/>
+      </p:transition>
+    </mc:Choice>
+    <mc:Fallback>
+      <p:transition xmlns:p14="http://schemas.microsoft.com/office/powerpoint/2010/main" spd="med">
+        <p:fade/>
+      </p:transition>
+    </mc:Fallback>
+  </mc:AlternateContent>
+</p:sld>
+</file>
+
+<file path=ppt/slides/slide24.xml><?xml version="1.0" encoding="utf-8"?>
+<p:sld xmlns:a="http://schemas.openxmlformats.org/drawingml/2006/main" xmlns:r="http://schemas.openxmlformats.org/officeDocument/2006/relationships" xmlns:p="http://schemas.openxmlformats.org/presentationml/2006/main">
+  <p:cSld>
+    <p:spTree>
+      <p:nvGrpSpPr>
+        <p:cNvPr id="1" name=""/>
+        <p:cNvGrpSpPr/>
+        <p:nvPr/>
+      </p:nvGrpSpPr>
+      <p:grpSpPr>
+        <a:xfrm>
+          <a:off x="0" y="0"/>
+          <a:ext cx="0" cy="0"/>
+          <a:chOff x="0" y="0"/>
+          <a:chExt cx="0" cy="0"/>
+        </a:xfrm>
+      </p:grpSpPr>
+      <p:sp>
+        <p:nvSpPr>
+          <p:cNvPr id="2" name="Title 1"/>
+          <p:cNvSpPr>
+            <a:spLocks noGrp="1"/>
+          </p:cNvSpPr>
+          <p:nvPr>
+            <p:ph type="title"/>
+          </p:nvPr>
+        </p:nvSpPr>
+        <p:spPr/>
+        <p:txBody>
+          <a:bodyPr/>
+          <a:lstStyle/>
+          <a:p>
+            <a:r>
+              <a:rPr lang="en-US" dirty="0" smtClean="0"/>
+              <a:t>SMOs as Signifying Agents</a:t>
+            </a:r>
+            <a:endParaRPr lang="en-US" dirty="0"/>
+          </a:p>
+        </p:txBody>
+      </p:sp>
+      <p:sp>
+        <p:nvSpPr>
+          <p:cNvPr id="3" name="Content Placeholder 2"/>
+          <p:cNvSpPr>
+            <a:spLocks noGrp="1"/>
+          </p:cNvSpPr>
+          <p:nvPr>
+            <p:ph sz="quarter" idx="1"/>
+          </p:nvPr>
+        </p:nvSpPr>
+        <p:spPr/>
+        <p:txBody>
+          <a:bodyPr/>
+          <a:lstStyle/>
+          <a:p>
+            <a:r>
+              <a:rPr lang="en-US" dirty="0" smtClean="0"/>
+              <a:t>Diagnostic Framing</a:t>
+            </a:r>
+          </a:p>
+          <a:p>
+            <a:pPr lvl="1"/>
+            <a:r>
+              <a:rPr lang="en-US" dirty="0" smtClean="0"/>
+              <a:t>Identifying a source of the problem</a:t>
+            </a:r>
+          </a:p>
+          <a:p>
+            <a:pPr lvl="2"/>
+            <a:r>
+              <a:rPr lang="en-US" dirty="0" smtClean="0"/>
+              <a:t>Identify an aspect of social life as a problem</a:t>
+            </a:r>
+          </a:p>
+          <a:p>
+            <a:pPr lvl="2"/>
+            <a:r>
+              <a:rPr lang="en-US" dirty="0" smtClean="0"/>
+              <a:t>Attribute blame for the problem</a:t>
+            </a:r>
+            <a:endParaRPr lang="en-US" dirty="0"/>
+          </a:p>
+        </p:txBody>
+      </p:sp>
+    </p:spTree>
+    <p:extLst>
+      <p:ext uri="{BB962C8B-B14F-4D97-AF65-F5344CB8AC3E}">
+        <p14:creationId xmlns:p14="http://schemas.microsoft.com/office/powerpoint/2010/main" val="1283966356"/>
+      </p:ext>
+    </p:extLst>
+  </p:cSld>
+  <p:clrMapOvr>
+    <a:masterClrMapping/>
+  </p:clrMapOvr>
+  <mc:AlternateContent xmlns:mc="http://schemas.openxmlformats.org/markup-compatibility/2006">
+    <mc:Choice xmlns:p14="http://schemas.microsoft.com/office/powerpoint/2010/main" Requires="p14">
+      <p:transition spd="med" p14:dur="700">
+        <p:fade/>
+      </p:transition>
+    </mc:Choice>
+    <mc:Fallback>
+      <p:transition xmlns:p14="http://schemas.microsoft.com/office/powerpoint/2010/main" spd="med">
+        <p:fade/>
+      </p:transition>
+    </mc:Fallback>
+  </mc:AlternateContent>
+</p:sld>
+</file>
+
+<file path=ppt/slides/slide25.xml><?xml version="1.0" encoding="utf-8"?>
+<p:sld xmlns:a="http://schemas.openxmlformats.org/drawingml/2006/main" xmlns:r="http://schemas.openxmlformats.org/officeDocument/2006/relationships" xmlns:p="http://schemas.openxmlformats.org/presentationml/2006/main">
+  <p:cSld>
+    <p:spTree>
+      <p:nvGrpSpPr>
+        <p:cNvPr id="1" name=""/>
+        <p:cNvGrpSpPr/>
+        <p:nvPr/>
+      </p:nvGrpSpPr>
+      <p:grpSpPr>
+        <a:xfrm>
+          <a:off x="0" y="0"/>
+          <a:ext cx="0" cy="0"/>
+          <a:chOff x="0" y="0"/>
+          <a:chExt cx="0" cy="0"/>
+        </a:xfrm>
+      </p:grpSpPr>
+      <p:sp>
+        <p:nvSpPr>
+          <p:cNvPr id="2" name="Title 1"/>
+          <p:cNvSpPr>
+            <a:spLocks noGrp="1"/>
+          </p:cNvSpPr>
+          <p:nvPr>
+            <p:ph type="title"/>
+          </p:nvPr>
+        </p:nvSpPr>
+        <p:spPr/>
+        <p:txBody>
+          <a:bodyPr>
+            <a:normAutofit fontScale="90000"/>
+          </a:bodyPr>
+          <a:lstStyle/>
+          <a:p>
+            <a:r>
+              <a:rPr lang="en-US" dirty="0" smtClean="0"/>
+              <a:t>Ex: Salvation Army NIMBY movements</a:t>
+            </a:r>
+            <a:endParaRPr lang="en-US" dirty="0"/>
+          </a:p>
+        </p:txBody>
+      </p:sp>
+      <p:pic>
+        <p:nvPicPr>
+          <p:cNvPr id="4" name="Picture 3" descr="salvationarmy.jpg"/>
+          <p:cNvPicPr>
+            <a:picLocks noChangeAspect="1"/>
+          </p:cNvPicPr>
+          <p:nvPr/>
+        </p:nvPicPr>
+        <p:blipFill>
+          <a:blip r:embed="rId3">
+            <a:extLst>
+              <a:ext uri="{28A0092B-C50C-407E-A947-70E740481C1C}">
+                <a14:useLocalDpi xmlns:a14="http://schemas.microsoft.com/office/drawing/2010/main" val="0"/>
+              </a:ext>
+            </a:extLst>
+          </a:blip>
+          <a:stretch>
+            <a:fillRect/>
+          </a:stretch>
+        </p:blipFill>
+        <p:spPr>
+          <a:xfrm>
+            <a:off x="1791827" y="1927706"/>
+            <a:ext cx="5811725" cy="4358794"/>
+          </a:xfrm>
+          <a:prstGeom prst="rect">
+            <a:avLst/>
+          </a:prstGeom>
+        </p:spPr>
+      </p:pic>
+    </p:spTree>
+    <p:extLst>
+      <p:ext uri="{BB962C8B-B14F-4D97-AF65-F5344CB8AC3E}">
+        <p14:creationId xmlns:p14="http://schemas.microsoft.com/office/powerpoint/2010/main" val="3127266406"/>
+      </p:ext>
+    </p:extLst>
+  </p:cSld>
+  <p:clrMapOvr>
+    <a:masterClrMapping/>
+  </p:clrMapOvr>
+  <mc:AlternateContent xmlns:mc="http://schemas.openxmlformats.org/markup-compatibility/2006">
+    <mc:Choice xmlns:p14="http://schemas.microsoft.com/office/powerpoint/2010/main" Requires="p14">
+      <p:transition spd="med" p14:dur="700">
+        <p:fade/>
+      </p:transition>
+    </mc:Choice>
+    <mc:Fallback>
+      <p:transition xmlns:p14="http://schemas.microsoft.com/office/powerpoint/2010/main" spd="med">
+        <p:fade/>
+      </p:transition>
+    </mc:Fallback>
+  </mc:AlternateContent>
+</p:sld>
+</file>
+
+<file path=ppt/slides/slide26.xml><?xml version="1.0" encoding="utf-8"?>
+<p:sld xmlns:a="http://schemas.openxmlformats.org/drawingml/2006/main" xmlns:r="http://schemas.openxmlformats.org/officeDocument/2006/relationships" xmlns:p="http://schemas.openxmlformats.org/presentationml/2006/main">
+  <p:cSld>
+    <p:spTree>
+      <p:nvGrpSpPr>
+        <p:cNvPr id="1" name=""/>
+        <p:cNvGrpSpPr/>
+        <p:nvPr/>
+      </p:nvGrpSpPr>
+      <p:grpSpPr>
+        <a:xfrm>
+          <a:off x="0" y="0"/>
+          <a:ext cx="0" cy="0"/>
+          <a:chOff x="0" y="0"/>
+          <a:chExt cx="0" cy="0"/>
+        </a:xfrm>
+      </p:grpSpPr>
+      <p:sp>
+        <p:nvSpPr>
+          <p:cNvPr id="2" name="Title 1"/>
+          <p:cNvSpPr>
+            <a:spLocks noGrp="1"/>
+          </p:cNvSpPr>
+          <p:nvPr>
+            <p:ph type="title"/>
+          </p:nvPr>
+        </p:nvSpPr>
+        <p:spPr/>
+        <p:txBody>
+          <a:bodyPr/>
+          <a:lstStyle/>
+          <a:p>
+            <a:r>
+              <a:rPr lang="en-US" dirty="0"/>
+              <a:t>SMOs as Signifying Agents</a:t>
+            </a:r>
+          </a:p>
+        </p:txBody>
+      </p:sp>
+      <p:sp>
+        <p:nvSpPr>
+          <p:cNvPr id="3" name="Content Placeholder 2"/>
+          <p:cNvSpPr>
+            <a:spLocks noGrp="1"/>
+          </p:cNvSpPr>
+          <p:nvPr>
+            <p:ph sz="quarter" idx="1"/>
+          </p:nvPr>
+        </p:nvSpPr>
+        <p:spPr/>
+        <p:txBody>
+          <a:bodyPr/>
+          <a:lstStyle/>
+          <a:p>
+            <a:r>
+              <a:rPr lang="en-US" dirty="0" smtClean="0"/>
+              <a:t>Prognostic Framing</a:t>
+            </a:r>
+          </a:p>
+          <a:p>
+            <a:pPr lvl="1"/>
+            <a:r>
+              <a:rPr lang="en-US" dirty="0" smtClean="0"/>
+              <a:t>Highlighting potential solutions to problems</a:t>
+            </a:r>
+            <a:endParaRPr lang="en-US" dirty="0"/>
+          </a:p>
+        </p:txBody>
+      </p:sp>
+    </p:spTree>
+    <p:extLst>
+      <p:ext uri="{BB962C8B-B14F-4D97-AF65-F5344CB8AC3E}">
+        <p14:creationId xmlns:p14="http://schemas.microsoft.com/office/powerpoint/2010/main" val="1794167858"/>
+      </p:ext>
+    </p:extLst>
+  </p:cSld>
+  <p:clrMapOvr>
+    <a:masterClrMapping/>
+  </p:clrMapOvr>
+  <mc:AlternateContent xmlns:mc="http://schemas.openxmlformats.org/markup-compatibility/2006">
+    <mc:Choice xmlns:p14="http://schemas.microsoft.com/office/powerpoint/2010/main" Requires="p14">
+      <p:transition spd="med" p14:dur="700">
+        <p:fade/>
+      </p:transition>
+    </mc:Choice>
+    <mc:Fallback>
+      <p:transition xmlns:p14="http://schemas.microsoft.com/office/powerpoint/2010/main" spd="med">
+        <p:fade/>
+      </p:transition>
+    </mc:Fallback>
+  </mc:AlternateContent>
+  <p:timing>
+    <p:tnLst>
+      <p:par>
+        <p:cTn xmlns:p14="http://schemas.microsoft.com/office/powerpoint/2010/main" id="1" dur="indefinite" restart="never" nodeType="tmRoot"/>
+      </p:par>
+    </p:tnLst>
+  </p:timing>
+</p:sld>
+</file>
+
+<file path=ppt/slides/slide27.xml><?xml version="1.0" encoding="utf-8"?>
+<p:sld xmlns:a="http://schemas.openxmlformats.org/drawingml/2006/main" xmlns:r="http://schemas.openxmlformats.org/officeDocument/2006/relationships" xmlns:p="http://schemas.openxmlformats.org/presentationml/2006/main">
+  <p:cSld>
+    <p:spTree>
+      <p:nvGrpSpPr>
+        <p:cNvPr id="1" name=""/>
+        <p:cNvGrpSpPr/>
+        <p:nvPr/>
+      </p:nvGrpSpPr>
+      <p:grpSpPr>
+        <a:xfrm>
+          <a:off x="0" y="0"/>
+          <a:ext cx="0" cy="0"/>
+          <a:chOff x="0" y="0"/>
+          <a:chExt cx="0" cy="0"/>
+        </a:xfrm>
+      </p:grpSpPr>
+      <p:sp>
+        <p:nvSpPr>
+          <p:cNvPr id="2" name="Title 1"/>
+          <p:cNvSpPr>
+            <a:spLocks noGrp="1"/>
+          </p:cNvSpPr>
+          <p:nvPr>
+            <p:ph type="title"/>
+          </p:nvPr>
+        </p:nvSpPr>
+        <p:spPr/>
+        <p:txBody>
+          <a:bodyPr/>
+          <a:lstStyle/>
+          <a:p>
+            <a:r>
+              <a:rPr lang="en-US" dirty="0" smtClean="0"/>
+              <a:t>Notes about Framing</a:t>
+            </a:r>
+            <a:endParaRPr lang="en-US" dirty="0"/>
+          </a:p>
+        </p:txBody>
+      </p:sp>
+      <p:sp>
+        <p:nvSpPr>
+          <p:cNvPr id="3" name="Content Placeholder 2"/>
+          <p:cNvSpPr>
+            <a:spLocks noGrp="1"/>
+          </p:cNvSpPr>
+          <p:nvPr>
+            <p:ph sz="quarter" idx="1"/>
+          </p:nvPr>
+        </p:nvSpPr>
+        <p:spPr/>
+        <p:txBody>
+          <a:bodyPr/>
+          <a:lstStyle/>
+          <a:p>
+            <a:r>
+              <a:rPr lang="en-US" dirty="0" smtClean="0"/>
+              <a:t>Frames are constrained</a:t>
+            </a:r>
+          </a:p>
+          <a:p>
+            <a:pPr lvl="1"/>
+            <a:r>
+              <a:rPr lang="en-US" dirty="0" smtClean="0"/>
+              <a:t>To the material conditions and events being framed</a:t>
+            </a:r>
+          </a:p>
+          <a:p>
+            <a:pPr lvl="1"/>
+            <a:r>
+              <a:rPr lang="en-US" dirty="0" smtClean="0"/>
+              <a:t>To the cultural environment in which they’re embedded</a:t>
+            </a:r>
+          </a:p>
+          <a:p>
+            <a:r>
+              <a:rPr lang="en-US" dirty="0" smtClean="0"/>
+              <a:t>Frames subject to differential interpretation</a:t>
+            </a:r>
+          </a:p>
+          <a:p>
+            <a:pPr lvl="1"/>
+            <a:r>
+              <a:rPr lang="en-US" dirty="0" smtClean="0"/>
+              <a:t>People may view the empirical event differently</a:t>
+            </a:r>
+            <a:endParaRPr lang="en-US" dirty="0"/>
+          </a:p>
+        </p:txBody>
+      </p:sp>
+    </p:spTree>
+    <p:extLst>
+      <p:ext uri="{BB962C8B-B14F-4D97-AF65-F5344CB8AC3E}">
+        <p14:creationId xmlns:p14="http://schemas.microsoft.com/office/powerpoint/2010/main" val="3227998740"/>
+      </p:ext>
+    </p:extLst>
+  </p:cSld>
+  <p:clrMapOvr>
+    <a:masterClrMapping/>
+  </p:clrMapOvr>
+  <mc:AlternateContent xmlns:mc="http://schemas.openxmlformats.org/markup-compatibility/2006">
+    <mc:Choice xmlns:p14="http://schemas.microsoft.com/office/powerpoint/2010/main" Requires="p14">
+      <p:transition spd="med" p14:dur="700">
+        <p:fade/>
+      </p:transition>
+    </mc:Choice>
+    <mc:Fallback>
+      <p:transition xmlns:p14="http://schemas.microsoft.com/office/powerpoint/2010/main" spd="med">
+        <p:fade/>
+      </p:transition>
+    </mc:Fallback>
+  </mc:AlternateContent>
+  <p:timing>
+    <p:tnLst>
+      <p:par>
+        <p:cTn xmlns:p14="http://schemas.microsoft.com/office/powerpoint/2010/main" id="1" dur="indefinite" restart="never" nodeType="tmRoot"/>
+      </p:par>
+    </p:tnLst>
+  </p:timing>
+</p:sld>
+</file>
+
+<file path=ppt/slides/slide28.xml><?xml version="1.0" encoding="utf-8"?>
+<p:sld xmlns:a="http://schemas.openxmlformats.org/drawingml/2006/main" xmlns:r="http://schemas.openxmlformats.org/officeDocument/2006/relationships" xmlns:p="http://schemas.openxmlformats.org/presentationml/2006/main">
+  <p:cSld>
+    <p:spTree>
+      <p:nvGrpSpPr>
+        <p:cNvPr id="1" name=""/>
+        <p:cNvGrpSpPr/>
+        <p:nvPr/>
+      </p:nvGrpSpPr>
+      <p:grpSpPr>
+        <a:xfrm>
+          <a:off x="0" y="0"/>
+          <a:ext cx="0" cy="0"/>
+          <a:chOff x="0" y="0"/>
+          <a:chExt cx="0" cy="0"/>
+        </a:xfrm>
+      </p:grpSpPr>
+      <p:sp>
+        <p:nvSpPr>
+          <p:cNvPr id="2" name="Title 1"/>
+          <p:cNvSpPr>
+            <a:spLocks noGrp="1"/>
+          </p:cNvSpPr>
+          <p:nvPr>
+            <p:ph type="title"/>
+          </p:nvPr>
+        </p:nvSpPr>
+        <p:spPr/>
+        <p:txBody>
+          <a:bodyPr/>
+          <a:lstStyle/>
+          <a:p>
+            <a:r>
+              <a:rPr lang="en-US" dirty="0" smtClean="0"/>
+              <a:t>Ex: Heaven’s Gate</a:t>
+            </a:r>
+            <a:endParaRPr lang="en-US" dirty="0"/>
+          </a:p>
+        </p:txBody>
+      </p:sp>
+      <p:pic>
+        <p:nvPicPr>
+          <p:cNvPr id="6" name="Picture 5" descr="heavens gate.jpg">
+            <a:hlinkClick r:id="rId3"/>
+          </p:cNvPr>
+          <p:cNvPicPr>
+            <a:picLocks noChangeAspect="1"/>
+          </p:cNvPicPr>
+          <p:nvPr/>
+        </p:nvPicPr>
+        <p:blipFill>
+          <a:blip r:embed="rId4">
+            <a:extLst>
+              <a:ext uri="{28A0092B-C50C-407E-A947-70E740481C1C}">
+                <a14:useLocalDpi xmlns:a14="http://schemas.microsoft.com/office/drawing/2010/main" val="0"/>
+              </a:ext>
+            </a:extLst>
+          </a:blip>
+          <a:stretch>
+            <a:fillRect/>
+          </a:stretch>
+        </p:blipFill>
+        <p:spPr>
+          <a:xfrm>
+            <a:off x="2138558" y="2028465"/>
+            <a:ext cx="4937785" cy="3703339"/>
+          </a:xfrm>
+          <a:prstGeom prst="rect">
+            <a:avLst/>
+          </a:prstGeom>
+        </p:spPr>
+      </p:pic>
+    </p:spTree>
+    <p:extLst>
+      <p:ext uri="{BB962C8B-B14F-4D97-AF65-F5344CB8AC3E}">
+        <p14:creationId xmlns:p14="http://schemas.microsoft.com/office/powerpoint/2010/main" val="4188619226"/>
+      </p:ext>
+    </p:extLst>
+  </p:cSld>
+  <p:clrMapOvr>
+    <a:masterClrMapping/>
+  </p:clrMapOvr>
+  <mc:AlternateContent xmlns:mc="http://schemas.openxmlformats.org/markup-compatibility/2006">
+    <mc:Choice xmlns:p14="http://schemas.microsoft.com/office/powerpoint/2010/main" Requires="p14">
+      <p:transition spd="med" p14:dur="700">
+        <p:fade/>
+      </p:transition>
+    </mc:Choice>
+    <mc:Fallback>
+      <p:transition xmlns:p14="http://schemas.microsoft.com/office/powerpoint/2010/main" spd="med">
+        <p:fade/>
+      </p:transition>
+    </mc:Fallback>
+  </mc:AlternateContent>
+  <p:timing>
+    <p:tnLst>
+      <p:par>
+        <p:cTn xmlns:p14="http://schemas.microsoft.com/office/powerpoint/2010/main" id="1" dur="indefinite" restart="never" nodeType="tmRoot"/>
+      </p:par>
+    </p:tnLst>
+  </p:timing>
 </p:sld>
 </file>
 
@@ -5585,7 +8401,11 @@
           <a:bodyPr/>
           <a:lstStyle/>
           <a:p>
-            <a:endParaRPr lang="en-US"/>
+            <a:r>
+              <a:rPr lang="en-US" dirty="0" smtClean="0"/>
+              <a:t>Mobilizing Grievances</a:t>
+            </a:r>
+            <a:endParaRPr lang="en-US" dirty="0"/>
           </a:p>
         </p:txBody>
       </p:sp>
@@ -5604,19 +8424,44 @@
           <a:bodyPr/>
           <a:lstStyle/>
           <a:p>
-            <a:r>
-              <a:rPr lang="en-US" dirty="0" smtClean="0"/>
-              <a:t>Grievances are critical for emergence and participation</a:t>
-            </a:r>
-          </a:p>
-          <a:p>
-            <a:pPr lvl="1"/>
-            <a:r>
-              <a:rPr lang="en-US" dirty="0" smtClean="0"/>
-              <a:t>Deeply felt, shared grievances are most important driver for social movements</a:t>
-            </a:r>
-          </a:p>
-          <a:p>
+            <a:pPr marL="514350" indent="-514350">
+              <a:buFont typeface="+mj-lt"/>
+              <a:buAutoNum type="arabicPeriod"/>
+            </a:pPr>
+            <a:r>
+              <a:rPr lang="en-US" dirty="0" smtClean="0"/>
+              <a:t>Strong feelings</a:t>
+            </a:r>
+            <a:r>
+              <a:rPr lang="is-IS" dirty="0" smtClean="0"/>
+              <a:t>…</a:t>
+            </a:r>
+            <a:endParaRPr lang="en-US" dirty="0" smtClean="0"/>
+          </a:p>
+          <a:p>
+            <a:pPr marL="514350" indent="-514350">
+              <a:buFont typeface="+mj-lt"/>
+              <a:buAutoNum type="arabicPeriod"/>
+            </a:pPr>
+            <a:r>
+              <a:rPr lang="en-US" dirty="0" smtClean="0"/>
+              <a:t>shared amongst multiple actors (individuals or organizations)</a:t>
+            </a:r>
+            <a:r>
+              <a:rPr lang="is-IS" dirty="0" smtClean="0"/>
+              <a:t>…</a:t>
+            </a:r>
+            <a:endParaRPr lang="en-US" dirty="0" smtClean="0"/>
+          </a:p>
+          <a:p>
+            <a:pPr marL="514350" indent="-514350">
+              <a:buFont typeface="+mj-lt"/>
+              <a:buAutoNum type="arabicPeriod"/>
+            </a:pPr>
+            <a:r>
+              <a:rPr lang="en-US" dirty="0" smtClean="0"/>
+              <a:t>felt so strongly to warrant collective complaint and corrective, collective action</a:t>
+            </a:r>
             <a:endParaRPr lang="en-US" dirty="0"/>
           </a:p>
         </p:txBody>
@@ -5624,13 +8469,25 @@
     </p:spTree>
     <p:extLst>
       <p:ext uri="{BB962C8B-B14F-4D97-AF65-F5344CB8AC3E}">
-        <p14:creationId xmlns:p14="http://schemas.microsoft.com/office/powerpoint/2010/main" val="1501062807"/>
+        <p14:creationId xmlns:p14="http://schemas.microsoft.com/office/powerpoint/2010/main" val="1573047066"/>
       </p:ext>
     </p:extLst>
   </p:cSld>
   <p:clrMapOvr>
     <a:masterClrMapping/>
   </p:clrMapOvr>
+  <mc:AlternateContent xmlns:mc="http://schemas.openxmlformats.org/markup-compatibility/2006">
+    <mc:Choice xmlns:p14="http://schemas.microsoft.com/office/powerpoint/2010/main" Requires="p14">
+      <p:transition spd="med" p14:dur="700">
+        <p:fade/>
+      </p:transition>
+    </mc:Choice>
+    <mc:Fallback>
+      <p:transition xmlns:p14="http://schemas.microsoft.com/office/powerpoint/2010/main" spd="med">
+        <p:fade/>
+      </p:transition>
+    </mc:Fallback>
+  </mc:AlternateContent>
 </p:sld>
 </file>
 
@@ -5663,69 +8520,70 @@
         </p:nvSpPr>
         <p:spPr/>
         <p:txBody>
+          <a:bodyPr>
+            <a:normAutofit fontScale="90000"/>
+          </a:bodyPr>
+          <a:lstStyle/>
+          <a:p>
+            <a:r>
+              <a:rPr lang="en-US" dirty="0" smtClean="0"/>
+              <a:t>Older Incorrect Theories about Grievances</a:t>
+            </a:r>
+            <a:endParaRPr lang="en-US" dirty="0"/>
+          </a:p>
+        </p:txBody>
+      </p:sp>
+      <p:sp>
+        <p:nvSpPr>
+          <p:cNvPr id="3" name="Content Placeholder 2"/>
+          <p:cNvSpPr>
+            <a:spLocks noGrp="1"/>
+          </p:cNvSpPr>
+          <p:nvPr>
+            <p:ph sz="quarter" idx="1"/>
+          </p:nvPr>
+        </p:nvSpPr>
+        <p:spPr/>
+        <p:txBody>
           <a:bodyPr/>
           <a:lstStyle/>
           <a:p>
             <a:r>
-              <a:rPr lang="en-US" dirty="0" smtClean="0"/>
-              <a:t>Mobilizing Grievances</a:t>
-            </a:r>
-            <a:endParaRPr lang="en-US" dirty="0"/>
-          </a:p>
-        </p:txBody>
-      </p:sp>
-      <p:sp>
-        <p:nvSpPr>
-          <p:cNvPr id="3" name="Content Placeholder 2"/>
-          <p:cNvSpPr>
-            <a:spLocks noGrp="1"/>
-          </p:cNvSpPr>
-          <p:nvPr>
-            <p:ph sz="quarter" idx="1"/>
-          </p:nvPr>
-        </p:nvSpPr>
-        <p:spPr/>
-        <p:txBody>
-          <a:bodyPr/>
-          <a:lstStyle/>
-          <a:p>
-            <a:pPr marL="514350" indent="-514350">
-              <a:buFont typeface="+mj-lt"/>
-              <a:buAutoNum type="arabicPeriod"/>
-            </a:pPr>
-            <a:r>
-              <a:rPr lang="en-US" dirty="0" smtClean="0"/>
-              <a:t>Strong feelings</a:t>
-            </a:r>
-            <a:r>
-              <a:rPr lang="is-IS" dirty="0" smtClean="0"/>
-              <a:t>…</a:t>
+              <a:rPr lang="en-US" dirty="0"/>
+              <a:t>U</a:t>
+            </a:r>
+            <a:r>
+              <a:rPr lang="en-US" dirty="0" smtClean="0"/>
+              <a:t>biquitous, therefore inconsequential</a:t>
             </a:r>
             <a:endParaRPr lang="en-US" dirty="0" smtClean="0"/>
           </a:p>
           <a:p>
-            <a:pPr marL="514350" indent="-514350">
-              <a:buFont typeface="+mj-lt"/>
-              <a:buAutoNum type="arabicPeriod"/>
-            </a:pPr>
-            <a:r>
-              <a:rPr lang="en-US" dirty="0" smtClean="0"/>
-              <a:t>shared amongst multiple actors (individuals or organizations)</a:t>
-            </a:r>
-            <a:r>
-              <a:rPr lang="is-IS" dirty="0" smtClean="0"/>
-              <a:t>…</a:t>
-            </a:r>
-            <a:endParaRPr lang="en-US" dirty="0" smtClean="0"/>
-          </a:p>
-          <a:p>
-            <a:pPr marL="514350" indent="-514350">
-              <a:buFont typeface="+mj-lt"/>
-              <a:buAutoNum type="arabicPeriod"/>
-            </a:pPr>
-            <a:r>
-              <a:rPr lang="en-US" dirty="0" smtClean="0"/>
-              <a:t>felt so strongly to warrant collective complaint and corrective, collective action</a:t>
+            <a:r>
+              <a:rPr lang="en-US" dirty="0"/>
+              <a:t>R</a:t>
+            </a:r>
+            <a:r>
+              <a:rPr lang="en-US" dirty="0" smtClean="0"/>
+              <a:t>esult </a:t>
+            </a:r>
+            <a:r>
+              <a:rPr lang="en-US" dirty="0" smtClean="0"/>
+              <a:t>from objective structural or material conditions</a:t>
+            </a:r>
+          </a:p>
+          <a:p>
+            <a:r>
+              <a:rPr lang="en-US" dirty="0" smtClean="0"/>
+              <a:t>Result from </a:t>
+            </a:r>
+            <a:r>
+              <a:rPr lang="en-US" dirty="0" smtClean="0"/>
+              <a:t>heightened </a:t>
+            </a:r>
+            <a:r>
+              <a:rPr lang="en-US" dirty="0" smtClean="0"/>
+              <a:t>psychological states</a:t>
             </a:r>
             <a:endParaRPr lang="en-US" dirty="0"/>
           </a:p>
@@ -5734,13 +8592,25 @@
     </p:spTree>
     <p:extLst>
       <p:ext uri="{BB962C8B-B14F-4D97-AF65-F5344CB8AC3E}">
-        <p14:creationId xmlns:p14="http://schemas.microsoft.com/office/powerpoint/2010/main" val="1573047066"/>
+        <p14:creationId xmlns:p14="http://schemas.microsoft.com/office/powerpoint/2010/main" val="2508419788"/>
       </p:ext>
     </p:extLst>
   </p:cSld>
   <p:clrMapOvr>
     <a:masterClrMapping/>
   </p:clrMapOvr>
+  <mc:AlternateContent xmlns:mc="http://schemas.openxmlformats.org/markup-compatibility/2006">
+    <mc:Choice xmlns:p14="http://schemas.microsoft.com/office/powerpoint/2010/main" Requires="p14">
+      <p:transition spd="med" p14:dur="700">
+        <p:fade/>
+      </p:transition>
+    </mc:Choice>
+    <mc:Fallback>
+      <p:transition xmlns:p14="http://schemas.microsoft.com/office/powerpoint/2010/main" spd="med">
+        <p:fade/>
+      </p:transition>
+    </mc:Fallback>
+  </mc:AlternateContent>
 </p:sld>
 </file>
 
@@ -5780,7 +8650,7 @@
           <a:p>
             <a:r>
               <a:rPr lang="en-US" dirty="0" smtClean="0"/>
-              <a:t>Older Incorrect Theories about Grievances</a:t>
+              <a:t>Grievances as Ubiquitous and Irrelevant</a:t>
             </a:r>
             <a:endParaRPr lang="en-US" dirty="0"/>
           </a:p>
@@ -5798,48 +8668,58 @@
         </p:nvSpPr>
         <p:spPr/>
         <p:txBody>
-          <a:bodyPr/>
-          <a:lstStyle/>
-          <a:p>
-            <a:r>
-              <a:rPr lang="en-US" dirty="0" smtClean="0"/>
-              <a:t>Grievances are </a:t>
-            </a:r>
-            <a:r>
-              <a:rPr lang="en-US" dirty="0" smtClean="0"/>
-              <a:t>ubiquitous, therefore inconsequential</a:t>
-            </a:r>
+          <a:bodyPr>
+            <a:normAutofit/>
+          </a:bodyPr>
+          <a:lstStyle/>
+          <a:p>
+            <a:r>
+              <a:rPr lang="en-US" dirty="0" smtClean="0"/>
+              <a:t>“Grievances, much like weeds, flourish naturally and abundantly, irrespective of environmental context or social conditions.”</a:t>
+            </a:r>
+          </a:p>
+          <a:p>
             <a:endParaRPr lang="en-US" dirty="0" smtClean="0"/>
           </a:p>
           <a:p>
             <a:r>
               <a:rPr lang="en-US" dirty="0" smtClean="0"/>
-              <a:t>Grievances only result </a:t>
-            </a:r>
-            <a:r>
-              <a:rPr lang="en-US" dirty="0" smtClean="0"/>
-              <a:t>from objective structural or material conditions</a:t>
-            </a:r>
-          </a:p>
-          <a:p>
-            <a:r>
-              <a:rPr lang="en-US" dirty="0" smtClean="0"/>
-              <a:t>Grievances simply heightened psychological states</a:t>
-            </a:r>
-            <a:endParaRPr lang="en-US" dirty="0"/>
+              <a:t>Grievances omnipresent. “There is always enough discontent in any society to supply grassroots support for a movement</a:t>
+            </a:r>
+            <a:r>
+              <a:rPr lang="is-IS" dirty="0" smtClean="0"/>
+              <a:t>…</a:t>
+            </a:r>
+            <a:r>
+              <a:rPr lang="en-US" smtClean="0"/>
+              <a:t>"</a:t>
+            </a:r>
+            <a:endParaRPr lang="en-US" dirty="0" smtClean="0"/>
           </a:p>
         </p:txBody>
       </p:sp>
     </p:spTree>
     <p:extLst>
       <p:ext uri="{BB962C8B-B14F-4D97-AF65-F5344CB8AC3E}">
-        <p14:creationId xmlns:p14="http://schemas.microsoft.com/office/powerpoint/2010/main" val="2508419788"/>
+        <p14:creationId xmlns:p14="http://schemas.microsoft.com/office/powerpoint/2010/main" val="599199196"/>
       </p:ext>
     </p:extLst>
   </p:cSld>
   <p:clrMapOvr>
     <a:masterClrMapping/>
   </p:clrMapOvr>
+  <mc:AlternateContent xmlns:mc="http://schemas.openxmlformats.org/markup-compatibility/2006">
+    <mc:Choice xmlns:p14="http://schemas.microsoft.com/office/powerpoint/2010/main" Requires="p14">
+      <p:transition spd="med" p14:dur="700">
+        <p:fade/>
+      </p:transition>
+    </mc:Choice>
+    <mc:Fallback>
+      <p:transition xmlns:p14="http://schemas.microsoft.com/office/powerpoint/2010/main" spd="med">
+        <p:fade/>
+      </p:transition>
+    </mc:Fallback>
+  </mc:AlternateContent>
 </p:sld>
 </file>
 
@@ -5879,7 +8759,7 @@
           <a:p>
             <a:r>
               <a:rPr lang="en-US" dirty="0" smtClean="0"/>
-              <a:t>Grievances as Ubiquitous and Irrelevant</a:t>
+              <a:t>Problem with “Grievances as Ubiquitous” Argument</a:t>
             </a:r>
             <a:endParaRPr lang="en-US" dirty="0"/>
           </a:p>
@@ -5895,34 +8775,89 @@
             <p:ph sz="quarter" idx="1"/>
           </p:nvPr>
         </p:nvSpPr>
-        <p:spPr/>
+        <p:spPr>
+          <a:xfrm>
+            <a:off x="612648" y="1651000"/>
+            <a:ext cx="8153400" cy="4495800"/>
+          </a:xfrm>
+        </p:spPr>
         <p:txBody>
           <a:bodyPr>
-            <a:normAutofit/>
+            <a:normAutofit lnSpcReduction="10000"/>
           </a:bodyPr>
           <a:lstStyle/>
           <a:p>
             <a:r>
               <a:rPr lang="en-US" dirty="0" smtClean="0"/>
-              <a:t>“Grievances, much like weeds, flourish naturally and abundantly, irrespective of environmental context or social conditions.”</a:t>
-            </a:r>
-          </a:p>
-          <a:p>
+              <a:t>Conflates individual grievances and mobilizing grievances</a:t>
+            </a:r>
+          </a:p>
+          <a:p>
+            <a:pPr lvl="1"/>
+            <a:r>
+              <a:rPr lang="en-US" dirty="0" smtClean="0"/>
+              <a:t>Individual grievances:</a:t>
+            </a:r>
+          </a:p>
+          <a:p>
+            <a:pPr lvl="2"/>
+            <a:r>
+              <a:rPr lang="en-US" dirty="0" smtClean="0"/>
+              <a:t>Discontent or aggravation that is individually experienced</a:t>
+            </a:r>
+          </a:p>
+          <a:p>
+            <a:pPr lvl="2"/>
+            <a:r>
+              <a:rPr lang="en-US" dirty="0" smtClean="0"/>
+              <a:t>Not getting a raise, traffic, etc.</a:t>
+            </a:r>
+          </a:p>
+          <a:p>
+            <a:pPr lvl="2"/>
+            <a:r>
+              <a:rPr lang="en-US" i="1" dirty="0" smtClean="0">
+                <a:hlinkClick r:id="rId3"/>
+              </a:rPr>
+              <a:t>Falling Down</a:t>
+            </a:r>
+            <a:r>
+              <a:rPr lang="en-US" dirty="0" smtClean="0">
+                <a:hlinkClick r:id="rId3"/>
+              </a:rPr>
+              <a:t> (1993)</a:t>
+            </a:r>
+            <a:endParaRPr lang="en-US" dirty="0"/>
+          </a:p>
+          <a:p>
+            <a:pPr lvl="2"/>
             <a:endParaRPr lang="en-US" dirty="0" smtClean="0"/>
           </a:p>
           <a:p>
             <a:r>
               <a:rPr lang="en-US" dirty="0" smtClean="0"/>
-              <a:t>Grievances omnipresent. “There is always enough discontent in any society to supply grassroots support for a movement</a:t>
-            </a:r>
-            <a:r>
-              <a:rPr lang="is-IS" dirty="0" smtClean="0"/>
-              <a:t>…</a:t>
-            </a:r>
-            <a:r>
-              <a:rPr lang="en-US" smtClean="0"/>
-              <a:t>"</a:t>
-            </a:r>
+              <a:t>Individual grievances rarely </a:t>
+            </a:r>
+            <a:r>
+              <a:rPr lang="en-US" dirty="0"/>
+              <a:t>congeal into collectively shared (mobilizing) grievances that spur collective </a:t>
+            </a:r>
+            <a:r>
+              <a:rPr lang="en-US" dirty="0" smtClean="0"/>
+              <a:t>action, since movements </a:t>
+            </a:r>
+            <a:r>
+              <a:rPr lang="en-US" dirty="0" smtClean="0"/>
+              <a:t>aren't always active</a:t>
+            </a:r>
+            <a:endParaRPr lang="en-US" dirty="0"/>
+          </a:p>
+          <a:p>
+            <a:pPr lvl="1"/>
+            <a:endParaRPr lang="en-US" dirty="0" smtClean="0"/>
+          </a:p>
+          <a:p>
+            <a:pPr lvl="2"/>
             <a:endParaRPr lang="en-US" dirty="0" smtClean="0"/>
           </a:p>
         </p:txBody>
@@ -5930,13 +8865,25 @@
     </p:spTree>
     <p:extLst>
       <p:ext uri="{BB962C8B-B14F-4D97-AF65-F5344CB8AC3E}">
-        <p14:creationId xmlns:p14="http://schemas.microsoft.com/office/powerpoint/2010/main" val="599199196"/>
+        <p14:creationId xmlns:p14="http://schemas.microsoft.com/office/powerpoint/2010/main" val="1476798195"/>
       </p:ext>
     </p:extLst>
   </p:cSld>
   <p:clrMapOvr>
     <a:masterClrMapping/>
   </p:clrMapOvr>
+  <mc:AlternateContent xmlns:mc="http://schemas.openxmlformats.org/markup-compatibility/2006">
+    <mc:Choice xmlns:p14="http://schemas.microsoft.com/office/powerpoint/2010/main" Requires="p14">
+      <p:transition spd="med" p14:dur="700">
+        <p:fade/>
+      </p:transition>
+    </mc:Choice>
+    <mc:Fallback>
+      <p:transition xmlns:p14="http://schemas.microsoft.com/office/powerpoint/2010/main" spd="med">
+        <p:fade/>
+      </p:transition>
+    </mc:Fallback>
+  </mc:AlternateContent>
 </p:sld>
 </file>
 
@@ -5975,123 +8922,96 @@
           <a:lstStyle/>
           <a:p>
             <a:r>
-              <a:rPr lang="en-US" dirty="0" smtClean="0"/>
-              <a:t>Problem with “Grievances as Ubiquitous” Argument</a:t>
+              <a:rPr lang="en-US" dirty="0"/>
+              <a:t>Grievances as Function of Objective Structural or Material Conditions</a:t>
+            </a:r>
+          </a:p>
+        </p:txBody>
+      </p:sp>
+      <p:sp>
+        <p:nvSpPr>
+          <p:cNvPr id="3" name="Content Placeholder 2"/>
+          <p:cNvSpPr>
+            <a:spLocks noGrp="1"/>
+          </p:cNvSpPr>
+          <p:nvPr>
+            <p:ph sz="quarter" idx="1"/>
+          </p:nvPr>
+        </p:nvSpPr>
+        <p:spPr/>
+        <p:txBody>
+          <a:bodyPr/>
+          <a:lstStyle/>
+          <a:p>
+            <a:r>
+              <a:rPr lang="en-US" dirty="0" smtClean="0"/>
+              <a:t>Grievances result from two kinds of structural or material conditions:</a:t>
+            </a:r>
+          </a:p>
+          <a:p>
+            <a:pPr lvl="1"/>
+            <a:r>
+              <a:rPr lang="en-US" dirty="0" smtClean="0"/>
+              <a:t>Inequality/Group Conflict</a:t>
+            </a:r>
+          </a:p>
+          <a:p>
+            <a:pPr lvl="2"/>
+            <a:r>
+              <a:rPr lang="en-US" dirty="0" smtClean="0"/>
+              <a:t>Social arrangements that places certain social groups in antagonistic relations with one another</a:t>
+            </a:r>
+          </a:p>
+          <a:p>
+            <a:pPr lvl="1"/>
+            <a:r>
+              <a:rPr lang="en-US" dirty="0" smtClean="0"/>
+              <a:t>Strain</a:t>
+            </a:r>
+          </a:p>
+          <a:p>
+            <a:pPr lvl="2"/>
+            <a:r>
+              <a:rPr lang="en-US" dirty="0" smtClean="0"/>
+              <a:t>Changes/trends that alter existing social arrangements and patterns of social </a:t>
+            </a:r>
+            <a:r>
+              <a:rPr lang="en-US" dirty="0" smtClean="0"/>
+              <a:t>life</a:t>
+            </a:r>
+          </a:p>
+          <a:p>
+            <a:pPr lvl="3"/>
+            <a:r>
+              <a:rPr lang="en-US" dirty="0" smtClean="0"/>
+              <a:t>Disintegration, Absolute Deprivation, Quotidian Disruption</a:t>
             </a:r>
             <a:endParaRPr lang="en-US" dirty="0"/>
-          </a:p>
-        </p:txBody>
-      </p:sp>
-      <p:sp>
-        <p:nvSpPr>
-          <p:cNvPr id="3" name="Content Placeholder 2"/>
-          <p:cNvSpPr>
-            <a:spLocks noGrp="1"/>
-          </p:cNvSpPr>
-          <p:nvPr>
-            <p:ph sz="quarter" idx="1"/>
-          </p:nvPr>
-        </p:nvSpPr>
-        <p:spPr>
-          <a:xfrm>
-            <a:off x="612648" y="1651000"/>
-            <a:ext cx="8153400" cy="4495800"/>
-          </a:xfrm>
-        </p:spPr>
-        <p:txBody>
-          <a:bodyPr>
-            <a:normAutofit fontScale="92500" lnSpcReduction="10000"/>
-          </a:bodyPr>
-          <a:lstStyle/>
-          <a:p>
-            <a:r>
-              <a:rPr lang="en-US" dirty="0" smtClean="0"/>
-              <a:t>Conflates individual grievances and mobilizing grievances</a:t>
-            </a:r>
-          </a:p>
-          <a:p>
-            <a:pPr lvl="1"/>
-            <a:r>
-              <a:rPr lang="en-US" dirty="0" smtClean="0"/>
-              <a:t>Individual grievances:</a:t>
-            </a:r>
-          </a:p>
-          <a:p>
-            <a:pPr lvl="2"/>
-            <a:r>
-              <a:rPr lang="en-US" dirty="0" smtClean="0"/>
-              <a:t>Discontent or aggravation that is individually experienced</a:t>
-            </a:r>
-          </a:p>
-          <a:p>
-            <a:pPr lvl="2"/>
-            <a:r>
-              <a:rPr lang="en-US" dirty="0" smtClean="0"/>
-              <a:t>Not getting a raise, traffic, etc.</a:t>
-            </a:r>
-          </a:p>
-          <a:p>
-            <a:pPr lvl="2"/>
-            <a:r>
-              <a:rPr lang="en-US" i="1" dirty="0" smtClean="0">
-                <a:hlinkClick r:id="rId3"/>
-              </a:rPr>
-              <a:t>Falling Down</a:t>
-            </a:r>
-            <a:r>
-              <a:rPr lang="en-US" dirty="0" smtClean="0">
-                <a:hlinkClick r:id="rId3"/>
-              </a:rPr>
-              <a:t> (1993)</a:t>
-            </a:r>
-            <a:endParaRPr lang="en-US" dirty="0"/>
-          </a:p>
-          <a:p>
-            <a:pPr lvl="2"/>
-            <a:endParaRPr lang="en-US" dirty="0" smtClean="0"/>
-          </a:p>
-          <a:p>
-            <a:r>
-              <a:rPr lang="en-US" dirty="0" smtClean="0"/>
-              <a:t>Individual grievances rarely </a:t>
-            </a:r>
-            <a:r>
-              <a:rPr lang="en-US" dirty="0"/>
-              <a:t>congeal into collectively shared (mobilizing) grievances that spur collective </a:t>
-            </a:r>
-            <a:r>
-              <a:rPr lang="en-US" dirty="0" smtClean="0"/>
-              <a:t>action</a:t>
-            </a:r>
-          </a:p>
-          <a:p>
-            <a:pPr lvl="1"/>
-            <a:r>
-              <a:rPr lang="en-US" dirty="0" smtClean="0"/>
-              <a:t>Movements aren't always active</a:t>
-            </a:r>
-            <a:endParaRPr lang="en-US" dirty="0"/>
-          </a:p>
-          <a:p>
-            <a:pPr lvl="1"/>
-            <a:endParaRPr lang="en-US" dirty="0" smtClean="0"/>
-          </a:p>
-          <a:p>
-            <a:pPr lvl="2"/>
-            <a:endParaRPr lang="en-US" dirty="0" smtClean="0"/>
           </a:p>
         </p:txBody>
       </p:sp>
     </p:spTree>
     <p:extLst>
       <p:ext uri="{BB962C8B-B14F-4D97-AF65-F5344CB8AC3E}">
-        <p14:creationId xmlns:p14="http://schemas.microsoft.com/office/powerpoint/2010/main" val="1476798195"/>
+        <p14:creationId xmlns:p14="http://schemas.microsoft.com/office/powerpoint/2010/main" val="2395594713"/>
       </p:ext>
     </p:extLst>
   </p:cSld>
   <p:clrMapOvr>
     <a:masterClrMapping/>
   </p:clrMapOvr>
+  <mc:AlternateContent xmlns:mc="http://schemas.openxmlformats.org/markup-compatibility/2006">
+    <mc:Choice xmlns:p14="http://schemas.microsoft.com/office/powerpoint/2010/main" Requires="p14">
+      <p:transition spd="med" p14:dur="700">
+        <p:fade/>
+      </p:transition>
+    </mc:Choice>
+    <mc:Fallback>
+      <p:transition xmlns:p14="http://schemas.microsoft.com/office/powerpoint/2010/main" spd="med">
+        <p:fade/>
+      </p:transition>
+    </mc:Fallback>
+  </mc:AlternateContent>
 </p:sld>
 </file>
 
@@ -6130,9 +9050,10 @@
           <a:lstStyle/>
           <a:p>
             <a:r>
-              <a:rPr lang="en-US" dirty="0"/>
+              <a:rPr lang="en-US" dirty="0" smtClean="0"/>
               <a:t>Grievances as Function of Objective Structural or Material Conditions</a:t>
             </a:r>
+            <a:endParaRPr lang="en-US" dirty="0"/>
           </a:p>
         </p:txBody>
       </p:sp>
@@ -6153,61 +9074,44 @@
           <a:p>
             <a:r>
               <a:rPr lang="en-US" dirty="0" smtClean="0"/>
-              <a:t>Grievances result from two kinds of structural or material conditions:</a:t>
+              <a:t>Inequality/Group Conflict</a:t>
             </a:r>
           </a:p>
           <a:p>
             <a:pPr lvl="1"/>
             <a:r>
               <a:rPr lang="en-US" dirty="0" smtClean="0"/>
-              <a:t>Inequality/Group Conflict</a:t>
-            </a:r>
-          </a:p>
-          <a:p>
-            <a:pPr lvl="2"/>
-            <a:r>
-              <a:rPr lang="en-US" dirty="0" smtClean="0"/>
-              <a:t>Social arrangements that places certain social groups in antagonistic relations with one another</a:t>
+              <a:t>Grievances generated by unequal distribution of rewards (money, status, power) and opportunities</a:t>
             </a:r>
           </a:p>
           <a:p>
             <a:pPr lvl="1"/>
-            <a:r>
-              <a:rPr lang="en-US" dirty="0" smtClean="0"/>
-              <a:t>Strain</a:t>
-            </a:r>
-          </a:p>
-          <a:p>
-            <a:pPr lvl="2"/>
-            <a:r>
-              <a:rPr lang="en-US" dirty="0" smtClean="0"/>
-              <a:t>Changes/trends that alter existing social arrangements and patterns of social </a:t>
-            </a:r>
-            <a:r>
-              <a:rPr lang="en-US" dirty="0" smtClean="0"/>
-              <a:t>life</a:t>
-            </a:r>
-          </a:p>
-          <a:p>
-            <a:pPr lvl="3"/>
-            <a:r>
-              <a:rPr lang="en-US" dirty="0" smtClean="0"/>
-              <a:t>Disintegration, Absolute Deprivation, Quotidian Disruption</a:t>
-            </a:r>
-            <a:endParaRPr lang="en-US" dirty="0"/>
+            <a:endParaRPr lang="en-US" dirty="0" smtClean="0"/>
           </a:p>
         </p:txBody>
       </p:sp>
     </p:spTree>
     <p:extLst>
       <p:ext uri="{BB962C8B-B14F-4D97-AF65-F5344CB8AC3E}">
-        <p14:creationId xmlns:p14="http://schemas.microsoft.com/office/powerpoint/2010/main" val="2395594713"/>
+        <p14:creationId xmlns:p14="http://schemas.microsoft.com/office/powerpoint/2010/main" val="3293979405"/>
       </p:ext>
     </p:extLst>
   </p:cSld>
   <p:clrMapOvr>
     <a:masterClrMapping/>
   </p:clrMapOvr>
+  <mc:AlternateContent xmlns:mc="http://schemas.openxmlformats.org/markup-compatibility/2006">
+    <mc:Choice xmlns:p14="http://schemas.microsoft.com/office/powerpoint/2010/main" Requires="p14">
+      <p:transition spd="med" p14:dur="700">
+        <p:fade/>
+      </p:transition>
+    </mc:Choice>
+    <mc:Fallback>
+      <p:transition xmlns:p14="http://schemas.microsoft.com/office/powerpoint/2010/main" spd="med">
+        <p:fade/>
+      </p:transition>
+    </mc:Fallback>
+  </mc:AlternateContent>
 </p:sld>
 </file>
 
@@ -6241,15 +9145,23 @@
         <p:spPr/>
         <p:txBody>
           <a:bodyPr>
-            <a:normAutofit fontScale="90000"/>
+            <a:noAutofit/>
           </a:bodyPr>
           <a:lstStyle/>
           <a:p>
             <a:r>
-              <a:rPr lang="en-US" dirty="0" smtClean="0"/>
-              <a:t>Grievances as Function of Objective Structural or Material Conditions</a:t>
-            </a:r>
-            <a:endParaRPr lang="en-US" dirty="0"/>
+              <a:rPr lang="en-US" sz="3600" dirty="0" smtClean="0"/>
+              <a:t>Problem with </a:t>
+            </a:r>
+            <a:r>
+              <a:rPr lang="en-US" sz="3600" dirty="0" smtClean="0"/>
+              <a:t>“Inequality” </a:t>
+            </a:r>
+            <a:r>
+              <a:rPr lang="en-US" sz="3600" dirty="0" smtClean="0"/>
+              <a:t>Argument</a:t>
+            </a:r>
+            <a:endParaRPr lang="en-US" sz="3600" dirty="0"/>
           </a:p>
         </p:txBody>
       </p:sp>
@@ -6270,32 +9182,62 @@
           <a:p>
             <a:r>
               <a:rPr lang="en-US" dirty="0" smtClean="0"/>
-              <a:t>Inequality/Group Conflict</a:t>
-            </a:r>
-          </a:p>
-          <a:p>
-            <a:pPr lvl="1"/>
-            <a:r>
-              <a:rPr lang="en-US" dirty="0" smtClean="0"/>
-              <a:t>Grievances generated by unequal distribution of rewards (money, status, power) and opportunities</a:t>
-            </a:r>
-          </a:p>
-          <a:p>
-            <a:pPr lvl="1"/>
+              <a:t>Groups </a:t>
+            </a:r>
+            <a:r>
+              <a:rPr lang="en-US" dirty="0" smtClean="0"/>
+              <a:t>are hierarchically situated in </a:t>
+            </a:r>
+            <a:r>
+              <a:rPr lang="en-US" dirty="0"/>
+              <a:t>the social </a:t>
+            </a:r>
+            <a:r>
+              <a:rPr lang="en-US" dirty="0" smtClean="0"/>
+              <a:t>system, yet </a:t>
+            </a:r>
+            <a:r>
+              <a:rPr lang="en-US" dirty="0"/>
+              <a:t>conflicts (over the distribution of resources, rewards, opportunity) </a:t>
+            </a:r>
+            <a:r>
+              <a:rPr lang="en-US" dirty="0" smtClean="0"/>
+              <a:t>don’t always materialize</a:t>
+            </a:r>
+          </a:p>
+          <a:p>
             <a:endParaRPr lang="en-US" dirty="0" smtClean="0"/>
+          </a:p>
+          <a:p>
+            <a:r>
+              <a:rPr lang="en-US" dirty="0" smtClean="0"/>
+              <a:t>If conflicts do arise, doesn’t always translate into mobilizing grievances</a:t>
+            </a:r>
           </a:p>
         </p:txBody>
       </p:sp>
     </p:spTree>
     <p:extLst>
       <p:ext uri="{BB962C8B-B14F-4D97-AF65-F5344CB8AC3E}">
-        <p14:creationId xmlns:p14="http://schemas.microsoft.com/office/powerpoint/2010/main" val="3293979405"/>
+        <p14:creationId xmlns:p14="http://schemas.microsoft.com/office/powerpoint/2010/main" val="1954083259"/>
       </p:ext>
     </p:extLst>
   </p:cSld>
   <p:clrMapOvr>
     <a:masterClrMapping/>
   </p:clrMapOvr>
+  <mc:AlternateContent xmlns:mc="http://schemas.openxmlformats.org/markup-compatibility/2006">
+    <mc:Choice xmlns:p14="http://schemas.microsoft.com/office/powerpoint/2010/main" Requires="p14">
+      <p:transition spd="med" p14:dur="700">
+        <p:fade/>
+      </p:transition>
+    </mc:Choice>
+    <mc:Fallback>
+      <p:transition xmlns:p14="http://schemas.microsoft.com/office/powerpoint/2010/main" spd="med">
+        <p:fade/>
+      </p:transition>
+    </mc:Fallback>
+  </mc:AlternateContent>
 </p:sld>
 </file>
 

--- a/ppts/Chapter 2 Slides.pptx
+++ b/ppts/Chapter 2 Slides.pptx
@@ -2,7 +2,7 @@
 <file path=ppt/presentation.xml><?xml version="1.0" encoding="utf-8"?>
 <p:presentation xmlns:a="http://schemas.openxmlformats.org/drawingml/2006/main" xmlns:r="http://schemas.openxmlformats.org/officeDocument/2006/relationships" xmlns:p="http://schemas.openxmlformats.org/presentationml/2006/main" saveSubsetFonts="1" autoCompressPictures="0">
   <p:sldMasterIdLst>
-    <p:sldMasterId id="2147483660" r:id="rId1"/>
+    <p:sldMasterId id="2147483672" r:id="rId1"/>
   </p:sldMasterIdLst>
   <p:notesMasterIdLst>
     <p:notesMasterId r:id="rId30"/>
@@ -37,7 +37,7 @@
     <p:sldId id="278" r:id="rId28"/>
     <p:sldId id="279" r:id="rId29"/>
   </p:sldIdLst>
-  <p:sldSz cx="9144000" cy="6858000" type="screen4x3"/>
+  <p:sldSz cx="12192000" cy="6858000"/>
   <p:notesSz cx="6858000" cy="9144000"/>
   <p:defaultTextStyle>
     <a:defPPr>
@@ -136,13 +136,13 @@
   </p:defaultTextStyle>
   <p:extLst>
     <p:ext uri="{EFAFB233-063F-42B5-8137-9DF3F51BA10A}">
-      <p15:sldGuideLst xmlns:p15="http://schemas.microsoft.com/office/powerpoint/2012/main" xmlns="">
-        <p15:guide id="1" orient="horz" pos="2160">
+      <p15:sldGuideLst xmlns:p15="http://schemas.microsoft.com/office/powerpoint/2012/main">
+        <p15:guide id="1" orient="horz" pos="2160" userDrawn="1">
           <p15:clr>
             <a:srgbClr val="A4A3A4"/>
           </p15:clr>
         </p15:guide>
-        <p15:guide id="2" pos="2880">
+        <p15:guide id="2" pos="3840" userDrawn="1">
           <p15:clr>
             <a:srgbClr val="A4A3A4"/>
           </p15:clr>
@@ -235,7 +235,7 @@
           <a:p>
             <a:fld id="{A875C063-02D5-2B46-9C85-346D4D5535FE}" type="datetimeFigureOut">
               <a:rPr lang="en-US" smtClean="0"/>
-              <a:t>9/12/16</a:t>
+              <a:t>8/17/17</a:t>
             </a:fld>
             <a:endParaRPr lang="en-US"/>
           </a:p>
@@ -253,8 +253,8 @@
         </p:nvSpPr>
         <p:spPr>
           <a:xfrm>
-            <a:off x="1143000" y="685800"/>
-            <a:ext cx="4572000" cy="3429000"/>
+            <a:off x="381000" y="685800"/>
+            <a:ext cx="6096000" cy="3429000"/>
           </a:xfrm>
           <a:prstGeom prst="rect">
             <a:avLst/>
@@ -530,7 +530,12 @@
             <p:ph type="sldImg"/>
           </p:nvPr>
         </p:nvSpPr>
-        <p:spPr/>
+        <p:spPr>
+          <a:xfrm>
+            <a:off x="381000" y="685800"/>
+            <a:ext cx="6096000" cy="3429000"/>
+          </a:xfrm>
+        </p:spPr>
       </p:sp>
       <p:sp>
         <p:nvSpPr>
@@ -626,7 +631,12 @@
             <p:ph type="sldImg"/>
           </p:nvPr>
         </p:nvSpPr>
-        <p:spPr/>
+        <p:spPr>
+          <a:xfrm>
+            <a:off x="381000" y="685800"/>
+            <a:ext cx="6096000" cy="3429000"/>
+          </a:xfrm>
+        </p:spPr>
       </p:sp>
       <p:sp>
         <p:nvSpPr>
@@ -710,7 +720,12 @@
             <p:ph type="sldImg"/>
           </p:nvPr>
         </p:nvSpPr>
-        <p:spPr/>
+        <p:spPr>
+          <a:xfrm>
+            <a:off x="381000" y="685800"/>
+            <a:ext cx="6096000" cy="3429000"/>
+          </a:xfrm>
+        </p:spPr>
       </p:sp>
       <p:sp>
         <p:nvSpPr>
@@ -794,7 +809,12 @@
             <p:ph type="sldImg"/>
           </p:nvPr>
         </p:nvSpPr>
-        <p:spPr/>
+        <p:spPr>
+          <a:xfrm>
+            <a:off x="381000" y="685800"/>
+            <a:ext cx="6096000" cy="3429000"/>
+          </a:xfrm>
+        </p:spPr>
       </p:sp>
       <p:sp>
         <p:nvSpPr>
@@ -878,7 +898,12 @@
             <p:ph type="sldImg"/>
           </p:nvPr>
         </p:nvSpPr>
-        <p:spPr/>
+        <p:spPr>
+          <a:xfrm>
+            <a:off x="381000" y="685800"/>
+            <a:ext cx="6096000" cy="3429000"/>
+          </a:xfrm>
+        </p:spPr>
       </p:sp>
       <p:sp>
         <p:nvSpPr>
@@ -985,7 +1010,12 @@
             <p:ph type="sldImg"/>
           </p:nvPr>
         </p:nvSpPr>
-        <p:spPr/>
+        <p:spPr>
+          <a:xfrm>
+            <a:off x="381000" y="685800"/>
+            <a:ext cx="6096000" cy="3429000"/>
+          </a:xfrm>
+        </p:spPr>
       </p:sp>
       <p:sp>
         <p:nvSpPr>
@@ -1077,7 +1107,12 @@
             <p:ph type="sldImg"/>
           </p:nvPr>
         </p:nvSpPr>
-        <p:spPr/>
+        <p:spPr>
+          <a:xfrm>
+            <a:off x="381000" y="685800"/>
+            <a:ext cx="6096000" cy="3429000"/>
+          </a:xfrm>
+        </p:spPr>
       </p:sp>
       <p:sp>
         <p:nvSpPr>
@@ -1169,7 +1204,12 @@
             <p:ph type="sldImg"/>
           </p:nvPr>
         </p:nvSpPr>
-        <p:spPr/>
+        <p:spPr>
+          <a:xfrm>
+            <a:off x="381000" y="685800"/>
+            <a:ext cx="6096000" cy="3429000"/>
+          </a:xfrm>
+        </p:spPr>
       </p:sp>
       <p:sp>
         <p:nvSpPr>
@@ -1270,7 +1310,12 @@
             <p:ph type="sldImg"/>
           </p:nvPr>
         </p:nvSpPr>
-        <p:spPr/>
+        <p:spPr>
+          <a:xfrm>
+            <a:off x="381000" y="685800"/>
+            <a:ext cx="6096000" cy="3429000"/>
+          </a:xfrm>
+        </p:spPr>
       </p:sp>
       <p:sp>
         <p:nvSpPr>
@@ -1371,7 +1416,12 @@
             <p:ph type="sldImg"/>
           </p:nvPr>
         </p:nvSpPr>
-        <p:spPr/>
+        <p:spPr>
+          <a:xfrm>
+            <a:off x="381000" y="685800"/>
+            <a:ext cx="6096000" cy="3429000"/>
+          </a:xfrm>
+        </p:spPr>
       </p:sp>
       <p:sp>
         <p:nvSpPr>
@@ -1482,7 +1532,12 @@
             <p:ph type="sldImg"/>
           </p:nvPr>
         </p:nvSpPr>
-        <p:spPr/>
+        <p:spPr>
+          <a:xfrm>
+            <a:off x="381000" y="685800"/>
+            <a:ext cx="6096000" cy="3429000"/>
+          </a:xfrm>
+        </p:spPr>
       </p:sp>
       <p:sp>
         <p:nvSpPr>
@@ -1597,7 +1652,12 @@
             <p:ph type="sldImg"/>
           </p:nvPr>
         </p:nvSpPr>
-        <p:spPr/>
+        <p:spPr>
+          <a:xfrm>
+            <a:off x="381000" y="685800"/>
+            <a:ext cx="6096000" cy="3429000"/>
+          </a:xfrm>
+        </p:spPr>
       </p:sp>
       <p:sp>
         <p:nvSpPr>
@@ -1704,7 +1764,12 @@
             <p:ph type="sldImg"/>
           </p:nvPr>
         </p:nvSpPr>
-        <p:spPr/>
+        <p:spPr>
+          <a:xfrm>
+            <a:off x="381000" y="685800"/>
+            <a:ext cx="6096000" cy="3429000"/>
+          </a:xfrm>
+        </p:spPr>
       </p:sp>
       <p:sp>
         <p:nvSpPr>
@@ -1802,7 +1867,12 @@
             <p:ph type="sldImg"/>
           </p:nvPr>
         </p:nvSpPr>
-        <p:spPr/>
+        <p:spPr>
+          <a:xfrm>
+            <a:off x="381000" y="685800"/>
+            <a:ext cx="6096000" cy="3429000"/>
+          </a:xfrm>
+        </p:spPr>
       </p:sp>
       <p:sp>
         <p:nvSpPr>
@@ -1894,7 +1964,12 @@
             <p:ph type="sldImg"/>
           </p:nvPr>
         </p:nvSpPr>
-        <p:spPr/>
+        <p:spPr>
+          <a:xfrm>
+            <a:off x="381000" y="685800"/>
+            <a:ext cx="6096000" cy="3429000"/>
+          </a:xfrm>
+        </p:spPr>
       </p:sp>
       <p:sp>
         <p:nvSpPr>
@@ -2001,7 +2076,12 @@
             <p:ph type="sldImg"/>
           </p:nvPr>
         </p:nvSpPr>
-        <p:spPr/>
+        <p:spPr>
+          <a:xfrm>
+            <a:off x="381000" y="685800"/>
+            <a:ext cx="6096000" cy="3429000"/>
+          </a:xfrm>
+        </p:spPr>
       </p:sp>
       <p:sp>
         <p:nvSpPr>
@@ -2093,7 +2173,12 @@
             <p:ph type="sldImg"/>
           </p:nvPr>
         </p:nvSpPr>
-        <p:spPr/>
+        <p:spPr>
+          <a:xfrm>
+            <a:off x="381000" y="685800"/>
+            <a:ext cx="6096000" cy="3429000"/>
+          </a:xfrm>
+        </p:spPr>
       </p:sp>
       <p:sp>
         <p:nvSpPr>
@@ -2185,7 +2270,12 @@
             <p:ph type="sldImg"/>
           </p:nvPr>
         </p:nvSpPr>
-        <p:spPr/>
+        <p:spPr>
+          <a:xfrm>
+            <a:off x="381000" y="685800"/>
+            <a:ext cx="6096000" cy="3429000"/>
+          </a:xfrm>
+        </p:spPr>
       </p:sp>
       <p:sp>
         <p:nvSpPr>
@@ -2285,7 +2375,12 @@
             <p:ph type="sldImg"/>
           </p:nvPr>
         </p:nvSpPr>
-        <p:spPr/>
+        <p:spPr>
+          <a:xfrm>
+            <a:off x="381000" y="685800"/>
+            <a:ext cx="6096000" cy="3429000"/>
+          </a:xfrm>
+        </p:spPr>
       </p:sp>
       <p:sp>
         <p:nvSpPr>
@@ -2361,14 +2456,14 @@
       </p:grpSpPr>
       <p:sp>
         <p:nvSpPr>
-          <p:cNvPr id="7" name="Rectangle 6"/>
+          <p:cNvPr id="4" name="Rectangle 6"/>
           <p:cNvSpPr/>
           <p:nvPr/>
         </p:nvSpPr>
         <p:spPr bwMode="white">
           <a:xfrm>
-            <a:off x="0" y="5971032"/>
-            <a:ext cx="9144000" cy="886968"/>
+            <a:off x="0" y="5970588"/>
+            <a:ext cx="12192000" cy="887412"/>
           </a:xfrm>
           <a:prstGeom prst="rect">
             <a:avLst/>
@@ -2400,21 +2495,29 @@
           <a:bodyPr anchor="ctr"/>
           <a:lstStyle/>
           <a:p>
-            <a:pPr algn="ctr" eaLnBrk="1" latinLnBrk="0" hangingPunct="1"/>
-            <a:endParaRPr kumimoji="0" lang="en-US"/>
-          </a:p>
-        </p:txBody>
-      </p:sp>
-      <p:sp>
-        <p:nvSpPr>
-          <p:cNvPr id="10" name="Rectangle 9"/>
+            <a:pPr algn="ctr" fontAlgn="auto">
+              <a:spcBef>
+                <a:spcPts val="0"/>
+              </a:spcBef>
+              <a:spcAft>
+                <a:spcPts val="0"/>
+              </a:spcAft>
+              <a:defRPr/>
+            </a:pPr>
+            <a:endParaRPr lang="en-US" sz="1350" dirty="0"/>
+          </a:p>
+        </p:txBody>
+      </p:sp>
+      <p:sp>
+        <p:nvSpPr>
+          <p:cNvPr id="5" name="Rectangle 9"/>
           <p:cNvSpPr/>
           <p:nvPr/>
         </p:nvSpPr>
         <p:spPr>
           <a:xfrm>
-            <a:off x="-9144" y="6053328"/>
-            <a:ext cx="2249424" cy="713232"/>
+            <a:off x="-12700" y="6053141"/>
+            <a:ext cx="2999317" cy="712787"/>
           </a:xfrm>
           <a:prstGeom prst="rect">
             <a:avLst/>
@@ -2448,21 +2551,32 @@
           <a:bodyPr anchor="ctr"/>
           <a:lstStyle/>
           <a:p>
-            <a:pPr algn="ctr" eaLnBrk="1" latinLnBrk="0" hangingPunct="1"/>
-            <a:endParaRPr kumimoji="0" lang="en-US"/>
-          </a:p>
-        </p:txBody>
-      </p:sp>
-      <p:sp>
-        <p:nvSpPr>
-          <p:cNvPr id="11" name="Rectangle 10"/>
+            <a:pPr algn="ctr" fontAlgn="auto">
+              <a:spcBef>
+                <a:spcPts val="0"/>
+              </a:spcBef>
+              <a:spcAft>
+                <a:spcPts val="0"/>
+              </a:spcAft>
+              <a:defRPr/>
+            </a:pPr>
+            <a:endParaRPr lang="en-US" sz="1350" dirty="0">
+              <a:latin typeface="Myriad Pro"/>
+              <a:cs typeface="Myriad Pro"/>
+            </a:endParaRPr>
+          </a:p>
+        </p:txBody>
+      </p:sp>
+      <p:sp>
+        <p:nvSpPr>
+          <p:cNvPr id="6" name="Rectangle 10"/>
           <p:cNvSpPr/>
           <p:nvPr/>
         </p:nvSpPr>
         <p:spPr>
           <a:xfrm>
-            <a:off x="2359152" y="6044184"/>
-            <a:ext cx="6784848" cy="713232"/>
+            <a:off x="3145369" y="6043616"/>
+            <a:ext cx="9046633" cy="714375"/>
           </a:xfrm>
           <a:prstGeom prst="rect">
             <a:avLst/>
@@ -2496,8 +2610,16 @@
           <a:bodyPr anchor="ctr"/>
           <a:lstStyle/>
           <a:p>
-            <a:pPr algn="ctr" eaLnBrk="1" latinLnBrk="0" hangingPunct="1"/>
-            <a:endParaRPr kumimoji="0" lang="en-US"/>
+            <a:pPr algn="ctr" fontAlgn="auto">
+              <a:spcBef>
+                <a:spcPts val="0"/>
+              </a:spcBef>
+              <a:spcAft>
+                <a:spcPts val="0"/>
+              </a:spcAft>
+              <a:defRPr/>
+            </a:pPr>
+            <a:endParaRPr lang="en-US" sz="1350" dirty="0"/>
           </a:p>
         </p:txBody>
       </p:sp>
@@ -2513,23 +2635,23 @@
         </p:nvSpPr>
         <p:spPr>
           <a:xfrm>
-            <a:off x="305210" y="4038600"/>
-            <a:ext cx="8533990" cy="1828800"/>
+            <a:off x="3149600" y="4038600"/>
+            <a:ext cx="8636000" cy="1828800"/>
           </a:xfrm>
         </p:spPr>
         <p:txBody>
           <a:bodyPr anchor="b"/>
           <a:lstStyle>
-            <a:lvl1pPr algn="ctr">
+            <a:lvl1pPr>
               <a:defRPr cap="all" baseline="0"/>
             </a:lvl1pPr>
           </a:lstStyle>
           <a:p>
             <a:r>
-              <a:rPr kumimoji="0" lang="en-US" smtClean="0"/>
+              <a:rPr lang="en-US" smtClean="0"/>
               <a:t>Click to edit Master title style</a:t>
             </a:r>
-            <a:endParaRPr kumimoji="0" lang="en-US" dirty="0"/>
+            <a:endParaRPr lang="en-US" dirty="0"/>
           </a:p>
         </p:txBody>
       </p:sp>
@@ -2545,8 +2667,8 @@
         </p:nvSpPr>
         <p:spPr>
           <a:xfrm>
-            <a:off x="2362200" y="6050037"/>
-            <a:ext cx="6705600" cy="685800"/>
+            <a:off x="3149600" y="6050037"/>
+            <a:ext cx="8940800" cy="685800"/>
           </a:xfrm>
         </p:spPr>
         <p:txBody>
@@ -2556,49 +2678,49 @@
           <a:lstStyle>
             <a:lvl1pPr marL="0" indent="0" algn="l">
               <a:buNone/>
-              <a:defRPr sz="2600">
+              <a:defRPr sz="1950">
                 <a:solidFill>
                   <a:srgbClr val="FFFFFF"/>
                 </a:solidFill>
               </a:defRPr>
             </a:lvl1pPr>
-            <a:lvl2pPr marL="457200" indent="0" algn="ctr">
+            <a:lvl2pPr marL="342900" indent="0" algn="ctr">
               <a:buNone/>
             </a:lvl2pPr>
-            <a:lvl3pPr marL="914400" indent="0" algn="ctr">
+            <a:lvl3pPr marL="685800" indent="0" algn="ctr">
               <a:buNone/>
             </a:lvl3pPr>
-            <a:lvl4pPr marL="1371600" indent="0" algn="ctr">
+            <a:lvl4pPr marL="1028700" indent="0" algn="ctr">
               <a:buNone/>
             </a:lvl4pPr>
-            <a:lvl5pPr marL="1828800" indent="0" algn="ctr">
+            <a:lvl5pPr marL="1371600" indent="0" algn="ctr">
               <a:buNone/>
             </a:lvl5pPr>
-            <a:lvl6pPr marL="2286000" indent="0" algn="ctr">
+            <a:lvl6pPr marL="1714500" indent="0" algn="ctr">
               <a:buNone/>
             </a:lvl6pPr>
-            <a:lvl7pPr marL="2743200" indent="0" algn="ctr">
+            <a:lvl7pPr marL="2057400" indent="0" algn="ctr">
               <a:buNone/>
             </a:lvl7pPr>
-            <a:lvl8pPr marL="3200400" indent="0" algn="ctr">
+            <a:lvl8pPr marL="2400300" indent="0" algn="ctr">
               <a:buNone/>
             </a:lvl8pPr>
-            <a:lvl9pPr marL="3657600" indent="0" algn="ctr">
+            <a:lvl9pPr marL="2743200" indent="0" algn="ctr">
               <a:buNone/>
             </a:lvl9pPr>
           </a:lstStyle>
           <a:p>
             <a:r>
-              <a:rPr kumimoji="0" lang="en-US" smtClean="0"/>
+              <a:rPr lang="en-US" smtClean="0"/>
               <a:t>Click to edit Master subtitle style</a:t>
             </a:r>
-            <a:endParaRPr kumimoji="0" lang="en-US"/>
-          </a:p>
-        </p:txBody>
-      </p:sp>
-      <p:sp>
-        <p:nvSpPr>
-          <p:cNvPr id="28" name="Date Placeholder 27"/>
+            <a:endParaRPr lang="en-US" dirty="0"/>
+          </a:p>
+        </p:txBody>
+      </p:sp>
+      <p:sp>
+        <p:nvSpPr>
+          <p:cNvPr id="7" name="Date Placeholder 27"/>
           <p:cNvSpPr>
             <a:spLocks noGrp="1"/>
           </p:cNvSpPr>
@@ -2608,8 +2730,8 @@
         </p:nvSpPr>
         <p:spPr>
           <a:xfrm>
-            <a:off x="76200" y="6068699"/>
-            <a:ext cx="2057400" cy="685800"/>
+            <a:off x="101600" y="6069013"/>
+            <a:ext cx="2743200" cy="685800"/>
           </a:xfrm>
         </p:spPr>
         <p:txBody>
@@ -2618,7 +2740,7 @@
           </a:bodyPr>
           <a:lstStyle>
             <a:lvl1pPr algn="ctr">
-              <a:defRPr sz="2000">
+              <a:defRPr sz="1500" smtClean="0">
                 <a:solidFill>
                   <a:srgbClr val="FFFFFF"/>
                 </a:solidFill>
@@ -2628,7 +2750,7 @@
           <a:p>
             <a:fld id="{55004B5D-1CA2-CD4C-BA45-D2797EC0AABB}" type="datetimeFigureOut">
               <a:rPr lang="en-US" smtClean="0"/>
-              <a:t>9/12/16</a:t>
+              <a:t>8/17/17</a:t>
             </a:fld>
             <a:endParaRPr lang="en-US"/>
           </a:p>
@@ -2636,7 +2758,7 @@
       </p:sp>
       <p:sp>
         <p:nvSpPr>
-          <p:cNvPr id="17" name="Footer Placeholder 16"/>
+          <p:cNvPr id="10" name="Footer Placeholder 16"/>
           <p:cNvSpPr>
             <a:spLocks noGrp="1"/>
           </p:cNvSpPr>
@@ -2646,8 +2768,8 @@
         </p:nvSpPr>
         <p:spPr>
           <a:xfrm>
-            <a:off x="2085393" y="236538"/>
-            <a:ext cx="5867400" cy="365125"/>
+            <a:off x="2781300" y="236541"/>
+            <a:ext cx="7823200" cy="365125"/>
           </a:xfrm>
         </p:spPr>
         <p:txBody>
@@ -2666,47 +2788,18 @@
           </a:p>
         </p:txBody>
       </p:sp>
-      <p:sp>
-        <p:nvSpPr>
-          <p:cNvPr id="29" name="Slide Number Placeholder 28"/>
-          <p:cNvSpPr>
-            <a:spLocks noGrp="1"/>
-          </p:cNvSpPr>
-          <p:nvPr>
-            <p:ph type="sldNum" sz="quarter" idx="12"/>
-          </p:nvPr>
-        </p:nvSpPr>
-        <p:spPr>
-          <a:xfrm>
-            <a:off x="8001000" y="228600"/>
-            <a:ext cx="838200" cy="381000"/>
-          </a:xfrm>
-        </p:spPr>
-        <p:txBody>
-          <a:bodyPr/>
-          <a:lstStyle>
-            <a:lvl1pPr>
-              <a:defRPr>
-                <a:solidFill>
-                  <a:schemeClr val="tx2"/>
-                </a:solidFill>
-              </a:defRPr>
-            </a:lvl1pPr>
-          </a:lstStyle>
-          <a:p>
-            <a:fld id="{BE5C822F-4CCB-E842-8842-B46490ABC13A}" type="slidenum">
-              <a:rPr lang="en-US" smtClean="0"/>
-              <a:t>‹#›</a:t>
-            </a:fld>
-            <a:endParaRPr lang="en-US"/>
-          </a:p>
-        </p:txBody>
-      </p:sp>
     </p:spTree>
   </p:cSld>
   <p:clrMapOvr>
     <a:masterClrMapping/>
   </p:clrMapOvr>
+  <p:timing>
+    <p:tnLst>
+      <p:par>
+        <p:cTn id="1" dur="indefinite" restart="never" nodeType="tmRoot"/>
+      </p:par>
+    </p:tnLst>
+  </p:timing>
 </p:sldLayout>
 </file>
 
@@ -2743,10 +2836,10 @@
           <a:lstStyle/>
           <a:p>
             <a:r>
-              <a:rPr kumimoji="0" lang="en-US" smtClean="0"/>
+              <a:rPr lang="en-US" smtClean="0"/>
               <a:t>Click to edit Master title style</a:t>
             </a:r>
-            <a:endParaRPr kumimoji="0" lang="en-US"/>
+            <a:endParaRPr lang="en-US"/>
           </a:p>
         </p:txBody>
       </p:sp>
@@ -2765,46 +2858,46 @@
           <a:bodyPr vert="eaVert"/>
           <a:lstStyle/>
           <a:p>
-            <a:pPr lvl="0" eaLnBrk="1" latinLnBrk="0" hangingPunct="1"/>
+            <a:pPr lvl="0"/>
             <a:r>
               <a:rPr lang="en-US" smtClean="0"/>
               <a:t>Click to edit Master text styles</a:t>
             </a:r>
           </a:p>
           <a:p>
-            <a:pPr lvl="1" eaLnBrk="1" latinLnBrk="0" hangingPunct="1"/>
+            <a:pPr lvl="1"/>
             <a:r>
               <a:rPr lang="en-US" smtClean="0"/>
               <a:t>Second level</a:t>
             </a:r>
           </a:p>
           <a:p>
-            <a:pPr lvl="2" eaLnBrk="1" latinLnBrk="0" hangingPunct="1"/>
+            <a:pPr lvl="2"/>
             <a:r>
               <a:rPr lang="en-US" smtClean="0"/>
               <a:t>Third level</a:t>
             </a:r>
           </a:p>
           <a:p>
-            <a:pPr lvl="3" eaLnBrk="1" latinLnBrk="0" hangingPunct="1"/>
+            <a:pPr lvl="3"/>
             <a:r>
               <a:rPr lang="en-US" smtClean="0"/>
               <a:t>Fourth level</a:t>
             </a:r>
           </a:p>
           <a:p>
-            <a:pPr lvl="4" eaLnBrk="1" latinLnBrk="0" hangingPunct="1"/>
+            <a:pPr lvl="4"/>
             <a:r>
               <a:rPr lang="en-US" smtClean="0"/>
               <a:t>Fifth level</a:t>
             </a:r>
-            <a:endParaRPr kumimoji="0" lang="en-US"/>
-          </a:p>
-        </p:txBody>
-      </p:sp>
-      <p:sp>
-        <p:nvSpPr>
-          <p:cNvPr id="4" name="Date Placeholder 3"/>
+            <a:endParaRPr lang="en-US"/>
+          </a:p>
+        </p:txBody>
+      </p:sp>
+      <p:sp>
+        <p:nvSpPr>
+          <p:cNvPr id="4" name="Date Placeholder 13"/>
           <p:cNvSpPr>
             <a:spLocks noGrp="1"/>
           </p:cNvSpPr>
@@ -2815,11 +2908,15 @@
         <p:spPr/>
         <p:txBody>
           <a:bodyPr/>
-          <a:lstStyle/>
+          <a:lstStyle>
+            <a:lvl1pPr>
+              <a:defRPr/>
+            </a:lvl1pPr>
+          </a:lstStyle>
           <a:p>
             <a:fld id="{55004B5D-1CA2-CD4C-BA45-D2797EC0AABB}" type="datetimeFigureOut">
               <a:rPr lang="en-US" smtClean="0"/>
-              <a:t>9/12/16</a:t>
+              <a:t>8/17/17</a:t>
             </a:fld>
             <a:endParaRPr lang="en-US"/>
           </a:p>
@@ -2827,7 +2924,7 @@
       </p:sp>
       <p:sp>
         <p:nvSpPr>
-          <p:cNvPr id="5" name="Footer Placeholder 4"/>
+          <p:cNvPr id="5" name="Footer Placeholder 2"/>
           <p:cNvSpPr>
             <a:spLocks noGrp="1"/>
           </p:cNvSpPr>
@@ -2838,31 +2935,12 @@
         <p:spPr/>
         <p:txBody>
           <a:bodyPr/>
-          <a:lstStyle/>
-          <a:p>
-            <a:endParaRPr lang="en-US"/>
-          </a:p>
-        </p:txBody>
-      </p:sp>
-      <p:sp>
-        <p:nvSpPr>
-          <p:cNvPr id="6" name="Slide Number Placeholder 5"/>
-          <p:cNvSpPr>
-            <a:spLocks noGrp="1"/>
-          </p:cNvSpPr>
-          <p:nvPr>
-            <p:ph type="sldNum" sz="quarter" idx="12"/>
-          </p:nvPr>
-        </p:nvSpPr>
-        <p:spPr/>
-        <p:txBody>
-          <a:bodyPr/>
-          <a:lstStyle/>
-          <a:p>
-            <a:fld id="{BE5C822F-4CCB-E842-8842-B46490ABC13A}" type="slidenum">
-              <a:rPr lang="en-US" smtClean="0"/>
-              <a:t>‹#›</a:t>
-            </a:fld>
+          <a:lstStyle>
+            <a:lvl1pPr>
+              <a:defRPr/>
+            </a:lvl1pPr>
+          </a:lstStyle>
+          <a:p>
             <a:endParaRPr lang="en-US"/>
           </a:p>
         </p:txBody>
@@ -2894,151 +2972,14 @@
       </p:grpSpPr>
       <p:sp>
         <p:nvSpPr>
-          <p:cNvPr id="2" name="Vertical Title 1"/>
-          <p:cNvSpPr>
-            <a:spLocks noGrp="1"/>
-          </p:cNvSpPr>
-          <p:nvPr>
-            <p:ph type="title" orient="vert"/>
-          </p:nvPr>
-        </p:nvSpPr>
-        <p:spPr>
-          <a:xfrm>
-            <a:off x="6553200" y="609600"/>
-            <a:ext cx="2057400" cy="5516563"/>
-          </a:xfrm>
-        </p:spPr>
-        <p:txBody>
-          <a:bodyPr vert="eaVert"/>
-          <a:lstStyle/>
-          <a:p>
-            <a:r>
-              <a:rPr kumimoji="0" lang="en-US" smtClean="0"/>
-              <a:t>Click to edit Master title style</a:t>
-            </a:r>
-            <a:endParaRPr kumimoji="0" lang="en-US"/>
-          </a:p>
-        </p:txBody>
-      </p:sp>
-      <p:sp>
-        <p:nvSpPr>
-          <p:cNvPr id="3" name="Vertical Text Placeholder 2"/>
-          <p:cNvSpPr>
-            <a:spLocks noGrp="1"/>
-          </p:cNvSpPr>
-          <p:nvPr>
-            <p:ph type="body" orient="vert" idx="1"/>
-          </p:nvPr>
-        </p:nvSpPr>
-        <p:spPr>
-          <a:xfrm>
-            <a:off x="457200" y="609600"/>
-            <a:ext cx="5562600" cy="5516564"/>
-          </a:xfrm>
-        </p:spPr>
-        <p:txBody>
-          <a:bodyPr vert="eaVert"/>
-          <a:lstStyle/>
-          <a:p>
-            <a:pPr lvl="0" eaLnBrk="1" latinLnBrk="0" hangingPunct="1"/>
-            <a:r>
-              <a:rPr lang="en-US" smtClean="0"/>
-              <a:t>Click to edit Master text styles</a:t>
-            </a:r>
-          </a:p>
-          <a:p>
-            <a:pPr lvl="1" eaLnBrk="1" latinLnBrk="0" hangingPunct="1"/>
-            <a:r>
-              <a:rPr lang="en-US" smtClean="0"/>
-              <a:t>Second level</a:t>
-            </a:r>
-          </a:p>
-          <a:p>
-            <a:pPr lvl="2" eaLnBrk="1" latinLnBrk="0" hangingPunct="1"/>
-            <a:r>
-              <a:rPr lang="en-US" smtClean="0"/>
-              <a:t>Third level</a:t>
-            </a:r>
-          </a:p>
-          <a:p>
-            <a:pPr lvl="3" eaLnBrk="1" latinLnBrk="0" hangingPunct="1"/>
-            <a:r>
-              <a:rPr lang="en-US" smtClean="0"/>
-              <a:t>Fourth level</a:t>
-            </a:r>
-          </a:p>
-          <a:p>
-            <a:pPr lvl="4" eaLnBrk="1" latinLnBrk="0" hangingPunct="1"/>
-            <a:r>
-              <a:rPr lang="en-US" smtClean="0"/>
-              <a:t>Fifth level</a:t>
-            </a:r>
-            <a:endParaRPr kumimoji="0" lang="en-US"/>
-          </a:p>
-        </p:txBody>
-      </p:sp>
-      <p:sp>
-        <p:nvSpPr>
-          <p:cNvPr id="4" name="Date Placeholder 3"/>
-          <p:cNvSpPr>
-            <a:spLocks noGrp="1"/>
-          </p:cNvSpPr>
-          <p:nvPr>
-            <p:ph type="dt" sz="half" idx="10"/>
-          </p:nvPr>
-        </p:nvSpPr>
-        <p:spPr>
-          <a:xfrm>
-            <a:off x="6553200" y="6248402"/>
-            <a:ext cx="2209800" cy="365125"/>
-          </a:xfrm>
-        </p:spPr>
-        <p:txBody>
-          <a:bodyPr/>
-          <a:lstStyle/>
-          <a:p>
-            <a:fld id="{55004B5D-1CA2-CD4C-BA45-D2797EC0AABB}" type="datetimeFigureOut">
-              <a:rPr lang="en-US" smtClean="0"/>
-              <a:t>9/12/16</a:t>
-            </a:fld>
-            <a:endParaRPr lang="en-US"/>
-          </a:p>
-        </p:txBody>
-      </p:sp>
-      <p:sp>
-        <p:nvSpPr>
-          <p:cNvPr id="5" name="Footer Placeholder 4"/>
-          <p:cNvSpPr>
-            <a:spLocks noGrp="1"/>
-          </p:cNvSpPr>
-          <p:nvPr>
-            <p:ph type="ftr" sz="quarter" idx="11"/>
-          </p:nvPr>
-        </p:nvSpPr>
-        <p:spPr>
-          <a:xfrm>
-            <a:off x="457201" y="6248207"/>
-            <a:ext cx="5573483" cy="365125"/>
-          </a:xfrm>
-        </p:spPr>
-        <p:txBody>
-          <a:bodyPr/>
-          <a:lstStyle/>
-          <a:p>
-            <a:endParaRPr lang="en-US"/>
-          </a:p>
-        </p:txBody>
-      </p:sp>
-      <p:sp>
-        <p:nvSpPr>
-          <p:cNvPr id="7" name="Rectangle 6"/>
+          <p:cNvPr id="4" name="Rectangle 6"/>
           <p:cNvSpPr/>
           <p:nvPr/>
         </p:nvSpPr>
         <p:spPr bwMode="white">
           <a:xfrm>
-            <a:off x="6096318" y="0"/>
-            <a:ext cx="320040" cy="6858000"/>
+            <a:off x="8128002" y="0"/>
+            <a:ext cx="427567" cy="6858000"/>
           </a:xfrm>
           <a:prstGeom prst="rect">
             <a:avLst/>
@@ -3066,24 +3007,32 @@
           </a:fontRef>
         </p:style>
         <p:txBody>
-          <a:bodyPr rtlCol="0" anchor="ctr"/>
-          <a:lstStyle/>
-          <a:p>
-            <a:pPr algn="ctr" eaLnBrk="1" latinLnBrk="0" hangingPunct="1"/>
-            <a:endParaRPr kumimoji="0" lang="en-US"/>
-          </a:p>
-        </p:txBody>
-      </p:sp>
-      <p:sp>
-        <p:nvSpPr>
-          <p:cNvPr id="8" name="Rectangle 7"/>
+          <a:bodyPr anchor="ctr"/>
+          <a:lstStyle/>
+          <a:p>
+            <a:pPr algn="ctr" fontAlgn="auto">
+              <a:spcBef>
+                <a:spcPts val="0"/>
+              </a:spcBef>
+              <a:spcAft>
+                <a:spcPts val="0"/>
+              </a:spcAft>
+              <a:defRPr/>
+            </a:pPr>
+            <a:endParaRPr lang="en-US" sz="1350" dirty="0"/>
+          </a:p>
+        </p:txBody>
+      </p:sp>
+      <p:sp>
+        <p:nvSpPr>
+          <p:cNvPr id="5" name="Rectangle 7"/>
           <p:cNvSpPr/>
           <p:nvPr/>
         </p:nvSpPr>
         <p:spPr>
           <a:xfrm>
-            <a:off x="6142038" y="609600"/>
-            <a:ext cx="228600" cy="6248400"/>
+            <a:off x="8189384" y="609600"/>
+            <a:ext cx="304800" cy="6248400"/>
           </a:xfrm>
           <a:prstGeom prst="rect">
             <a:avLst/>
@@ -3111,24 +3060,32 @@
           </a:fontRef>
         </p:style>
         <p:txBody>
-          <a:bodyPr rtlCol="0" anchor="ctr"/>
-          <a:lstStyle/>
-          <a:p>
-            <a:pPr algn="ctr" eaLnBrk="1" latinLnBrk="0" hangingPunct="1"/>
-            <a:endParaRPr kumimoji="0" lang="en-US"/>
-          </a:p>
-        </p:txBody>
-      </p:sp>
-      <p:sp>
-        <p:nvSpPr>
-          <p:cNvPr id="9" name="Rectangle 8"/>
+          <a:bodyPr anchor="ctr"/>
+          <a:lstStyle/>
+          <a:p>
+            <a:pPr algn="ctr" fontAlgn="auto">
+              <a:spcBef>
+                <a:spcPts val="0"/>
+              </a:spcBef>
+              <a:spcAft>
+                <a:spcPts val="0"/>
+              </a:spcAft>
+              <a:defRPr/>
+            </a:pPr>
+            <a:endParaRPr lang="en-US" sz="1350" dirty="0"/>
+          </a:p>
+        </p:txBody>
+      </p:sp>
+      <p:sp>
+        <p:nvSpPr>
+          <p:cNvPr id="6" name="Rectangle 8"/>
           <p:cNvSpPr/>
           <p:nvPr/>
         </p:nvSpPr>
         <p:spPr>
           <a:xfrm>
-            <a:off x="6142038" y="0"/>
-            <a:ext cx="228600" cy="533400"/>
+            <a:off x="8189384" y="0"/>
+            <a:ext cx="304800" cy="533400"/>
           </a:xfrm>
           <a:prstGeom prst="rect">
             <a:avLst/>
@@ -3156,38 +3113,163 @@
           </a:fontRef>
         </p:style>
         <p:txBody>
-          <a:bodyPr rtlCol="0" anchor="ctr"/>
-          <a:lstStyle/>
-          <a:p>
-            <a:pPr algn="ctr" eaLnBrk="1" latinLnBrk="0" hangingPunct="1"/>
-            <a:endParaRPr kumimoji="0" lang="en-US"/>
-          </a:p>
-        </p:txBody>
-      </p:sp>
-      <p:sp>
-        <p:nvSpPr>
-          <p:cNvPr id="6" name="Slide Number Placeholder 5"/>
-          <p:cNvSpPr>
-            <a:spLocks noGrp="1"/>
-          </p:cNvSpPr>
-          <p:nvPr>
-            <p:ph type="sldNum" sz="quarter" idx="12"/>
+          <a:bodyPr anchor="ctr"/>
+          <a:lstStyle/>
+          <a:p>
+            <a:pPr algn="ctr" fontAlgn="auto">
+              <a:spcBef>
+                <a:spcPts val="0"/>
+              </a:spcBef>
+              <a:spcAft>
+                <a:spcPts val="0"/>
+              </a:spcAft>
+              <a:defRPr/>
+            </a:pPr>
+            <a:endParaRPr lang="en-US" sz="1350" dirty="0"/>
+          </a:p>
+        </p:txBody>
+      </p:sp>
+      <p:sp>
+        <p:nvSpPr>
+          <p:cNvPr id="2" name="Vertical Title 1"/>
+          <p:cNvSpPr>
+            <a:spLocks noGrp="1"/>
+          </p:cNvSpPr>
+          <p:nvPr>
+            <p:ph type="title" orient="vert"/>
           </p:nvPr>
         </p:nvSpPr>
         <p:spPr>
-          <a:xfrm rot="5400000">
-            <a:off x="5989638" y="144462"/>
-            <a:ext cx="533400" cy="244476"/>
+          <a:xfrm>
+            <a:off x="8737600" y="609603"/>
+            <a:ext cx="2743200" cy="5516563"/>
           </a:xfrm>
         </p:spPr>
         <p:txBody>
+          <a:bodyPr vert="eaVert"/>
+          <a:lstStyle/>
+          <a:p>
+            <a:r>
+              <a:rPr lang="en-US" smtClean="0"/>
+              <a:t>Click to edit Master title style</a:t>
+            </a:r>
+            <a:endParaRPr lang="en-US"/>
+          </a:p>
+        </p:txBody>
+      </p:sp>
+      <p:sp>
+        <p:nvSpPr>
+          <p:cNvPr id="3" name="Vertical Text Placeholder 2"/>
+          <p:cNvSpPr>
+            <a:spLocks noGrp="1"/>
+          </p:cNvSpPr>
+          <p:nvPr>
+            <p:ph type="body" orient="vert" idx="1"/>
+          </p:nvPr>
+        </p:nvSpPr>
+        <p:spPr>
+          <a:xfrm>
+            <a:off x="609600" y="609600"/>
+            <a:ext cx="7416800" cy="5516564"/>
+          </a:xfrm>
+        </p:spPr>
+        <p:txBody>
+          <a:bodyPr vert="eaVert"/>
+          <a:lstStyle/>
+          <a:p>
+            <a:pPr lvl="0"/>
+            <a:r>
+              <a:rPr lang="en-US" smtClean="0"/>
+              <a:t>Click to edit Master text styles</a:t>
+            </a:r>
+          </a:p>
+          <a:p>
+            <a:pPr lvl="1"/>
+            <a:r>
+              <a:rPr lang="en-US" smtClean="0"/>
+              <a:t>Second level</a:t>
+            </a:r>
+          </a:p>
+          <a:p>
+            <a:pPr lvl="2"/>
+            <a:r>
+              <a:rPr lang="en-US" smtClean="0"/>
+              <a:t>Third level</a:t>
+            </a:r>
+          </a:p>
+          <a:p>
+            <a:pPr lvl="3"/>
+            <a:r>
+              <a:rPr lang="en-US" smtClean="0"/>
+              <a:t>Fourth level</a:t>
+            </a:r>
+          </a:p>
+          <a:p>
+            <a:pPr lvl="4"/>
+            <a:r>
+              <a:rPr lang="en-US" smtClean="0"/>
+              <a:t>Fifth level</a:t>
+            </a:r>
+            <a:endParaRPr lang="en-US"/>
+          </a:p>
+        </p:txBody>
+      </p:sp>
+      <p:sp>
+        <p:nvSpPr>
+          <p:cNvPr id="7" name="Date Placeholder 3"/>
+          <p:cNvSpPr>
+            <a:spLocks noGrp="1"/>
+          </p:cNvSpPr>
+          <p:nvPr>
+            <p:ph type="dt" sz="half" idx="10"/>
+          </p:nvPr>
+        </p:nvSpPr>
+        <p:spPr>
+          <a:xfrm>
+            <a:off x="8737600" y="6248403"/>
+            <a:ext cx="2946400" cy="365125"/>
+          </a:xfrm>
+        </p:spPr>
+        <p:txBody>
           <a:bodyPr/>
-          <a:lstStyle/>
-          <a:p>
-            <a:fld id="{BE5C822F-4CCB-E842-8842-B46490ABC13A}" type="slidenum">
-              <a:rPr lang="en-US" smtClean="0"/>
-              <a:t>‹#›</a:t>
+          <a:lstStyle>
+            <a:lvl1pPr>
+              <a:defRPr/>
+            </a:lvl1pPr>
+          </a:lstStyle>
+          <a:p>
+            <a:fld id="{55004B5D-1CA2-CD4C-BA45-D2797EC0AABB}" type="datetimeFigureOut">
+              <a:rPr lang="en-US" smtClean="0"/>
+              <a:t>8/17/17</a:t>
             </a:fld>
+            <a:endParaRPr lang="en-US"/>
+          </a:p>
+        </p:txBody>
+      </p:sp>
+      <p:sp>
+        <p:nvSpPr>
+          <p:cNvPr id="8" name="Footer Placeholder 4"/>
+          <p:cNvSpPr>
+            <a:spLocks noGrp="1"/>
+          </p:cNvSpPr>
+          <p:nvPr>
+            <p:ph type="ftr" sz="quarter" idx="11"/>
+          </p:nvPr>
+        </p:nvSpPr>
+        <p:spPr>
+          <a:xfrm>
+            <a:off x="609602" y="6248403"/>
+            <a:ext cx="7431617" cy="365125"/>
+          </a:xfrm>
+        </p:spPr>
+        <p:txBody>
+          <a:bodyPr/>
+          <a:lstStyle>
+            <a:lvl1pPr>
+              <a:defRPr/>
+            </a:lvl1pPr>
+          </a:lstStyle>
+          <a:p>
             <a:endParaRPr lang="en-US"/>
           </a:p>
         </p:txBody>
@@ -3197,6 +3279,13 @@
   <p:clrMapOvr>
     <a:masterClrMapping/>
   </p:clrMapOvr>
+  <p:timing>
+    <p:tnLst>
+      <p:par>
+        <p:cTn id="1" dur="indefinite" restart="never" nodeType="tmRoot"/>
+      </p:par>
+    </p:tnLst>
+  </p:timing>
 </p:sldLayout>
 </file>
 
@@ -3229,90 +3318,145 @@
         </p:nvSpPr>
         <p:spPr>
           <a:xfrm>
-            <a:off x="612648" y="228600"/>
-            <a:ext cx="8153400" cy="990600"/>
+            <a:off x="816864" y="228600"/>
+            <a:ext cx="10871200" cy="990600"/>
           </a:xfrm>
         </p:spPr>
-        <p:txBody>
-          <a:bodyPr/>
-          <a:lstStyle/>
-          <a:p>
-            <a:r>
-              <a:rPr kumimoji="0" lang="en-US" smtClean="0"/>
-              <a:t>Click to edit Master title style</a:t>
-            </a:r>
-            <a:endParaRPr kumimoji="0" lang="en-US" dirty="0"/>
-          </a:p>
-        </p:txBody>
-      </p:sp>
-      <p:sp>
-        <p:nvSpPr>
-          <p:cNvPr id="4" name="Date Placeholder 3"/>
-          <p:cNvSpPr>
-            <a:spLocks noGrp="1"/>
-          </p:cNvSpPr>
-          <p:nvPr>
-            <p:ph type="dt" sz="half" idx="10"/>
-          </p:nvPr>
-        </p:nvSpPr>
-        <p:spPr/>
-        <p:txBody>
-          <a:bodyPr/>
-          <a:lstStyle/>
-          <a:p>
-            <a:fld id="{55004B5D-1CA2-CD4C-BA45-D2797EC0AABB}" type="datetimeFigureOut">
-              <a:rPr lang="en-US" smtClean="0"/>
-              <a:t>9/12/16</a:t>
-            </a:fld>
-            <a:endParaRPr lang="en-US"/>
-          </a:p>
-        </p:txBody>
-      </p:sp>
-      <p:sp>
-        <p:nvSpPr>
-          <p:cNvPr id="5" name="Footer Placeholder 4"/>
-          <p:cNvSpPr>
-            <a:spLocks noGrp="1"/>
-          </p:cNvSpPr>
-          <p:nvPr>
-            <p:ph type="ftr" sz="quarter" idx="11"/>
-          </p:nvPr>
-        </p:nvSpPr>
-        <p:spPr/>
-        <p:txBody>
-          <a:bodyPr/>
-          <a:lstStyle/>
-          <a:p>
-            <a:endParaRPr lang="en-US"/>
-          </a:p>
-        </p:txBody>
-      </p:sp>
-      <p:sp>
-        <p:nvSpPr>
-          <p:cNvPr id="6" name="Slide Number Placeholder 5"/>
-          <p:cNvSpPr>
-            <a:spLocks noGrp="1"/>
-          </p:cNvSpPr>
-          <p:nvPr>
-            <p:ph type="sldNum" sz="quarter" idx="12"/>
-          </p:nvPr>
-        </p:nvSpPr>
-        <p:spPr/>
         <p:txBody>
           <a:bodyPr/>
           <a:lstStyle>
             <a:lvl1pPr>
-              <a:defRPr>
-                <a:solidFill>
-                  <a:srgbClr val="FFFFFF"/>
-                </a:solidFill>
+              <a:defRPr b="0" i="0">
+                <a:latin typeface="Helvetica Neue Light" charset="0"/>
+                <a:ea typeface="Helvetica Neue Light" charset="0"/>
+                <a:cs typeface="Helvetica Neue Light" charset="0"/>
               </a:defRPr>
             </a:lvl1pPr>
           </a:lstStyle>
           <a:p>
-            <a:fld id="{BE5C822F-4CCB-E842-8842-B46490ABC13A}" type="slidenum">
-              <a:rPr lang="en-US" smtClean="0"/>
-              <a:t>‹#›</a:t>
+            <a:r>
+              <a:rPr lang="en-US" smtClean="0"/>
+              <a:t>Click to edit Master title style</a:t>
+            </a:r>
+            <a:endParaRPr lang="en-US" dirty="0"/>
+          </a:p>
+        </p:txBody>
+      </p:sp>
+      <p:sp>
+        <p:nvSpPr>
+          <p:cNvPr id="8" name="Content Placeholder 7"/>
+          <p:cNvSpPr>
+            <a:spLocks noGrp="1"/>
+          </p:cNvSpPr>
+          <p:nvPr>
+            <p:ph sz="quarter" idx="1"/>
+          </p:nvPr>
+        </p:nvSpPr>
+        <p:spPr>
+          <a:xfrm>
+            <a:off x="816864" y="1600200"/>
+            <a:ext cx="10871200" cy="4495800"/>
+          </a:xfrm>
+        </p:spPr>
+        <p:txBody>
+          <a:bodyPr/>
+          <a:lstStyle>
+            <a:lvl1pPr>
+              <a:defRPr b="0" i="0">
+                <a:latin typeface="Helvetica Neue Light" charset="0"/>
+                <a:ea typeface="Helvetica Neue Light" charset="0"/>
+                <a:cs typeface="Helvetica Neue Light" charset="0"/>
+              </a:defRPr>
+            </a:lvl1pPr>
+            <a:lvl2pPr>
+              <a:defRPr b="0" i="0">
+                <a:latin typeface="Helvetica Neue Light" charset="0"/>
+                <a:ea typeface="Helvetica Neue Light" charset="0"/>
+                <a:cs typeface="Helvetica Neue Light" charset="0"/>
+              </a:defRPr>
+            </a:lvl2pPr>
+            <a:lvl3pPr>
+              <a:defRPr b="0" i="0">
+                <a:latin typeface="Helvetica Neue Light" charset="0"/>
+                <a:ea typeface="Helvetica Neue Light" charset="0"/>
+                <a:cs typeface="Helvetica Neue Light" charset="0"/>
+              </a:defRPr>
+            </a:lvl3pPr>
+            <a:lvl4pPr>
+              <a:defRPr b="0" i="0">
+                <a:latin typeface="Helvetica Neue Light" charset="0"/>
+                <a:ea typeface="Helvetica Neue Light" charset="0"/>
+                <a:cs typeface="Helvetica Neue Light" charset="0"/>
+              </a:defRPr>
+            </a:lvl4pPr>
+            <a:lvl5pPr>
+              <a:defRPr b="0" i="0">
+                <a:latin typeface="Helvetica Neue Light" charset="0"/>
+                <a:ea typeface="Helvetica Neue Light" charset="0"/>
+                <a:cs typeface="Helvetica Neue Light" charset="0"/>
+              </a:defRPr>
+            </a:lvl5pPr>
+          </a:lstStyle>
+          <a:p>
+            <a:pPr lvl="0"/>
+            <a:r>
+              <a:rPr lang="en-US" smtClean="0"/>
+              <a:t>Click to edit Master text styles</a:t>
+            </a:r>
+          </a:p>
+          <a:p>
+            <a:pPr lvl="1"/>
+            <a:r>
+              <a:rPr lang="en-US" smtClean="0"/>
+              <a:t>Second level</a:t>
+            </a:r>
+          </a:p>
+          <a:p>
+            <a:pPr lvl="2"/>
+            <a:r>
+              <a:rPr lang="en-US" smtClean="0"/>
+              <a:t>Third level</a:t>
+            </a:r>
+          </a:p>
+          <a:p>
+            <a:pPr lvl="3"/>
+            <a:r>
+              <a:rPr lang="en-US" smtClean="0"/>
+              <a:t>Fourth level</a:t>
+            </a:r>
+          </a:p>
+          <a:p>
+            <a:pPr lvl="4"/>
+            <a:r>
+              <a:rPr lang="en-US" smtClean="0"/>
+              <a:t>Fifth level</a:t>
+            </a:r>
+            <a:endParaRPr lang="en-US" dirty="0"/>
+          </a:p>
+        </p:txBody>
+      </p:sp>
+      <p:sp>
+        <p:nvSpPr>
+          <p:cNvPr id="4" name="Date Placeholder 13"/>
+          <p:cNvSpPr>
+            <a:spLocks noGrp="1"/>
+          </p:cNvSpPr>
+          <p:nvPr>
+            <p:ph type="dt" sz="half" idx="10"/>
+          </p:nvPr>
+        </p:nvSpPr>
+        <p:spPr/>
+        <p:txBody>
+          <a:bodyPr/>
+          <a:lstStyle>
+            <a:lvl1pPr>
+              <a:defRPr/>
+            </a:lvl1pPr>
+          </a:lstStyle>
+          <a:p>
+            <a:fld id="{55004B5D-1CA2-CD4C-BA45-D2797EC0AABB}" type="datetimeFigureOut">
+              <a:rPr lang="en-US" smtClean="0"/>
+              <a:t>8/17/17</a:t>
             </a:fld>
             <a:endParaRPr lang="en-US"/>
           </a:p>
@@ -3320,58 +3464,24 @@
       </p:sp>
       <p:sp>
         <p:nvSpPr>
-          <p:cNvPr id="8" name="Content Placeholder 7"/>
-          <p:cNvSpPr>
-            <a:spLocks noGrp="1"/>
-          </p:cNvSpPr>
-          <p:nvPr>
-            <p:ph sz="quarter" idx="1"/>
-          </p:nvPr>
-        </p:nvSpPr>
-        <p:spPr>
-          <a:xfrm>
-            <a:off x="612648" y="1600200"/>
-            <a:ext cx="8153400" cy="4495800"/>
-          </a:xfrm>
-        </p:spPr>
+          <p:cNvPr id="5" name="Footer Placeholder 2"/>
+          <p:cNvSpPr>
+            <a:spLocks noGrp="1"/>
+          </p:cNvSpPr>
+          <p:nvPr>
+            <p:ph type="ftr" sz="quarter" idx="11"/>
+          </p:nvPr>
+        </p:nvSpPr>
+        <p:spPr/>
         <p:txBody>
           <a:bodyPr/>
-          <a:lstStyle/>
-          <a:p>
-            <a:pPr lvl="0" eaLnBrk="1" latinLnBrk="0" hangingPunct="1"/>
-            <a:r>
-              <a:rPr lang="en-US" smtClean="0"/>
-              <a:t>Click to edit Master text styles</a:t>
-            </a:r>
-          </a:p>
-          <a:p>
-            <a:pPr lvl="1" eaLnBrk="1" latinLnBrk="0" hangingPunct="1"/>
-            <a:r>
-              <a:rPr lang="en-US" smtClean="0"/>
-              <a:t>Second level</a:t>
-            </a:r>
-          </a:p>
-          <a:p>
-            <a:pPr lvl="2" eaLnBrk="1" latinLnBrk="0" hangingPunct="1"/>
-            <a:r>
-              <a:rPr lang="en-US" smtClean="0"/>
-              <a:t>Third level</a:t>
-            </a:r>
-          </a:p>
-          <a:p>
-            <a:pPr lvl="3" eaLnBrk="1" latinLnBrk="0" hangingPunct="1"/>
-            <a:r>
-              <a:rPr lang="en-US" smtClean="0"/>
-              <a:t>Fourth level</a:t>
-            </a:r>
-          </a:p>
-          <a:p>
-            <a:pPr lvl="4" eaLnBrk="1" latinLnBrk="0" hangingPunct="1"/>
-            <a:r>
-              <a:rPr lang="en-US" smtClean="0"/>
-              <a:t>Fifth level</a:t>
-            </a:r>
-            <a:endParaRPr kumimoji="0" lang="en-US"/>
+          <a:lstStyle>
+            <a:lvl1pPr>
+              <a:defRPr/>
+            </a:lvl1pPr>
+          </a:lstStyle>
+          <a:p>
+            <a:endParaRPr lang="en-US"/>
           </a:p>
         </p:txBody>
       </p:sp>
@@ -3402,91 +3512,14 @@
       </p:grpSpPr>
       <p:sp>
         <p:nvSpPr>
-          <p:cNvPr id="3" name="Text Placeholder 2"/>
-          <p:cNvSpPr>
-            <a:spLocks noGrp="1"/>
-          </p:cNvSpPr>
-          <p:nvPr>
-            <p:ph type="body" idx="1"/>
-          </p:nvPr>
-        </p:nvSpPr>
-        <p:spPr>
-          <a:xfrm>
-            <a:off x="1371600" y="2743200"/>
-            <a:ext cx="7123113" cy="1673225"/>
-          </a:xfrm>
-        </p:spPr>
-        <p:txBody>
-          <a:bodyPr anchor="t"/>
-          <a:lstStyle>
-            <a:lvl1pPr marL="0" indent="0">
-              <a:buNone/>
-              <a:defRPr sz="2800">
-                <a:solidFill>
-                  <a:schemeClr val="tx2"/>
-                </a:solidFill>
-              </a:defRPr>
-            </a:lvl1pPr>
-            <a:lvl2pPr>
-              <a:buNone/>
-              <a:defRPr sz="1800">
-                <a:solidFill>
-                  <a:schemeClr val="tx1">
-                    <a:tint val="75000"/>
-                  </a:schemeClr>
-                </a:solidFill>
-              </a:defRPr>
-            </a:lvl2pPr>
-            <a:lvl3pPr>
-              <a:buNone/>
-              <a:defRPr sz="1600">
-                <a:solidFill>
-                  <a:schemeClr val="tx1">
-                    <a:tint val="75000"/>
-                  </a:schemeClr>
-                </a:solidFill>
-              </a:defRPr>
-            </a:lvl3pPr>
-            <a:lvl4pPr>
-              <a:buNone/>
-              <a:defRPr sz="1400">
-                <a:solidFill>
-                  <a:schemeClr val="tx1">
-                    <a:tint val="75000"/>
-                  </a:schemeClr>
-                </a:solidFill>
-              </a:defRPr>
-            </a:lvl4pPr>
-            <a:lvl5pPr>
-              <a:buNone/>
-              <a:defRPr sz="1400">
-                <a:solidFill>
-                  <a:schemeClr val="tx1">
-                    <a:tint val="75000"/>
-                  </a:schemeClr>
-                </a:solidFill>
-              </a:defRPr>
-            </a:lvl5pPr>
-          </a:lstStyle>
-          <a:p>
-            <a:pPr lvl="0" eaLnBrk="1" latinLnBrk="0" hangingPunct="1"/>
-            <a:r>
-              <a:rPr kumimoji="0" lang="en-US" smtClean="0"/>
-              <a:t>Click to edit Master text styles</a:t>
-            </a:r>
-          </a:p>
-        </p:txBody>
-      </p:sp>
-      <p:sp>
-        <p:nvSpPr>
-          <p:cNvPr id="7" name="Rectangle 6"/>
+          <p:cNvPr id="4" name="Rectangle 6"/>
           <p:cNvSpPr/>
           <p:nvPr/>
         </p:nvSpPr>
         <p:spPr bwMode="white">
           <a:xfrm>
             <a:off x="0" y="1524000"/>
-            <a:ext cx="9144000" cy="1143000"/>
+            <a:ext cx="12192000" cy="1143000"/>
           </a:xfrm>
           <a:prstGeom prst="rect">
             <a:avLst/>
@@ -3518,21 +3551,29 @@
           <a:bodyPr anchor="ctr"/>
           <a:lstStyle/>
           <a:p>
-            <a:pPr algn="ctr" eaLnBrk="1" latinLnBrk="0" hangingPunct="1"/>
-            <a:endParaRPr kumimoji="0" lang="en-US"/>
-          </a:p>
-        </p:txBody>
-      </p:sp>
-      <p:sp>
-        <p:nvSpPr>
-          <p:cNvPr id="8" name="Rectangle 7"/>
+            <a:pPr algn="ctr" fontAlgn="auto">
+              <a:spcBef>
+                <a:spcPts val="0"/>
+              </a:spcBef>
+              <a:spcAft>
+                <a:spcPts val="0"/>
+              </a:spcAft>
+              <a:defRPr/>
+            </a:pPr>
+            <a:endParaRPr lang="en-US" sz="1350" dirty="0"/>
+          </a:p>
+        </p:txBody>
+      </p:sp>
+      <p:sp>
+        <p:nvSpPr>
+          <p:cNvPr id="5" name="Rectangle 7"/>
           <p:cNvSpPr/>
           <p:nvPr/>
         </p:nvSpPr>
         <p:spPr>
           <a:xfrm>
             <a:off x="0" y="1600200"/>
-            <a:ext cx="1295400" cy="990600"/>
+            <a:ext cx="1727200" cy="990600"/>
           </a:xfrm>
           <a:prstGeom prst="rect">
             <a:avLst/>
@@ -3566,21 +3607,29 @@
           <a:bodyPr anchor="ctr"/>
           <a:lstStyle/>
           <a:p>
-            <a:pPr algn="ctr" eaLnBrk="1" latinLnBrk="0" hangingPunct="1"/>
-            <a:endParaRPr kumimoji="0" lang="en-US"/>
-          </a:p>
-        </p:txBody>
-      </p:sp>
-      <p:sp>
-        <p:nvSpPr>
-          <p:cNvPr id="9" name="Rectangle 8"/>
+            <a:pPr algn="ctr" fontAlgn="auto">
+              <a:spcBef>
+                <a:spcPts val="0"/>
+              </a:spcBef>
+              <a:spcAft>
+                <a:spcPts val="0"/>
+              </a:spcAft>
+              <a:defRPr/>
+            </a:pPr>
+            <a:endParaRPr lang="en-US" sz="1350" dirty="0"/>
+          </a:p>
+        </p:txBody>
+      </p:sp>
+      <p:sp>
+        <p:nvSpPr>
+          <p:cNvPr id="6" name="Rectangle 8"/>
           <p:cNvSpPr/>
           <p:nvPr/>
         </p:nvSpPr>
         <p:spPr>
           <a:xfrm>
-            <a:off x="1371600" y="1600200"/>
-            <a:ext cx="7772400" cy="990600"/>
+            <a:off x="1828800" y="1600200"/>
+            <a:ext cx="10363200" cy="990600"/>
           </a:xfrm>
           <a:prstGeom prst="rect">
             <a:avLst/>
@@ -3614,25 +3663,110 @@
           <a:bodyPr anchor="ctr"/>
           <a:lstStyle/>
           <a:p>
-            <a:pPr algn="ctr" eaLnBrk="1" latinLnBrk="0" hangingPunct="1"/>
-            <a:endParaRPr kumimoji="0" lang="en-US"/>
-          </a:p>
-        </p:txBody>
-      </p:sp>
-      <p:sp>
-        <p:nvSpPr>
-          <p:cNvPr id="2" name="Title 1"/>
-          <p:cNvSpPr>
-            <a:spLocks noGrp="1"/>
-          </p:cNvSpPr>
-          <p:nvPr>
-            <p:ph type="title"/>
+            <a:pPr algn="ctr" fontAlgn="auto">
+              <a:spcBef>
+                <a:spcPts val="0"/>
+              </a:spcBef>
+              <a:spcAft>
+                <a:spcPts val="0"/>
+              </a:spcAft>
+              <a:defRPr/>
+            </a:pPr>
+            <a:endParaRPr lang="en-US" sz="1350" dirty="0"/>
+          </a:p>
+        </p:txBody>
+      </p:sp>
+      <p:sp>
+        <p:nvSpPr>
+          <p:cNvPr id="3" name="Text Placeholder 2"/>
+          <p:cNvSpPr>
+            <a:spLocks noGrp="1"/>
+          </p:cNvSpPr>
+          <p:nvPr>
+            <p:ph type="body" idx="1"/>
           </p:nvPr>
         </p:nvSpPr>
         <p:spPr>
           <a:xfrm>
-            <a:off x="1371600" y="1600200"/>
-            <a:ext cx="7620000" cy="990600"/>
+            <a:off x="1828802" y="2743200"/>
+            <a:ext cx="9497484" cy="1673225"/>
+          </a:xfrm>
+        </p:spPr>
+        <p:txBody>
+          <a:bodyPr/>
+          <a:lstStyle>
+            <a:lvl1pPr marL="0" indent="0">
+              <a:buNone/>
+              <a:defRPr sz="2100">
+                <a:solidFill>
+                  <a:schemeClr val="tx2"/>
+                </a:solidFill>
+              </a:defRPr>
+            </a:lvl1pPr>
+            <a:lvl2pPr>
+              <a:buNone/>
+              <a:defRPr sz="1350">
+                <a:solidFill>
+                  <a:schemeClr val="tx1">
+                    <a:tint val="75000"/>
+                  </a:schemeClr>
+                </a:solidFill>
+              </a:defRPr>
+            </a:lvl2pPr>
+            <a:lvl3pPr>
+              <a:buNone/>
+              <a:defRPr sz="1200">
+                <a:solidFill>
+                  <a:schemeClr val="tx1">
+                    <a:tint val="75000"/>
+                  </a:schemeClr>
+                </a:solidFill>
+              </a:defRPr>
+            </a:lvl3pPr>
+            <a:lvl4pPr>
+              <a:buNone/>
+              <a:defRPr sz="1050">
+                <a:solidFill>
+                  <a:schemeClr val="tx1">
+                    <a:tint val="75000"/>
+                  </a:schemeClr>
+                </a:solidFill>
+              </a:defRPr>
+            </a:lvl4pPr>
+            <a:lvl5pPr>
+              <a:buNone/>
+              <a:defRPr sz="1050">
+                <a:solidFill>
+                  <a:schemeClr val="tx1">
+                    <a:tint val="75000"/>
+                  </a:schemeClr>
+                </a:solidFill>
+              </a:defRPr>
+            </a:lvl5pPr>
+          </a:lstStyle>
+          <a:p>
+            <a:pPr lvl="0"/>
+            <a:r>
+              <a:rPr lang="en-US" smtClean="0"/>
+              <a:t>Click to edit Master text styles</a:t>
+            </a:r>
+          </a:p>
+        </p:txBody>
+      </p:sp>
+      <p:sp>
+        <p:nvSpPr>
+          <p:cNvPr id="2" name="Title 1"/>
+          <p:cNvSpPr>
+            <a:spLocks noGrp="1"/>
+          </p:cNvSpPr>
+          <p:nvPr>
+            <p:ph type="title"/>
+          </p:nvPr>
+        </p:nvSpPr>
+        <p:spPr>
+          <a:xfrm>
+            <a:off x="1828800" y="1600200"/>
+            <a:ext cx="10160000" cy="990600"/>
           </a:xfrm>
         </p:spPr>
         <p:txBody>
@@ -3640,7 +3774,7 @@
           <a:lstStyle>
             <a:lvl1pPr algn="l">
               <a:buNone/>
-              <a:defRPr sz="4400" b="0" cap="none">
+              <a:defRPr sz="3300" b="0" cap="none">
                 <a:solidFill>
                   <a:srgbClr val="FFFFFF"/>
                 </a:solidFill>
@@ -3649,16 +3783,16 @@
           </a:lstStyle>
           <a:p>
             <a:r>
-              <a:rPr kumimoji="0" lang="en-US" smtClean="0"/>
+              <a:rPr lang="en-US" smtClean="0"/>
               <a:t>Click to edit Master title style</a:t>
             </a:r>
-            <a:endParaRPr kumimoji="0" lang="en-US"/>
-          </a:p>
-        </p:txBody>
-      </p:sp>
-      <p:sp>
-        <p:nvSpPr>
-          <p:cNvPr id="12" name="Date Placeholder 11"/>
+            <a:endParaRPr lang="en-US" dirty="0"/>
+          </a:p>
+        </p:txBody>
+      </p:sp>
+      <p:sp>
+        <p:nvSpPr>
+          <p:cNvPr id="7" name="Date Placeholder 11"/>
           <p:cNvSpPr>
             <a:spLocks noGrp="1"/>
           </p:cNvSpPr>
@@ -3669,11 +3803,15 @@
         <p:spPr/>
         <p:txBody>
           <a:bodyPr/>
-          <a:lstStyle/>
+          <a:lstStyle>
+            <a:lvl1pPr>
+              <a:defRPr/>
+            </a:lvl1pPr>
+          </a:lstStyle>
           <a:p>
             <a:fld id="{55004B5D-1CA2-CD4C-BA45-D2797EC0AABB}" type="datetimeFigureOut">
               <a:rPr lang="en-US" smtClean="0"/>
-              <a:t>9/12/16</a:t>
+              <a:t>8/17/17</a:t>
             </a:fld>
             <a:endParaRPr lang="en-US"/>
           </a:p>
@@ -3681,56 +3819,22 @@
       </p:sp>
       <p:sp>
         <p:nvSpPr>
-          <p:cNvPr id="13" name="Slide Number Placeholder 12"/>
-          <p:cNvSpPr>
-            <a:spLocks noGrp="1"/>
-          </p:cNvSpPr>
-          <p:nvPr>
-            <p:ph type="sldNum" sz="quarter" idx="11"/>
-          </p:nvPr>
-        </p:nvSpPr>
-        <p:spPr>
-          <a:xfrm>
-            <a:off x="0" y="1752600"/>
-            <a:ext cx="1295400" cy="701676"/>
-          </a:xfrm>
-        </p:spPr>
-        <p:txBody>
-          <a:bodyPr>
-            <a:noAutofit/>
-          </a:bodyPr>
+          <p:cNvPr id="9" name="Footer Placeholder 13"/>
+          <p:cNvSpPr>
+            <a:spLocks noGrp="1"/>
+          </p:cNvSpPr>
+          <p:nvPr>
+            <p:ph type="ftr" sz="quarter" idx="12"/>
+          </p:nvPr>
+        </p:nvSpPr>
+        <p:spPr/>
+        <p:txBody>
+          <a:bodyPr/>
           <a:lstStyle>
             <a:lvl1pPr>
-              <a:defRPr sz="2400">
-                <a:solidFill>
-                  <a:srgbClr val="FFFFFF"/>
-                </a:solidFill>
-              </a:defRPr>
+              <a:defRPr/>
             </a:lvl1pPr>
           </a:lstStyle>
-          <a:p>
-            <a:fld id="{BE5C822F-4CCB-E842-8842-B46490ABC13A}" type="slidenum">
-              <a:rPr lang="en-US" smtClean="0"/>
-              <a:t>‹#›</a:t>
-            </a:fld>
-            <a:endParaRPr lang="en-US"/>
-          </a:p>
-        </p:txBody>
-      </p:sp>
-      <p:sp>
-        <p:nvSpPr>
-          <p:cNvPr id="14" name="Footer Placeholder 13"/>
-          <p:cNvSpPr>
-            <a:spLocks noGrp="1"/>
-          </p:cNvSpPr>
-          <p:nvPr>
-            <p:ph type="ftr" sz="quarter" idx="12"/>
-          </p:nvPr>
-        </p:nvSpPr>
-        <p:spPr/>
-        <p:txBody>
-          <a:bodyPr/>
-          <a:lstStyle/>
           <a:p>
             <a:endParaRPr lang="en-US"/>
           </a:p>
@@ -3774,13 +3878,21 @@
         <p:spPr/>
         <p:txBody>
           <a:bodyPr/>
-          <a:lstStyle/>
-          <a:p>
-            <a:r>
-              <a:rPr kumimoji="0" lang="en-US" smtClean="0"/>
+          <a:lstStyle>
+            <a:lvl1pPr>
+              <a:defRPr b="0" i="0">
+                <a:latin typeface="Helvetica Neue Light" charset="0"/>
+                <a:ea typeface="Helvetica Neue Light" charset="0"/>
+                <a:cs typeface="Helvetica Neue Light" charset="0"/>
+              </a:defRPr>
+            </a:lvl1pPr>
+          </a:lstStyle>
+          <a:p>
+            <a:r>
+              <a:rPr lang="en-US" smtClean="0"/>
               <a:t>Click to edit Master title style</a:t>
             </a:r>
-            <a:endParaRPr kumimoji="0" lang="en-US"/>
+            <a:endParaRPr lang="en-US" dirty="0"/>
           </a:p>
         </p:txBody>
       </p:sp>
@@ -3796,48 +3908,84 @@
         </p:nvSpPr>
         <p:spPr>
           <a:xfrm>
-            <a:off x="609600" y="1589567"/>
-            <a:ext cx="3886200" cy="4572000"/>
+            <a:off x="812800" y="1589567"/>
+            <a:ext cx="5181600" cy="4572000"/>
           </a:xfrm>
         </p:spPr>
         <p:txBody>
           <a:bodyPr/>
-          <a:lstStyle/>
-          <a:p>
-            <a:pPr lvl="0" eaLnBrk="1" latinLnBrk="0" hangingPunct="1"/>
+          <a:lstStyle>
+            <a:lvl1pPr>
+              <a:defRPr b="0" i="0">
+                <a:latin typeface="Helvetica Neue Light" charset="0"/>
+                <a:ea typeface="Helvetica Neue Light" charset="0"/>
+                <a:cs typeface="Helvetica Neue Light" charset="0"/>
+              </a:defRPr>
+            </a:lvl1pPr>
+            <a:lvl2pPr>
+              <a:defRPr b="0" i="0">
+                <a:latin typeface="Helvetica Neue Light" charset="0"/>
+                <a:ea typeface="Helvetica Neue Light" charset="0"/>
+                <a:cs typeface="Helvetica Neue Light" charset="0"/>
+              </a:defRPr>
+            </a:lvl2pPr>
+            <a:lvl3pPr>
+              <a:defRPr b="0" i="0">
+                <a:latin typeface="Helvetica Neue Light" charset="0"/>
+                <a:ea typeface="Helvetica Neue Light" charset="0"/>
+                <a:cs typeface="Helvetica Neue Light" charset="0"/>
+              </a:defRPr>
+            </a:lvl3pPr>
+            <a:lvl4pPr>
+              <a:defRPr b="0" i="0">
+                <a:latin typeface="Helvetica Neue Light" charset="0"/>
+                <a:ea typeface="Helvetica Neue Light" charset="0"/>
+                <a:cs typeface="Helvetica Neue Light" charset="0"/>
+              </a:defRPr>
+            </a:lvl4pPr>
+            <a:lvl5pPr>
+              <a:defRPr b="0" i="0">
+                <a:latin typeface="Helvetica Neue Light" charset="0"/>
+                <a:ea typeface="Helvetica Neue Light" charset="0"/>
+                <a:cs typeface="Helvetica Neue Light" charset="0"/>
+              </a:defRPr>
+            </a:lvl5pPr>
+          </a:lstStyle>
+          <a:p>
+            <a:pPr lvl="0"/>
             <a:r>
               <a:rPr lang="en-US" smtClean="0"/>
               <a:t>Click to edit Master text styles</a:t>
             </a:r>
           </a:p>
           <a:p>
-            <a:pPr lvl="1" eaLnBrk="1" latinLnBrk="0" hangingPunct="1"/>
+            <a:pPr lvl="1"/>
             <a:r>
               <a:rPr lang="en-US" smtClean="0"/>
               <a:t>Second level</a:t>
             </a:r>
           </a:p>
           <a:p>
-            <a:pPr lvl="2" eaLnBrk="1" latinLnBrk="0" hangingPunct="1"/>
+            <a:pPr lvl="2"/>
             <a:r>
               <a:rPr lang="en-US" smtClean="0"/>
               <a:t>Third level</a:t>
             </a:r>
           </a:p>
           <a:p>
-            <a:pPr lvl="3" eaLnBrk="1" latinLnBrk="0" hangingPunct="1"/>
+            <a:pPr lvl="3"/>
             <a:r>
               <a:rPr lang="en-US" smtClean="0"/>
               <a:t>Fourth level</a:t>
             </a:r>
           </a:p>
           <a:p>
-            <a:pPr lvl="4" eaLnBrk="1" latinLnBrk="0" hangingPunct="1"/>
+            <a:pPr lvl="4"/>
             <a:r>
               <a:rPr lang="en-US" smtClean="0"/>
               <a:t>Fifth level</a:t>
             </a:r>
-            <a:endParaRPr kumimoji="0" lang="en-US"/>
+            <a:endParaRPr lang="en-US" dirty="0"/>
           </a:p>
         </p:txBody>
       </p:sp>
@@ -3853,69 +4001,109 @@
         </p:nvSpPr>
         <p:spPr>
           <a:xfrm>
-            <a:off x="4844901" y="1589567"/>
-            <a:ext cx="3886200" cy="4572000"/>
+            <a:off x="6459868" y="1589567"/>
+            <a:ext cx="5181600" cy="4572000"/>
           </a:xfrm>
         </p:spPr>
         <p:txBody>
           <a:bodyPr/>
-          <a:lstStyle/>
-          <a:p>
-            <a:pPr lvl="0" eaLnBrk="1" latinLnBrk="0" hangingPunct="1"/>
+          <a:lstStyle>
+            <a:lvl1pPr>
+              <a:defRPr b="0" i="0">
+                <a:latin typeface="Helvetica Neue Light" charset="0"/>
+                <a:ea typeface="Helvetica Neue Light" charset="0"/>
+                <a:cs typeface="Helvetica Neue Light" charset="0"/>
+              </a:defRPr>
+            </a:lvl1pPr>
+            <a:lvl2pPr>
+              <a:defRPr b="0" i="0">
+                <a:latin typeface="Helvetica Neue Light" charset="0"/>
+                <a:ea typeface="Helvetica Neue Light" charset="0"/>
+                <a:cs typeface="Helvetica Neue Light" charset="0"/>
+              </a:defRPr>
+            </a:lvl2pPr>
+            <a:lvl3pPr>
+              <a:defRPr b="0" i="0">
+                <a:latin typeface="Helvetica Neue Light" charset="0"/>
+                <a:ea typeface="Helvetica Neue Light" charset="0"/>
+                <a:cs typeface="Helvetica Neue Light" charset="0"/>
+              </a:defRPr>
+            </a:lvl3pPr>
+            <a:lvl4pPr>
+              <a:defRPr b="0" i="0">
+                <a:latin typeface="Helvetica Neue Light" charset="0"/>
+                <a:ea typeface="Helvetica Neue Light" charset="0"/>
+                <a:cs typeface="Helvetica Neue Light" charset="0"/>
+              </a:defRPr>
+            </a:lvl4pPr>
+            <a:lvl5pPr>
+              <a:defRPr b="0" i="0">
+                <a:latin typeface="Helvetica Neue Light" charset="0"/>
+                <a:ea typeface="Helvetica Neue Light" charset="0"/>
+                <a:cs typeface="Helvetica Neue Light" charset="0"/>
+              </a:defRPr>
+            </a:lvl5pPr>
+          </a:lstStyle>
+          <a:p>
+            <a:pPr lvl="0"/>
             <a:r>
               <a:rPr lang="en-US" smtClean="0"/>
               <a:t>Click to edit Master text styles</a:t>
             </a:r>
           </a:p>
           <a:p>
-            <a:pPr lvl="1" eaLnBrk="1" latinLnBrk="0" hangingPunct="1"/>
+            <a:pPr lvl="1"/>
             <a:r>
               <a:rPr lang="en-US" smtClean="0"/>
               <a:t>Second level</a:t>
             </a:r>
           </a:p>
           <a:p>
-            <a:pPr lvl="2" eaLnBrk="1" latinLnBrk="0" hangingPunct="1"/>
+            <a:pPr lvl="2"/>
             <a:r>
               <a:rPr lang="en-US" smtClean="0"/>
               <a:t>Third level</a:t>
             </a:r>
           </a:p>
           <a:p>
-            <a:pPr lvl="3" eaLnBrk="1" latinLnBrk="0" hangingPunct="1"/>
+            <a:pPr lvl="3"/>
             <a:r>
               <a:rPr lang="en-US" smtClean="0"/>
               <a:t>Fourth level</a:t>
             </a:r>
           </a:p>
           <a:p>
-            <a:pPr lvl="4" eaLnBrk="1" latinLnBrk="0" hangingPunct="1"/>
+            <a:pPr lvl="4"/>
             <a:r>
               <a:rPr lang="en-US" smtClean="0"/>
               <a:t>Fifth level</a:t>
             </a:r>
-            <a:endParaRPr kumimoji="0" lang="en-US"/>
-          </a:p>
-        </p:txBody>
-      </p:sp>
-      <p:sp>
-        <p:nvSpPr>
-          <p:cNvPr id="8" name="Date Placeholder 7"/>
-          <p:cNvSpPr>
-            <a:spLocks noGrp="1"/>
-          </p:cNvSpPr>
-          <p:nvPr>
-            <p:ph type="dt" sz="half" idx="15"/>
+            <a:endParaRPr lang="en-US" dirty="0"/>
+          </a:p>
+        </p:txBody>
+      </p:sp>
+      <p:sp>
+        <p:nvSpPr>
+          <p:cNvPr id="5" name="Date Placeholder 7"/>
+          <p:cNvSpPr>
+            <a:spLocks noGrp="1"/>
+          </p:cNvSpPr>
+          <p:nvPr>
+            <p:ph type="dt" sz="half" idx="10"/>
           </p:nvPr>
         </p:nvSpPr>
         <p:spPr/>
         <p:txBody>
           <a:bodyPr rtlCol="0"/>
-          <a:lstStyle/>
+          <a:lstStyle>
+            <a:lvl1pPr>
+              <a:defRPr/>
+            </a:lvl1pPr>
+          </a:lstStyle>
           <a:p>
             <a:fld id="{55004B5D-1CA2-CD4C-BA45-D2797EC0AABB}" type="datetimeFigureOut">
               <a:rPr lang="en-US" smtClean="0"/>
-              <a:t>9/12/16</a:t>
+              <a:t>8/17/17</a:t>
             </a:fld>
             <a:endParaRPr lang="en-US"/>
           </a:p>
@@ -3923,41 +4111,22 @@
       </p:sp>
       <p:sp>
         <p:nvSpPr>
-          <p:cNvPr id="10" name="Slide Number Placeholder 9"/>
-          <p:cNvSpPr>
-            <a:spLocks noGrp="1"/>
-          </p:cNvSpPr>
-          <p:nvPr>
-            <p:ph type="sldNum" sz="quarter" idx="16"/>
+          <p:cNvPr id="7" name="Footer Placeholder 11"/>
+          <p:cNvSpPr>
+            <a:spLocks noGrp="1"/>
+          </p:cNvSpPr>
+          <p:nvPr>
+            <p:ph type="ftr" sz="quarter" idx="12"/>
           </p:nvPr>
         </p:nvSpPr>
         <p:spPr/>
         <p:txBody>
           <a:bodyPr rtlCol="0"/>
-          <a:lstStyle/>
-          <a:p>
-            <a:fld id="{BE5C822F-4CCB-E842-8842-B46490ABC13A}" type="slidenum">
-              <a:rPr lang="en-US" smtClean="0"/>
-              <a:t>‹#›</a:t>
-            </a:fld>
-            <a:endParaRPr lang="en-US"/>
-          </a:p>
-        </p:txBody>
-      </p:sp>
-      <p:sp>
-        <p:nvSpPr>
-          <p:cNvPr id="12" name="Footer Placeholder 11"/>
-          <p:cNvSpPr>
-            <a:spLocks noGrp="1"/>
-          </p:cNvSpPr>
-          <p:nvPr>
-            <p:ph type="ftr" sz="quarter" idx="17"/>
-          </p:nvPr>
-        </p:nvSpPr>
-        <p:spPr/>
-        <p:txBody>
-          <a:bodyPr rtlCol="0"/>
-          <a:lstStyle/>
+          <a:lstStyle>
+            <a:lvl1pPr>
+              <a:defRPr/>
+            </a:lvl1pPr>
+          </a:lstStyle>
           <a:p>
             <a:endParaRPr lang="en-US"/>
           </a:p>
@@ -4000,12 +4169,12 @@
         </p:nvSpPr>
         <p:spPr>
           <a:xfrm>
-            <a:off x="533400" y="273050"/>
-            <a:ext cx="8153400" cy="869950"/>
+            <a:off x="711200" y="273050"/>
+            <a:ext cx="10871200" cy="869950"/>
           </a:xfrm>
         </p:spPr>
         <p:txBody>
-          <a:bodyPr anchor="ctr"/>
+          <a:bodyPr/>
           <a:lstStyle>
             <a:lvl1pPr>
               <a:defRPr/>
@@ -4013,10 +4182,10 @@
           </a:lstStyle>
           <a:p>
             <a:r>
-              <a:rPr kumimoji="0" lang="en-US" smtClean="0"/>
+              <a:rPr lang="en-US" smtClean="0"/>
               <a:t>Click to edit Master title style</a:t>
             </a:r>
-            <a:endParaRPr kumimoji="0" lang="en-US"/>
+            <a:endParaRPr lang="en-US"/>
           </a:p>
         </p:txBody>
       </p:sp>
@@ -4032,48 +4201,84 @@
         </p:nvSpPr>
         <p:spPr>
           <a:xfrm>
-            <a:off x="609600" y="2438400"/>
-            <a:ext cx="3886200" cy="3581400"/>
+            <a:off x="812800" y="2438400"/>
+            <a:ext cx="5181600" cy="3581400"/>
           </a:xfrm>
         </p:spPr>
         <p:txBody>
           <a:bodyPr/>
-          <a:lstStyle/>
-          <a:p>
-            <a:pPr lvl="0" eaLnBrk="1" latinLnBrk="0" hangingPunct="1"/>
+          <a:lstStyle>
+            <a:lvl1pPr>
+              <a:defRPr b="0" i="0">
+                <a:latin typeface="Helvetica Neue Light" charset="0"/>
+                <a:ea typeface="Helvetica Neue Light" charset="0"/>
+                <a:cs typeface="Helvetica Neue Light" charset="0"/>
+              </a:defRPr>
+            </a:lvl1pPr>
+            <a:lvl2pPr>
+              <a:defRPr b="0" i="0">
+                <a:latin typeface="Helvetica Neue Light" charset="0"/>
+                <a:ea typeface="Helvetica Neue Light" charset="0"/>
+                <a:cs typeface="Helvetica Neue Light" charset="0"/>
+              </a:defRPr>
+            </a:lvl2pPr>
+            <a:lvl3pPr>
+              <a:defRPr b="0" i="0">
+                <a:latin typeface="Helvetica Neue Light" charset="0"/>
+                <a:ea typeface="Helvetica Neue Light" charset="0"/>
+                <a:cs typeface="Helvetica Neue Light" charset="0"/>
+              </a:defRPr>
+            </a:lvl3pPr>
+            <a:lvl4pPr>
+              <a:defRPr b="0" i="0">
+                <a:latin typeface="Helvetica Neue Light" charset="0"/>
+                <a:ea typeface="Helvetica Neue Light" charset="0"/>
+                <a:cs typeface="Helvetica Neue Light" charset="0"/>
+              </a:defRPr>
+            </a:lvl4pPr>
+            <a:lvl5pPr>
+              <a:defRPr b="0" i="0">
+                <a:latin typeface="Helvetica Neue Light" charset="0"/>
+                <a:ea typeface="Helvetica Neue Light" charset="0"/>
+                <a:cs typeface="Helvetica Neue Light" charset="0"/>
+              </a:defRPr>
+            </a:lvl5pPr>
+          </a:lstStyle>
+          <a:p>
+            <a:pPr lvl="0"/>
             <a:r>
               <a:rPr lang="en-US" smtClean="0"/>
               <a:t>Click to edit Master text styles</a:t>
             </a:r>
           </a:p>
           <a:p>
-            <a:pPr lvl="1" eaLnBrk="1" latinLnBrk="0" hangingPunct="1"/>
+            <a:pPr lvl="1"/>
             <a:r>
               <a:rPr lang="en-US" smtClean="0"/>
               <a:t>Second level</a:t>
             </a:r>
           </a:p>
           <a:p>
-            <a:pPr lvl="2" eaLnBrk="1" latinLnBrk="0" hangingPunct="1"/>
+            <a:pPr lvl="2"/>
             <a:r>
               <a:rPr lang="en-US" smtClean="0"/>
               <a:t>Third level</a:t>
             </a:r>
           </a:p>
           <a:p>
-            <a:pPr lvl="3" eaLnBrk="1" latinLnBrk="0" hangingPunct="1"/>
+            <a:pPr lvl="3"/>
             <a:r>
               <a:rPr lang="en-US" smtClean="0"/>
               <a:t>Fourth level</a:t>
             </a:r>
           </a:p>
           <a:p>
-            <a:pPr lvl="4" eaLnBrk="1" latinLnBrk="0" hangingPunct="1"/>
+            <a:pPr lvl="4"/>
             <a:r>
               <a:rPr lang="en-US" smtClean="0"/>
               <a:t>Fifth level</a:t>
             </a:r>
-            <a:endParaRPr kumimoji="0" lang="en-US"/>
+            <a:endParaRPr lang="en-US" dirty="0"/>
           </a:p>
         </p:txBody>
       </p:sp>
@@ -4089,113 +4294,84 @@
         </p:nvSpPr>
         <p:spPr>
           <a:xfrm>
-            <a:off x="4800600" y="2438400"/>
-            <a:ext cx="3886200" cy="3581400"/>
+            <a:off x="6400800" y="2438400"/>
+            <a:ext cx="5181600" cy="3581400"/>
           </a:xfrm>
         </p:spPr>
         <p:txBody>
           <a:bodyPr/>
-          <a:lstStyle/>
-          <a:p>
-            <a:pPr lvl="0" eaLnBrk="1" latinLnBrk="0" hangingPunct="1"/>
+          <a:lstStyle>
+            <a:lvl1pPr>
+              <a:defRPr b="0" i="0">
+                <a:latin typeface="Helvetica Neue Light" charset="0"/>
+                <a:ea typeface="Helvetica Neue Light" charset="0"/>
+                <a:cs typeface="Helvetica Neue Light" charset="0"/>
+              </a:defRPr>
+            </a:lvl1pPr>
+            <a:lvl2pPr>
+              <a:defRPr b="0" i="0">
+                <a:latin typeface="Helvetica Neue Light" charset="0"/>
+                <a:ea typeface="Helvetica Neue Light" charset="0"/>
+                <a:cs typeface="Helvetica Neue Light" charset="0"/>
+              </a:defRPr>
+            </a:lvl2pPr>
+            <a:lvl3pPr>
+              <a:defRPr b="0" i="0">
+                <a:latin typeface="Helvetica Neue Light" charset="0"/>
+                <a:ea typeface="Helvetica Neue Light" charset="0"/>
+                <a:cs typeface="Helvetica Neue Light" charset="0"/>
+              </a:defRPr>
+            </a:lvl3pPr>
+            <a:lvl4pPr>
+              <a:defRPr b="0" i="0">
+                <a:latin typeface="Helvetica Neue Light" charset="0"/>
+                <a:ea typeface="Helvetica Neue Light" charset="0"/>
+                <a:cs typeface="Helvetica Neue Light" charset="0"/>
+              </a:defRPr>
+            </a:lvl4pPr>
+            <a:lvl5pPr>
+              <a:defRPr b="0" i="0">
+                <a:latin typeface="Helvetica Neue Light" charset="0"/>
+                <a:ea typeface="Helvetica Neue Light" charset="0"/>
+                <a:cs typeface="Helvetica Neue Light" charset="0"/>
+              </a:defRPr>
+            </a:lvl5pPr>
+          </a:lstStyle>
+          <a:p>
+            <a:pPr lvl="0"/>
             <a:r>
               <a:rPr lang="en-US" smtClean="0"/>
               <a:t>Click to edit Master text styles</a:t>
             </a:r>
           </a:p>
           <a:p>
-            <a:pPr lvl="1" eaLnBrk="1" latinLnBrk="0" hangingPunct="1"/>
+            <a:pPr lvl="1"/>
             <a:r>
               <a:rPr lang="en-US" smtClean="0"/>
               <a:t>Second level</a:t>
             </a:r>
           </a:p>
           <a:p>
-            <a:pPr lvl="2" eaLnBrk="1" latinLnBrk="0" hangingPunct="1"/>
+            <a:pPr lvl="2"/>
             <a:r>
               <a:rPr lang="en-US" smtClean="0"/>
               <a:t>Third level</a:t>
             </a:r>
           </a:p>
           <a:p>
-            <a:pPr lvl="3" eaLnBrk="1" latinLnBrk="0" hangingPunct="1"/>
+            <a:pPr lvl="3"/>
             <a:r>
               <a:rPr lang="en-US" smtClean="0"/>
               <a:t>Fourth level</a:t>
             </a:r>
           </a:p>
           <a:p>
-            <a:pPr lvl="4" eaLnBrk="1" latinLnBrk="0" hangingPunct="1"/>
+            <a:pPr lvl="4"/>
             <a:r>
               <a:rPr lang="en-US" smtClean="0"/>
               <a:t>Fifth level</a:t>
             </a:r>
-            <a:endParaRPr kumimoji="0" lang="en-US"/>
-          </a:p>
-        </p:txBody>
-      </p:sp>
-      <p:sp>
-        <p:nvSpPr>
-          <p:cNvPr id="10" name="Date Placeholder 9"/>
-          <p:cNvSpPr>
-            <a:spLocks noGrp="1"/>
-          </p:cNvSpPr>
-          <p:nvPr>
-            <p:ph type="dt" sz="half" idx="15"/>
-          </p:nvPr>
-        </p:nvSpPr>
-        <p:spPr/>
-        <p:txBody>
-          <a:bodyPr rtlCol="0"/>
-          <a:lstStyle/>
-          <a:p>
-            <a:fld id="{55004B5D-1CA2-CD4C-BA45-D2797EC0AABB}" type="datetimeFigureOut">
-              <a:rPr lang="en-US" smtClean="0"/>
-              <a:t>9/12/16</a:t>
-            </a:fld>
-            <a:endParaRPr lang="en-US"/>
-          </a:p>
-        </p:txBody>
-      </p:sp>
-      <p:sp>
-        <p:nvSpPr>
-          <p:cNvPr id="12" name="Slide Number Placeholder 11"/>
-          <p:cNvSpPr>
-            <a:spLocks noGrp="1"/>
-          </p:cNvSpPr>
-          <p:nvPr>
-            <p:ph type="sldNum" sz="quarter" idx="16"/>
-          </p:nvPr>
-        </p:nvSpPr>
-        <p:spPr/>
-        <p:txBody>
-          <a:bodyPr rtlCol="0"/>
-          <a:lstStyle/>
-          <a:p>
-            <a:fld id="{BE5C822F-4CCB-E842-8842-B46490ABC13A}" type="slidenum">
-              <a:rPr lang="en-US" smtClean="0"/>
-              <a:t>‹#›</a:t>
-            </a:fld>
-            <a:endParaRPr lang="en-US"/>
-          </a:p>
-        </p:txBody>
-      </p:sp>
-      <p:sp>
-        <p:nvSpPr>
-          <p:cNvPr id="14" name="Footer Placeholder 13"/>
-          <p:cNvSpPr>
-            <a:spLocks noGrp="1"/>
-          </p:cNvSpPr>
-          <p:nvPr>
-            <p:ph type="ftr" sz="quarter" idx="17"/>
-          </p:nvPr>
-        </p:nvSpPr>
-        <p:spPr/>
-        <p:txBody>
-          <a:bodyPr rtlCol="0"/>
-          <a:lstStyle/>
-          <a:p>
-            <a:endParaRPr lang="en-US"/>
+            <a:endParaRPr lang="en-US" dirty="0"/>
           </a:p>
         </p:txBody>
       </p:sp>
@@ -4211,8 +4387,8 @@
         </p:nvSpPr>
         <p:spPr>
           <a:xfrm>
-            <a:off x="609600" y="1752600"/>
-            <a:ext cx="3886200" cy="640080"/>
+            <a:off x="812800" y="1752600"/>
+            <a:ext cx="5181600" cy="640080"/>
           </a:xfrm>
           <a:solidFill>
             <a:schemeClr val="accent2"/>
@@ -4224,17 +4400,20 @@
             <a:lvl1pPr marL="0" indent="0">
               <a:buFontTx/>
               <a:buNone/>
-              <a:defRPr sz="2000" b="1">
+              <a:defRPr sz="1500" b="0" i="0">
                 <a:solidFill>
                   <a:srgbClr val="FFFFFF"/>
                 </a:solidFill>
+                <a:latin typeface="Helvetica Neue Light" charset="0"/>
+                <a:ea typeface="Helvetica Neue Light" charset="0"/>
+                <a:cs typeface="Helvetica Neue Light" charset="0"/>
               </a:defRPr>
             </a:lvl1pPr>
           </a:lstStyle>
           <a:p>
-            <a:pPr lvl="0" eaLnBrk="1" latinLnBrk="0" hangingPunct="1"/>
-            <a:r>
-              <a:rPr kumimoji="0" lang="en-US" smtClean="0"/>
+            <a:pPr lvl="0"/>
+            <a:r>
+              <a:rPr lang="en-US" smtClean="0"/>
               <a:t>Click to edit Master text styles</a:t>
             </a:r>
           </a:p>
@@ -4252,8 +4431,8 @@
         </p:nvSpPr>
         <p:spPr>
           <a:xfrm>
-            <a:off x="4800600" y="1752600"/>
-            <a:ext cx="3886200" cy="640080"/>
+            <a:off x="6400800" y="1752600"/>
+            <a:ext cx="5181600" cy="640080"/>
           </a:xfrm>
           <a:solidFill>
             <a:schemeClr val="accent4"/>
@@ -4265,19 +4444,72 @@
             <a:lvl1pPr marL="0" indent="0">
               <a:buFontTx/>
               <a:buNone/>
-              <a:defRPr sz="2000" b="1">
+              <a:defRPr sz="1500" b="0" i="0">
                 <a:solidFill>
                   <a:srgbClr val="FFFFFF"/>
                 </a:solidFill>
+                <a:latin typeface="Helvetica Neue Light" charset="0"/>
+                <a:ea typeface="Helvetica Neue Light" charset="0"/>
+                <a:cs typeface="Helvetica Neue Light" charset="0"/>
               </a:defRPr>
             </a:lvl1pPr>
           </a:lstStyle>
           <a:p>
-            <a:pPr lvl="0" eaLnBrk="1" latinLnBrk="0" hangingPunct="1"/>
-            <a:r>
-              <a:rPr kumimoji="0" lang="en-US" smtClean="0"/>
+            <a:pPr lvl="0"/>
+            <a:r>
+              <a:rPr lang="en-US" smtClean="0"/>
               <a:t>Click to edit Master text styles</a:t>
             </a:r>
+          </a:p>
+        </p:txBody>
+      </p:sp>
+      <p:sp>
+        <p:nvSpPr>
+          <p:cNvPr id="7" name="Date Placeholder 9"/>
+          <p:cNvSpPr>
+            <a:spLocks noGrp="1"/>
+          </p:cNvSpPr>
+          <p:nvPr>
+            <p:ph type="dt" sz="half" idx="10"/>
+          </p:nvPr>
+        </p:nvSpPr>
+        <p:spPr/>
+        <p:txBody>
+          <a:bodyPr rtlCol="0"/>
+          <a:lstStyle>
+            <a:lvl1pPr>
+              <a:defRPr/>
+            </a:lvl1pPr>
+          </a:lstStyle>
+          <a:p>
+            <a:fld id="{55004B5D-1CA2-CD4C-BA45-D2797EC0AABB}" type="datetimeFigureOut">
+              <a:rPr lang="en-US" smtClean="0"/>
+              <a:t>8/17/17</a:t>
+            </a:fld>
+            <a:endParaRPr lang="en-US"/>
+          </a:p>
+        </p:txBody>
+      </p:sp>
+      <p:sp>
+        <p:nvSpPr>
+          <p:cNvPr id="9" name="Footer Placeholder 13"/>
+          <p:cNvSpPr>
+            <a:spLocks noGrp="1"/>
+          </p:cNvSpPr>
+          <p:nvPr>
+            <p:ph type="ftr" sz="quarter" idx="12"/>
+          </p:nvPr>
+        </p:nvSpPr>
+        <p:spPr/>
+        <p:txBody>
+          <a:bodyPr rtlCol="0"/>
+          <a:lstStyle>
+            <a:lvl1pPr>
+              <a:defRPr/>
+            </a:lvl1pPr>
+          </a:lstStyle>
+          <a:p>
+            <a:endParaRPr lang="en-US"/>
           </a:p>
         </p:txBody>
       </p:sp>
@@ -4322,63 +4554,21 @@
           <a:lstStyle/>
           <a:p>
             <a:r>
-              <a:rPr kumimoji="0" lang="en-US" smtClean="0"/>
+              <a:rPr lang="en-US" smtClean="0"/>
               <a:t>Click to edit Master title style</a:t>
             </a:r>
-            <a:endParaRPr kumimoji="0" lang="en-US"/>
-          </a:p>
-        </p:txBody>
-      </p:sp>
-      <p:sp>
-        <p:nvSpPr>
-          <p:cNvPr id="3" name="Date Placeholder 2"/>
+            <a:endParaRPr lang="en-US" dirty="0"/>
+          </a:p>
+        </p:txBody>
+      </p:sp>
+      <p:sp>
+        <p:nvSpPr>
+          <p:cNvPr id="3" name="Date Placeholder 13"/>
           <p:cNvSpPr>
             <a:spLocks noGrp="1"/>
           </p:cNvSpPr>
           <p:nvPr>
             <p:ph type="dt" sz="half" idx="10"/>
-          </p:nvPr>
-        </p:nvSpPr>
-        <p:spPr/>
-        <p:txBody>
-          <a:bodyPr/>
-          <a:lstStyle/>
-          <a:p>
-            <a:fld id="{55004B5D-1CA2-CD4C-BA45-D2797EC0AABB}" type="datetimeFigureOut">
-              <a:rPr lang="en-US" smtClean="0"/>
-              <a:t>9/12/16</a:t>
-            </a:fld>
-            <a:endParaRPr lang="en-US"/>
-          </a:p>
-        </p:txBody>
-      </p:sp>
-      <p:sp>
-        <p:nvSpPr>
-          <p:cNvPr id="4" name="Footer Placeholder 3"/>
-          <p:cNvSpPr>
-            <a:spLocks noGrp="1"/>
-          </p:cNvSpPr>
-          <p:nvPr>
-            <p:ph type="ftr" sz="quarter" idx="11"/>
-          </p:nvPr>
-        </p:nvSpPr>
-        <p:spPr/>
-        <p:txBody>
-          <a:bodyPr/>
-          <a:lstStyle/>
-          <a:p>
-            <a:endParaRPr lang="en-US"/>
-          </a:p>
-        </p:txBody>
-      </p:sp>
-      <p:sp>
-        <p:nvSpPr>
-          <p:cNvPr id="5" name="Slide Number Placeholder 4"/>
-          <p:cNvSpPr>
-            <a:spLocks noGrp="1"/>
-          </p:cNvSpPr>
-          <p:nvPr>
-            <p:ph type="sldNum" sz="quarter" idx="12"/>
           </p:nvPr>
         </p:nvSpPr>
         <p:spPr/>
@@ -4386,18 +4576,37 @@
           <a:bodyPr/>
           <a:lstStyle>
             <a:lvl1pPr>
-              <a:defRPr>
-                <a:solidFill>
-                  <a:srgbClr val="FFFFFF"/>
-                </a:solidFill>
-              </a:defRPr>
+              <a:defRPr/>
             </a:lvl1pPr>
           </a:lstStyle>
           <a:p>
-            <a:fld id="{BE5C822F-4CCB-E842-8842-B46490ABC13A}" type="slidenum">
-              <a:rPr lang="en-US" smtClean="0"/>
-              <a:t>‹#›</a:t>
+            <a:fld id="{55004B5D-1CA2-CD4C-BA45-D2797EC0AABB}" type="datetimeFigureOut">
+              <a:rPr lang="en-US" smtClean="0"/>
+              <a:t>8/17/17</a:t>
             </a:fld>
+            <a:endParaRPr lang="en-US"/>
+          </a:p>
+        </p:txBody>
+      </p:sp>
+      <p:sp>
+        <p:nvSpPr>
+          <p:cNvPr id="4" name="Footer Placeholder 2"/>
+          <p:cNvSpPr>
+            <a:spLocks noGrp="1"/>
+          </p:cNvSpPr>
+          <p:nvPr>
+            <p:ph type="ftr" sz="quarter" idx="11"/>
+          </p:nvPr>
+        </p:nvSpPr>
+        <p:spPr/>
+        <p:txBody>
+          <a:bodyPr/>
+          <a:lstStyle>
+            <a:lvl1pPr>
+              <a:defRPr/>
+            </a:lvl1pPr>
+          </a:lstStyle>
+          <a:p>
             <a:endParaRPr lang="en-US"/>
           </a:p>
         </p:txBody>
@@ -4440,11 +4649,15 @@
         <p:spPr/>
         <p:txBody>
           <a:bodyPr/>
-          <a:lstStyle/>
+          <a:lstStyle>
+            <a:lvl1pPr>
+              <a:defRPr/>
+            </a:lvl1pPr>
+          </a:lstStyle>
           <a:p>
             <a:fld id="{55004B5D-1CA2-CD4C-BA45-D2797EC0AABB}" type="datetimeFigureOut">
               <a:rPr lang="en-US" smtClean="0"/>
-              <a:t>9/12/16</a:t>
+              <a:t>8/17/17</a:t>
             </a:fld>
             <a:endParaRPr lang="en-US"/>
           </a:p>
@@ -4461,46 +4674,14 @@
           </p:nvPr>
         </p:nvSpPr>
         <p:spPr/>
-        <p:txBody>
-          <a:bodyPr/>
-          <a:lstStyle/>
-          <a:p>
-            <a:endParaRPr lang="en-US"/>
-          </a:p>
-        </p:txBody>
-      </p:sp>
-      <p:sp>
-        <p:nvSpPr>
-          <p:cNvPr id="4" name="Slide Number Placeholder 3"/>
-          <p:cNvSpPr>
-            <a:spLocks noGrp="1"/>
-          </p:cNvSpPr>
-          <p:nvPr>
-            <p:ph type="sldNum" sz="quarter" idx="12"/>
-          </p:nvPr>
-        </p:nvSpPr>
-        <p:spPr>
-          <a:xfrm>
-            <a:off x="0" y="6248400"/>
-            <a:ext cx="533400" cy="381000"/>
-          </a:xfrm>
-        </p:spPr>
         <p:txBody>
           <a:bodyPr/>
           <a:lstStyle>
             <a:lvl1pPr>
-              <a:defRPr>
-                <a:solidFill>
-                  <a:schemeClr val="tx2"/>
-                </a:solidFill>
-              </a:defRPr>
+              <a:defRPr/>
             </a:lvl1pPr>
           </a:lstStyle>
           <a:p>
-            <a:fld id="{BE5C822F-4CCB-E842-8842-B46490ABC13A}" type="slidenum">
-              <a:rPr lang="en-US" smtClean="0"/>
-              <a:t>‹#›</a:t>
-            </a:fld>
             <a:endParaRPr lang="en-US"/>
           </a:p>
         </p:txBody>
@@ -4542,96 +4723,23 @@
         </p:nvSpPr>
         <p:spPr>
           <a:xfrm>
-            <a:off x="609600" y="273050"/>
-            <a:ext cx="8077200" cy="869950"/>
+            <a:off x="812800" y="273050"/>
+            <a:ext cx="10769600" cy="869950"/>
           </a:xfrm>
         </p:spPr>
         <p:txBody>
-          <a:bodyPr anchor="ctr"/>
+          <a:bodyPr/>
           <a:lstStyle>
             <a:lvl1pPr algn="l">
               <a:buNone/>
-              <a:defRPr sz="4400" b="0"/>
+              <a:defRPr sz="3300" b="0"/>
             </a:lvl1pPr>
           </a:lstStyle>
           <a:p>
             <a:r>
-              <a:rPr kumimoji="0" lang="en-US" smtClean="0"/>
+              <a:rPr lang="en-US" smtClean="0"/>
               <a:t>Click to edit Master title style</a:t>
             </a:r>
-            <a:endParaRPr kumimoji="0" lang="en-US"/>
-          </a:p>
-        </p:txBody>
-      </p:sp>
-      <p:sp>
-        <p:nvSpPr>
-          <p:cNvPr id="5" name="Date Placeholder 4"/>
-          <p:cNvSpPr>
-            <a:spLocks noGrp="1"/>
-          </p:cNvSpPr>
-          <p:nvPr>
-            <p:ph type="dt" sz="half" idx="10"/>
-          </p:nvPr>
-        </p:nvSpPr>
-        <p:spPr/>
-        <p:txBody>
-          <a:bodyPr/>
-          <a:lstStyle/>
-          <a:p>
-            <a:fld id="{55004B5D-1CA2-CD4C-BA45-D2797EC0AABB}" type="datetimeFigureOut">
-              <a:rPr lang="en-US" smtClean="0"/>
-              <a:t>9/12/16</a:t>
-            </a:fld>
-            <a:endParaRPr lang="en-US"/>
-          </a:p>
-        </p:txBody>
-      </p:sp>
-      <p:sp>
-        <p:nvSpPr>
-          <p:cNvPr id="6" name="Footer Placeholder 5"/>
-          <p:cNvSpPr>
-            <a:spLocks noGrp="1"/>
-          </p:cNvSpPr>
-          <p:nvPr>
-            <p:ph type="ftr" sz="quarter" idx="11"/>
-          </p:nvPr>
-        </p:nvSpPr>
-        <p:spPr/>
-        <p:txBody>
-          <a:bodyPr/>
-          <a:lstStyle/>
-          <a:p>
-            <a:endParaRPr lang="en-US"/>
-          </a:p>
-        </p:txBody>
-      </p:sp>
-      <p:sp>
-        <p:nvSpPr>
-          <p:cNvPr id="7" name="Slide Number Placeholder 6"/>
-          <p:cNvSpPr>
-            <a:spLocks noGrp="1"/>
-          </p:cNvSpPr>
-          <p:nvPr>
-            <p:ph type="sldNum" sz="quarter" idx="12"/>
-          </p:nvPr>
-        </p:nvSpPr>
-        <p:spPr/>
-        <p:txBody>
-          <a:bodyPr/>
-          <a:lstStyle>
-            <a:lvl1pPr>
-              <a:defRPr>
-                <a:solidFill>
-                  <a:srgbClr val="FFFFFF"/>
-                </a:solidFill>
-              </a:defRPr>
-            </a:lvl1pPr>
-          </a:lstStyle>
-          <a:p>
-            <a:fld id="{BE5C822F-4CCB-E842-8842-B46490ABC13A}" type="slidenum">
-              <a:rPr lang="en-US" smtClean="0"/>
-              <a:t>‹#›</a:t>
-            </a:fld>
             <a:endParaRPr lang="en-US"/>
           </a:p>
         </p:txBody>
@@ -4648,8 +4756,8 @@
         </p:nvSpPr>
         <p:spPr>
           <a:xfrm>
-            <a:off x="609600" y="1752600"/>
-            <a:ext cx="1600200" cy="4343400"/>
+            <a:off x="812800" y="1752600"/>
+            <a:ext cx="2133600" cy="4343400"/>
           </a:xfrm>
           <a:ln w="50800" cap="sq" cmpd="dbl" algn="ctr">
             <a:solidFill>
@@ -4679,32 +4787,36 @@
           <a:lstStyle>
             <a:lvl1pPr marL="0" indent="0">
               <a:spcAft>
-                <a:spcPts val="1000"/>
+                <a:spcPts val="750"/>
               </a:spcAft>
               <a:buNone/>
-              <a:defRPr sz="1800"/>
+              <a:defRPr sz="1350" b="0" i="0">
+                <a:latin typeface="Helvetica Neue Light" charset="0"/>
+                <a:ea typeface="Helvetica Neue Light" charset="0"/>
+                <a:cs typeface="Helvetica Neue Light" charset="0"/>
+              </a:defRPr>
             </a:lvl1pPr>
             <a:lvl2pPr>
               <a:buNone/>
-              <a:defRPr sz="1200"/>
+              <a:defRPr sz="900"/>
             </a:lvl2pPr>
             <a:lvl3pPr>
               <a:buNone/>
-              <a:defRPr sz="1000"/>
+              <a:defRPr sz="750"/>
             </a:lvl3pPr>
             <a:lvl4pPr>
               <a:buNone/>
-              <a:defRPr sz="900"/>
+              <a:defRPr sz="675"/>
             </a:lvl4pPr>
             <a:lvl5pPr>
               <a:buNone/>
-              <a:defRPr sz="900"/>
+              <a:defRPr sz="675"/>
             </a:lvl5pPr>
           </a:lstStyle>
           <a:p>
-            <a:pPr lvl="0" eaLnBrk="1" latinLnBrk="0" hangingPunct="1"/>
-            <a:r>
-              <a:rPr kumimoji="0" lang="en-US" smtClean="0"/>
+            <a:pPr lvl="0"/>
+            <a:r>
+              <a:rPr lang="en-US" smtClean="0"/>
               <a:t>Click to edit Master text styles</a:t>
             </a:r>
           </a:p>
@@ -4722,48 +4834,98 @@
         </p:nvSpPr>
         <p:spPr>
           <a:xfrm>
-            <a:off x="2362200" y="1752600"/>
-            <a:ext cx="6400800" cy="4419600"/>
+            <a:off x="3149600" y="1752600"/>
+            <a:ext cx="8534400" cy="4419600"/>
           </a:xfrm>
         </p:spPr>
         <p:txBody>
           <a:bodyPr/>
           <a:lstStyle/>
           <a:p>
-            <a:pPr lvl="0" eaLnBrk="1" latinLnBrk="0" hangingPunct="1"/>
+            <a:pPr lvl="0"/>
             <a:r>
               <a:rPr lang="en-US" smtClean="0"/>
               <a:t>Click to edit Master text styles</a:t>
             </a:r>
           </a:p>
           <a:p>
-            <a:pPr lvl="1" eaLnBrk="1" latinLnBrk="0" hangingPunct="1"/>
+            <a:pPr lvl="1"/>
             <a:r>
               <a:rPr lang="en-US" smtClean="0"/>
               <a:t>Second level</a:t>
             </a:r>
           </a:p>
           <a:p>
-            <a:pPr lvl="2" eaLnBrk="1" latinLnBrk="0" hangingPunct="1"/>
+            <a:pPr lvl="2"/>
             <a:r>
               <a:rPr lang="en-US" smtClean="0"/>
               <a:t>Third level</a:t>
             </a:r>
           </a:p>
           <a:p>
-            <a:pPr lvl="3" eaLnBrk="1" latinLnBrk="0" hangingPunct="1"/>
+            <a:pPr lvl="3"/>
             <a:r>
               <a:rPr lang="en-US" smtClean="0"/>
               <a:t>Fourth level</a:t>
             </a:r>
           </a:p>
           <a:p>
-            <a:pPr lvl="4" eaLnBrk="1" latinLnBrk="0" hangingPunct="1"/>
+            <a:pPr lvl="4"/>
             <a:r>
               <a:rPr lang="en-US" smtClean="0"/>
               <a:t>Fifth level</a:t>
             </a:r>
-            <a:endParaRPr kumimoji="0" lang="en-US"/>
+            <a:endParaRPr lang="en-US"/>
+          </a:p>
+        </p:txBody>
+      </p:sp>
+      <p:sp>
+        <p:nvSpPr>
+          <p:cNvPr id="5" name="Date Placeholder 13"/>
+          <p:cNvSpPr>
+            <a:spLocks noGrp="1"/>
+          </p:cNvSpPr>
+          <p:nvPr>
+            <p:ph type="dt" sz="half" idx="10"/>
+          </p:nvPr>
+        </p:nvSpPr>
+        <p:spPr/>
+        <p:txBody>
+          <a:bodyPr/>
+          <a:lstStyle>
+            <a:lvl1pPr>
+              <a:defRPr/>
+            </a:lvl1pPr>
+          </a:lstStyle>
+          <a:p>
+            <a:fld id="{55004B5D-1CA2-CD4C-BA45-D2797EC0AABB}" type="datetimeFigureOut">
+              <a:rPr lang="en-US" smtClean="0"/>
+              <a:t>8/17/17</a:t>
+            </a:fld>
+            <a:endParaRPr lang="en-US"/>
+          </a:p>
+        </p:txBody>
+      </p:sp>
+      <p:sp>
+        <p:nvSpPr>
+          <p:cNvPr id="6" name="Footer Placeholder 2"/>
+          <p:cNvSpPr>
+            <a:spLocks noGrp="1"/>
+          </p:cNvSpPr>
+          <p:nvPr>
+            <p:ph type="ftr" sz="quarter" idx="11"/>
+          </p:nvPr>
+        </p:nvSpPr>
+        <p:spPr/>
+        <p:txBody>
+          <a:bodyPr/>
+          <a:lstStyle>
+            <a:lvl1pPr>
+              <a:defRPr/>
+            </a:lvl1pPr>
+          </a:lstStyle>
+          <a:p>
+            <a:endParaRPr lang="en-US"/>
           </a:p>
         </p:txBody>
       </p:sp>
@@ -4794,68 +4956,14 @@
       </p:grpSpPr>
       <p:sp>
         <p:nvSpPr>
-          <p:cNvPr id="4" name="Text Placeholder 3"/>
-          <p:cNvSpPr>
-            <a:spLocks noGrp="1"/>
-          </p:cNvSpPr>
-          <p:nvPr>
-            <p:ph type="body" sz="half" idx="2"/>
-          </p:nvPr>
-        </p:nvSpPr>
-        <p:spPr>
-          <a:xfrm>
-            <a:off x="1600200" y="5486400"/>
-            <a:ext cx="7315200" cy="685800"/>
-          </a:xfrm>
-        </p:spPr>
-        <p:txBody>
-          <a:bodyPr/>
-          <a:lstStyle>
-            <a:lvl1pPr marL="0" indent="0">
-              <a:buFontTx/>
-              <a:buNone/>
-              <a:defRPr sz="1700"/>
-            </a:lvl1pPr>
-            <a:lvl2pPr>
-              <a:buFontTx/>
-              <a:buNone/>
-              <a:defRPr sz="1200"/>
-            </a:lvl2pPr>
-            <a:lvl3pPr>
-              <a:buFontTx/>
-              <a:buNone/>
-              <a:defRPr sz="1000"/>
-            </a:lvl3pPr>
-            <a:lvl4pPr>
-              <a:buFontTx/>
-              <a:buNone/>
-              <a:defRPr sz="900"/>
-            </a:lvl4pPr>
-            <a:lvl5pPr>
-              <a:buFontTx/>
-              <a:buNone/>
-              <a:defRPr sz="900"/>
-            </a:lvl5pPr>
-          </a:lstStyle>
-          <a:p>
-            <a:pPr lvl="0" eaLnBrk="1" latinLnBrk="0" hangingPunct="1"/>
-            <a:r>
-              <a:rPr kumimoji="0" lang="en-US" smtClean="0"/>
-              <a:t>Click to edit Master text styles</a:t>
-            </a:r>
-          </a:p>
-        </p:txBody>
-      </p:sp>
-      <p:sp>
-        <p:nvSpPr>
-          <p:cNvPr id="8" name="Rectangle 7"/>
+          <p:cNvPr id="5" name="Rectangle 7"/>
           <p:cNvSpPr/>
           <p:nvPr/>
         </p:nvSpPr>
         <p:spPr bwMode="white">
           <a:xfrm>
-            <a:off x="-9144" y="4572000"/>
-            <a:ext cx="9144000" cy="886968"/>
+            <a:off x="-12700" y="4572003"/>
+            <a:ext cx="12192000" cy="887413"/>
           </a:xfrm>
           <a:prstGeom prst="rect">
             <a:avLst/>
@@ -4887,21 +4995,29 @@
           <a:bodyPr anchor="ctr"/>
           <a:lstStyle/>
           <a:p>
-            <a:pPr algn="ctr" eaLnBrk="1" latinLnBrk="0" hangingPunct="1"/>
-            <a:endParaRPr kumimoji="0" lang="en-US"/>
-          </a:p>
-        </p:txBody>
-      </p:sp>
-      <p:sp>
-        <p:nvSpPr>
-          <p:cNvPr id="9" name="Rectangle 8"/>
+            <a:pPr algn="ctr" fontAlgn="auto">
+              <a:spcBef>
+                <a:spcPts val="0"/>
+              </a:spcBef>
+              <a:spcAft>
+                <a:spcPts val="0"/>
+              </a:spcAft>
+              <a:defRPr/>
+            </a:pPr>
+            <a:endParaRPr lang="en-US" sz="1350" dirty="0"/>
+          </a:p>
+        </p:txBody>
+      </p:sp>
+      <p:sp>
+        <p:nvSpPr>
+          <p:cNvPr id="6" name="Rectangle 8"/>
           <p:cNvSpPr/>
           <p:nvPr/>
         </p:nvSpPr>
         <p:spPr>
           <a:xfrm>
-            <a:off x="-9144" y="4663440"/>
-            <a:ext cx="1463040" cy="713232"/>
+            <a:off x="-12698" y="4664075"/>
+            <a:ext cx="1951567" cy="712788"/>
           </a:xfrm>
           <a:prstGeom prst="rect">
             <a:avLst/>
@@ -4935,21 +5051,29 @@
           <a:bodyPr anchor="ctr"/>
           <a:lstStyle/>
           <a:p>
-            <a:pPr algn="ctr" eaLnBrk="1" latinLnBrk="0" hangingPunct="1"/>
-            <a:endParaRPr kumimoji="0" lang="en-US"/>
-          </a:p>
-        </p:txBody>
-      </p:sp>
-      <p:sp>
-        <p:nvSpPr>
-          <p:cNvPr id="10" name="Rectangle 9"/>
+            <a:pPr algn="ctr" fontAlgn="auto">
+              <a:spcBef>
+                <a:spcPts val="0"/>
+              </a:spcBef>
+              <a:spcAft>
+                <a:spcPts val="0"/>
+              </a:spcAft>
+              <a:defRPr/>
+            </a:pPr>
+            <a:endParaRPr lang="en-US" sz="1350" dirty="0"/>
+          </a:p>
+        </p:txBody>
+      </p:sp>
+      <p:sp>
+        <p:nvSpPr>
+          <p:cNvPr id="7" name="Rectangle 9"/>
           <p:cNvSpPr/>
           <p:nvPr/>
         </p:nvSpPr>
         <p:spPr>
           <a:xfrm>
-            <a:off x="1545336" y="4654296"/>
-            <a:ext cx="7598664" cy="713232"/>
+            <a:off x="2059517" y="4654550"/>
+            <a:ext cx="10132483" cy="712788"/>
           </a:xfrm>
           <a:prstGeom prst="rect">
             <a:avLst/>
@@ -4983,58 +5107,29 @@
           <a:bodyPr anchor="ctr"/>
           <a:lstStyle/>
           <a:p>
-            <a:pPr algn="ctr" eaLnBrk="1" latinLnBrk="0" hangingPunct="1"/>
-            <a:endParaRPr kumimoji="0" lang="en-US"/>
-          </a:p>
-        </p:txBody>
-      </p:sp>
-      <p:sp>
-        <p:nvSpPr>
-          <p:cNvPr id="2" name="Title 1"/>
-          <p:cNvSpPr>
-            <a:spLocks noGrp="1"/>
-          </p:cNvSpPr>
-          <p:nvPr>
-            <p:ph type="title"/>
-          </p:nvPr>
-        </p:nvSpPr>
-        <p:spPr>
-          <a:xfrm>
-            <a:off x="1600200" y="4648200"/>
-            <a:ext cx="7315200" cy="685800"/>
-          </a:xfrm>
-        </p:spPr>
-        <p:txBody>
-          <a:bodyPr anchor="ctr"/>
-          <a:lstStyle>
-            <a:lvl1pPr algn="l">
-              <a:buNone/>
-              <a:defRPr sz="2800" b="0">
-                <a:solidFill>
-                  <a:srgbClr val="FFFFFF"/>
-                </a:solidFill>
-              </a:defRPr>
-            </a:lvl1pPr>
-          </a:lstStyle>
-          <a:p>
-            <a:r>
-              <a:rPr kumimoji="0" lang="en-US" smtClean="0"/>
-              <a:t>Click to edit Master title style</a:t>
-            </a:r>
-            <a:endParaRPr kumimoji="0" lang="en-US"/>
-          </a:p>
-        </p:txBody>
-      </p:sp>
-      <p:sp>
-        <p:nvSpPr>
-          <p:cNvPr id="11" name="Rectangle 10"/>
+            <a:pPr algn="ctr" fontAlgn="auto">
+              <a:spcBef>
+                <a:spcPts val="0"/>
+              </a:spcBef>
+              <a:spcAft>
+                <a:spcPts val="0"/>
+              </a:spcAft>
+              <a:defRPr/>
+            </a:pPr>
+            <a:endParaRPr lang="en-US" sz="1350" dirty="0"/>
+          </a:p>
+        </p:txBody>
+      </p:sp>
+      <p:sp>
+        <p:nvSpPr>
+          <p:cNvPr id="8" name="Rectangle 10"/>
           <p:cNvSpPr/>
           <p:nvPr/>
         </p:nvSpPr>
         <p:spPr bwMode="white">
           <a:xfrm>
-            <a:off x="1447800" y="0"/>
-            <a:ext cx="100584" cy="6867144"/>
+            <a:off x="1930402" y="3"/>
+            <a:ext cx="133351" cy="6867525"/>
           </a:xfrm>
           <a:prstGeom prst="rect">
             <a:avLst/>
@@ -5066,109 +5161,124 @@
           <a:bodyPr anchor="ctr"/>
           <a:lstStyle/>
           <a:p>
-            <a:pPr algn="ctr" eaLnBrk="1" latinLnBrk="0" hangingPunct="1"/>
-            <a:endParaRPr kumimoji="0" lang="en-US"/>
-          </a:p>
-        </p:txBody>
-      </p:sp>
-      <p:sp>
-        <p:nvSpPr>
-          <p:cNvPr id="12" name="Date Placeholder 11"/>
-          <p:cNvSpPr>
-            <a:spLocks noGrp="1"/>
-          </p:cNvSpPr>
-          <p:nvPr>
-            <p:ph type="dt" sz="half" idx="10"/>
+            <a:pPr algn="ctr" fontAlgn="auto">
+              <a:spcBef>
+                <a:spcPts val="0"/>
+              </a:spcBef>
+              <a:spcAft>
+                <a:spcPts val="0"/>
+              </a:spcAft>
+              <a:defRPr/>
+            </a:pPr>
+            <a:endParaRPr lang="en-US" sz="1350" dirty="0"/>
+          </a:p>
+        </p:txBody>
+      </p:sp>
+      <p:sp>
+        <p:nvSpPr>
+          <p:cNvPr id="4" name="Text Placeholder 3"/>
+          <p:cNvSpPr>
+            <a:spLocks noGrp="1"/>
+          </p:cNvSpPr>
+          <p:nvPr>
+            <p:ph type="body" sz="half" idx="2"/>
           </p:nvPr>
         </p:nvSpPr>
         <p:spPr>
           <a:xfrm>
-            <a:off x="6248400" y="6248400"/>
-            <a:ext cx="2667000" cy="365125"/>
+            <a:off x="2133600" y="5486400"/>
+            <a:ext cx="9753600" cy="685800"/>
           </a:xfrm>
         </p:spPr>
         <p:txBody>
-          <a:bodyPr rtlCol="0"/>
-          <a:lstStyle/>
-          <a:p>
-            <a:fld id="{55004B5D-1CA2-CD4C-BA45-D2797EC0AABB}" type="datetimeFigureOut">
-              <a:rPr lang="en-US" smtClean="0"/>
-              <a:t>9/12/16</a:t>
-            </a:fld>
-            <a:endParaRPr lang="en-US"/>
-          </a:p>
-        </p:txBody>
-      </p:sp>
-      <p:sp>
-        <p:nvSpPr>
-          <p:cNvPr id="13" name="Slide Number Placeholder 12"/>
-          <p:cNvSpPr>
-            <a:spLocks noGrp="1"/>
-          </p:cNvSpPr>
-          <p:nvPr>
-            <p:ph type="sldNum" sz="quarter" idx="11"/>
+          <a:bodyPr/>
+          <a:lstStyle>
+            <a:lvl1pPr marL="0" indent="0">
+              <a:buFontTx/>
+              <a:buNone/>
+              <a:defRPr sz="1275"/>
+            </a:lvl1pPr>
+            <a:lvl2pPr>
+              <a:buFontTx/>
+              <a:buNone/>
+              <a:defRPr sz="900"/>
+            </a:lvl2pPr>
+            <a:lvl3pPr>
+              <a:buFontTx/>
+              <a:buNone/>
+              <a:defRPr sz="750"/>
+            </a:lvl3pPr>
+            <a:lvl4pPr>
+              <a:buFontTx/>
+              <a:buNone/>
+              <a:defRPr sz="675"/>
+            </a:lvl4pPr>
+            <a:lvl5pPr>
+              <a:buFontTx/>
+              <a:buNone/>
+              <a:defRPr sz="675"/>
+            </a:lvl5pPr>
+          </a:lstStyle>
+          <a:p>
+            <a:pPr lvl="0"/>
+            <a:r>
+              <a:rPr lang="en-US" smtClean="0"/>
+              <a:t>Click to edit Master text styles</a:t>
+            </a:r>
+          </a:p>
+        </p:txBody>
+      </p:sp>
+      <p:sp>
+        <p:nvSpPr>
+          <p:cNvPr id="2" name="Title 1"/>
+          <p:cNvSpPr>
+            <a:spLocks noGrp="1"/>
+          </p:cNvSpPr>
+          <p:nvPr>
+            <p:ph type="title"/>
           </p:nvPr>
         </p:nvSpPr>
         <p:spPr>
           <a:xfrm>
-            <a:off x="0" y="4667249"/>
-            <a:ext cx="1447800" cy="663578"/>
+            <a:off x="2133600" y="4648200"/>
+            <a:ext cx="9753600" cy="685800"/>
           </a:xfrm>
         </p:spPr>
         <p:txBody>
-          <a:bodyPr rtlCol="0"/>
+          <a:bodyPr/>
           <a:lstStyle>
-            <a:lvl1pPr>
-              <a:defRPr sz="2800"/>
+            <a:lvl1pPr algn="l">
+              <a:buNone/>
+              <a:defRPr sz="2100" b="0">
+                <a:solidFill>
+                  <a:srgbClr val="FFFFFF"/>
+                </a:solidFill>
+              </a:defRPr>
             </a:lvl1pPr>
           </a:lstStyle>
           <a:p>
-            <a:fld id="{BE5C822F-4CCB-E842-8842-B46490ABC13A}" type="slidenum">
-              <a:rPr lang="en-US" smtClean="0"/>
-              <a:t>‹#›</a:t>
-            </a:fld>
-            <a:endParaRPr lang="en-US"/>
-          </a:p>
-        </p:txBody>
-      </p:sp>
-      <p:sp>
-        <p:nvSpPr>
-          <p:cNvPr id="14" name="Footer Placeholder 13"/>
-          <p:cNvSpPr>
-            <a:spLocks noGrp="1"/>
-          </p:cNvSpPr>
-          <p:nvPr>
-            <p:ph type="ftr" sz="quarter" idx="12"/>
+            <a:r>
+              <a:rPr lang="en-US" smtClean="0"/>
+              <a:t>Click to edit Master title style</a:t>
+            </a:r>
+            <a:endParaRPr lang="en-US" dirty="0"/>
+          </a:p>
+        </p:txBody>
+      </p:sp>
+      <p:sp>
+        <p:nvSpPr>
+          <p:cNvPr id="3" name="Picture Placeholder 2"/>
+          <p:cNvSpPr>
+            <a:spLocks noGrp="1"/>
+          </p:cNvSpPr>
+          <p:nvPr>
+            <p:ph type="pic" idx="1"/>
           </p:nvPr>
         </p:nvSpPr>
         <p:spPr>
           <a:xfrm>
-            <a:off x="1600200" y="6248206"/>
-            <a:ext cx="4572000" cy="365125"/>
-          </a:xfrm>
-        </p:spPr>
-        <p:txBody>
-          <a:bodyPr rtlCol="0"/>
-          <a:lstStyle/>
-          <a:p>
-            <a:endParaRPr lang="en-US"/>
-          </a:p>
-        </p:txBody>
-      </p:sp>
-      <p:sp>
-        <p:nvSpPr>
-          <p:cNvPr id="3" name="Picture Placeholder 2"/>
-          <p:cNvSpPr>
-            <a:spLocks noGrp="1"/>
-          </p:cNvSpPr>
-          <p:nvPr>
-            <p:ph type="pic" idx="1"/>
-          </p:nvPr>
-        </p:nvSpPr>
-        <p:spPr>
-          <a:xfrm>
-            <a:off x="1560576" y="0"/>
-            <a:ext cx="7583424" cy="4568952"/>
+            <a:off x="2080768" y="0"/>
+            <a:ext cx="10111232" cy="4568952"/>
           </a:xfrm>
           <a:solidFill>
             <a:schemeClr val="accent1">
@@ -5180,19 +5290,82 @@
           </a:ln>
         </p:spPr>
         <p:txBody>
-          <a:bodyPr/>
+          <a:bodyPr>
+            <a:normAutofit/>
+          </a:bodyPr>
           <a:lstStyle>
             <a:lvl1pPr marL="0" indent="0">
               <a:buNone/>
-              <a:defRPr sz="3200"/>
+              <a:defRPr sz="2400"/>
             </a:lvl1pPr>
           </a:lstStyle>
           <a:p>
-            <a:r>
-              <a:rPr kumimoji="0" lang="en-US" smtClean="0"/>
+            <a:pPr lvl="0"/>
+            <a:r>
+              <a:rPr lang="en-US" noProof="0" smtClean="0"/>
               <a:t>Drag picture to placeholder or click icon to add</a:t>
             </a:r>
-            <a:endParaRPr kumimoji="0" lang="en-US" dirty="0"/>
+            <a:endParaRPr lang="en-US" noProof="0" dirty="0"/>
+          </a:p>
+        </p:txBody>
+      </p:sp>
+      <p:sp>
+        <p:nvSpPr>
+          <p:cNvPr id="9" name="Date Placeholder 11"/>
+          <p:cNvSpPr>
+            <a:spLocks noGrp="1"/>
+          </p:cNvSpPr>
+          <p:nvPr>
+            <p:ph type="dt" sz="half" idx="10"/>
+          </p:nvPr>
+        </p:nvSpPr>
+        <p:spPr>
+          <a:xfrm>
+            <a:off x="8331200" y="6248403"/>
+            <a:ext cx="3556000" cy="365125"/>
+          </a:xfrm>
+        </p:spPr>
+        <p:txBody>
+          <a:bodyPr rtlCol="0"/>
+          <a:lstStyle>
+            <a:lvl1pPr>
+              <a:defRPr/>
+            </a:lvl1pPr>
+          </a:lstStyle>
+          <a:p>
+            <a:fld id="{55004B5D-1CA2-CD4C-BA45-D2797EC0AABB}" type="datetimeFigureOut">
+              <a:rPr lang="en-US" smtClean="0"/>
+              <a:t>8/17/17</a:t>
+            </a:fld>
+            <a:endParaRPr lang="en-US"/>
+          </a:p>
+        </p:txBody>
+      </p:sp>
+      <p:sp>
+        <p:nvSpPr>
+          <p:cNvPr id="11" name="Footer Placeholder 13"/>
+          <p:cNvSpPr>
+            <a:spLocks noGrp="1"/>
+          </p:cNvSpPr>
+          <p:nvPr>
+            <p:ph type="ftr" sz="quarter" idx="12"/>
+          </p:nvPr>
+        </p:nvSpPr>
+        <p:spPr>
+          <a:xfrm>
+            <a:off x="2133600" y="6248403"/>
+            <a:ext cx="6096000" cy="365125"/>
+          </a:xfrm>
+        </p:spPr>
+        <p:txBody>
+          <a:bodyPr rtlCol="0"/>
+          <a:lstStyle>
+            <a:lvl1pPr>
+              <a:defRPr/>
+            </a:lvl1pPr>
+          </a:lstStyle>
+          <a:p>
+            <a:endParaRPr lang="en-US"/>
           </a:p>
         </p:txBody>
       </p:sp>
@@ -5228,169 +5401,206 @@
       </p:grpSpPr>
       <p:sp>
         <p:nvSpPr>
-          <p:cNvPr id="22" name="Title Placeholder 21"/>
+          <p:cNvPr id="1026" name="Title Placeholder 21"/>
           <p:cNvSpPr>
             <a:spLocks noGrp="1"/>
           </p:cNvSpPr>
           <p:nvPr>
             <p:ph type="title"/>
+          </p:nvPr>
+        </p:nvSpPr>
+        <p:spPr bwMode="auto">
+          <a:xfrm>
+            <a:off x="812800" y="228600"/>
+            <a:ext cx="10871200" cy="990600"/>
+          </a:xfrm>
+          <a:prstGeom prst="rect">
+            <a:avLst/>
+          </a:prstGeom>
+          <a:noFill/>
+          <a:ln w="9525">
+            <a:noFill/>
+            <a:miter lim="800000"/>
+            <a:headEnd/>
+            <a:tailEnd/>
+          </a:ln>
+        </p:spPr>
+        <p:txBody>
+          <a:bodyPr vert="horz" wrap="square" lIns="91440" tIns="45720" rIns="91440" bIns="45720" numCol="1" anchor="ctr" anchorCtr="0" compatLnSpc="1">
+            <a:prstTxWarp prst="textNoShape">
+              <a:avLst/>
+            </a:prstTxWarp>
+          </a:bodyPr>
+          <a:lstStyle/>
+          <a:p>
+            <a:pPr lvl="0"/>
+            <a:r>
+              <a:rPr lang="en-US" smtClean="0"/>
+              <a:t>Click to edit Master title style</a:t>
+            </a:r>
+            <a:endParaRPr lang="en-US" dirty="0" smtClean="0"/>
+          </a:p>
+        </p:txBody>
+      </p:sp>
+      <p:sp>
+        <p:nvSpPr>
+          <p:cNvPr id="1027" name="Text Placeholder 12"/>
+          <p:cNvSpPr>
+            <a:spLocks noGrp="1"/>
+          </p:cNvSpPr>
+          <p:nvPr>
+            <p:ph type="body" idx="1"/>
+          </p:nvPr>
+        </p:nvSpPr>
+        <p:spPr bwMode="auto">
+          <a:xfrm>
+            <a:off x="817033" y="1600203"/>
+            <a:ext cx="10871200" cy="4525963"/>
+          </a:xfrm>
+          <a:prstGeom prst="rect">
+            <a:avLst/>
+          </a:prstGeom>
+          <a:noFill/>
+          <a:ln w="9525">
+            <a:noFill/>
+            <a:miter lim="800000"/>
+            <a:headEnd/>
+            <a:tailEnd/>
+          </a:ln>
+        </p:spPr>
+        <p:txBody>
+          <a:bodyPr vert="horz" wrap="square" lIns="91440" tIns="45720" rIns="91440" bIns="45720" numCol="1" anchor="t" anchorCtr="0" compatLnSpc="1">
+            <a:prstTxWarp prst="textNoShape">
+              <a:avLst/>
+            </a:prstTxWarp>
+          </a:bodyPr>
+          <a:lstStyle/>
+          <a:p>
+            <a:pPr lvl="0"/>
+            <a:r>
+              <a:rPr lang="en-US" smtClean="0"/>
+              <a:t>Click to edit Master text styles</a:t>
+            </a:r>
+          </a:p>
+          <a:p>
+            <a:pPr lvl="1"/>
+            <a:r>
+              <a:rPr lang="en-US" smtClean="0"/>
+              <a:t>Second level</a:t>
+            </a:r>
+          </a:p>
+          <a:p>
+            <a:pPr lvl="2"/>
+            <a:r>
+              <a:rPr lang="en-US" smtClean="0"/>
+              <a:t>Third level</a:t>
+            </a:r>
+          </a:p>
+          <a:p>
+            <a:pPr lvl="3"/>
+            <a:r>
+              <a:rPr lang="en-US" smtClean="0"/>
+              <a:t>Fourth level</a:t>
+            </a:r>
+          </a:p>
+          <a:p>
+            <a:pPr lvl="4"/>
+            <a:r>
+              <a:rPr lang="en-US" smtClean="0"/>
+              <a:t>Fifth level</a:t>
+            </a:r>
+            <a:endParaRPr lang="en-US" dirty="0" smtClean="0"/>
+          </a:p>
+        </p:txBody>
+      </p:sp>
+      <p:sp>
+        <p:nvSpPr>
+          <p:cNvPr id="14" name="Date Placeholder 13"/>
+          <p:cNvSpPr>
+            <a:spLocks noGrp="1"/>
+          </p:cNvSpPr>
+          <p:nvPr>
+            <p:ph type="dt" sz="half" idx="2"/>
           </p:nvPr>
         </p:nvSpPr>
         <p:spPr>
           <a:xfrm>
-            <a:off x="609600" y="228600"/>
-            <a:ext cx="8153400" cy="990600"/>
+            <a:off x="8128000" y="6248403"/>
+            <a:ext cx="3556000" cy="365125"/>
           </a:xfrm>
           <a:prstGeom prst="rect">
             <a:avLst/>
           </a:prstGeom>
         </p:spPr>
         <p:txBody>
-          <a:bodyPr vert="horz" anchor="ctr">
-            <a:normAutofit/>
-          </a:bodyPr>
-          <a:lstStyle/>
-          <a:p>
-            <a:r>
-              <a:rPr kumimoji="0" lang="en-US" smtClean="0"/>
-              <a:t>Click to edit Master title style</a:t>
-            </a:r>
-            <a:endParaRPr kumimoji="0" lang="en-US" dirty="0"/>
-          </a:p>
-        </p:txBody>
-      </p:sp>
-      <p:sp>
-        <p:nvSpPr>
-          <p:cNvPr id="13" name="Text Placeholder 12"/>
-          <p:cNvSpPr>
-            <a:spLocks noGrp="1"/>
-          </p:cNvSpPr>
-          <p:nvPr>
-            <p:ph type="body" idx="1"/>
+          <a:bodyPr vert="horz" anchor="ctr" anchorCtr="0"/>
+          <a:lstStyle>
+            <a:lvl1pPr algn="l" eaLnBrk="1" fontAlgn="auto" latinLnBrk="0" hangingPunct="1">
+              <a:spcBef>
+                <a:spcPts val="0"/>
+              </a:spcBef>
+              <a:spcAft>
+                <a:spcPts val="0"/>
+              </a:spcAft>
+              <a:defRPr kumimoji="0" sz="1050" b="0" i="0" smtClean="0">
+                <a:solidFill>
+                  <a:schemeClr val="tx2"/>
+                </a:solidFill>
+                <a:latin typeface="Helvetica Neue Light" charset="0"/>
+                <a:ea typeface="Helvetica Neue Light" charset="0"/>
+                <a:cs typeface="Helvetica Neue Light" charset="0"/>
+              </a:defRPr>
+            </a:lvl1pPr>
+          </a:lstStyle>
+          <a:p>
+            <a:fld id="{55004B5D-1CA2-CD4C-BA45-D2797EC0AABB}" type="datetimeFigureOut">
+              <a:rPr lang="en-US" smtClean="0"/>
+              <a:t>8/17/17</a:t>
+            </a:fld>
+            <a:endParaRPr lang="en-US"/>
+          </a:p>
+        </p:txBody>
+      </p:sp>
+      <p:sp>
+        <p:nvSpPr>
+          <p:cNvPr id="3" name="Footer Placeholder 2"/>
+          <p:cNvSpPr>
+            <a:spLocks noGrp="1"/>
+          </p:cNvSpPr>
+          <p:nvPr>
+            <p:ph type="ftr" sz="quarter" idx="3"/>
           </p:nvPr>
         </p:nvSpPr>
         <p:spPr>
           <a:xfrm>
-            <a:off x="612648" y="1600200"/>
-            <a:ext cx="8153400" cy="4526280"/>
+            <a:off x="812802" y="6248403"/>
+            <a:ext cx="7228417" cy="365125"/>
           </a:xfrm>
           <a:prstGeom prst="rect">
             <a:avLst/>
           </a:prstGeom>
         </p:spPr>
         <p:txBody>
-          <a:bodyPr vert="horz">
-            <a:normAutofit/>
-          </a:bodyPr>
-          <a:lstStyle/>
-          <a:p>
-            <a:pPr lvl="0" eaLnBrk="1" latinLnBrk="0" hangingPunct="1"/>
-            <a:r>
-              <a:rPr kumimoji="0" lang="en-US" smtClean="0"/>
-              <a:t>Click to edit Master text styles</a:t>
-            </a:r>
-          </a:p>
-          <a:p>
-            <a:pPr lvl="1" eaLnBrk="1" latinLnBrk="0" hangingPunct="1"/>
-            <a:r>
-              <a:rPr kumimoji="0" lang="en-US" smtClean="0"/>
-              <a:t>Second level</a:t>
-            </a:r>
-          </a:p>
-          <a:p>
-            <a:pPr lvl="2" eaLnBrk="1" latinLnBrk="0" hangingPunct="1"/>
-            <a:r>
-              <a:rPr kumimoji="0" lang="en-US" smtClean="0"/>
-              <a:t>Third level</a:t>
-            </a:r>
-          </a:p>
-          <a:p>
-            <a:pPr lvl="3" eaLnBrk="1" latinLnBrk="0" hangingPunct="1"/>
-            <a:r>
-              <a:rPr kumimoji="0" lang="en-US" smtClean="0"/>
-              <a:t>Fourth level</a:t>
-            </a:r>
-          </a:p>
-          <a:p>
-            <a:pPr lvl="4" eaLnBrk="1" latinLnBrk="0" hangingPunct="1"/>
-            <a:r>
-              <a:rPr kumimoji="0" lang="en-US" smtClean="0"/>
-              <a:t>Fifth level</a:t>
-            </a:r>
-            <a:endParaRPr kumimoji="0" lang="en-US"/>
-          </a:p>
-        </p:txBody>
-      </p:sp>
-      <p:sp>
-        <p:nvSpPr>
-          <p:cNvPr id="14" name="Date Placeholder 13"/>
-          <p:cNvSpPr>
-            <a:spLocks noGrp="1"/>
-          </p:cNvSpPr>
-          <p:nvPr>
-            <p:ph type="dt" sz="half" idx="2"/>
-          </p:nvPr>
-        </p:nvSpPr>
-        <p:spPr>
-          <a:xfrm>
-            <a:off x="6096000" y="6248400"/>
-            <a:ext cx="2667000" cy="365125"/>
-          </a:xfrm>
-          <a:prstGeom prst="rect">
-            <a:avLst/>
-          </a:prstGeom>
-        </p:spPr>
-        <p:txBody>
-          <a:bodyPr vert="horz" anchor="ctr" anchorCtr="0"/>
+          <a:bodyPr vert="horz" anchor="ctr"/>
           <a:lstStyle>
-            <a:lvl1pPr algn="l" eaLnBrk="1" latinLnBrk="0" hangingPunct="1">
-              <a:defRPr kumimoji="0" sz="1400">
+            <a:lvl1pPr algn="r" eaLnBrk="1" fontAlgn="auto" latinLnBrk="0" hangingPunct="1">
+              <a:spcBef>
+                <a:spcPts val="0"/>
+              </a:spcBef>
+              <a:spcAft>
+                <a:spcPts val="0"/>
+              </a:spcAft>
+              <a:defRPr kumimoji="0" sz="1050" b="0" i="0">
                 <a:solidFill>
                   <a:schemeClr val="tx2"/>
                 </a:solidFill>
+                <a:latin typeface="Helvetica Neue Light" charset="0"/>
+                <a:ea typeface="Helvetica Neue Light" charset="0"/>
+                <a:cs typeface="Helvetica Neue Light" charset="0"/>
               </a:defRPr>
             </a:lvl1pPr>
           </a:lstStyle>
           <a:p>
-            <a:fld id="{55004B5D-1CA2-CD4C-BA45-D2797EC0AABB}" type="datetimeFigureOut">
-              <a:rPr lang="en-US" smtClean="0"/>
-              <a:t>9/12/16</a:t>
-            </a:fld>
-            <a:endParaRPr lang="en-US"/>
-          </a:p>
-        </p:txBody>
-      </p:sp>
-      <p:sp>
-        <p:nvSpPr>
-          <p:cNvPr id="3" name="Footer Placeholder 2"/>
-          <p:cNvSpPr>
-            <a:spLocks noGrp="1"/>
-          </p:cNvSpPr>
-          <p:nvPr>
-            <p:ph type="ftr" sz="quarter" idx="3"/>
-          </p:nvPr>
-        </p:nvSpPr>
-        <p:spPr>
-          <a:xfrm>
-            <a:off x="609600" y="6248206"/>
-            <a:ext cx="5421083" cy="365125"/>
-          </a:xfrm>
-          <a:prstGeom prst="rect">
-            <a:avLst/>
-          </a:prstGeom>
-        </p:spPr>
-        <p:txBody>
-          <a:bodyPr vert="horz" anchor="ctr"/>
-          <a:lstStyle>
-            <a:lvl1pPr algn="r" eaLnBrk="1" latinLnBrk="0" hangingPunct="1">
-              <a:defRPr kumimoji="0" sz="1400">
-                <a:solidFill>
-                  <a:schemeClr val="tx2"/>
-                </a:solidFill>
-              </a:defRPr>
-            </a:lvl1pPr>
-          </a:lstStyle>
-          <a:p>
             <a:endParaRPr lang="en-US"/>
           </a:p>
         </p:txBody>
@@ -5403,8 +5613,8 @@
         </p:nvSpPr>
         <p:spPr bwMode="white">
           <a:xfrm>
-            <a:off x="0" y="1234440"/>
-            <a:ext cx="9144000" cy="320040"/>
+            <a:off x="0" y="1235075"/>
+            <a:ext cx="12192000" cy="319088"/>
           </a:xfrm>
           <a:prstGeom prst="rect">
             <a:avLst/>
@@ -5436,8 +5646,16 @@
           <a:bodyPr anchor="ctr"/>
           <a:lstStyle/>
           <a:p>
-            <a:pPr algn="ctr" eaLnBrk="1" latinLnBrk="0" hangingPunct="1"/>
-            <a:endParaRPr kumimoji="0" lang="en-US"/>
+            <a:pPr algn="ctr" fontAlgn="auto">
+              <a:spcBef>
+                <a:spcPts val="0"/>
+              </a:spcBef>
+              <a:spcAft>
+                <a:spcPts val="0"/>
+              </a:spcAft>
+              <a:defRPr/>
+            </a:pPr>
+            <a:endParaRPr lang="en-US" sz="1350" dirty="0"/>
           </a:p>
         </p:txBody>
       </p:sp>
@@ -5449,8 +5667,8 @@
         </p:nvSpPr>
         <p:spPr>
           <a:xfrm>
-            <a:off x="0" y="1280160"/>
-            <a:ext cx="533400" cy="228600"/>
+            <a:off x="0" y="1279525"/>
+            <a:ext cx="711200" cy="228600"/>
           </a:xfrm>
           <a:prstGeom prst="rect">
             <a:avLst/>
@@ -5484,8 +5702,16 @@
           <a:bodyPr anchor="ctr"/>
           <a:lstStyle/>
           <a:p>
-            <a:pPr algn="ctr" eaLnBrk="1" latinLnBrk="0" hangingPunct="1"/>
-            <a:endParaRPr kumimoji="0" lang="en-US"/>
+            <a:pPr algn="ctr" fontAlgn="auto">
+              <a:spcBef>
+                <a:spcPts val="0"/>
+              </a:spcBef>
+              <a:spcAft>
+                <a:spcPts val="0"/>
+              </a:spcAft>
+              <a:defRPr/>
+            </a:pPr>
+            <a:endParaRPr lang="en-US" sz="1350" dirty="0"/>
           </a:p>
         </p:txBody>
       </p:sp>
@@ -5497,8 +5723,8 @@
         </p:nvSpPr>
         <p:spPr>
           <a:xfrm>
-            <a:off x="590550" y="1280160"/>
-            <a:ext cx="8553450" cy="228600"/>
+            <a:off x="787400" y="1279525"/>
+            <a:ext cx="11404600" cy="228600"/>
           </a:xfrm>
           <a:prstGeom prst="rect">
             <a:avLst/>
@@ -5532,182 +5758,290 @@
           <a:bodyPr anchor="ctr"/>
           <a:lstStyle/>
           <a:p>
-            <a:pPr algn="ctr" eaLnBrk="1" latinLnBrk="0" hangingPunct="1"/>
-            <a:endParaRPr kumimoji="0" lang="en-US"/>
-          </a:p>
-        </p:txBody>
-      </p:sp>
-      <p:sp>
-        <p:nvSpPr>
-          <p:cNvPr id="23" name="Slide Number Placeholder 22"/>
-          <p:cNvSpPr>
-            <a:spLocks noGrp="1"/>
-          </p:cNvSpPr>
-          <p:nvPr>
-            <p:ph type="sldNum" sz="quarter" idx="4"/>
-          </p:nvPr>
-        </p:nvSpPr>
-        <p:spPr>
-          <a:xfrm>
-            <a:off x="0" y="1272222"/>
-            <a:ext cx="533400" cy="244476"/>
-          </a:xfrm>
-          <a:prstGeom prst="rect">
-            <a:avLst/>
-          </a:prstGeom>
-        </p:spPr>
-        <p:txBody>
-          <a:bodyPr vert="horz" anchor="ctr" anchorCtr="0">
-            <a:normAutofit/>
-          </a:bodyPr>
-          <a:lstStyle>
-            <a:lvl1pPr algn="ctr" eaLnBrk="1" latinLnBrk="0" hangingPunct="1">
-              <a:defRPr kumimoji="0" sz="1400" b="1">
-                <a:solidFill>
-                  <a:srgbClr val="FFFFFF"/>
-                </a:solidFill>
-              </a:defRPr>
-            </a:lvl1pPr>
-          </a:lstStyle>
-          <a:p>
-            <a:fld id="{BE5C822F-4CCB-E842-8842-B46490ABC13A}" type="slidenum">
-              <a:rPr lang="en-US" smtClean="0"/>
-              <a:t>‹#›</a:t>
-            </a:fld>
-            <a:endParaRPr lang="en-US"/>
+            <a:pPr algn="ctr" fontAlgn="auto">
+              <a:spcBef>
+                <a:spcPts val="0"/>
+              </a:spcBef>
+              <a:spcAft>
+                <a:spcPts val="0"/>
+              </a:spcAft>
+              <a:defRPr/>
+            </a:pPr>
+            <a:endParaRPr lang="en-US" sz="1350" dirty="0"/>
           </a:p>
         </p:txBody>
       </p:sp>
     </p:spTree>
+    <p:extLst>
+      <p:ext uri="{BB962C8B-B14F-4D97-AF65-F5344CB8AC3E}">
+        <p14:creationId xmlns:p14="http://schemas.microsoft.com/office/powerpoint/2010/main" val="1468386918"/>
+      </p:ext>
+    </p:extLst>
   </p:cSld>
   <p:clrMap bg1="dk1" tx1="lt1" bg2="dk2" tx2="lt2" accent1="accent1" accent2="accent2" accent3="accent3" accent4="accent4" accent5="accent5" accent6="accent6" hlink="hlink" folHlink="folHlink"/>
   <p:sldLayoutIdLst>
-    <p:sldLayoutId id="2147483661" r:id="rId1"/>
-    <p:sldLayoutId id="2147483662" r:id="rId2"/>
-    <p:sldLayoutId id="2147483663" r:id="rId3"/>
-    <p:sldLayoutId id="2147483664" r:id="rId4"/>
-    <p:sldLayoutId id="2147483665" r:id="rId5"/>
-    <p:sldLayoutId id="2147483666" r:id="rId6"/>
-    <p:sldLayoutId id="2147483667" r:id="rId7"/>
-    <p:sldLayoutId id="2147483668" r:id="rId8"/>
-    <p:sldLayoutId id="2147483669" r:id="rId9"/>
-    <p:sldLayoutId id="2147483670" r:id="rId10"/>
-    <p:sldLayoutId id="2147483671" r:id="rId11"/>
+    <p:sldLayoutId id="2147483673" r:id="rId1"/>
+    <p:sldLayoutId id="2147483674" r:id="rId2"/>
+    <p:sldLayoutId id="2147483675" r:id="rId3"/>
+    <p:sldLayoutId id="2147483676" r:id="rId4"/>
+    <p:sldLayoutId id="2147483677" r:id="rId5"/>
+    <p:sldLayoutId id="2147483678" r:id="rId6"/>
+    <p:sldLayoutId id="2147483679" r:id="rId7"/>
+    <p:sldLayoutId id="2147483680" r:id="rId8"/>
+    <p:sldLayoutId id="2147483681" r:id="rId9"/>
+    <p:sldLayoutId id="2147483682" r:id="rId10"/>
+    <p:sldLayoutId id="2147483683" r:id="rId11"/>
   </p:sldLayoutIdLst>
+  <p:timing>
+    <p:tnLst>
+      <p:par>
+        <p:cTn id="1" dur="indefinite" restart="never" nodeType="tmRoot"/>
+      </p:par>
+    </p:tnLst>
+  </p:timing>
   <p:txStyles>
     <p:titleStyle>
-      <a:lvl1pPr algn="l" rtl="0" eaLnBrk="1" latinLnBrk="0" hangingPunct="1">
+      <a:lvl1pPr algn="l" rtl="0" eaLnBrk="1" fontAlgn="base" hangingPunct="1">
         <a:spcBef>
           <a:spcPct val="0"/>
         </a:spcBef>
-        <a:buNone/>
-        <a:defRPr kumimoji="0" sz="4400" kern="1200">
+        <a:spcAft>
+          <a:spcPct val="0"/>
+        </a:spcAft>
+        <a:defRPr sz="3300" b="0" i="0" kern="1200">
           <a:solidFill>
             <a:schemeClr val="tx2"/>
           </a:solidFill>
-          <a:latin typeface="+mj-lt"/>
-          <a:ea typeface="+mj-ea"/>
-          <a:cs typeface="+mj-cs"/>
+          <a:latin typeface="Helvetica Neue Light" charset="0"/>
+          <a:ea typeface="Helvetica Neue Light" charset="0"/>
+          <a:cs typeface="Helvetica Neue Light" charset="0"/>
         </a:defRPr>
       </a:lvl1pPr>
+      <a:lvl2pPr algn="l" rtl="0" eaLnBrk="1" fontAlgn="base" hangingPunct="1">
+        <a:spcBef>
+          <a:spcPct val="0"/>
+        </a:spcBef>
+        <a:spcAft>
+          <a:spcPct val="0"/>
+        </a:spcAft>
+        <a:defRPr sz="3300">
+          <a:solidFill>
+            <a:schemeClr val="tx2"/>
+          </a:solidFill>
+          <a:latin typeface="Verdana" pitchFamily="34" charset="0"/>
+        </a:defRPr>
+      </a:lvl2pPr>
+      <a:lvl3pPr algn="l" rtl="0" eaLnBrk="1" fontAlgn="base" hangingPunct="1">
+        <a:spcBef>
+          <a:spcPct val="0"/>
+        </a:spcBef>
+        <a:spcAft>
+          <a:spcPct val="0"/>
+        </a:spcAft>
+        <a:defRPr sz="3300">
+          <a:solidFill>
+            <a:schemeClr val="tx2"/>
+          </a:solidFill>
+          <a:latin typeface="Verdana" pitchFamily="34" charset="0"/>
+        </a:defRPr>
+      </a:lvl3pPr>
+      <a:lvl4pPr algn="l" rtl="0" eaLnBrk="1" fontAlgn="base" hangingPunct="1">
+        <a:spcBef>
+          <a:spcPct val="0"/>
+        </a:spcBef>
+        <a:spcAft>
+          <a:spcPct val="0"/>
+        </a:spcAft>
+        <a:defRPr sz="3300">
+          <a:solidFill>
+            <a:schemeClr val="tx2"/>
+          </a:solidFill>
+          <a:latin typeface="Verdana" pitchFamily="34" charset="0"/>
+        </a:defRPr>
+      </a:lvl4pPr>
+      <a:lvl5pPr algn="l" rtl="0" eaLnBrk="1" fontAlgn="base" hangingPunct="1">
+        <a:spcBef>
+          <a:spcPct val="0"/>
+        </a:spcBef>
+        <a:spcAft>
+          <a:spcPct val="0"/>
+        </a:spcAft>
+        <a:defRPr sz="3300">
+          <a:solidFill>
+            <a:schemeClr val="tx2"/>
+          </a:solidFill>
+          <a:latin typeface="Verdana" pitchFamily="34" charset="0"/>
+        </a:defRPr>
+      </a:lvl5pPr>
+      <a:lvl6pPr marL="342900" algn="l" rtl="0" eaLnBrk="1" fontAlgn="base" hangingPunct="1">
+        <a:spcBef>
+          <a:spcPct val="0"/>
+        </a:spcBef>
+        <a:spcAft>
+          <a:spcPct val="0"/>
+        </a:spcAft>
+        <a:defRPr sz="3300">
+          <a:solidFill>
+            <a:schemeClr val="tx2"/>
+          </a:solidFill>
+          <a:latin typeface="Verdana" pitchFamily="34" charset="0"/>
+        </a:defRPr>
+      </a:lvl6pPr>
+      <a:lvl7pPr marL="685800" algn="l" rtl="0" eaLnBrk="1" fontAlgn="base" hangingPunct="1">
+        <a:spcBef>
+          <a:spcPct val="0"/>
+        </a:spcBef>
+        <a:spcAft>
+          <a:spcPct val="0"/>
+        </a:spcAft>
+        <a:defRPr sz="3300">
+          <a:solidFill>
+            <a:schemeClr val="tx2"/>
+          </a:solidFill>
+          <a:latin typeface="Verdana" pitchFamily="34" charset="0"/>
+        </a:defRPr>
+      </a:lvl7pPr>
+      <a:lvl8pPr marL="1028700" algn="l" rtl="0" eaLnBrk="1" fontAlgn="base" hangingPunct="1">
+        <a:spcBef>
+          <a:spcPct val="0"/>
+        </a:spcBef>
+        <a:spcAft>
+          <a:spcPct val="0"/>
+        </a:spcAft>
+        <a:defRPr sz="3300">
+          <a:solidFill>
+            <a:schemeClr val="tx2"/>
+          </a:solidFill>
+          <a:latin typeface="Verdana" pitchFamily="34" charset="0"/>
+        </a:defRPr>
+      </a:lvl8pPr>
+      <a:lvl9pPr marL="1371600" algn="l" rtl="0" eaLnBrk="1" fontAlgn="base" hangingPunct="1">
+        <a:spcBef>
+          <a:spcPct val="0"/>
+        </a:spcBef>
+        <a:spcAft>
+          <a:spcPct val="0"/>
+        </a:spcAft>
+        <a:defRPr sz="3300">
+          <a:solidFill>
+            <a:schemeClr val="tx2"/>
+          </a:solidFill>
+          <a:latin typeface="Verdana" pitchFamily="34" charset="0"/>
+        </a:defRPr>
+      </a:lvl9pPr>
     </p:titleStyle>
     <p:bodyStyle>
-      <a:lvl1pPr marL="320040" indent="-320040" algn="l" rtl="0" eaLnBrk="1" latinLnBrk="0" hangingPunct="1">
+      <a:lvl1pPr marL="239316" indent="-239316" algn="l" rtl="0" eaLnBrk="1" fontAlgn="base" hangingPunct="1">
         <a:spcBef>
-          <a:spcPts val="700"/>
+          <a:spcPts val="525"/>
         </a:spcBef>
+        <a:spcAft>
+          <a:spcPct val="0"/>
+        </a:spcAft>
         <a:buClr>
           <a:schemeClr val="accent2"/>
         </a:buClr>
         <a:buSzPct val="60000"/>
-        <a:buFont typeface="Wingdings"/>
+        <a:buFont typeface="Wingdings" pitchFamily="2" charset="2"/>
         <a:buChar char=""/>
-        <a:defRPr kumimoji="0" sz="2900" kern="1200">
+        <a:defRPr sz="2175" b="0" i="0" kern="1200">
           <a:solidFill>
             <a:schemeClr val="tx1"/>
           </a:solidFill>
-          <a:latin typeface="+mn-lt"/>
-          <a:ea typeface="+mn-ea"/>
-          <a:cs typeface="+mn-cs"/>
+          <a:latin typeface="Helvetica Neue Light" charset="0"/>
+          <a:ea typeface="Helvetica Neue Light" charset="0"/>
+          <a:cs typeface="Helvetica Neue Light" charset="0"/>
         </a:defRPr>
       </a:lvl1pPr>
-      <a:lvl2pPr marL="640080" indent="-274320" algn="l" rtl="0" eaLnBrk="1" latinLnBrk="0" hangingPunct="1">
+      <a:lvl2pPr marL="479822" indent="-204788" algn="l" rtl="0" eaLnBrk="1" fontAlgn="base" hangingPunct="1">
         <a:spcBef>
-          <a:spcPts val="550"/>
+          <a:spcPts val="413"/>
         </a:spcBef>
+        <a:spcAft>
+          <a:spcPct val="0"/>
+        </a:spcAft>
         <a:buClr>
           <a:schemeClr val="accent1"/>
         </a:buClr>
         <a:buSzPct val="70000"/>
-        <a:buFont typeface="Wingdings 2"/>
+        <a:buFont typeface="Wingdings 2" pitchFamily="18" charset="2"/>
         <a:buChar char=""/>
-        <a:defRPr kumimoji="0" sz="2600" kern="1200">
+        <a:defRPr sz="1950" b="0" i="0" kern="1200">
           <a:solidFill>
             <a:schemeClr val="tx1"/>
           </a:solidFill>
-          <a:latin typeface="+mn-lt"/>
-          <a:ea typeface="+mn-ea"/>
-          <a:cs typeface="+mn-cs"/>
+          <a:latin typeface="Helvetica Neue Light" charset="0"/>
+          <a:ea typeface="Helvetica Neue Light" charset="0"/>
+          <a:cs typeface="Helvetica Neue Light" charset="0"/>
         </a:defRPr>
       </a:lvl2pPr>
-      <a:lvl3pPr marL="914400" indent="-228600" algn="l" rtl="0" eaLnBrk="1" latinLnBrk="0" hangingPunct="1">
+      <a:lvl3pPr marL="685800" indent="-171450" algn="l" rtl="0" eaLnBrk="1" fontAlgn="base" hangingPunct="1">
         <a:spcBef>
-          <a:spcPts val="500"/>
+          <a:spcPts val="375"/>
         </a:spcBef>
+        <a:spcAft>
+          <a:spcPct val="0"/>
+        </a:spcAft>
         <a:buClr>
           <a:schemeClr val="accent2"/>
         </a:buClr>
         <a:buSzPct val="75000"/>
-        <a:buFont typeface="Wingdings"/>
+        <a:buFont typeface="Wingdings" pitchFamily="2" charset="2"/>
         <a:buChar char=""/>
-        <a:defRPr kumimoji="0" sz="2300" kern="1200">
+        <a:defRPr sz="1725" b="0" i="0" kern="1200">
           <a:solidFill>
             <a:schemeClr val="tx1"/>
           </a:solidFill>
-          <a:latin typeface="+mn-lt"/>
-          <a:ea typeface="+mn-ea"/>
-          <a:cs typeface="+mn-cs"/>
+          <a:latin typeface="Helvetica Neue Light" charset="0"/>
+          <a:ea typeface="Helvetica Neue Light" charset="0"/>
+          <a:cs typeface="Helvetica Neue Light" charset="0"/>
         </a:defRPr>
       </a:lvl3pPr>
-      <a:lvl4pPr marL="1371600" indent="-228600" algn="l" rtl="0" eaLnBrk="1" latinLnBrk="0" hangingPunct="1">
+      <a:lvl4pPr marL="1028700" indent="-171450" algn="l" rtl="0" eaLnBrk="1" fontAlgn="base" hangingPunct="1">
         <a:spcBef>
-          <a:spcPts val="400"/>
+          <a:spcPts val="300"/>
         </a:spcBef>
+        <a:spcAft>
+          <a:spcPct val="0"/>
+        </a:spcAft>
         <a:buClr>
-          <a:schemeClr val="accent3"/>
+          <a:srgbClr val="E66C7D"/>
         </a:buClr>
         <a:buSzPct val="75000"/>
-        <a:buFont typeface="Wingdings"/>
+        <a:buFont typeface="Wingdings" pitchFamily="2" charset="2"/>
         <a:buChar char=""/>
-        <a:defRPr kumimoji="0" sz="2000" kern="1200">
+        <a:defRPr sz="1500" b="0" i="0" kern="1200">
           <a:solidFill>
             <a:schemeClr val="tx1"/>
           </a:solidFill>
-          <a:latin typeface="+mn-lt"/>
-          <a:ea typeface="+mn-ea"/>
-          <a:cs typeface="+mn-cs"/>
+          <a:latin typeface="Helvetica Neue Light" charset="0"/>
+          <a:ea typeface="Helvetica Neue Light" charset="0"/>
+          <a:cs typeface="Helvetica Neue Light" charset="0"/>
         </a:defRPr>
       </a:lvl4pPr>
-      <a:lvl5pPr marL="1828800" indent="-228600" algn="l" rtl="0" eaLnBrk="1" latinLnBrk="0" hangingPunct="1">
+      <a:lvl5pPr marL="1371600" indent="-171450" algn="l" rtl="0" eaLnBrk="1" fontAlgn="base" hangingPunct="1">
         <a:spcBef>
-          <a:spcPts val="400"/>
+          <a:spcPts val="300"/>
         </a:spcBef>
+        <a:spcAft>
+          <a:spcPct val="0"/>
+        </a:spcAft>
         <a:buClr>
-          <a:schemeClr val="accent4"/>
+          <a:srgbClr val="6BB76D"/>
         </a:buClr>
         <a:buSzPct val="65000"/>
-        <a:buFont typeface="Wingdings"/>
+        <a:buFont typeface="Wingdings" pitchFamily="2" charset="2"/>
         <a:buChar char=""/>
-        <a:defRPr kumimoji="0" sz="2000" kern="1200">
+        <a:defRPr sz="1500" b="0" i="0" kern="1200">
           <a:solidFill>
             <a:schemeClr val="tx1"/>
           </a:solidFill>
-          <a:latin typeface="+mn-lt"/>
-          <a:ea typeface="+mn-ea"/>
-          <a:cs typeface="+mn-cs"/>
+          <a:latin typeface="Helvetica Neue Light" charset="0"/>
+          <a:ea typeface="Helvetica Neue Light" charset="0"/>
+          <a:cs typeface="Helvetica Neue Light" charset="0"/>
         </a:defRPr>
       </a:lvl5pPr>
-      <a:lvl6pPr marL="2103120" indent="-228600" algn="l" rtl="0" eaLnBrk="1" latinLnBrk="0" hangingPunct="1">
+      <a:lvl6pPr marL="1577340" indent="-171450" algn="l" rtl="0" eaLnBrk="1" latinLnBrk="0" hangingPunct="1">
         <a:spcBef>
           <a:spcPct val="20000"/>
         </a:spcBef>
@@ -5716,7 +6050,7 @@
         </a:buClr>
         <a:buFont typeface="Wingdings"/>
         <a:buChar char="§"/>
-        <a:defRPr kumimoji="0" sz="1800" kern="1200" baseline="0">
+        <a:defRPr kumimoji="0" sz="1350" kern="1200" baseline="0">
           <a:solidFill>
             <a:schemeClr val="tx1"/>
           </a:solidFill>
@@ -5725,7 +6059,7 @@
           <a:cs typeface="+mn-cs"/>
         </a:defRPr>
       </a:lvl6pPr>
-      <a:lvl7pPr marL="2377440" indent="-228600" algn="l" rtl="0" eaLnBrk="1" latinLnBrk="0" hangingPunct="1">
+      <a:lvl7pPr marL="1783080" indent="-171450" algn="l" rtl="0" eaLnBrk="1" latinLnBrk="0" hangingPunct="1">
         <a:spcBef>
           <a:spcPct val="20000"/>
         </a:spcBef>
@@ -5734,7 +6068,7 @@
         </a:buClr>
         <a:buFont typeface="Wingdings"/>
         <a:buChar char="§"/>
-        <a:defRPr kumimoji="0" sz="1800" kern="1200" baseline="0">
+        <a:defRPr kumimoji="0" sz="1350" kern="1200" baseline="0">
           <a:solidFill>
             <a:schemeClr val="tx1"/>
           </a:solidFill>
@@ -5743,7 +6077,7 @@
           <a:cs typeface="+mn-cs"/>
         </a:defRPr>
       </a:lvl7pPr>
-      <a:lvl8pPr marL="2651760" indent="-228600" algn="l" rtl="0" eaLnBrk="1" latinLnBrk="0" hangingPunct="1">
+      <a:lvl8pPr marL="1988820" indent="-171450" algn="l" rtl="0" eaLnBrk="1" latinLnBrk="0" hangingPunct="1">
         <a:spcBef>
           <a:spcPct val="20000"/>
         </a:spcBef>
@@ -5752,7 +6086,7 @@
         </a:buClr>
         <a:buFont typeface="Wingdings"/>
         <a:buChar char="§"/>
-        <a:defRPr kumimoji="0" sz="1800" kern="1200" baseline="0">
+        <a:defRPr kumimoji="0" sz="1350" kern="1200" baseline="0">
           <a:solidFill>
             <a:schemeClr val="tx1"/>
           </a:solidFill>
@@ -5761,7 +6095,7 @@
           <a:cs typeface="+mn-cs"/>
         </a:defRPr>
       </a:lvl8pPr>
-      <a:lvl9pPr marL="2926080" indent="-228600" algn="l" rtl="0" eaLnBrk="1" latinLnBrk="0" hangingPunct="1">
+      <a:lvl9pPr marL="2194560" indent="-171450" algn="l" rtl="0" eaLnBrk="1" latinLnBrk="0" hangingPunct="1">
         <a:spcBef>
           <a:spcPct val="20000"/>
         </a:spcBef>
@@ -5770,7 +6104,7 @@
         </a:buClr>
         <a:buFont typeface="Wingdings"/>
         <a:buChar char="§"/>
-        <a:defRPr kumimoji="0" sz="1800" kern="1200" baseline="0">
+        <a:defRPr kumimoji="0" sz="1350" kern="1200" baseline="0">
           <a:solidFill>
             <a:schemeClr val="tx1"/>
           </a:solidFill>
@@ -5791,7 +6125,7 @@
           <a:cs typeface="+mn-cs"/>
         </a:defRPr>
       </a:lvl1pPr>
-      <a:lvl2pPr marL="457200" algn="l" rtl="0" eaLnBrk="1" latinLnBrk="0" hangingPunct="1">
+      <a:lvl2pPr marL="342900" algn="l" rtl="0" eaLnBrk="1" latinLnBrk="0" hangingPunct="1">
         <a:defRPr kumimoji="0" kern="1200">
           <a:solidFill>
             <a:schemeClr val="tx1"/>
@@ -5801,7 +6135,7 @@
           <a:cs typeface="+mn-cs"/>
         </a:defRPr>
       </a:lvl2pPr>
-      <a:lvl3pPr marL="914400" algn="l" rtl="0" eaLnBrk="1" latinLnBrk="0" hangingPunct="1">
+      <a:lvl3pPr marL="685800" algn="l" rtl="0" eaLnBrk="1" latinLnBrk="0" hangingPunct="1">
         <a:defRPr kumimoji="0" kern="1200">
           <a:solidFill>
             <a:schemeClr val="tx1"/>
@@ -5811,7 +6145,7 @@
           <a:cs typeface="+mn-cs"/>
         </a:defRPr>
       </a:lvl3pPr>
-      <a:lvl4pPr marL="1371600" algn="l" rtl="0" eaLnBrk="1" latinLnBrk="0" hangingPunct="1">
+      <a:lvl4pPr marL="1028700" algn="l" rtl="0" eaLnBrk="1" latinLnBrk="0" hangingPunct="1">
         <a:defRPr kumimoji="0" kern="1200">
           <a:solidFill>
             <a:schemeClr val="tx1"/>
@@ -5821,7 +6155,7 @@
           <a:cs typeface="+mn-cs"/>
         </a:defRPr>
       </a:lvl4pPr>
-      <a:lvl5pPr marL="1828800" algn="l" rtl="0" eaLnBrk="1" latinLnBrk="0" hangingPunct="1">
+      <a:lvl5pPr marL="1371600" algn="l" rtl="0" eaLnBrk="1" latinLnBrk="0" hangingPunct="1">
         <a:defRPr kumimoji="0" kern="1200">
           <a:solidFill>
             <a:schemeClr val="tx1"/>
@@ -5831,7 +6165,7 @@
           <a:cs typeface="+mn-cs"/>
         </a:defRPr>
       </a:lvl5pPr>
-      <a:lvl6pPr marL="2286000" algn="l" rtl="0" eaLnBrk="1" latinLnBrk="0" hangingPunct="1">
+      <a:lvl6pPr marL="1714500" algn="l" rtl="0" eaLnBrk="1" latinLnBrk="0" hangingPunct="1">
         <a:defRPr kumimoji="0" kern="1200">
           <a:solidFill>
             <a:schemeClr val="tx1"/>
@@ -5841,7 +6175,7 @@
           <a:cs typeface="+mn-cs"/>
         </a:defRPr>
       </a:lvl6pPr>
-      <a:lvl7pPr marL="2743200" algn="l" rtl="0" eaLnBrk="1" latinLnBrk="0" hangingPunct="1">
+      <a:lvl7pPr marL="2057400" algn="l" rtl="0" eaLnBrk="1" latinLnBrk="0" hangingPunct="1">
         <a:defRPr kumimoji="0" kern="1200">
           <a:solidFill>
             <a:schemeClr val="tx1"/>
@@ -5851,7 +6185,7 @@
           <a:cs typeface="+mn-cs"/>
         </a:defRPr>
       </a:lvl7pPr>
-      <a:lvl8pPr marL="3200400" algn="l" rtl="0" eaLnBrk="1" latinLnBrk="0" hangingPunct="1">
+      <a:lvl8pPr marL="2400300" algn="l" rtl="0" eaLnBrk="1" latinLnBrk="0" hangingPunct="1">
         <a:defRPr kumimoji="0" kern="1200">
           <a:solidFill>
             <a:schemeClr val="tx1"/>
@@ -5861,7 +6195,7 @@
           <a:cs typeface="+mn-cs"/>
         </a:defRPr>
       </a:lvl8pPr>
-      <a:lvl9pPr marL="3657600" algn="l" rtl="0" eaLnBrk="1" latinLnBrk="0" hangingPunct="1">
+      <a:lvl9pPr marL="2743200" algn="l" rtl="0" eaLnBrk="1" latinLnBrk="0" hangingPunct="1">
         <a:defRPr kumimoji="0" kern="1200">
           <a:solidFill>
             <a:schemeClr val="tx1"/>
@@ -5903,11 +6237,17 @@
             <p:ph type="ctrTitle"/>
           </p:nvPr>
         </p:nvSpPr>
-        <p:spPr/>
+        <p:spPr>
+          <a:xfrm>
+            <a:off x="0" y="4038600"/>
+            <a:ext cx="12192000" cy="1828800"/>
+          </a:xfrm>
+        </p:spPr>
         <p:txBody>
           <a:bodyPr/>
           <a:lstStyle/>
           <a:p>
+            <a:pPr algn="ctr"/>
             <a:r>
               <a:rPr lang="en-US" dirty="0" smtClean="0"/>
               <a:t>Mobilizing Grievances</a:t>
@@ -5938,7 +6278,7 @@
         </p:blipFill>
         <p:spPr>
           <a:xfrm>
-            <a:off x="1347658" y="438831"/>
+            <a:off x="2871659" y="438831"/>
             <a:ext cx="6479021" cy="4315124"/>
           </a:xfrm>
           <a:prstGeom prst="rect">
@@ -5956,13 +6296,13 @@
   <p:clrMapOvr>
     <a:masterClrMapping/>
   </p:clrMapOvr>
-  <mc:AlternateContent xmlns:mc="http://schemas.openxmlformats.org/markup-compatibility/2006">
-    <mc:Choice xmlns:p14="http://schemas.microsoft.com/office/powerpoint/2010/main" Requires="p14">
+  <mc:AlternateContent xmlns:mc="http://schemas.openxmlformats.org/markup-compatibility/2006" xmlns:p14="http://schemas.microsoft.com/office/powerpoint/2010/main">
+    <mc:Choice Requires="p14">
       <p:transition spd="med" p14:dur="700">
         <p:fade/>
       </p:transition>
     </mc:Choice>
-    <mc:Fallback>
+    <mc:Fallback xmlns="">
       <p:transition xmlns:p14="http://schemas.microsoft.com/office/powerpoint/2010/main" spd="med">
         <p:fade/>
       </p:transition>
@@ -5971,7 +6311,7 @@
   <p:timing>
     <p:tnLst>
       <p:par>
-        <p:cTn xmlns:p14="http://schemas.microsoft.com/office/powerpoint/2010/main" id="1" dur="indefinite" restart="never" nodeType="tmRoot"/>
+        <p:cTn id="1" dur="indefinite" restart="never" nodeType="tmRoot"/>
       </p:par>
     </p:tnLst>
   </p:timing>
@@ -6073,13 +6413,13 @@
   <p:clrMapOvr>
     <a:masterClrMapping/>
   </p:clrMapOvr>
-  <mc:AlternateContent xmlns:mc="http://schemas.openxmlformats.org/markup-compatibility/2006">
-    <mc:Choice xmlns:p14="http://schemas.microsoft.com/office/powerpoint/2010/main" Requires="p14">
+  <mc:AlternateContent xmlns:mc="http://schemas.openxmlformats.org/markup-compatibility/2006" xmlns:p14="http://schemas.microsoft.com/office/powerpoint/2010/main">
+    <mc:Choice Requires="p14">
       <p:transition spd="med" p14:dur="700">
         <p:fade/>
       </p:transition>
     </mc:Choice>
-    <mc:Fallback>
+    <mc:Fallback xmlns="">
       <p:transition xmlns:p14="http://schemas.microsoft.com/office/powerpoint/2010/main" spd="med">
         <p:fade/>
       </p:transition>
@@ -6124,13 +6464,8 @@
           <a:p>
             <a:r>
               <a:rPr lang="en-US" sz="3600" dirty="0"/>
-              <a:t>Problem with </a:t>
-            </a:r>
-            <a:r>
-              <a:rPr lang="en-US" sz="3600" dirty="0" smtClean="0"/>
-              <a:t>“Strain” Argument</a:t>
-            </a:r>
-            <a:endParaRPr lang="en-US" sz="3600" dirty="0"/>
+              <a:t>Problem with “Strain” Argument</a:t>
+            </a:r>
           </a:p>
         </p:txBody>
       </p:sp>
@@ -6174,13 +6509,13 @@
   <p:clrMapOvr>
     <a:masterClrMapping/>
   </p:clrMapOvr>
-  <mc:AlternateContent xmlns:mc="http://schemas.openxmlformats.org/markup-compatibility/2006">
-    <mc:Choice xmlns:p14="http://schemas.microsoft.com/office/powerpoint/2010/main" Requires="p14">
+  <mc:AlternateContent xmlns:mc="http://schemas.openxmlformats.org/markup-compatibility/2006" xmlns:p14="http://schemas.microsoft.com/office/powerpoint/2010/main">
+    <mc:Choice Requires="p14">
       <p:transition spd="med" p14:dur="700">
         <p:fade/>
       </p:transition>
     </mc:Choice>
-    <mc:Fallback>
+    <mc:Fallback xmlns="">
       <p:transition xmlns:p14="http://schemas.microsoft.com/office/powerpoint/2010/main" spd="med">
         <p:fade/>
       </p:transition>
@@ -6256,25 +6591,12 @@
               <a:rPr lang="en-US" dirty="0" smtClean="0"/>
               <a:t>Absolute Deprivation</a:t>
             </a:r>
-            <a:endParaRPr lang="en-US" dirty="0" smtClean="0"/>
           </a:p>
           <a:p>
             <a:pPr lvl="2"/>
             <a:r>
               <a:rPr lang="en-US" dirty="0" smtClean="0"/>
-              <a:t>Dire social conditions </a:t>
-            </a:r>
-            <a:r>
-              <a:rPr lang="en-US" dirty="0" smtClean="0"/>
-              <a:t>are a source of grievances and make people </a:t>
-            </a:r>
-            <a:r>
-              <a:rPr lang="en-US" dirty="0" smtClean="0"/>
-              <a:t>more </a:t>
-            </a:r>
-            <a:r>
-              <a:rPr lang="en-US" dirty="0" smtClean="0"/>
-              <a:t>vulnerable to appeals of movements</a:t>
+              <a:t>Dire social conditions are a source of grievances and make people more vulnerable to appeals of movements</a:t>
             </a:r>
           </a:p>
           <a:p>
@@ -6297,13 +6619,13 @@
   <p:clrMapOvr>
     <a:masterClrMapping/>
   </p:clrMapOvr>
-  <mc:AlternateContent xmlns:mc="http://schemas.openxmlformats.org/markup-compatibility/2006">
-    <mc:Choice xmlns:p14="http://schemas.microsoft.com/office/powerpoint/2010/main" Requires="p14">
+  <mc:AlternateContent xmlns:mc="http://schemas.openxmlformats.org/markup-compatibility/2006" xmlns:p14="http://schemas.microsoft.com/office/powerpoint/2010/main">
+    <mc:Choice Requires="p14">
       <p:transition spd="med" p14:dur="700">
         <p:fade/>
       </p:transition>
     </mc:Choice>
-    <mc:Fallback>
+    <mc:Fallback xmlns="">
       <p:transition xmlns:p14="http://schemas.microsoft.com/office/powerpoint/2010/main" spd="med">
         <p:fade/>
       </p:transition>
@@ -6342,7 +6664,7 @@
         <p:spPr/>
         <p:txBody>
           <a:bodyPr>
-            <a:normAutofit fontScale="90000"/>
+            <a:normAutofit/>
           </a:bodyPr>
           <a:lstStyle/>
           <a:p>
@@ -6416,13 +6738,13 @@
   <p:clrMapOvr>
     <a:masterClrMapping/>
   </p:clrMapOvr>
-  <mc:AlternateContent xmlns:mc="http://schemas.openxmlformats.org/markup-compatibility/2006">
-    <mc:Choice xmlns:p14="http://schemas.microsoft.com/office/powerpoint/2010/main" Requires="p14">
+  <mc:AlternateContent xmlns:mc="http://schemas.openxmlformats.org/markup-compatibility/2006" xmlns:p14="http://schemas.microsoft.com/office/powerpoint/2010/main">
+    <mc:Choice Requires="p14">
       <p:transition spd="med" p14:dur="700">
         <p:fade/>
       </p:transition>
     </mc:Choice>
-    <mc:Fallback>
+    <mc:Fallback xmlns="">
       <p:transition xmlns:p14="http://schemas.microsoft.com/office/powerpoint/2010/main" spd="med">
         <p:fade/>
       </p:transition>
@@ -6498,7 +6820,6 @@
               <a:rPr lang="en-US" dirty="0" smtClean="0"/>
               <a:t>Quotidian Disruption</a:t>
             </a:r>
-            <a:endParaRPr lang="en-US" dirty="0" smtClean="0"/>
           </a:p>
           <a:p>
             <a:pPr lvl="2"/>
@@ -6548,13 +6869,13 @@
   <p:clrMapOvr>
     <a:masterClrMapping/>
   </p:clrMapOvr>
-  <mc:AlternateContent xmlns:mc="http://schemas.openxmlformats.org/markup-compatibility/2006">
-    <mc:Choice xmlns:p14="http://schemas.microsoft.com/office/powerpoint/2010/main" Requires="p14">
+  <mc:AlternateContent xmlns:mc="http://schemas.openxmlformats.org/markup-compatibility/2006" xmlns:p14="http://schemas.microsoft.com/office/powerpoint/2010/main">
+    <mc:Choice Requires="p14">
       <p:transition spd="med" p14:dur="700">
         <p:fade/>
       </p:transition>
     </mc:Choice>
-    <mc:Fallback>
+    <mc:Fallback xmlns="">
       <p:transition xmlns:p14="http://schemas.microsoft.com/office/powerpoint/2010/main" spd="med">
         <p:fade/>
       </p:transition>
@@ -6625,7 +6946,6 @@
               <a:rPr lang="en-US" dirty="0" smtClean="0"/>
               <a:t>Quotidian Disruption</a:t>
             </a:r>
-            <a:endParaRPr lang="en-US" dirty="0" smtClean="0"/>
           </a:p>
           <a:p>
             <a:pPr lvl="1"/>
@@ -6659,7 +6979,7 @@
         </p:blipFill>
         <p:spPr>
           <a:xfrm>
-            <a:off x="2078961" y="3161133"/>
+            <a:off x="3602962" y="3161134"/>
             <a:ext cx="4973203" cy="3314995"/>
           </a:xfrm>
           <a:prstGeom prst="rect">
@@ -6677,13 +6997,13 @@
   <p:clrMapOvr>
     <a:masterClrMapping/>
   </p:clrMapOvr>
-  <mc:AlternateContent xmlns:mc="http://schemas.openxmlformats.org/markup-compatibility/2006">
-    <mc:Choice xmlns:p14="http://schemas.microsoft.com/office/powerpoint/2010/main" Requires="p14">
+  <mc:AlternateContent xmlns:mc="http://schemas.openxmlformats.org/markup-compatibility/2006" xmlns:p14="http://schemas.microsoft.com/office/powerpoint/2010/main">
+    <mc:Choice Requires="p14">
       <p:transition spd="med" p14:dur="700">
         <p:fade/>
       </p:transition>
     </mc:Choice>
-    <mc:Fallback>
+    <mc:Fallback xmlns="">
       <p:transition xmlns:p14="http://schemas.microsoft.com/office/powerpoint/2010/main" spd="med">
         <p:fade/>
       </p:transition>
@@ -6754,7 +7074,6 @@
               <a:rPr lang="en-US" dirty="0" smtClean="0"/>
               <a:t>Quotidian Disruption</a:t>
             </a:r>
-            <a:endParaRPr lang="en-US" dirty="0" smtClean="0"/>
           </a:p>
           <a:p>
             <a:pPr lvl="1"/>
@@ -6788,7 +7107,7 @@
         </p:blipFill>
         <p:spPr>
           <a:xfrm>
-            <a:off x="1527576" y="3110241"/>
+            <a:off x="3051576" y="3110241"/>
             <a:ext cx="6088848" cy="3458984"/>
           </a:xfrm>
           <a:prstGeom prst="rect">
@@ -6806,13 +7125,13 @@
   <p:clrMapOvr>
     <a:masterClrMapping/>
   </p:clrMapOvr>
-  <mc:AlternateContent xmlns:mc="http://schemas.openxmlformats.org/markup-compatibility/2006">
-    <mc:Choice xmlns:p14="http://schemas.microsoft.com/office/powerpoint/2010/main" Requires="p14">
+  <mc:AlternateContent xmlns:mc="http://schemas.openxmlformats.org/markup-compatibility/2006" xmlns:p14="http://schemas.microsoft.com/office/powerpoint/2010/main">
+    <mc:Choice Requires="p14">
       <p:transition spd="med" p14:dur="700">
         <p:fade/>
       </p:transition>
     </mc:Choice>
-    <mc:Fallback>
+    <mc:Fallback xmlns="">
       <p:transition xmlns:p14="http://schemas.microsoft.com/office/powerpoint/2010/main" spd="med">
         <p:fade/>
       </p:transition>
@@ -6874,7 +7193,7 @@
         </p:nvSpPr>
         <p:spPr>
           <a:xfrm>
-            <a:off x="612648" y="1459852"/>
+            <a:off x="816864" y="1552617"/>
             <a:ext cx="8153400" cy="4495800"/>
           </a:xfrm>
         </p:spPr>
@@ -6888,7 +7207,6 @@
               <a:rPr lang="en-US" dirty="0" smtClean="0"/>
               <a:t>Quotidian Disruption</a:t>
             </a:r>
-            <a:endParaRPr lang="en-US" dirty="0" smtClean="0"/>
           </a:p>
           <a:p>
             <a:pPr lvl="1"/>
@@ -6922,7 +7240,7 @@
         </p:blipFill>
         <p:spPr>
           <a:xfrm>
-            <a:off x="163635" y="3313930"/>
+            <a:off x="1687635" y="3313930"/>
             <a:ext cx="4342894" cy="2984190"/>
           </a:xfrm>
           <a:prstGeom prst="rect">
@@ -6952,7 +7270,7 @@
         </p:blipFill>
         <p:spPr>
           <a:xfrm>
-            <a:off x="4878986" y="3313929"/>
+            <a:off x="6402986" y="3313930"/>
             <a:ext cx="4093030" cy="2984191"/>
           </a:xfrm>
           <a:prstGeom prst="rect">
@@ -6970,13 +7288,13 @@
   <p:clrMapOvr>
     <a:masterClrMapping/>
   </p:clrMapOvr>
-  <mc:AlternateContent xmlns:mc="http://schemas.openxmlformats.org/markup-compatibility/2006">
-    <mc:Choice xmlns:p14="http://schemas.microsoft.com/office/powerpoint/2010/main" Requires="p14">
+  <mc:AlternateContent xmlns:mc="http://schemas.openxmlformats.org/markup-compatibility/2006" xmlns:p14="http://schemas.microsoft.com/office/powerpoint/2010/main">
+    <mc:Choice Requires="p14">
       <p:transition spd="med" p14:dur="700">
         <p:fade/>
       </p:transition>
     </mc:Choice>
-    <mc:Fallback>
+    <mc:Fallback xmlns="">
       <p:transition xmlns:p14="http://schemas.microsoft.com/office/powerpoint/2010/main" spd="med">
         <p:fade/>
       </p:transition>
@@ -7047,7 +7365,6 @@
               <a:rPr lang="en-US" dirty="0" smtClean="0"/>
               <a:t>Quotidian Disruption</a:t>
             </a:r>
-            <a:endParaRPr lang="en-US" dirty="0" smtClean="0"/>
           </a:p>
           <a:p>
             <a:pPr lvl="1"/>
@@ -7081,7 +7398,7 @@
         </p:blipFill>
         <p:spPr>
           <a:xfrm>
-            <a:off x="2286001" y="2832020"/>
+            <a:off x="3810001" y="2832020"/>
             <a:ext cx="4572000" cy="3733800"/>
           </a:xfrm>
           <a:prstGeom prst="rect">
@@ -7099,13 +7416,13 @@
   <p:clrMapOvr>
     <a:masterClrMapping/>
   </p:clrMapOvr>
-  <mc:AlternateContent xmlns:mc="http://schemas.openxmlformats.org/markup-compatibility/2006">
-    <mc:Choice xmlns:p14="http://schemas.microsoft.com/office/powerpoint/2010/main" Requires="p14">
+  <mc:AlternateContent xmlns:mc="http://schemas.openxmlformats.org/markup-compatibility/2006" xmlns:p14="http://schemas.microsoft.com/office/powerpoint/2010/main">
+    <mc:Choice Requires="p14">
       <p:transition spd="med" p14:dur="700">
         <p:fade/>
       </p:transition>
     </mc:Choice>
-    <mc:Fallback>
+    <mc:Fallback xmlns="">
       <p:transition xmlns:p14="http://schemas.microsoft.com/office/powerpoint/2010/main" spd="med">
         <p:fade/>
       </p:transition>
@@ -7176,7 +7493,7 @@
         </p:nvSpPr>
         <p:spPr>
           <a:xfrm>
-            <a:off x="612648" y="1600200"/>
+            <a:off x="816864" y="1547192"/>
             <a:ext cx="8153400" cy="1540279"/>
           </a:xfrm>
         </p:spPr>
@@ -7220,7 +7537,7 @@
         </p:blipFill>
         <p:spPr>
           <a:xfrm>
-            <a:off x="1534311" y="3191962"/>
+            <a:off x="3058311" y="3191962"/>
             <a:ext cx="6350000" cy="3302000"/>
           </a:xfrm>
           <a:prstGeom prst="rect">
@@ -7238,13 +7555,13 @@
   <p:clrMapOvr>
     <a:masterClrMapping/>
   </p:clrMapOvr>
-  <mc:AlternateContent xmlns:mc="http://schemas.openxmlformats.org/markup-compatibility/2006">
-    <mc:Choice xmlns:p14="http://schemas.microsoft.com/office/powerpoint/2010/main" Requires="p14">
+  <mc:AlternateContent xmlns:mc="http://schemas.openxmlformats.org/markup-compatibility/2006" xmlns:p14="http://schemas.microsoft.com/office/powerpoint/2010/main">
+    <mc:Choice Requires="p14">
       <p:transition spd="med" p14:dur="700">
         <p:fade/>
       </p:transition>
     </mc:Choice>
-    <mc:Fallback>
+    <mc:Fallback xmlns="">
       <p:transition xmlns:p14="http://schemas.microsoft.com/office/powerpoint/2010/main" spd="med">
         <p:fade/>
       </p:transition>
@@ -7333,13 +7650,13 @@
   <p:clrMapOvr>
     <a:masterClrMapping/>
   </p:clrMapOvr>
-  <mc:AlternateContent xmlns:mc="http://schemas.openxmlformats.org/markup-compatibility/2006">
-    <mc:Choice xmlns:p14="http://schemas.microsoft.com/office/powerpoint/2010/main" Requires="p14">
+  <mc:AlternateContent xmlns:mc="http://schemas.openxmlformats.org/markup-compatibility/2006" xmlns:p14="http://schemas.microsoft.com/office/powerpoint/2010/main">
+    <mc:Choice Requires="p14">
       <p:transition spd="med" p14:dur="700">
         <p:fade/>
       </p:transition>
     </mc:Choice>
-    <mc:Fallback>
+    <mc:Fallback xmlns="">
       <p:transition xmlns:p14="http://schemas.microsoft.com/office/powerpoint/2010/main" spd="med">
         <p:fade/>
       </p:transition>
@@ -7378,7 +7695,7 @@
         <p:spPr/>
         <p:txBody>
           <a:bodyPr>
-            <a:normAutofit fontScale="90000"/>
+            <a:normAutofit/>
           </a:bodyPr>
           <a:lstStyle/>
           <a:p>
@@ -7462,13 +7779,13 @@
   <p:clrMapOvr>
     <a:masterClrMapping/>
   </p:clrMapOvr>
-  <mc:AlternateContent xmlns:mc="http://schemas.openxmlformats.org/markup-compatibility/2006">
-    <mc:Choice xmlns:p14="http://schemas.microsoft.com/office/powerpoint/2010/main" Requires="p14">
+  <mc:AlternateContent xmlns:mc="http://schemas.openxmlformats.org/markup-compatibility/2006" xmlns:p14="http://schemas.microsoft.com/office/powerpoint/2010/main">
+    <mc:Choice Requires="p14">
       <p:transition spd="med" p14:dur="700">
         <p:fade/>
       </p:transition>
     </mc:Choice>
-    <mc:Fallback>
+    <mc:Fallback xmlns="">
       <p:transition xmlns:p14="http://schemas.microsoft.com/office/powerpoint/2010/main" spd="med">
         <p:fade/>
       </p:transition>
@@ -7557,13 +7874,13 @@
   <p:clrMapOvr>
     <a:masterClrMapping/>
   </p:clrMapOvr>
-  <mc:AlternateContent xmlns:mc="http://schemas.openxmlformats.org/markup-compatibility/2006">
-    <mc:Choice xmlns:p14="http://schemas.microsoft.com/office/powerpoint/2010/main" Requires="p14">
+  <mc:AlternateContent xmlns:mc="http://schemas.openxmlformats.org/markup-compatibility/2006" xmlns:p14="http://schemas.microsoft.com/office/powerpoint/2010/main">
+    <mc:Choice Requires="p14">
       <p:transition spd="med" p14:dur="700">
         <p:fade/>
       </p:transition>
     </mc:Choice>
-    <mc:Fallback>
+    <mc:Fallback xmlns="">
       <p:transition xmlns:p14="http://schemas.microsoft.com/office/powerpoint/2010/main" spd="med">
         <p:fade/>
       </p:transition>
@@ -7602,7 +7919,7 @@
         <p:spPr/>
         <p:txBody>
           <a:bodyPr>
-            <a:normAutofit fontScale="90000"/>
+            <a:normAutofit/>
           </a:bodyPr>
           <a:lstStyle/>
           <a:p>
@@ -7638,13 +7955,13 @@
         </p:nvSpPr>
         <p:spPr>
           <a:xfrm>
-            <a:off x="612648" y="1600200"/>
+            <a:off x="816864" y="1541483"/>
             <a:ext cx="3867097" cy="4495800"/>
           </a:xfrm>
         </p:spPr>
         <p:txBody>
           <a:bodyPr>
-            <a:normAutofit fontScale="85000" lnSpcReduction="10000"/>
+            <a:normAutofit/>
           </a:bodyPr>
           <a:lstStyle/>
           <a:p>
@@ -7701,7 +8018,7 @@
         </p:blipFill>
         <p:spPr>
           <a:xfrm>
-            <a:off x="4778144" y="2290783"/>
+            <a:off x="6302144" y="2290783"/>
             <a:ext cx="3810000" cy="2997200"/>
           </a:xfrm>
           <a:prstGeom prst="rect">
@@ -7719,13 +8036,13 @@
   <p:clrMapOvr>
     <a:masterClrMapping/>
   </p:clrMapOvr>
-  <mc:AlternateContent xmlns:mc="http://schemas.openxmlformats.org/markup-compatibility/2006">
-    <mc:Choice xmlns:p14="http://schemas.microsoft.com/office/powerpoint/2010/main" Requires="p14">
+  <mc:AlternateContent xmlns:mc="http://schemas.openxmlformats.org/markup-compatibility/2006" xmlns:p14="http://schemas.microsoft.com/office/powerpoint/2010/main">
+    <mc:Choice Requires="p14">
       <p:transition spd="med" p14:dur="700">
         <p:fade/>
       </p:transition>
     </mc:Choice>
-    <mc:Fallback>
+    <mc:Fallback xmlns="">
       <p:transition xmlns:p14="http://schemas.microsoft.com/office/powerpoint/2010/main" spd="med">
         <p:fade/>
       </p:transition>
@@ -7821,13 +8138,13 @@
   <p:clrMapOvr>
     <a:masterClrMapping/>
   </p:clrMapOvr>
-  <mc:AlternateContent xmlns:mc="http://schemas.openxmlformats.org/markup-compatibility/2006">
-    <mc:Choice xmlns:p14="http://schemas.microsoft.com/office/powerpoint/2010/main" Requires="p14">
+  <mc:AlternateContent xmlns:mc="http://schemas.openxmlformats.org/markup-compatibility/2006" xmlns:p14="http://schemas.microsoft.com/office/powerpoint/2010/main">
+    <mc:Choice Requires="p14">
       <p:transition spd="med" p14:dur="700">
         <p:fade/>
       </p:transition>
     </mc:Choice>
-    <mc:Fallback>
+    <mc:Fallback xmlns="">
       <p:transition xmlns:p14="http://schemas.microsoft.com/office/powerpoint/2010/main" spd="med">
         <p:fade/>
       </p:transition>
@@ -7930,13 +8247,13 @@
   <p:clrMapOvr>
     <a:masterClrMapping/>
   </p:clrMapOvr>
-  <mc:AlternateContent xmlns:mc="http://schemas.openxmlformats.org/markup-compatibility/2006">
-    <mc:Choice xmlns:p14="http://schemas.microsoft.com/office/powerpoint/2010/main" Requires="p14">
+  <mc:AlternateContent xmlns:mc="http://schemas.openxmlformats.org/markup-compatibility/2006" xmlns:p14="http://schemas.microsoft.com/office/powerpoint/2010/main">
+    <mc:Choice Requires="p14">
       <p:transition spd="med" p14:dur="700">
         <p:fade/>
       </p:transition>
     </mc:Choice>
-    <mc:Fallback>
+    <mc:Fallback xmlns="">
       <p:transition xmlns:p14="http://schemas.microsoft.com/office/powerpoint/2010/main" spd="med">
         <p:fade/>
       </p:transition>
@@ -7975,7 +8292,7 @@
         <p:spPr/>
         <p:txBody>
           <a:bodyPr>
-            <a:normAutofit fontScale="90000"/>
+            <a:normAutofit/>
           </a:bodyPr>
           <a:lstStyle/>
           <a:p>
@@ -8009,7 +8326,7 @@
         </p:blipFill>
         <p:spPr>
           <a:xfrm>
-            <a:off x="1791827" y="1927706"/>
+            <a:off x="3315828" y="1927706"/>
             <a:ext cx="5811725" cy="4358794"/>
           </a:xfrm>
           <a:prstGeom prst="rect">
@@ -8027,13 +8344,13 @@
   <p:clrMapOvr>
     <a:masterClrMapping/>
   </p:clrMapOvr>
-  <mc:AlternateContent xmlns:mc="http://schemas.openxmlformats.org/markup-compatibility/2006">
-    <mc:Choice xmlns:p14="http://schemas.microsoft.com/office/powerpoint/2010/main" Requires="p14">
+  <mc:AlternateContent xmlns:mc="http://schemas.openxmlformats.org/markup-compatibility/2006" xmlns:p14="http://schemas.microsoft.com/office/powerpoint/2010/main">
+    <mc:Choice Requires="p14">
       <p:transition spd="med" p14:dur="700">
         <p:fade/>
       </p:transition>
     </mc:Choice>
-    <mc:Fallback>
+    <mc:Fallback xmlns="">
       <p:transition xmlns:p14="http://schemas.microsoft.com/office/powerpoint/2010/main" spd="med">
         <p:fade/>
       </p:transition>
@@ -8121,13 +8438,13 @@
   <p:clrMapOvr>
     <a:masterClrMapping/>
   </p:clrMapOvr>
-  <mc:AlternateContent xmlns:mc="http://schemas.openxmlformats.org/markup-compatibility/2006">
-    <mc:Choice xmlns:p14="http://schemas.microsoft.com/office/powerpoint/2010/main" Requires="p14">
+  <mc:AlternateContent xmlns:mc="http://schemas.openxmlformats.org/markup-compatibility/2006" xmlns:p14="http://schemas.microsoft.com/office/powerpoint/2010/main">
+    <mc:Choice Requires="p14">
       <p:transition spd="med" p14:dur="700">
         <p:fade/>
       </p:transition>
     </mc:Choice>
-    <mc:Fallback>
+    <mc:Fallback xmlns="">
       <p:transition xmlns:p14="http://schemas.microsoft.com/office/powerpoint/2010/main" spd="med">
         <p:fade/>
       </p:transition>
@@ -8136,7 +8453,7 @@
   <p:timing>
     <p:tnLst>
       <p:par>
-        <p:cTn xmlns:p14="http://schemas.microsoft.com/office/powerpoint/2010/main" id="1" dur="indefinite" restart="never" nodeType="tmRoot"/>
+        <p:cTn id="1" dur="indefinite" restart="never" nodeType="tmRoot"/>
       </p:par>
     </p:tnLst>
   </p:timing>
@@ -8243,13 +8560,13 @@
   <p:clrMapOvr>
     <a:masterClrMapping/>
   </p:clrMapOvr>
-  <mc:AlternateContent xmlns:mc="http://schemas.openxmlformats.org/markup-compatibility/2006">
-    <mc:Choice xmlns:p14="http://schemas.microsoft.com/office/powerpoint/2010/main" Requires="p14">
+  <mc:AlternateContent xmlns:mc="http://schemas.openxmlformats.org/markup-compatibility/2006" xmlns:p14="http://schemas.microsoft.com/office/powerpoint/2010/main">
+    <mc:Choice Requires="p14">
       <p:transition spd="med" p14:dur="700">
         <p:fade/>
       </p:transition>
     </mc:Choice>
-    <mc:Fallback>
+    <mc:Fallback xmlns="">
       <p:transition xmlns:p14="http://schemas.microsoft.com/office/powerpoint/2010/main" spd="med">
         <p:fade/>
       </p:transition>
@@ -8258,7 +8575,7 @@
   <p:timing>
     <p:tnLst>
       <p:par>
-        <p:cTn xmlns:p14="http://schemas.microsoft.com/office/powerpoint/2010/main" id="1" dur="indefinite" restart="never" nodeType="tmRoot"/>
+        <p:cTn id="1" dur="indefinite" restart="never" nodeType="tmRoot"/>
       </p:par>
     </p:tnLst>
   </p:timing>
@@ -8329,7 +8646,7 @@
         </p:blipFill>
         <p:spPr>
           <a:xfrm>
-            <a:off x="2138558" y="2028465"/>
+            <a:off x="3662559" y="2028466"/>
             <a:ext cx="4937785" cy="3703339"/>
           </a:xfrm>
           <a:prstGeom prst="rect">
@@ -8347,13 +8664,13 @@
   <p:clrMapOvr>
     <a:masterClrMapping/>
   </p:clrMapOvr>
-  <mc:AlternateContent xmlns:mc="http://schemas.openxmlformats.org/markup-compatibility/2006">
-    <mc:Choice xmlns:p14="http://schemas.microsoft.com/office/powerpoint/2010/main" Requires="p14">
+  <mc:AlternateContent xmlns:mc="http://schemas.openxmlformats.org/markup-compatibility/2006" xmlns:p14="http://schemas.microsoft.com/office/powerpoint/2010/main">
+    <mc:Choice Requires="p14">
       <p:transition spd="med" p14:dur="700">
         <p:fade/>
       </p:transition>
     </mc:Choice>
-    <mc:Fallback>
+    <mc:Fallback xmlns="">
       <p:transition xmlns:p14="http://schemas.microsoft.com/office/powerpoint/2010/main" spd="med">
         <p:fade/>
       </p:transition>
@@ -8362,7 +8679,7 @@
   <p:timing>
     <p:tnLst>
       <p:par>
-        <p:cTn xmlns:p14="http://schemas.microsoft.com/office/powerpoint/2010/main" id="1" dur="indefinite" restart="never" nodeType="tmRoot"/>
+        <p:cTn id="1" dur="indefinite" restart="never" nodeType="tmRoot"/>
       </p:par>
     </p:tnLst>
   </p:timing>
@@ -8476,13 +8793,13 @@
   <p:clrMapOvr>
     <a:masterClrMapping/>
   </p:clrMapOvr>
-  <mc:AlternateContent xmlns:mc="http://schemas.openxmlformats.org/markup-compatibility/2006">
-    <mc:Choice xmlns:p14="http://schemas.microsoft.com/office/powerpoint/2010/main" Requires="p14">
+  <mc:AlternateContent xmlns:mc="http://schemas.openxmlformats.org/markup-compatibility/2006" xmlns:p14="http://schemas.microsoft.com/office/powerpoint/2010/main">
+    <mc:Choice Requires="p14">
       <p:transition spd="med" p14:dur="700">
         <p:fade/>
       </p:transition>
     </mc:Choice>
-    <mc:Fallback>
+    <mc:Fallback xmlns="">
       <p:transition xmlns:p14="http://schemas.microsoft.com/office/powerpoint/2010/main" spd="med">
         <p:fade/>
       </p:transition>
@@ -8521,7 +8838,7 @@
         <p:spPr/>
         <p:txBody>
           <a:bodyPr>
-            <a:normAutofit fontScale="90000"/>
+            <a:normAutofit/>
           </a:bodyPr>
           <a:lstStyle/>
           <a:p>
@@ -8556,7 +8873,6 @@
               <a:rPr lang="en-US" dirty="0" smtClean="0"/>
               <a:t>biquitous, therefore inconsequential</a:t>
             </a:r>
-            <a:endParaRPr lang="en-US" dirty="0" smtClean="0"/>
           </a:p>
           <a:p>
             <a:r>
@@ -8565,25 +8881,13 @@
             </a:r>
             <a:r>
               <a:rPr lang="en-US" dirty="0" smtClean="0"/>
-              <a:t>esult </a:t>
-            </a:r>
-            <a:r>
-              <a:rPr lang="en-US" dirty="0" smtClean="0"/>
-              <a:t>from objective structural or material conditions</a:t>
-            </a:r>
-          </a:p>
-          <a:p>
-            <a:r>
-              <a:rPr lang="en-US" dirty="0" smtClean="0"/>
-              <a:t>Result from </a:t>
-            </a:r>
-            <a:r>
-              <a:rPr lang="en-US" dirty="0" smtClean="0"/>
-              <a:t>heightened </a:t>
-            </a:r>
-            <a:r>
-              <a:rPr lang="en-US" dirty="0" smtClean="0"/>
-              <a:t>psychological states</a:t>
+              <a:t>esult from objective structural or material conditions</a:t>
+            </a:r>
+          </a:p>
+          <a:p>
+            <a:r>
+              <a:rPr lang="en-US" dirty="0" smtClean="0"/>
+              <a:t>Result from heightened psychological states</a:t>
             </a:r>
             <a:endParaRPr lang="en-US" dirty="0"/>
           </a:p>
@@ -8599,13 +8903,13 @@
   <p:clrMapOvr>
     <a:masterClrMapping/>
   </p:clrMapOvr>
-  <mc:AlternateContent xmlns:mc="http://schemas.openxmlformats.org/markup-compatibility/2006">
-    <mc:Choice xmlns:p14="http://schemas.microsoft.com/office/powerpoint/2010/main" Requires="p14">
+  <mc:AlternateContent xmlns:mc="http://schemas.openxmlformats.org/markup-compatibility/2006" xmlns:p14="http://schemas.microsoft.com/office/powerpoint/2010/main">
+    <mc:Choice Requires="p14">
       <p:transition spd="med" p14:dur="700">
         <p:fade/>
       </p:transition>
     </mc:Choice>
-    <mc:Fallback>
+    <mc:Fallback xmlns="">
       <p:transition xmlns:p14="http://schemas.microsoft.com/office/powerpoint/2010/main" spd="med">
         <p:fade/>
       </p:transition>
@@ -8644,7 +8948,7 @@
         <p:spPr/>
         <p:txBody>
           <a:bodyPr>
-            <a:normAutofit fontScale="90000"/>
+            <a:normAutofit/>
           </a:bodyPr>
           <a:lstStyle/>
           <a:p>
@@ -8708,13 +9012,13 @@
   <p:clrMapOvr>
     <a:masterClrMapping/>
   </p:clrMapOvr>
-  <mc:AlternateContent xmlns:mc="http://schemas.openxmlformats.org/markup-compatibility/2006">
-    <mc:Choice xmlns:p14="http://schemas.microsoft.com/office/powerpoint/2010/main" Requires="p14">
+  <mc:AlternateContent xmlns:mc="http://schemas.openxmlformats.org/markup-compatibility/2006" xmlns:p14="http://schemas.microsoft.com/office/powerpoint/2010/main">
+    <mc:Choice Requires="p14">
       <p:transition spd="med" p14:dur="700">
         <p:fade/>
       </p:transition>
     </mc:Choice>
-    <mc:Fallback>
+    <mc:Fallback xmlns="">
       <p:transition xmlns:p14="http://schemas.microsoft.com/office/powerpoint/2010/main" spd="med">
         <p:fade/>
       </p:transition>
@@ -8753,7 +9057,7 @@
         <p:spPr/>
         <p:txBody>
           <a:bodyPr>
-            <a:normAutofit fontScale="90000"/>
+            <a:normAutofit/>
           </a:bodyPr>
           <a:lstStyle/>
           <a:p>
@@ -8777,13 +9081,13 @@
         </p:nvSpPr>
         <p:spPr>
           <a:xfrm>
-            <a:off x="612648" y="1651000"/>
+            <a:off x="816864" y="1531731"/>
             <a:ext cx="8153400" cy="4495800"/>
           </a:xfrm>
         </p:spPr>
         <p:txBody>
           <a:bodyPr>
-            <a:normAutofit lnSpcReduction="10000"/>
+            <a:normAutofit/>
           </a:bodyPr>
           <a:lstStyle/>
           <a:p>
@@ -8844,11 +9148,7 @@
             </a:r>
             <a:r>
               <a:rPr lang="en-US" dirty="0" smtClean="0"/>
-              <a:t>action, since movements </a:t>
-            </a:r>
-            <a:r>
-              <a:rPr lang="en-US" dirty="0" smtClean="0"/>
-              <a:t>aren't always active</a:t>
+              <a:t>action, since movements aren't always active</a:t>
             </a:r>
             <a:endParaRPr lang="en-US" dirty="0"/>
           </a:p>
@@ -8872,13 +9172,13 @@
   <p:clrMapOvr>
     <a:masterClrMapping/>
   </p:clrMapOvr>
-  <mc:AlternateContent xmlns:mc="http://schemas.openxmlformats.org/markup-compatibility/2006">
-    <mc:Choice xmlns:p14="http://schemas.microsoft.com/office/powerpoint/2010/main" Requires="p14">
+  <mc:AlternateContent xmlns:mc="http://schemas.openxmlformats.org/markup-compatibility/2006" xmlns:p14="http://schemas.microsoft.com/office/powerpoint/2010/main">
+    <mc:Choice Requires="p14">
       <p:transition spd="med" p14:dur="700">
         <p:fade/>
       </p:transition>
     </mc:Choice>
-    <mc:Fallback>
+    <mc:Fallback xmlns="">
       <p:transition xmlns:p14="http://schemas.microsoft.com/office/powerpoint/2010/main" spd="med">
         <p:fade/>
       </p:transition>
@@ -8973,11 +9273,7 @@
             <a:pPr lvl="2"/>
             <a:r>
               <a:rPr lang="en-US" dirty="0" smtClean="0"/>
-              <a:t>Changes/trends that alter existing social arrangements and patterns of social </a:t>
-            </a:r>
-            <a:r>
-              <a:rPr lang="en-US" dirty="0" smtClean="0"/>
-              <a:t>life</a:t>
+              <a:t>Changes/trends that alter existing social arrangements and patterns of social life</a:t>
             </a:r>
           </a:p>
           <a:p>
@@ -9000,13 +9296,13 @@
   <p:clrMapOvr>
     <a:masterClrMapping/>
   </p:clrMapOvr>
-  <mc:AlternateContent xmlns:mc="http://schemas.openxmlformats.org/markup-compatibility/2006">
-    <mc:Choice xmlns:p14="http://schemas.microsoft.com/office/powerpoint/2010/main" Requires="p14">
+  <mc:AlternateContent xmlns:mc="http://schemas.openxmlformats.org/markup-compatibility/2006" xmlns:p14="http://schemas.microsoft.com/office/powerpoint/2010/main">
+    <mc:Choice Requires="p14">
       <p:transition spd="med" p14:dur="700">
         <p:fade/>
       </p:transition>
     </mc:Choice>
-    <mc:Fallback>
+    <mc:Fallback xmlns="">
       <p:transition xmlns:p14="http://schemas.microsoft.com/office/powerpoint/2010/main" spd="med">
         <p:fade/>
       </p:transition>
@@ -9100,13 +9396,13 @@
   <p:clrMapOvr>
     <a:masterClrMapping/>
   </p:clrMapOvr>
-  <mc:AlternateContent xmlns:mc="http://schemas.openxmlformats.org/markup-compatibility/2006">
-    <mc:Choice xmlns:p14="http://schemas.microsoft.com/office/powerpoint/2010/main" Requires="p14">
+  <mc:AlternateContent xmlns:mc="http://schemas.openxmlformats.org/markup-compatibility/2006" xmlns:p14="http://schemas.microsoft.com/office/powerpoint/2010/main">
+    <mc:Choice Requires="p14">
       <p:transition spd="med" p14:dur="700">
         <p:fade/>
       </p:transition>
     </mc:Choice>
-    <mc:Fallback>
+    <mc:Fallback xmlns="">
       <p:transition xmlns:p14="http://schemas.microsoft.com/office/powerpoint/2010/main" spd="med">
         <p:fade/>
       </p:transition>
@@ -9150,18 +9446,9 @@
           <a:lstStyle/>
           <a:p>
             <a:r>
-              <a:rPr lang="en-US" sz="3600" dirty="0" smtClean="0"/>
-              <a:t>Problem with </a:t>
-            </a:r>
-            <a:r>
-              <a:rPr lang="en-US" sz="3600" dirty="0" smtClean="0"/>
-              <a:t>“Inequality” </a:t>
-            </a:r>
-            <a:r>
-              <a:rPr lang="en-US" sz="3600" dirty="0" smtClean="0"/>
-              <a:t>Argument</a:t>
-            </a:r>
-            <a:endParaRPr lang="en-US" sz="3600" dirty="0"/>
+              <a:rPr lang="en-US" sz="3600" dirty="0"/>
+              <a:t>Problem with “Inequality” Argument</a:t>
+            </a:r>
           </a:p>
         </p:txBody>
       </p:sp>
@@ -9182,11 +9469,7 @@
           <a:p>
             <a:r>
               <a:rPr lang="en-US" dirty="0" smtClean="0"/>
-              <a:t>Groups </a:t>
-            </a:r>
-            <a:r>
-              <a:rPr lang="en-US" dirty="0" smtClean="0"/>
-              <a:t>are hierarchically situated in </a:t>
+              <a:t>Groups are hierarchically situated in </a:t>
             </a:r>
             <a:r>
               <a:rPr lang="en-US" dirty="0"/>
@@ -9226,13 +9509,13 @@
   <p:clrMapOvr>
     <a:masterClrMapping/>
   </p:clrMapOvr>
-  <mc:AlternateContent xmlns:mc="http://schemas.openxmlformats.org/markup-compatibility/2006">
-    <mc:Choice xmlns:p14="http://schemas.microsoft.com/office/powerpoint/2010/main" Requires="p14">
+  <mc:AlternateContent xmlns:mc="http://schemas.openxmlformats.org/markup-compatibility/2006" xmlns:p14="http://schemas.microsoft.com/office/powerpoint/2010/main">
+    <mc:Choice Requires="p14">
       <p:transition spd="med" p14:dur="700">
         <p:fade/>
       </p:transition>
     </mc:Choice>
-    <mc:Fallback>
+    <mc:Fallback xmlns="">
       <p:transition xmlns:p14="http://schemas.microsoft.com/office/powerpoint/2010/main" spd="med">
         <p:fade/>
       </p:transition>
@@ -9242,59 +9525,57 @@
 </file>
 
 <file path=ppt/theme/theme1.xml><?xml version="1.0" encoding="utf-8"?>
-<a:theme xmlns:a="http://schemas.openxmlformats.org/drawingml/2006/main" name="Chargers Theme">
+<a:theme xmlns:a="http://schemas.openxmlformats.org/drawingml/2006/main" name="chargers2">
   <a:themeElements>
-    <a:clrScheme name="Chargers Theme Colors 1">
+    <a:clrScheme name="chargers">
       <a:dk1>
         <a:srgbClr val="000000"/>
       </a:dk1>
       <a:lt1>
-        <a:srgbClr val="CCCCCC"/>
+        <a:srgbClr val="FFFFFF"/>
       </a:lt1>
       <a:dk2>
-        <a:srgbClr val="0C2340"/>
+        <a:srgbClr val="082551"/>
       </a:dk2>
       <a:lt2>
-        <a:srgbClr val="CCCCCC"/>
+        <a:srgbClr val="D4D4D6"/>
       </a:lt2>
       <a:accent1>
-        <a:srgbClr val="FFB81C"/>
+        <a:srgbClr val="F0AD00"/>
       </a:accent1>
       <a:accent2>
-        <a:srgbClr val="0072CE"/>
+        <a:srgbClr val="69C0FF"/>
       </a:accent2>
       <a:accent3>
-        <a:srgbClr val="999999"/>
+        <a:srgbClr val="E66C7D"/>
       </a:accent3>
       <a:accent4>
-        <a:srgbClr val="FFB81C"/>
+        <a:srgbClr val="6BB76D"/>
       </a:accent4>
       <a:accent5>
-        <a:srgbClr val="FFFFFF"/>
+        <a:srgbClr val="E88651"/>
       </a:accent5>
       <a:accent6>
-        <a:srgbClr val="666666"/>
+        <a:srgbClr val="C64847"/>
       </a:accent6>
       <a:hlink>
-        <a:srgbClr val="0072CE"/>
+        <a:srgbClr val="168BBA"/>
       </a:hlink>
       <a:folHlink>
-        <a:srgbClr val="666666"/>
+        <a:srgbClr val="680000"/>
       </a:folHlink>
     </a:clrScheme>
-    <a:fontScheme name="Median">
+    <a:fontScheme name="Aspect">
       <a:majorFont>
-        <a:latin typeface="Tw Cen MT"/>
+        <a:latin typeface="Verdana"/>
         <a:ea typeface=""/>
         <a:cs typeface=""/>
-        <a:font script="Grek" typeface="Calibri"/>
-        <a:font script="Cyrl" typeface="Calibri"/>
-        <a:font script="Jpan" typeface="ＭＳ Ｐゴシック"/>
-        <a:font script="Hang" typeface="HY얕은샘물M"/>
-        <a:font script="Hans" typeface="华文仿宋"/>
+        <a:font script="Jpan" typeface="ＭＳ ゴシック"/>
+        <a:font script="Hang" typeface="굴림"/>
+        <a:font script="Hans" typeface="微软雅黑"/>
         <a:font script="Hant" typeface="微軟正黑體"/>
-        <a:font script="Arab" typeface="Arial"/>
-        <a:font script="Hebr" typeface="Levenim MT"/>
+        <a:font script="Arab" typeface="Tahoma"/>
+        <a:font script="Hebr" typeface="Tahoma"/>
         <a:font script="Thai" typeface="FreesiaUPC"/>
         <a:font script="Ethi" typeface="Nyala"/>
         <a:font script="Beng" typeface="Vrinda"/>
@@ -9316,21 +9597,19 @@
         <a:font script="Laoo" typeface="DokChampa"/>
         <a:font script="Sinh" typeface="Iskoola Pota"/>
         <a:font script="Mong" typeface="Mongolian Baiti"/>
-        <a:font script="Viet" typeface="Tahoma"/>
+        <a:font script="Viet" typeface="Verdana"/>
         <a:font script="Uigh" typeface="Microsoft Uighur"/>
       </a:majorFont>
       <a:minorFont>
-        <a:latin typeface="Tw Cen MT"/>
+        <a:latin typeface="Verdana"/>
         <a:ea typeface=""/>
         <a:cs typeface=""/>
-        <a:font script="Grek" typeface="Calibri"/>
-        <a:font script="Cyrl" typeface="Calibri"/>
-        <a:font script="Jpan" typeface="ＭＳ Ｐゴシック"/>
-        <a:font script="Hang" typeface="HY얕은샘물M"/>
-        <a:font script="Hans" typeface="华文仿宋"/>
+        <a:font script="Jpan" typeface="ＭＳ ゴシック"/>
+        <a:font script="Hang" typeface="굴림"/>
+        <a:font script="Hans" typeface="微软雅黑"/>
         <a:font script="Hant" typeface="微軟正黑體"/>
-        <a:font script="Arab" typeface="Arial"/>
-        <a:font script="Hebr" typeface="Levenim MT"/>
+        <a:font script="Arab" typeface="Tahoma"/>
+        <a:font script="Hebr" typeface="Tahoma"/>
         <a:font script="Thai" typeface="FreesiaUPC"/>
         <a:font script="Ethi" typeface="Nyala"/>
         <a:font script="Beng" typeface="Vrinda"/>
@@ -9352,7 +9631,7 @@
         <a:font script="Laoo" typeface="DokChampa"/>
         <a:font script="Sinh" typeface="Iskoola Pota"/>
         <a:font script="Mong" typeface="Mongolian Baiti"/>
-        <a:font script="Viet" typeface="Tahoma"/>
+        <a:font script="Viet" typeface="Verdana"/>
         <a:font script="Uigh" typeface="Microsoft Uighur"/>
       </a:minorFont>
     </a:fontScheme>
@@ -9468,51 +9747,13 @@
       </a:bgFillStyleLst>
     </a:fmtScheme>
   </a:themeElements>
-  <a:objectDefaults>
-    <a:spDef>
-      <a:spPr/>
-      <a:bodyPr rtlCol="0" anchor="ctr"/>
-      <a:lstStyle>
-        <a:defPPr algn="ctr">
-          <a:defRPr/>
-        </a:defPPr>
-      </a:lstStyle>
-      <a:style>
-        <a:lnRef idx="1">
-          <a:schemeClr val="accent1"/>
-        </a:lnRef>
-        <a:fillRef idx="3">
-          <a:schemeClr val="accent1"/>
-        </a:fillRef>
-        <a:effectRef idx="2">
-          <a:schemeClr val="accent1"/>
-        </a:effectRef>
-        <a:fontRef idx="minor">
-          <a:schemeClr val="lt1"/>
-        </a:fontRef>
-      </a:style>
-    </a:spDef>
-    <a:lnDef>
-      <a:spPr/>
-      <a:bodyPr/>
-      <a:lstStyle/>
-      <a:style>
-        <a:lnRef idx="2">
-          <a:schemeClr val="accent1"/>
-        </a:lnRef>
-        <a:fillRef idx="0">
-          <a:schemeClr val="accent1"/>
-        </a:fillRef>
-        <a:effectRef idx="1">
-          <a:schemeClr val="accent1"/>
-        </a:effectRef>
-        <a:fontRef idx="minor">
-          <a:schemeClr val="tx1"/>
-        </a:fontRef>
-      </a:style>
-    </a:lnDef>
-  </a:objectDefaults>
+  <a:objectDefaults/>
   <a:extraClrSchemeLst/>
+  <a:extLst>
+    <a:ext uri="{05A4C25C-085E-4340-85A3-A5531E510DB2}">
+      <thm15:themeFamily xmlns:thm15="http://schemas.microsoft.com/office/thememl/2012/main" name="chargers2" id="{6DBD1BB9-3822-1742-A51A-4595D71C9688}" vid="{2974C9F9-02AF-7A4D-8B70-272A2D4E3805}"/>
+    </a:ext>
+  </a:extLst>
 </a:theme>
 </file>
 
